--- a/python/ppt/ppt-chapter3.pptx
+++ b/python/ppt/ppt-chapter3.pptx
@@ -7,9 +7,17 @@
   <p:sldIdLst>
     <p:sldId id="256" r:id="rId2"/>
     <p:sldId id="257" r:id="rId3"/>
-    <p:sldId id="258" r:id="rId4"/>
-    <p:sldId id="259" r:id="rId5"/>
-    <p:sldId id="260" r:id="rId6"/>
+    <p:sldId id="259" r:id="rId4"/>
+    <p:sldId id="262" r:id="rId5"/>
+    <p:sldId id="263" r:id="rId6"/>
+    <p:sldId id="264" r:id="rId7"/>
+    <p:sldId id="260" r:id="rId8"/>
+    <p:sldId id="265" r:id="rId9"/>
+    <p:sldId id="266" r:id="rId10"/>
+    <p:sldId id="267" r:id="rId11"/>
+    <p:sldId id="268" r:id="rId12"/>
+    <p:sldId id="269" r:id="rId13"/>
+    <p:sldId id="270" r:id="rId14"/>
   </p:sldIdLst>
   <p:sldSz cx="12192000" cy="6858000"/>
   <p:notesSz cx="6858000" cy="9144000"/>
@@ -108,6 +116,32 @@
       </a:defRPr>
     </a:lvl9pPr>
   </p:defaultTextStyle>
+  <p:extLst>
+    <p:ext uri="{521415D9-36F7-43E2-AB2F-B90AF26B5E84}">
+      <p14:sectionLst xmlns:p14="http://schemas.microsoft.com/office/powerpoint/2010/main">
+        <p14:section name="默认节" id="{FE81051B-5F81-4EEB-A80A-BE2904C0C4CC}">
+          <p14:sldIdLst>
+            <p14:sldId id="256"/>
+            <p14:sldId id="257"/>
+            <p14:sldId id="259"/>
+            <p14:sldId id="262"/>
+            <p14:sldId id="263"/>
+            <p14:sldId id="264"/>
+            <p14:sldId id="260"/>
+            <p14:sldId id="265"/>
+            <p14:sldId id="266"/>
+            <p14:sldId id="267"/>
+            <p14:sldId id="268"/>
+            <p14:sldId id="269"/>
+            <p14:sldId id="270"/>
+          </p14:sldIdLst>
+        </p14:section>
+      </p14:sectionLst>
+    </p:ext>
+    <p:ext uri="{EFAFB233-063F-42B5-8137-9DF3F51BA10A}">
+      <p15:sldGuideLst xmlns:p15="http://schemas.microsoft.com/office/powerpoint/2012/main"/>
+    </p:ext>
+  </p:extLst>
 </p:presentation>
 </file>
 
@@ -6070,7 +6104,12 @@
             <p:ph type="ctrTitle"/>
           </p:nvPr>
         </p:nvSpPr>
-        <p:spPr/>
+        <p:spPr>
+          <a:xfrm>
+            <a:off x="1751012" y="898995"/>
+            <a:ext cx="8689976" cy="2509213"/>
+          </a:xfrm>
+        </p:spPr>
         <p:txBody>
           <a:bodyPr/>
           <a:lstStyle/>
@@ -6142,6 +6181,1499 @@
     <p:extLst>
       <p:ext uri="{BB962C8B-B14F-4D97-AF65-F5344CB8AC3E}">
         <p14:creationId xmlns:p14="http://schemas.microsoft.com/office/powerpoint/2010/main" val="3830219488"/>
+      </p:ext>
+    </p:extLst>
+  </p:cSld>
+  <p:clrMapOvr>
+    <a:masterClrMapping/>
+  </p:clrMapOvr>
+  <p:timing>
+    <p:tnLst>
+      <p:par>
+        <p:cTn id="1" dur="indefinite" restart="never" nodeType="tmRoot"/>
+      </p:par>
+    </p:tnLst>
+  </p:timing>
+</p:sld>
+</file>
+
+<file path=ppt/slides/slide10.xml><?xml version="1.0" encoding="utf-8"?>
+<p:sld xmlns:a="http://schemas.openxmlformats.org/drawingml/2006/main" xmlns:r="http://schemas.openxmlformats.org/officeDocument/2006/relationships" xmlns:p="http://schemas.openxmlformats.org/presentationml/2006/main">
+  <p:cSld>
+    <p:spTree>
+      <p:nvGrpSpPr>
+        <p:cNvPr id="1" name=""/>
+        <p:cNvGrpSpPr/>
+        <p:nvPr/>
+      </p:nvGrpSpPr>
+      <p:grpSpPr>
+        <a:xfrm>
+          <a:off x="0" y="0"/>
+          <a:ext cx="0" cy="0"/>
+          <a:chOff x="0" y="0"/>
+          <a:chExt cx="0" cy="0"/>
+        </a:xfrm>
+      </p:grpSpPr>
+      <p:sp>
+        <p:nvSpPr>
+          <p:cNvPr id="2" name="竖排标题 1"/>
+          <p:cNvSpPr>
+            <a:spLocks noGrp="1"/>
+          </p:cNvSpPr>
+          <p:nvPr>
+            <p:ph type="title" orient="vert"/>
+          </p:nvPr>
+        </p:nvSpPr>
+        <p:spPr/>
+        <p:txBody>
+          <a:bodyPr/>
+          <a:lstStyle/>
+          <a:p>
+            <a:pPr algn="ctr"/>
+            <a:r>
+              <a:rPr lang="zh-CN" altLang="en-US" b="1" dirty="0" smtClean="0"/>
+              <a:t>比特填充复原</a:t>
+            </a:r>
+            <a:endParaRPr lang="zh-CN" altLang="en-US" b="1" dirty="0"/>
+          </a:p>
+        </p:txBody>
+      </p:sp>
+      <p:sp>
+        <p:nvSpPr>
+          <p:cNvPr id="4" name="文本框 3"/>
+          <p:cNvSpPr txBox="1"/>
+          <p:nvPr/>
+        </p:nvSpPr>
+        <p:spPr>
+          <a:xfrm>
+            <a:off x="1737360" y="458956"/>
+            <a:ext cx="7511143" cy="5940088"/>
+          </a:xfrm>
+          <a:prstGeom prst="rect">
+            <a:avLst/>
+          </a:prstGeom>
+          <a:noFill/>
+        </p:spPr>
+        <p:txBody>
+          <a:bodyPr wrap="square" rtlCol="0">
+            <a:spAutoFit/>
+          </a:bodyPr>
+          <a:lstStyle/>
+          <a:p>
+            <a:endParaRPr lang="zh-CN" altLang="en-US" sz="2000" dirty="0"/>
+          </a:p>
+          <a:p>
+            <a:r>
+              <a:rPr lang="en-US" altLang="zh-CN" sz="2000" dirty="0"/>
+              <a:t>#</a:t>
+            </a:r>
+            <a:r>
+              <a:rPr lang="zh-CN" altLang="en-US" sz="2000" dirty="0"/>
+              <a:t>比特填充还原数据  </a:t>
+            </a:r>
+          </a:p>
+          <a:p>
+            <a:r>
+              <a:rPr lang="en-US" altLang="zh-CN" sz="2000" dirty="0" err="1"/>
+              <a:t>InfoString</a:t>
+            </a:r>
+            <a:r>
+              <a:rPr lang="en-US" altLang="zh-CN" sz="2000" dirty="0" smtClean="0"/>
+              <a:t>=‘’</a:t>
+            </a:r>
+            <a:r>
+              <a:rPr lang="en-US" altLang="zh-CN" sz="2000" dirty="0"/>
+              <a:t>  </a:t>
+            </a:r>
+            <a:r>
+              <a:rPr lang="en-US" altLang="zh-CN" sz="2000" dirty="0" smtClean="0"/>
+              <a:t>#</a:t>
+            </a:r>
+            <a:r>
+              <a:rPr lang="zh-CN" altLang="en-US" sz="2000" dirty="0" smtClean="0"/>
+              <a:t>还原后的数串</a:t>
+            </a:r>
+            <a:endParaRPr lang="en-US" altLang="zh-CN" sz="2000" dirty="0"/>
+          </a:p>
+          <a:p>
+            <a:r>
+              <a:rPr lang="en-US" altLang="zh-CN" sz="2000" b="1" dirty="0"/>
+              <a:t>for</a:t>
+            </a:r>
+            <a:r>
+              <a:rPr lang="en-US" altLang="zh-CN" sz="2000" dirty="0"/>
+              <a:t> </a:t>
+            </a:r>
+            <a:r>
+              <a:rPr lang="en-US" altLang="zh-CN" sz="2000" dirty="0" err="1"/>
+              <a:t>i</a:t>
+            </a:r>
+            <a:r>
+              <a:rPr lang="en-US" altLang="zh-CN" sz="2000" dirty="0"/>
+              <a:t> </a:t>
+            </a:r>
+            <a:r>
+              <a:rPr lang="en-US" altLang="zh-CN" sz="2000" b="1" dirty="0"/>
+              <a:t>in</a:t>
+            </a:r>
+            <a:r>
+              <a:rPr lang="en-US" altLang="zh-CN" sz="2000" dirty="0"/>
+              <a:t> range(</a:t>
+            </a:r>
+            <a:r>
+              <a:rPr lang="en-US" altLang="zh-CN" sz="2000" dirty="0" err="1"/>
+              <a:t>len</a:t>
+            </a:r>
+            <a:r>
+              <a:rPr lang="en-US" altLang="zh-CN" sz="2000" dirty="0"/>
+              <a:t>(</a:t>
+            </a:r>
+            <a:r>
+              <a:rPr lang="en-US" altLang="zh-CN" sz="2000" dirty="0" err="1"/>
+              <a:t>InfoStringAfterFill</a:t>
+            </a:r>
+            <a:r>
+              <a:rPr lang="en-US" altLang="zh-CN" sz="2000" dirty="0"/>
+              <a:t>)):  </a:t>
+            </a:r>
+          </a:p>
+          <a:p>
+            <a:r>
+              <a:rPr lang="en-US" altLang="zh-CN" sz="2000" dirty="0"/>
+              <a:t>    </a:t>
+            </a:r>
+            <a:r>
+              <a:rPr lang="en-US" altLang="zh-CN" sz="2000" b="1" dirty="0"/>
+              <a:t>if</a:t>
+            </a:r>
+            <a:r>
+              <a:rPr lang="en-US" altLang="zh-CN" sz="2000" dirty="0"/>
+              <a:t> flag==1:  </a:t>
+            </a:r>
+          </a:p>
+          <a:p>
+            <a:r>
+              <a:rPr lang="en-US" altLang="zh-CN" sz="2000" dirty="0"/>
+              <a:t>        flag=0  </a:t>
+            </a:r>
+          </a:p>
+          <a:p>
+            <a:r>
+              <a:rPr lang="en-US" altLang="zh-CN" sz="2000" dirty="0"/>
+              <a:t>        </a:t>
+            </a:r>
+            <a:r>
+              <a:rPr lang="en-US" altLang="zh-CN" sz="2000" b="1" dirty="0"/>
+              <a:t>continue</a:t>
+            </a:r>
+            <a:r>
+              <a:rPr lang="en-US" altLang="zh-CN" sz="2000" dirty="0"/>
+              <a:t>  </a:t>
+            </a:r>
+          </a:p>
+          <a:p>
+            <a:r>
+              <a:rPr lang="en-US" altLang="zh-CN" sz="2000" dirty="0"/>
+              <a:t>    </a:t>
+            </a:r>
+            <a:r>
+              <a:rPr lang="en-US" altLang="zh-CN" sz="2000" b="1" dirty="0"/>
+              <a:t>if</a:t>
+            </a:r>
+            <a:r>
+              <a:rPr lang="en-US" altLang="zh-CN" sz="2000" dirty="0"/>
+              <a:t>(</a:t>
+            </a:r>
+            <a:r>
+              <a:rPr lang="en-US" altLang="zh-CN" sz="2000" dirty="0" err="1"/>
+              <a:t>InfoStringAfterFill</a:t>
+            </a:r>
+            <a:r>
+              <a:rPr lang="en-US" altLang="zh-CN" sz="2000" dirty="0"/>
+              <a:t>[</a:t>
+            </a:r>
+            <a:r>
+              <a:rPr lang="en-US" altLang="zh-CN" sz="2000" dirty="0" err="1"/>
+              <a:t>i</a:t>
+            </a:r>
+            <a:r>
+              <a:rPr lang="en-US" altLang="zh-CN" sz="2000" dirty="0"/>
+              <a:t>]=='0'):  </a:t>
+            </a:r>
+          </a:p>
+          <a:p>
+            <a:r>
+              <a:rPr lang="en-US" altLang="zh-CN" sz="2000" dirty="0"/>
+              <a:t>        count=0  </a:t>
+            </a:r>
+          </a:p>
+          <a:p>
+            <a:r>
+              <a:rPr lang="en-US" altLang="zh-CN" sz="2000" dirty="0"/>
+              <a:t>        </a:t>
+            </a:r>
+            <a:r>
+              <a:rPr lang="en-US" altLang="zh-CN" sz="2000" dirty="0" err="1"/>
+              <a:t>InfoString</a:t>
+            </a:r>
+            <a:r>
+              <a:rPr lang="en-US" altLang="zh-CN" sz="2000" dirty="0"/>
+              <a:t>+='0'  </a:t>
+            </a:r>
+          </a:p>
+          <a:p>
+            <a:r>
+              <a:rPr lang="en-US" altLang="zh-CN" sz="2000" dirty="0"/>
+              <a:t>    </a:t>
+            </a:r>
+            <a:r>
+              <a:rPr lang="en-US" altLang="zh-CN" sz="2000" b="1" dirty="0"/>
+              <a:t>else</a:t>
+            </a:r>
+            <a:r>
+              <a:rPr lang="en-US" altLang="zh-CN" sz="2000" dirty="0"/>
+              <a:t>:  </a:t>
+            </a:r>
+          </a:p>
+          <a:p>
+            <a:r>
+              <a:rPr lang="en-US" altLang="zh-CN" sz="2000" dirty="0"/>
+              <a:t>        count+=1  </a:t>
+            </a:r>
+          </a:p>
+          <a:p>
+            <a:r>
+              <a:rPr lang="en-US" altLang="zh-CN" sz="2000" dirty="0"/>
+              <a:t>        </a:t>
+            </a:r>
+            <a:r>
+              <a:rPr lang="en-US" altLang="zh-CN" sz="2000" b="1" dirty="0"/>
+              <a:t>if</a:t>
+            </a:r>
+            <a:r>
+              <a:rPr lang="en-US" altLang="zh-CN" sz="2000" dirty="0"/>
+              <a:t> count==5:  </a:t>
+            </a:r>
+          </a:p>
+          <a:p>
+            <a:r>
+              <a:rPr lang="en-US" altLang="zh-CN" sz="2000" dirty="0"/>
+              <a:t>            count=0  </a:t>
+            </a:r>
+          </a:p>
+          <a:p>
+            <a:r>
+              <a:rPr lang="en-US" altLang="zh-CN" sz="2000" dirty="0"/>
+              <a:t>            </a:t>
+            </a:r>
+            <a:r>
+              <a:rPr lang="en-US" altLang="zh-CN" sz="2000" dirty="0" err="1"/>
+              <a:t>InfoString</a:t>
+            </a:r>
+            <a:r>
+              <a:rPr lang="en-US" altLang="zh-CN" sz="2000" dirty="0"/>
+              <a:t>+='1'  </a:t>
+            </a:r>
+          </a:p>
+          <a:p>
+            <a:r>
+              <a:rPr lang="en-US" altLang="zh-CN" sz="2000" dirty="0"/>
+              <a:t>            </a:t>
+            </a:r>
+            <a:r>
+              <a:rPr lang="en-US" altLang="zh-CN" sz="2000" b="1" dirty="0"/>
+              <a:t>if</a:t>
+            </a:r>
+            <a:r>
+              <a:rPr lang="en-US" altLang="zh-CN" sz="2000" dirty="0"/>
+              <a:t>(</a:t>
+            </a:r>
+            <a:r>
+              <a:rPr lang="en-US" altLang="zh-CN" sz="2000" dirty="0" err="1"/>
+              <a:t>InfoStringAfterFill</a:t>
+            </a:r>
+            <a:r>
+              <a:rPr lang="en-US" altLang="zh-CN" sz="2000" dirty="0"/>
+              <a:t>[i+1</a:t>
+            </a:r>
+            <a:r>
+              <a:rPr lang="en-US" altLang="zh-CN" sz="2000" dirty="0" smtClean="0"/>
+              <a:t>]==‘0’):</a:t>
+            </a:r>
+            <a:r>
+              <a:rPr lang="en-US" altLang="zh-CN" sz="2000" dirty="0"/>
+              <a:t>  </a:t>
+            </a:r>
+            <a:r>
+              <a:rPr lang="en-US" altLang="zh-CN" sz="2000" dirty="0" smtClean="0"/>
+              <a:t>#</a:t>
+            </a:r>
+            <a:r>
+              <a:rPr lang="zh-CN" altLang="en-US" sz="2000" dirty="0" smtClean="0"/>
+              <a:t>连续</a:t>
+            </a:r>
+            <a:r>
+              <a:rPr lang="en-US" altLang="zh-CN" sz="2000" dirty="0" smtClean="0"/>
+              <a:t>5</a:t>
+            </a:r>
+            <a:r>
+              <a:rPr lang="zh-CN" altLang="en-US" sz="2000" dirty="0" smtClean="0"/>
+              <a:t>个</a:t>
+            </a:r>
+            <a:r>
+              <a:rPr lang="en-US" altLang="zh-CN" sz="2000" dirty="0" smtClean="0"/>
+              <a:t>1</a:t>
+            </a:r>
+            <a:r>
+              <a:rPr lang="zh-CN" altLang="en-US" sz="2000" dirty="0" smtClean="0"/>
+              <a:t>后的</a:t>
+            </a:r>
+            <a:r>
+              <a:rPr lang="en-US" altLang="zh-CN" sz="2000" dirty="0" smtClean="0"/>
+              <a:t>0</a:t>
+            </a:r>
+            <a:r>
+              <a:rPr lang="zh-CN" altLang="en-US" sz="2000" dirty="0" smtClean="0"/>
+              <a:t>剔除</a:t>
+            </a:r>
+            <a:endParaRPr lang="en-US" altLang="zh-CN" sz="2000" dirty="0"/>
+          </a:p>
+          <a:p>
+            <a:r>
+              <a:rPr lang="en-US" altLang="zh-CN" sz="2000" dirty="0"/>
+              <a:t>                flag=1  </a:t>
+            </a:r>
+          </a:p>
+          <a:p>
+            <a:r>
+              <a:rPr lang="en-US" altLang="zh-CN" sz="2000" dirty="0"/>
+              <a:t>        </a:t>
+            </a:r>
+            <a:r>
+              <a:rPr lang="en-US" altLang="zh-CN" sz="2000" b="1" dirty="0"/>
+              <a:t>else</a:t>
+            </a:r>
+            <a:r>
+              <a:rPr lang="en-US" altLang="zh-CN" sz="2000" dirty="0"/>
+              <a:t>:  </a:t>
+            </a:r>
+          </a:p>
+          <a:p>
+            <a:r>
+              <a:rPr lang="en-US" altLang="zh-CN" sz="2000" dirty="0"/>
+              <a:t>            </a:t>
+            </a:r>
+            <a:r>
+              <a:rPr lang="en-US" altLang="zh-CN" sz="2000" dirty="0" err="1"/>
+              <a:t>InfoString</a:t>
+            </a:r>
+            <a:r>
+              <a:rPr lang="en-US" altLang="zh-CN" sz="2000" dirty="0"/>
+              <a:t>+='1'  </a:t>
+            </a:r>
+          </a:p>
+        </p:txBody>
+      </p:sp>
+    </p:spTree>
+    <p:extLst>
+      <p:ext uri="{BB962C8B-B14F-4D97-AF65-F5344CB8AC3E}">
+        <p14:creationId xmlns:p14="http://schemas.microsoft.com/office/powerpoint/2010/main" val="244567690"/>
+      </p:ext>
+    </p:extLst>
+  </p:cSld>
+  <p:clrMapOvr>
+    <a:masterClrMapping/>
+  </p:clrMapOvr>
+  <p:timing>
+    <p:tnLst>
+      <p:par>
+        <p:cTn id="1" dur="indefinite" restart="never" nodeType="tmRoot"/>
+      </p:par>
+    </p:tnLst>
+  </p:timing>
+</p:sld>
+</file>
+
+<file path=ppt/slides/slide11.xml><?xml version="1.0" encoding="utf-8"?>
+<p:sld xmlns:a="http://schemas.openxmlformats.org/drawingml/2006/main" xmlns:r="http://schemas.openxmlformats.org/officeDocument/2006/relationships" xmlns:p="http://schemas.openxmlformats.org/presentationml/2006/main">
+  <p:cSld>
+    <p:spTree>
+      <p:nvGrpSpPr>
+        <p:cNvPr id="1" name=""/>
+        <p:cNvGrpSpPr/>
+        <p:nvPr/>
+      </p:nvGrpSpPr>
+      <p:grpSpPr>
+        <a:xfrm>
+          <a:off x="0" y="0"/>
+          <a:ext cx="0" cy="0"/>
+          <a:chOff x="0" y="0"/>
+          <a:chExt cx="0" cy="0"/>
+        </a:xfrm>
+      </p:grpSpPr>
+      <p:sp>
+        <p:nvSpPr>
+          <p:cNvPr id="2" name="竖排标题 1"/>
+          <p:cNvSpPr>
+            <a:spLocks noGrp="1"/>
+          </p:cNvSpPr>
+          <p:nvPr>
+            <p:ph type="title" orient="vert"/>
+          </p:nvPr>
+        </p:nvSpPr>
+        <p:spPr/>
+        <p:txBody>
+          <a:bodyPr/>
+          <a:lstStyle/>
+          <a:p>
+            <a:pPr algn="ctr"/>
+            <a:r>
+              <a:rPr lang="zh-CN" altLang="en-US" b="1" dirty="0" smtClean="0"/>
+              <a:t>字节填充</a:t>
+            </a:r>
+            <a:endParaRPr lang="zh-CN" altLang="en-US" b="1" dirty="0"/>
+          </a:p>
+        </p:txBody>
+      </p:sp>
+      <p:sp>
+        <p:nvSpPr>
+          <p:cNvPr id="4" name="文本框 3"/>
+          <p:cNvSpPr txBox="1"/>
+          <p:nvPr/>
+        </p:nvSpPr>
+        <p:spPr>
+          <a:xfrm>
+            <a:off x="1737360" y="920621"/>
+            <a:ext cx="7511143" cy="5016758"/>
+          </a:xfrm>
+          <a:prstGeom prst="rect">
+            <a:avLst/>
+          </a:prstGeom>
+          <a:noFill/>
+        </p:spPr>
+        <p:txBody>
+          <a:bodyPr wrap="square" rtlCol="0">
+            <a:spAutoFit/>
+          </a:bodyPr>
+          <a:lstStyle/>
+          <a:p>
+            <a:endParaRPr lang="zh-CN" altLang="en-US" sz="2000" dirty="0"/>
+          </a:p>
+          <a:p>
+            <a:r>
+              <a:rPr lang="en-US" altLang="zh-CN" sz="2000" dirty="0"/>
+              <a:t>#</a:t>
+            </a:r>
+            <a:r>
+              <a:rPr lang="zh-CN" altLang="en-US" sz="2000" dirty="0"/>
+              <a:t>字节填充：标志字节</a:t>
+            </a:r>
+            <a:r>
+              <a:rPr lang="en-US" altLang="zh-CN" sz="2000" dirty="0"/>
+              <a:t>7EH</a:t>
+            </a:r>
+            <a:r>
+              <a:rPr lang="zh-CN" altLang="en-US" sz="2000" dirty="0"/>
+              <a:t>、转移字节</a:t>
+            </a:r>
+            <a:r>
+              <a:rPr lang="en-US" altLang="zh-CN" sz="2000" dirty="0"/>
+              <a:t>5CH  </a:t>
+            </a:r>
+          </a:p>
+          <a:p>
+            <a:r>
+              <a:rPr lang="en-US" altLang="zh-CN" sz="2000" dirty="0" err="1"/>
+              <a:t>InfoStringAfterFillbyte</a:t>
+            </a:r>
+            <a:r>
+              <a:rPr lang="en-US" altLang="zh-CN" sz="2000" dirty="0"/>
+              <a:t>=</a:t>
+            </a:r>
+            <a:r>
+              <a:rPr lang="en-US" altLang="zh-CN" sz="2000" dirty="0" err="1"/>
+              <a:t>bytearray</a:t>
+            </a:r>
+            <a:r>
+              <a:rPr lang="en-US" altLang="zh-CN" sz="2000" dirty="0"/>
+              <a:t>()  </a:t>
+            </a:r>
+          </a:p>
+          <a:p>
+            <a:r>
+              <a:rPr lang="en-US" altLang="zh-CN" sz="2000" b="1" dirty="0"/>
+              <a:t>for</a:t>
+            </a:r>
+            <a:r>
+              <a:rPr lang="en-US" altLang="zh-CN" sz="2000" dirty="0"/>
+              <a:t> </a:t>
+            </a:r>
+            <a:r>
+              <a:rPr lang="en-US" altLang="zh-CN" sz="2000" dirty="0" err="1"/>
+              <a:t>i</a:t>
+            </a:r>
+            <a:r>
+              <a:rPr lang="en-US" altLang="zh-CN" sz="2000" dirty="0"/>
+              <a:t> </a:t>
+            </a:r>
+            <a:r>
+              <a:rPr lang="en-US" altLang="zh-CN" sz="2000" b="1" dirty="0"/>
+              <a:t>in</a:t>
+            </a:r>
+            <a:r>
+              <a:rPr lang="en-US" altLang="zh-CN" sz="2000" dirty="0"/>
+              <a:t> range(</a:t>
+            </a:r>
+            <a:r>
+              <a:rPr lang="en-US" altLang="zh-CN" sz="2000" dirty="0" err="1"/>
+              <a:t>len</a:t>
+            </a:r>
+            <a:r>
+              <a:rPr lang="en-US" altLang="zh-CN" sz="2000" dirty="0"/>
+              <a:t>(</a:t>
+            </a:r>
+            <a:r>
+              <a:rPr lang="en-US" altLang="zh-CN" sz="2000" dirty="0" err="1"/>
+              <a:t>InfoStringbyte</a:t>
+            </a:r>
+            <a:r>
+              <a:rPr lang="en-US" altLang="zh-CN" sz="2000" dirty="0"/>
+              <a:t>)):  </a:t>
+            </a:r>
+          </a:p>
+          <a:p>
+            <a:r>
+              <a:rPr lang="en-US" altLang="zh-CN" sz="2000" dirty="0"/>
+              <a:t>    </a:t>
+            </a:r>
+            <a:r>
+              <a:rPr lang="en-US" altLang="zh-CN" sz="2000" b="1" dirty="0"/>
+              <a:t>if</a:t>
+            </a:r>
+            <a:r>
+              <a:rPr lang="en-US" altLang="zh-CN" sz="2000" dirty="0"/>
+              <a:t> </a:t>
+            </a:r>
+            <a:r>
+              <a:rPr lang="en-US" altLang="zh-CN" sz="2000" dirty="0" err="1"/>
+              <a:t>InfoStringbyte</a:t>
+            </a:r>
+            <a:r>
+              <a:rPr lang="en-US" altLang="zh-CN" sz="2000" dirty="0"/>
+              <a:t>[</a:t>
+            </a:r>
+            <a:r>
+              <a:rPr lang="en-US" altLang="zh-CN" sz="2000" dirty="0" err="1"/>
+              <a:t>i</a:t>
+            </a:r>
+            <a:r>
+              <a:rPr lang="en-US" altLang="zh-CN" sz="2000" dirty="0"/>
+              <a:t>]==</a:t>
+            </a:r>
+            <a:r>
+              <a:rPr lang="en-US" altLang="zh-CN" sz="2000" dirty="0" err="1"/>
+              <a:t>flagByte</a:t>
+            </a:r>
+            <a:r>
+              <a:rPr lang="en-US" altLang="zh-CN" sz="2000" dirty="0"/>
+              <a:t>[0]:  </a:t>
+            </a:r>
+          </a:p>
+          <a:p>
+            <a:r>
+              <a:rPr lang="en-US" altLang="zh-CN" sz="2000" dirty="0"/>
+              <a:t>        </a:t>
+            </a:r>
+            <a:r>
+              <a:rPr lang="en-US" altLang="zh-CN" sz="2000" dirty="0" err="1"/>
+              <a:t>InfoStringAfterFillbyte</a:t>
+            </a:r>
+            <a:r>
+              <a:rPr lang="en-US" altLang="zh-CN" sz="2000" dirty="0"/>
+              <a:t>+=</a:t>
+            </a:r>
+            <a:r>
+              <a:rPr lang="en-US" altLang="zh-CN" sz="2000" dirty="0" err="1"/>
+              <a:t>escByte</a:t>
+            </a:r>
+            <a:r>
+              <a:rPr lang="en-US" altLang="zh-CN" sz="2000" dirty="0"/>
+              <a:t>[0:1]  </a:t>
+            </a:r>
+          </a:p>
+          <a:p>
+            <a:r>
+              <a:rPr lang="en-US" altLang="zh-CN" sz="2000" dirty="0"/>
+              <a:t>        </a:t>
+            </a:r>
+            <a:r>
+              <a:rPr lang="en-US" altLang="zh-CN" sz="2000" dirty="0" err="1"/>
+              <a:t>InfoStringAfterFillbyte</a:t>
+            </a:r>
+            <a:r>
+              <a:rPr lang="en-US" altLang="zh-CN" sz="2000" dirty="0"/>
+              <a:t>+=</a:t>
+            </a:r>
+            <a:r>
+              <a:rPr lang="en-US" altLang="zh-CN" sz="2000" dirty="0" err="1"/>
+              <a:t>flagByte</a:t>
+            </a:r>
+            <a:r>
+              <a:rPr lang="en-US" altLang="zh-CN" sz="2000" dirty="0"/>
+              <a:t>[0:1]  </a:t>
+            </a:r>
+          </a:p>
+          <a:p>
+            <a:r>
+              <a:rPr lang="en-US" altLang="zh-CN" sz="2000" dirty="0"/>
+              <a:t>    </a:t>
+            </a:r>
+            <a:r>
+              <a:rPr lang="en-US" altLang="zh-CN" sz="2000" b="1" dirty="0" err="1"/>
+              <a:t>elif</a:t>
+            </a:r>
+            <a:r>
+              <a:rPr lang="en-US" altLang="zh-CN" sz="2000" dirty="0"/>
+              <a:t> </a:t>
+            </a:r>
+            <a:r>
+              <a:rPr lang="en-US" altLang="zh-CN" sz="2000" dirty="0" err="1"/>
+              <a:t>InfoStringbyte</a:t>
+            </a:r>
+            <a:r>
+              <a:rPr lang="en-US" altLang="zh-CN" sz="2000" dirty="0"/>
+              <a:t>[</a:t>
+            </a:r>
+            <a:r>
+              <a:rPr lang="en-US" altLang="zh-CN" sz="2000" dirty="0" err="1"/>
+              <a:t>i</a:t>
+            </a:r>
+            <a:r>
+              <a:rPr lang="en-US" altLang="zh-CN" sz="2000" dirty="0"/>
+              <a:t>]==</a:t>
+            </a:r>
+            <a:r>
+              <a:rPr lang="en-US" altLang="zh-CN" sz="2000" dirty="0" err="1"/>
+              <a:t>escByte</a:t>
+            </a:r>
+            <a:r>
+              <a:rPr lang="en-US" altLang="zh-CN" sz="2000" dirty="0"/>
+              <a:t>[0]:  </a:t>
+            </a:r>
+          </a:p>
+          <a:p>
+            <a:r>
+              <a:rPr lang="en-US" altLang="zh-CN" sz="2000" dirty="0"/>
+              <a:t>        </a:t>
+            </a:r>
+            <a:r>
+              <a:rPr lang="en-US" altLang="zh-CN" sz="2000" dirty="0" err="1"/>
+              <a:t>InfoStringAfterFillbyte</a:t>
+            </a:r>
+            <a:r>
+              <a:rPr lang="en-US" altLang="zh-CN" sz="2000" dirty="0"/>
+              <a:t>+=</a:t>
+            </a:r>
+            <a:r>
+              <a:rPr lang="en-US" altLang="zh-CN" sz="2000" dirty="0" err="1"/>
+              <a:t>escByte</a:t>
+            </a:r>
+            <a:r>
+              <a:rPr lang="en-US" altLang="zh-CN" sz="2000" dirty="0"/>
+              <a:t>[0:1]  </a:t>
+            </a:r>
+          </a:p>
+          <a:p>
+            <a:r>
+              <a:rPr lang="en-US" altLang="zh-CN" sz="2000" dirty="0"/>
+              <a:t>        </a:t>
+            </a:r>
+            <a:r>
+              <a:rPr lang="en-US" altLang="zh-CN" sz="2000" dirty="0" err="1"/>
+              <a:t>InfoStringAfterFillbyte</a:t>
+            </a:r>
+            <a:r>
+              <a:rPr lang="en-US" altLang="zh-CN" sz="2000" dirty="0"/>
+              <a:t>+=</a:t>
+            </a:r>
+            <a:r>
+              <a:rPr lang="en-US" altLang="zh-CN" sz="2000" dirty="0" err="1"/>
+              <a:t>escByte</a:t>
+            </a:r>
+            <a:r>
+              <a:rPr lang="en-US" altLang="zh-CN" sz="2000" dirty="0"/>
+              <a:t>[0:1]  </a:t>
+            </a:r>
+          </a:p>
+          <a:p>
+            <a:r>
+              <a:rPr lang="en-US" altLang="zh-CN" sz="2000" dirty="0"/>
+              <a:t>    </a:t>
+            </a:r>
+            <a:r>
+              <a:rPr lang="en-US" altLang="zh-CN" sz="2000" b="1" dirty="0"/>
+              <a:t>else</a:t>
+            </a:r>
+            <a:r>
+              <a:rPr lang="en-US" altLang="zh-CN" sz="2000" dirty="0"/>
+              <a:t>:  </a:t>
+            </a:r>
+          </a:p>
+          <a:p>
+            <a:r>
+              <a:rPr lang="en-US" altLang="zh-CN" sz="2000" dirty="0"/>
+              <a:t>        </a:t>
+            </a:r>
+            <a:r>
+              <a:rPr lang="en-US" altLang="zh-CN" sz="2000" dirty="0" err="1"/>
+              <a:t>InfoStringAfterFillbyte</a:t>
+            </a:r>
+            <a:r>
+              <a:rPr lang="en-US" altLang="zh-CN" sz="2000" dirty="0"/>
+              <a:t>+=</a:t>
+            </a:r>
+            <a:r>
+              <a:rPr lang="en-US" altLang="zh-CN" sz="2000" dirty="0" err="1"/>
+              <a:t>InfoStringbyte</a:t>
+            </a:r>
+            <a:r>
+              <a:rPr lang="en-US" altLang="zh-CN" sz="2000" dirty="0"/>
+              <a:t>[i:i+1]  </a:t>
+            </a:r>
+          </a:p>
+          <a:p>
+            <a:r>
+              <a:rPr lang="en-US" altLang="zh-CN" sz="2000" dirty="0"/>
+              <a:t>  </a:t>
+            </a:r>
+          </a:p>
+          <a:p>
+            <a:r>
+              <a:rPr lang="en-US" altLang="zh-CN" sz="2000" dirty="0" err="1"/>
+              <a:t>InfoStringAfterFill</a:t>
+            </a:r>
+            <a:r>
+              <a:rPr lang="en-US" altLang="zh-CN" sz="2000" dirty="0"/>
+              <a:t>=''  </a:t>
+            </a:r>
+          </a:p>
+          <a:p>
+            <a:r>
+              <a:rPr lang="en-US" altLang="zh-CN" sz="2000" b="1" dirty="0"/>
+              <a:t>for</a:t>
+            </a:r>
+            <a:r>
+              <a:rPr lang="en-US" altLang="zh-CN" sz="2000" dirty="0"/>
+              <a:t> </a:t>
+            </a:r>
+            <a:r>
+              <a:rPr lang="en-US" altLang="zh-CN" sz="2000" dirty="0" err="1"/>
+              <a:t>i</a:t>
+            </a:r>
+            <a:r>
+              <a:rPr lang="en-US" altLang="zh-CN" sz="2000" dirty="0"/>
+              <a:t> </a:t>
+            </a:r>
+            <a:r>
+              <a:rPr lang="en-US" altLang="zh-CN" sz="2000" b="1" dirty="0"/>
+              <a:t>in</a:t>
+            </a:r>
+            <a:r>
+              <a:rPr lang="en-US" altLang="zh-CN" sz="2000" dirty="0"/>
+              <a:t> range(</a:t>
+            </a:r>
+            <a:r>
+              <a:rPr lang="en-US" altLang="zh-CN" sz="2000" dirty="0" err="1"/>
+              <a:t>len</a:t>
+            </a:r>
+            <a:r>
+              <a:rPr lang="en-US" altLang="zh-CN" sz="2000" dirty="0"/>
+              <a:t>(</a:t>
+            </a:r>
+            <a:r>
+              <a:rPr lang="en-US" altLang="zh-CN" sz="2000" dirty="0" err="1"/>
+              <a:t>InfoStringAfterFillbyte</a:t>
+            </a:r>
+            <a:r>
+              <a:rPr lang="en-US" altLang="zh-CN" sz="2000" dirty="0"/>
+              <a:t>)):  </a:t>
+            </a:r>
+          </a:p>
+          <a:p>
+            <a:r>
+              <a:rPr lang="en-US" altLang="zh-CN" sz="2000" dirty="0"/>
+              <a:t>    </a:t>
+            </a:r>
+            <a:r>
+              <a:rPr lang="en-US" altLang="zh-CN" sz="2000" dirty="0" err="1"/>
+              <a:t>InfoStringAfterFill</a:t>
+            </a:r>
+            <a:r>
+              <a:rPr lang="en-US" altLang="zh-CN" sz="2000" dirty="0"/>
+              <a:t>+='{:02X}'.format(</a:t>
+            </a:r>
+            <a:r>
+              <a:rPr lang="en-US" altLang="zh-CN" sz="2000" dirty="0" err="1"/>
+              <a:t>InfoStringAfterFillbyte</a:t>
+            </a:r>
+            <a:r>
+              <a:rPr lang="en-US" altLang="zh-CN" sz="2000" dirty="0"/>
+              <a:t>[</a:t>
+            </a:r>
+            <a:r>
+              <a:rPr lang="en-US" altLang="zh-CN" sz="2000" dirty="0" err="1"/>
+              <a:t>i</a:t>
+            </a:r>
+            <a:r>
+              <a:rPr lang="en-US" altLang="zh-CN" sz="2000" dirty="0"/>
+              <a:t>])[::-1]  </a:t>
+            </a:r>
+          </a:p>
+        </p:txBody>
+      </p:sp>
+    </p:spTree>
+    <p:extLst>
+      <p:ext uri="{BB962C8B-B14F-4D97-AF65-F5344CB8AC3E}">
+        <p14:creationId xmlns:p14="http://schemas.microsoft.com/office/powerpoint/2010/main" val="824894434"/>
+      </p:ext>
+    </p:extLst>
+  </p:cSld>
+  <p:clrMapOvr>
+    <a:masterClrMapping/>
+  </p:clrMapOvr>
+  <p:timing>
+    <p:tnLst>
+      <p:par>
+        <p:cTn id="1" dur="indefinite" restart="never" nodeType="tmRoot"/>
+      </p:par>
+    </p:tnLst>
+  </p:timing>
+</p:sld>
+</file>
+
+<file path=ppt/slides/slide12.xml><?xml version="1.0" encoding="utf-8"?>
+<p:sld xmlns:a="http://schemas.openxmlformats.org/drawingml/2006/main" xmlns:r="http://schemas.openxmlformats.org/officeDocument/2006/relationships" xmlns:p="http://schemas.openxmlformats.org/presentationml/2006/main">
+  <p:cSld>
+    <p:spTree>
+      <p:nvGrpSpPr>
+        <p:cNvPr id="1" name=""/>
+        <p:cNvGrpSpPr/>
+        <p:nvPr/>
+      </p:nvGrpSpPr>
+      <p:grpSpPr>
+        <a:xfrm>
+          <a:off x="0" y="0"/>
+          <a:ext cx="0" cy="0"/>
+          <a:chOff x="0" y="0"/>
+          <a:chExt cx="0" cy="0"/>
+        </a:xfrm>
+      </p:grpSpPr>
+      <p:sp>
+        <p:nvSpPr>
+          <p:cNvPr id="2" name="竖排标题 1"/>
+          <p:cNvSpPr>
+            <a:spLocks noGrp="1"/>
+          </p:cNvSpPr>
+          <p:nvPr>
+            <p:ph type="title" orient="vert"/>
+          </p:nvPr>
+        </p:nvSpPr>
+        <p:spPr/>
+        <p:txBody>
+          <a:bodyPr/>
+          <a:lstStyle/>
+          <a:p>
+            <a:pPr algn="ctr"/>
+            <a:r>
+              <a:rPr lang="zh-CN" altLang="en-US" b="1" dirty="0"/>
+              <a:t>字节</a:t>
+            </a:r>
+            <a:r>
+              <a:rPr lang="zh-CN" altLang="en-US" b="1" dirty="0" smtClean="0"/>
+              <a:t>填充复原</a:t>
+            </a:r>
+            <a:endParaRPr lang="zh-CN" altLang="en-US" b="1" dirty="0"/>
+          </a:p>
+        </p:txBody>
+      </p:sp>
+      <p:sp>
+        <p:nvSpPr>
+          <p:cNvPr id="4" name="文本框 3"/>
+          <p:cNvSpPr txBox="1"/>
+          <p:nvPr/>
+        </p:nvSpPr>
+        <p:spPr>
+          <a:xfrm>
+            <a:off x="1737360" y="628234"/>
+            <a:ext cx="7511143" cy="5601533"/>
+          </a:xfrm>
+          <a:prstGeom prst="rect">
+            <a:avLst/>
+          </a:prstGeom>
+          <a:noFill/>
+        </p:spPr>
+        <p:txBody>
+          <a:bodyPr wrap="square" rtlCol="0">
+            <a:spAutoFit/>
+          </a:bodyPr>
+          <a:lstStyle/>
+          <a:p>
+            <a:endParaRPr lang="zh-CN" altLang="en-US" dirty="0"/>
+          </a:p>
+          <a:p>
+            <a:r>
+              <a:rPr lang="en-US" altLang="zh-CN" sz="2000" dirty="0"/>
+              <a:t>#</a:t>
+            </a:r>
+            <a:r>
+              <a:rPr lang="zh-CN" altLang="en-US" sz="2000" dirty="0"/>
+              <a:t>字节填充</a:t>
+            </a:r>
+            <a:r>
+              <a:rPr lang="en-US" altLang="zh-CN" sz="2000" dirty="0"/>
+              <a:t>:</a:t>
+            </a:r>
+            <a:r>
+              <a:rPr lang="zh-CN" altLang="en-US" sz="2000" dirty="0"/>
+              <a:t>去除标志字节和转义字节  </a:t>
+            </a:r>
+          </a:p>
+          <a:p>
+            <a:r>
+              <a:rPr lang="en-US" altLang="zh-CN" sz="2000" dirty="0" err="1"/>
+              <a:t>InfoStringbyte</a:t>
+            </a:r>
+            <a:r>
+              <a:rPr lang="en-US" altLang="zh-CN" sz="2000" dirty="0"/>
+              <a:t>=</a:t>
+            </a:r>
+            <a:r>
+              <a:rPr lang="en-US" altLang="zh-CN" sz="2000" dirty="0" err="1"/>
+              <a:t>bytearray</a:t>
+            </a:r>
+            <a:r>
+              <a:rPr lang="en-US" altLang="zh-CN" sz="2000" dirty="0"/>
+              <a:t>()  </a:t>
+            </a:r>
+          </a:p>
+          <a:p>
+            <a:r>
+              <a:rPr lang="en-US" altLang="zh-CN" sz="2000" b="1" dirty="0"/>
+              <a:t>for</a:t>
+            </a:r>
+            <a:r>
+              <a:rPr lang="en-US" altLang="zh-CN" sz="2000" dirty="0"/>
+              <a:t> </a:t>
+            </a:r>
+            <a:r>
+              <a:rPr lang="en-US" altLang="zh-CN" sz="2000" dirty="0" err="1"/>
+              <a:t>i</a:t>
+            </a:r>
+            <a:r>
+              <a:rPr lang="en-US" altLang="zh-CN" sz="2000" dirty="0"/>
+              <a:t> </a:t>
+            </a:r>
+            <a:r>
+              <a:rPr lang="en-US" altLang="zh-CN" sz="2000" b="1" dirty="0"/>
+              <a:t>in</a:t>
+            </a:r>
+            <a:r>
+              <a:rPr lang="en-US" altLang="zh-CN" sz="2000" dirty="0"/>
+              <a:t> range(</a:t>
+            </a:r>
+            <a:r>
+              <a:rPr lang="en-US" altLang="zh-CN" sz="2000" dirty="0" err="1"/>
+              <a:t>len</a:t>
+            </a:r>
+            <a:r>
+              <a:rPr lang="en-US" altLang="zh-CN" sz="2000" dirty="0"/>
+              <a:t>(</a:t>
+            </a:r>
+            <a:r>
+              <a:rPr lang="en-US" altLang="zh-CN" sz="2000" dirty="0" err="1"/>
+              <a:t>InfoStringAfterFillbyte</a:t>
+            </a:r>
+            <a:r>
+              <a:rPr lang="en-US" altLang="zh-CN" sz="2000" dirty="0"/>
+              <a:t>)):  </a:t>
+            </a:r>
+          </a:p>
+          <a:p>
+            <a:r>
+              <a:rPr lang="en-US" altLang="zh-CN" sz="2000" dirty="0"/>
+              <a:t>    </a:t>
+            </a:r>
+            <a:r>
+              <a:rPr lang="en-US" altLang="zh-CN" sz="2000" b="1" dirty="0"/>
+              <a:t>if</a:t>
+            </a:r>
+            <a:r>
+              <a:rPr lang="en-US" altLang="zh-CN" sz="2000" dirty="0"/>
+              <a:t> flag==1:  </a:t>
+            </a:r>
+          </a:p>
+          <a:p>
+            <a:r>
+              <a:rPr lang="en-US" altLang="zh-CN" sz="2000" dirty="0"/>
+              <a:t>        flag=0  </a:t>
+            </a:r>
+          </a:p>
+          <a:p>
+            <a:r>
+              <a:rPr lang="en-US" altLang="zh-CN" sz="2000" dirty="0"/>
+              <a:t>        </a:t>
+            </a:r>
+            <a:r>
+              <a:rPr lang="en-US" altLang="zh-CN" sz="2000" b="1" dirty="0"/>
+              <a:t>continue</a:t>
+            </a:r>
+            <a:r>
+              <a:rPr lang="en-US" altLang="zh-CN" sz="2000" dirty="0"/>
+              <a:t>  </a:t>
+            </a:r>
+          </a:p>
+          <a:p>
+            <a:r>
+              <a:rPr lang="en-US" altLang="zh-CN" sz="2000" dirty="0"/>
+              <a:t>    </a:t>
+            </a:r>
+            <a:r>
+              <a:rPr lang="en-US" altLang="zh-CN" sz="2000" b="1" dirty="0"/>
+              <a:t>if</a:t>
+            </a:r>
+            <a:r>
+              <a:rPr lang="en-US" altLang="zh-CN" sz="2000" dirty="0"/>
+              <a:t> </a:t>
+            </a:r>
+            <a:r>
+              <a:rPr lang="en-US" altLang="zh-CN" sz="2000" dirty="0" err="1"/>
+              <a:t>InfoStringAfterFillbyte</a:t>
+            </a:r>
+            <a:r>
+              <a:rPr lang="en-US" altLang="zh-CN" sz="2000" dirty="0"/>
+              <a:t>[</a:t>
+            </a:r>
+            <a:r>
+              <a:rPr lang="en-US" altLang="zh-CN" sz="2000" dirty="0" err="1"/>
+              <a:t>i</a:t>
+            </a:r>
+            <a:r>
+              <a:rPr lang="en-US" altLang="zh-CN" sz="2000" dirty="0"/>
+              <a:t>]==</a:t>
+            </a:r>
+            <a:r>
+              <a:rPr lang="en-US" altLang="zh-CN" sz="2000" dirty="0" err="1"/>
+              <a:t>escByte</a:t>
+            </a:r>
+            <a:r>
+              <a:rPr lang="en-US" altLang="zh-CN" sz="2000" dirty="0"/>
+              <a:t>[0]:  </a:t>
+            </a:r>
+          </a:p>
+          <a:p>
+            <a:r>
+              <a:rPr lang="en-US" altLang="zh-CN" sz="2000" dirty="0"/>
+              <a:t>        </a:t>
+            </a:r>
+            <a:r>
+              <a:rPr lang="en-US" altLang="zh-CN" sz="2000" dirty="0" err="1"/>
+              <a:t>InfoStringbyte</a:t>
+            </a:r>
+            <a:r>
+              <a:rPr lang="en-US" altLang="zh-CN" sz="2000" dirty="0"/>
+              <a:t>+=</a:t>
+            </a:r>
+            <a:r>
+              <a:rPr lang="en-US" altLang="zh-CN" sz="2000" dirty="0" err="1"/>
+              <a:t>InfoStringAfterFillbyte</a:t>
+            </a:r>
+            <a:r>
+              <a:rPr lang="en-US" altLang="zh-CN" sz="2000" dirty="0"/>
+              <a:t>[i+1:i+2]  </a:t>
+            </a:r>
+          </a:p>
+          <a:p>
+            <a:r>
+              <a:rPr lang="en-US" altLang="zh-CN" sz="2000" dirty="0"/>
+              <a:t>        flag=1  </a:t>
+            </a:r>
+          </a:p>
+          <a:p>
+            <a:r>
+              <a:rPr lang="en-US" altLang="zh-CN" sz="2000" dirty="0"/>
+              <a:t>    </a:t>
+            </a:r>
+            <a:r>
+              <a:rPr lang="en-US" altLang="zh-CN" sz="2000" b="1" dirty="0" err="1"/>
+              <a:t>elif</a:t>
+            </a:r>
+            <a:r>
+              <a:rPr lang="en-US" altLang="zh-CN" sz="2000" dirty="0"/>
+              <a:t> </a:t>
+            </a:r>
+            <a:r>
+              <a:rPr lang="en-US" altLang="zh-CN" sz="2000" dirty="0" err="1"/>
+              <a:t>InfoStringAfterFillbyte</a:t>
+            </a:r>
+            <a:r>
+              <a:rPr lang="en-US" altLang="zh-CN" sz="2000" dirty="0"/>
+              <a:t>[</a:t>
+            </a:r>
+            <a:r>
+              <a:rPr lang="en-US" altLang="zh-CN" sz="2000" dirty="0" err="1"/>
+              <a:t>i</a:t>
+            </a:r>
+            <a:r>
+              <a:rPr lang="en-US" altLang="zh-CN" sz="2000" dirty="0"/>
+              <a:t>]==</a:t>
+            </a:r>
+            <a:r>
+              <a:rPr lang="en-US" altLang="zh-CN" sz="2000" dirty="0" err="1"/>
+              <a:t>flagByte</a:t>
+            </a:r>
+            <a:r>
+              <a:rPr lang="en-US" altLang="zh-CN" sz="2000" dirty="0"/>
+              <a:t>[0]:  </a:t>
+            </a:r>
+          </a:p>
+          <a:p>
+            <a:r>
+              <a:rPr lang="en-US" altLang="zh-CN" sz="2000" dirty="0"/>
+              <a:t>        </a:t>
+            </a:r>
+            <a:r>
+              <a:rPr lang="en-US" altLang="zh-CN" sz="2000" b="1" dirty="0"/>
+              <a:t>print</a:t>
+            </a:r>
+            <a:r>
+              <a:rPr lang="en-US" altLang="zh-CN" sz="2000" dirty="0"/>
+              <a:t>('error')  </a:t>
+            </a:r>
+          </a:p>
+          <a:p>
+            <a:r>
+              <a:rPr lang="en-US" altLang="zh-CN" sz="2000" dirty="0"/>
+              <a:t>    </a:t>
+            </a:r>
+            <a:r>
+              <a:rPr lang="en-US" altLang="zh-CN" sz="2000" b="1" dirty="0"/>
+              <a:t>else</a:t>
+            </a:r>
+            <a:r>
+              <a:rPr lang="en-US" altLang="zh-CN" sz="2000" dirty="0"/>
+              <a:t>:  </a:t>
+            </a:r>
+          </a:p>
+          <a:p>
+            <a:r>
+              <a:rPr lang="en-US" altLang="zh-CN" sz="2000" dirty="0"/>
+              <a:t>        </a:t>
+            </a:r>
+            <a:r>
+              <a:rPr lang="en-US" altLang="zh-CN" sz="2000" dirty="0" err="1"/>
+              <a:t>InfoStringbyte</a:t>
+            </a:r>
+            <a:r>
+              <a:rPr lang="en-US" altLang="zh-CN" sz="2000" dirty="0"/>
+              <a:t>+=</a:t>
+            </a:r>
+            <a:r>
+              <a:rPr lang="en-US" altLang="zh-CN" sz="2000" dirty="0" err="1"/>
+              <a:t>InfoStringAfterFillbyte</a:t>
+            </a:r>
+            <a:r>
+              <a:rPr lang="en-US" altLang="zh-CN" sz="2000" dirty="0"/>
+              <a:t>[i:i+1]  </a:t>
+            </a:r>
+          </a:p>
+          <a:p>
+            <a:r>
+              <a:rPr lang="en-US" altLang="zh-CN" sz="2000" dirty="0"/>
+              <a:t>  </a:t>
+            </a:r>
+          </a:p>
+          <a:p>
+            <a:r>
+              <a:rPr lang="en-US" altLang="zh-CN" sz="2000" dirty="0" err="1"/>
+              <a:t>InfoString</a:t>
+            </a:r>
+            <a:r>
+              <a:rPr lang="en-US" altLang="zh-CN" sz="2000" dirty="0"/>
+              <a:t>=''  </a:t>
+            </a:r>
+          </a:p>
+          <a:p>
+            <a:r>
+              <a:rPr lang="en-US" altLang="zh-CN" sz="2000" b="1" dirty="0"/>
+              <a:t>for</a:t>
+            </a:r>
+            <a:r>
+              <a:rPr lang="en-US" altLang="zh-CN" sz="2000" dirty="0"/>
+              <a:t> </a:t>
+            </a:r>
+            <a:r>
+              <a:rPr lang="en-US" altLang="zh-CN" sz="2000" dirty="0" err="1"/>
+              <a:t>i</a:t>
+            </a:r>
+            <a:r>
+              <a:rPr lang="en-US" altLang="zh-CN" sz="2000" dirty="0"/>
+              <a:t> </a:t>
+            </a:r>
+            <a:r>
+              <a:rPr lang="en-US" altLang="zh-CN" sz="2000" b="1" dirty="0"/>
+              <a:t>in</a:t>
+            </a:r>
+            <a:r>
+              <a:rPr lang="en-US" altLang="zh-CN" sz="2000" dirty="0"/>
+              <a:t> range(</a:t>
+            </a:r>
+            <a:r>
+              <a:rPr lang="en-US" altLang="zh-CN" sz="2000" dirty="0" err="1"/>
+              <a:t>len</a:t>
+            </a:r>
+            <a:r>
+              <a:rPr lang="en-US" altLang="zh-CN" sz="2000" dirty="0"/>
+              <a:t>(</a:t>
+            </a:r>
+            <a:r>
+              <a:rPr lang="en-US" altLang="zh-CN" sz="2000" dirty="0" err="1"/>
+              <a:t>InfoStringbyte</a:t>
+            </a:r>
+            <a:r>
+              <a:rPr lang="en-US" altLang="zh-CN" sz="2000" dirty="0"/>
+              <a:t>)):  </a:t>
+            </a:r>
+          </a:p>
+          <a:p>
+            <a:r>
+              <a:rPr lang="en-US" altLang="zh-CN" sz="2000" dirty="0"/>
+              <a:t>    </a:t>
+            </a:r>
+            <a:r>
+              <a:rPr lang="en-US" altLang="zh-CN" sz="2000" dirty="0" err="1"/>
+              <a:t>InfoString</a:t>
+            </a:r>
+            <a:r>
+              <a:rPr lang="en-US" altLang="zh-CN" sz="2000" dirty="0"/>
+              <a:t>+='{:02X}'.format(</a:t>
+            </a:r>
+            <a:r>
+              <a:rPr lang="en-US" altLang="zh-CN" sz="2000" dirty="0" err="1"/>
+              <a:t>InfoStringbyte</a:t>
+            </a:r>
+            <a:r>
+              <a:rPr lang="en-US" altLang="zh-CN" sz="2000" dirty="0"/>
+              <a:t>[</a:t>
+            </a:r>
+            <a:r>
+              <a:rPr lang="en-US" altLang="zh-CN" sz="2000" dirty="0" err="1"/>
+              <a:t>i</a:t>
+            </a:r>
+            <a:r>
+              <a:rPr lang="en-US" altLang="zh-CN" sz="2000" dirty="0"/>
+              <a:t>])[::-1]</a:t>
+            </a:r>
+            <a:r>
+              <a:rPr lang="en-US" altLang="zh-CN" dirty="0"/>
+              <a:t>  </a:t>
+            </a:r>
+          </a:p>
+        </p:txBody>
+      </p:sp>
+    </p:spTree>
+    <p:extLst>
+      <p:ext uri="{BB962C8B-B14F-4D97-AF65-F5344CB8AC3E}">
+        <p14:creationId xmlns:p14="http://schemas.microsoft.com/office/powerpoint/2010/main" val="1499389108"/>
+      </p:ext>
+    </p:extLst>
+  </p:cSld>
+  <p:clrMapOvr>
+    <a:masterClrMapping/>
+  </p:clrMapOvr>
+  <p:timing>
+    <p:tnLst>
+      <p:par>
+        <p:cTn id="1" dur="indefinite" restart="never" nodeType="tmRoot"/>
+      </p:par>
+    </p:tnLst>
+  </p:timing>
+</p:sld>
+</file>
+
+<file path=ppt/slides/slide13.xml><?xml version="1.0" encoding="utf-8"?>
+<p:sld xmlns:a="http://schemas.openxmlformats.org/drawingml/2006/main" xmlns:r="http://schemas.openxmlformats.org/officeDocument/2006/relationships" xmlns:p="http://schemas.openxmlformats.org/presentationml/2006/main">
+  <p:cSld>
+    <p:spTree>
+      <p:nvGrpSpPr>
+        <p:cNvPr id="1" name=""/>
+        <p:cNvGrpSpPr/>
+        <p:nvPr/>
+      </p:nvGrpSpPr>
+      <p:grpSpPr>
+        <a:xfrm>
+          <a:off x="0" y="0"/>
+          <a:ext cx="0" cy="0"/>
+          <a:chOff x="0" y="0"/>
+          <a:chExt cx="0" cy="0"/>
+        </a:xfrm>
+      </p:grpSpPr>
+      <p:sp>
+        <p:nvSpPr>
+          <p:cNvPr id="3" name="文本框 2"/>
+          <p:cNvSpPr txBox="1"/>
+          <p:nvPr/>
+        </p:nvSpPr>
+        <p:spPr>
+          <a:xfrm>
+            <a:off x="1105545" y="1887584"/>
+            <a:ext cx="923330" cy="3239578"/>
+          </a:xfrm>
+          <a:prstGeom prst="rect">
+            <a:avLst/>
+          </a:prstGeom>
+        </p:spPr>
+        <p:style>
+          <a:lnRef idx="0">
+            <a:schemeClr val="dk1"/>
+          </a:lnRef>
+          <a:fillRef idx="3">
+            <a:schemeClr val="dk1"/>
+          </a:fillRef>
+          <a:effectRef idx="3">
+            <a:schemeClr val="dk1"/>
+          </a:effectRef>
+          <a:fontRef idx="minor">
+            <a:schemeClr val="lt1"/>
+          </a:fontRef>
+        </p:style>
+        <p:txBody>
+          <a:bodyPr vert="eaVert" wrap="square" rtlCol="0">
+            <a:spAutoFit/>
+          </a:bodyPr>
+          <a:lstStyle/>
+          <a:p>
+            <a:pPr algn="ctr"/>
+            <a:r>
+              <a:rPr lang="zh-CN" altLang="en-US" sz="4800" dirty="0" smtClean="0"/>
+              <a:t>运行结果</a:t>
+            </a:r>
+            <a:endParaRPr lang="zh-CN" altLang="en-US" sz="4800" dirty="0"/>
+          </a:p>
+        </p:txBody>
+      </p:sp>
+      <p:sp>
+        <p:nvSpPr>
+          <p:cNvPr id="7" name="文本框 6"/>
+          <p:cNvSpPr txBox="1"/>
+          <p:nvPr/>
+        </p:nvSpPr>
+        <p:spPr>
+          <a:xfrm>
+            <a:off x="8285018" y="401782"/>
+            <a:ext cx="3449782" cy="461665"/>
+          </a:xfrm>
+          <a:prstGeom prst="rect">
+            <a:avLst/>
+          </a:prstGeom>
+          <a:noFill/>
+        </p:spPr>
+        <p:txBody>
+          <a:bodyPr wrap="square" rtlCol="0">
+            <a:spAutoFit/>
+          </a:bodyPr>
+          <a:lstStyle/>
+          <a:p>
+            <a:r>
+              <a:rPr lang="zh-CN" altLang="en-US" sz="2400" b="1" dirty="0" smtClean="0">
+                <a:latin typeface="仿宋" panose="02010609060101010101" pitchFamily="49" charset="-122"/>
+                <a:ea typeface="仿宋" panose="02010609060101010101" pitchFamily="49" charset="-122"/>
+              </a:rPr>
+              <a:t>结果分析</a:t>
+            </a:r>
+            <a:r>
+              <a:rPr lang="en-US" altLang="zh-CN" sz="2400" b="1" dirty="0" smtClean="0">
+                <a:latin typeface="仿宋" panose="02010609060101010101" pitchFamily="49" charset="-122"/>
+                <a:ea typeface="仿宋" panose="02010609060101010101" pitchFamily="49" charset="-122"/>
+              </a:rPr>
+              <a:t>:</a:t>
+            </a:r>
+            <a:endParaRPr lang="zh-CN" altLang="en-US" sz="2400" b="1" dirty="0">
+              <a:latin typeface="仿宋" panose="02010609060101010101" pitchFamily="49" charset="-122"/>
+              <a:ea typeface="仿宋" panose="02010609060101010101" pitchFamily="49" charset="-122"/>
+            </a:endParaRPr>
+          </a:p>
+        </p:txBody>
+      </p:sp>
+      <p:sp>
+        <p:nvSpPr>
+          <p:cNvPr id="5" name="文本框 4"/>
+          <p:cNvSpPr txBox="1"/>
+          <p:nvPr/>
+        </p:nvSpPr>
+        <p:spPr>
+          <a:xfrm>
+            <a:off x="8213267" y="3726873"/>
+            <a:ext cx="3449782" cy="461665"/>
+          </a:xfrm>
+          <a:prstGeom prst="rect">
+            <a:avLst/>
+          </a:prstGeom>
+          <a:noFill/>
+        </p:spPr>
+        <p:txBody>
+          <a:bodyPr wrap="square" rtlCol="0">
+            <a:spAutoFit/>
+          </a:bodyPr>
+          <a:lstStyle/>
+          <a:p>
+            <a:r>
+              <a:rPr lang="zh-CN" altLang="en-US" sz="2400" b="1" dirty="0" smtClean="0">
+                <a:latin typeface="仿宋" panose="02010609060101010101" pitchFamily="49" charset="-122"/>
+                <a:ea typeface="仿宋" panose="02010609060101010101" pitchFamily="49" charset="-122"/>
+              </a:rPr>
+              <a:t>总结：</a:t>
+            </a:r>
+            <a:endParaRPr lang="zh-CN" altLang="en-US" sz="2400" b="1" dirty="0">
+              <a:latin typeface="仿宋" panose="02010609060101010101" pitchFamily="49" charset="-122"/>
+              <a:ea typeface="仿宋" panose="02010609060101010101" pitchFamily="49" charset="-122"/>
+            </a:endParaRPr>
+          </a:p>
+        </p:txBody>
+      </p:sp>
+      <p:pic>
+        <p:nvPicPr>
+          <p:cNvPr id="2" name="图片 1"/>
+          <p:cNvPicPr>
+            <a:picLocks noChangeAspect="1"/>
+          </p:cNvPicPr>
+          <p:nvPr/>
+        </p:nvPicPr>
+        <p:blipFill>
+          <a:blip r:embed="rId2">
+            <a:extLst>
+              <a:ext uri="{28A0092B-C50C-407E-A947-70E740481C1C}">
+                <a14:useLocalDpi xmlns:a14="http://schemas.microsoft.com/office/drawing/2010/main" val="0"/>
+              </a:ext>
+            </a:extLst>
+          </a:blip>
+          <a:stretch>
+            <a:fillRect/>
+          </a:stretch>
+        </p:blipFill>
+        <p:spPr>
+          <a:xfrm>
+            <a:off x="2424467" y="902778"/>
+            <a:ext cx="5788800" cy="5052444"/>
+          </a:xfrm>
+          <a:prstGeom prst="rect">
+            <a:avLst/>
+          </a:prstGeom>
+        </p:spPr>
+      </p:pic>
+    </p:spTree>
+    <p:extLst>
+      <p:ext uri="{BB962C8B-B14F-4D97-AF65-F5344CB8AC3E}">
+        <p14:creationId xmlns:p14="http://schemas.microsoft.com/office/powerpoint/2010/main" val="2662873121"/>
       </p:ext>
     </p:extLst>
   </p:cSld>
@@ -6797,93 +8329,6 @@
       </p:grpSpPr>
       <p:sp>
         <p:nvSpPr>
-          <p:cNvPr id="2" name="标题 1"/>
-          <p:cNvSpPr>
-            <a:spLocks noGrp="1"/>
-          </p:cNvSpPr>
-          <p:nvPr>
-            <p:ph type="title"/>
-          </p:nvPr>
-        </p:nvSpPr>
-        <p:spPr/>
-        <p:txBody>
-          <a:bodyPr/>
-          <a:lstStyle/>
-          <a:p>
-            <a:r>
-              <a:rPr lang="zh-CN" altLang="zh-CN" dirty="0"/>
-              <a:t>循环冗余校验</a:t>
-            </a:r>
-            <a:r>
-              <a:rPr lang="en-US" altLang="zh-CN" dirty="0"/>
-              <a:t>CRC</a:t>
-            </a:r>
-            <a:r>
-              <a:rPr lang="zh-CN" altLang="zh-CN" dirty="0"/>
-              <a:t>生成和校验程序</a:t>
-            </a:r>
-            <a:r>
-              <a:rPr lang="zh-CN" altLang="en-US" dirty="0"/>
-              <a:t/>
-            </a:r>
-            <a:br>
-              <a:rPr lang="zh-CN" altLang="en-US" dirty="0"/>
-            </a:br>
-            <a:endParaRPr lang="zh-CN" altLang="en-US" dirty="0"/>
-          </a:p>
-        </p:txBody>
-      </p:sp>
-      <p:sp>
-        <p:nvSpPr>
-          <p:cNvPr id="3" name="内容占位符 2"/>
-          <p:cNvSpPr>
-            <a:spLocks noGrp="1"/>
-          </p:cNvSpPr>
-          <p:nvPr>
-            <p:ph sz="quarter" idx="13"/>
-          </p:nvPr>
-        </p:nvSpPr>
-        <p:spPr/>
-        <p:txBody>
-          <a:bodyPr/>
-          <a:lstStyle/>
-          <a:p>
-            <a:endParaRPr lang="zh-CN" altLang="en-US" dirty="0"/>
-          </a:p>
-        </p:txBody>
-      </p:sp>
-    </p:spTree>
-    <p:extLst>
-      <p:ext uri="{BB962C8B-B14F-4D97-AF65-F5344CB8AC3E}">
-        <p14:creationId xmlns:p14="http://schemas.microsoft.com/office/powerpoint/2010/main" val="3407511426"/>
-      </p:ext>
-    </p:extLst>
-  </p:cSld>
-  <p:clrMapOvr>
-    <a:masterClrMapping/>
-  </p:clrMapOvr>
-</p:sld>
-</file>
-
-<file path=ppt/slides/slide4.xml><?xml version="1.0" encoding="utf-8"?>
-<p:sld xmlns:a="http://schemas.openxmlformats.org/drawingml/2006/main" xmlns:r="http://schemas.openxmlformats.org/officeDocument/2006/relationships" xmlns:p="http://schemas.openxmlformats.org/presentationml/2006/main">
-  <p:cSld>
-    <p:spTree>
-      <p:nvGrpSpPr>
-        <p:cNvPr id="1" name=""/>
-        <p:cNvGrpSpPr/>
-        <p:nvPr/>
-      </p:nvGrpSpPr>
-      <p:grpSpPr>
-        <a:xfrm>
-          <a:off x="0" y="0"/>
-          <a:ext cx="0" cy="0"/>
-          <a:chOff x="0" y="0"/>
-          <a:chExt cx="0" cy="0"/>
-        </a:xfrm>
-      </p:grpSpPr>
-      <p:sp>
-        <p:nvSpPr>
           <p:cNvPr id="2" name="文本框 1"/>
           <p:cNvSpPr txBox="1"/>
           <p:nvPr/>
@@ -6899,13 +8344,13 @@
         </p:spPr>
         <p:style>
           <a:lnRef idx="0">
-            <a:schemeClr val="accent4"/>
+            <a:schemeClr val="accent2"/>
           </a:lnRef>
           <a:fillRef idx="3">
-            <a:schemeClr val="accent4"/>
+            <a:schemeClr val="accent2"/>
           </a:fillRef>
           <a:effectRef idx="3">
-            <a:schemeClr val="accent4"/>
+            <a:schemeClr val="accent2"/>
           </a:effectRef>
           <a:fontRef idx="minor">
             <a:schemeClr val="lt1"/>
@@ -7309,10 +8754,357 @@
           </a:fontRef>
         </p:style>
       </p:cxnSp>
+      <p:sp>
+        <p:nvSpPr>
+          <p:cNvPr id="12" name="标题 1"/>
+          <p:cNvSpPr txBox="1">
+            <a:spLocks/>
+          </p:cNvSpPr>
+          <p:nvPr/>
+        </p:nvSpPr>
+        <p:spPr>
+          <a:xfrm>
+            <a:off x="913775" y="618517"/>
+            <a:ext cx="10364451" cy="1596177"/>
+          </a:xfrm>
+          <a:prstGeom prst="rect">
+            <a:avLst/>
+          </a:prstGeom>
+        </p:spPr>
+        <p:txBody>
+          <a:bodyPr/>
+          <a:lstStyle>
+            <a:lvl1pPr algn="ctr" defTabSz="914400" rtl="0" eaLnBrk="1" latinLnBrk="0" hangingPunct="1">
+              <a:lnSpc>
+                <a:spcPct val="90000"/>
+              </a:lnSpc>
+              <a:spcBef>
+                <a:spcPct val="0"/>
+              </a:spcBef>
+              <a:buNone/>
+              <a:defRPr sz="3600" kern="1200" cap="all" baseline="0">
+                <a:solidFill>
+                  <a:schemeClr val="tx1"/>
+                </a:solidFill>
+                <a:effectLst/>
+                <a:latin typeface="+mj-lt"/>
+                <a:ea typeface="+mj-ea"/>
+                <a:cs typeface="+mj-cs"/>
+              </a:defRPr>
+            </a:lvl1pPr>
+          </a:lstStyle>
+          <a:p>
+            <a:r>
+              <a:rPr lang="zh-CN" altLang="zh-CN" smtClean="0"/>
+              <a:t>循环冗余校验</a:t>
+            </a:r>
+            <a:r>
+              <a:rPr lang="en-US" altLang="zh-CN" smtClean="0"/>
+              <a:t>CRC</a:t>
+            </a:r>
+            <a:r>
+              <a:rPr lang="zh-CN" altLang="zh-CN" smtClean="0"/>
+              <a:t>生成和校验程序</a:t>
+            </a:r>
+            <a:r>
+              <a:rPr lang="zh-CN" altLang="en-US" smtClean="0"/>
+              <a:t/>
+            </a:r>
+            <a:br>
+              <a:rPr lang="zh-CN" altLang="en-US" smtClean="0"/>
+            </a:br>
+            <a:endParaRPr lang="zh-CN" altLang="en-US" dirty="0"/>
+          </a:p>
+        </p:txBody>
+      </p:sp>
     </p:spTree>
     <p:extLst>
       <p:ext uri="{BB962C8B-B14F-4D97-AF65-F5344CB8AC3E}">
         <p14:creationId xmlns:p14="http://schemas.microsoft.com/office/powerpoint/2010/main" val="1553280030"/>
+      </p:ext>
+    </p:extLst>
+  </p:cSld>
+  <p:clrMapOvr>
+    <a:masterClrMapping/>
+  </p:clrMapOvr>
+  <p:timing>
+    <p:tnLst>
+      <p:par>
+        <p:cTn id="1" dur="indefinite" restart="never" nodeType="tmRoot"/>
+      </p:par>
+    </p:tnLst>
+  </p:timing>
+</p:sld>
+</file>
+
+<file path=ppt/slides/slide4.xml><?xml version="1.0" encoding="utf-8"?>
+<p:sld xmlns:a="http://schemas.openxmlformats.org/drawingml/2006/main" xmlns:r="http://schemas.openxmlformats.org/officeDocument/2006/relationships" xmlns:p="http://schemas.openxmlformats.org/presentationml/2006/main">
+  <p:cSld>
+    <p:spTree>
+      <p:nvGrpSpPr>
+        <p:cNvPr id="1" name=""/>
+        <p:cNvGrpSpPr/>
+        <p:nvPr/>
+      </p:nvGrpSpPr>
+      <p:grpSpPr>
+        <a:xfrm>
+          <a:off x="0" y="0"/>
+          <a:ext cx="0" cy="0"/>
+          <a:chOff x="0" y="0"/>
+          <a:chExt cx="0" cy="0"/>
+        </a:xfrm>
+      </p:grpSpPr>
+      <p:sp>
+        <p:nvSpPr>
+          <p:cNvPr id="2" name="竖排标题 1"/>
+          <p:cNvSpPr>
+            <a:spLocks noGrp="1"/>
+          </p:cNvSpPr>
+          <p:nvPr>
+            <p:ph type="title" orient="vert"/>
+          </p:nvPr>
+        </p:nvSpPr>
+        <p:spPr/>
+        <p:txBody>
+          <a:bodyPr/>
+          <a:lstStyle/>
+          <a:p>
+            <a:pPr algn="ctr"/>
+            <a:r>
+              <a:rPr lang="zh-CN" altLang="en-US" b="1" dirty="0" smtClean="0"/>
+              <a:t>计算</a:t>
+            </a:r>
+            <a:r>
+              <a:rPr lang="en-US" altLang="zh-CN" b="1" dirty="0" smtClean="0"/>
+              <a:t>CRC</a:t>
+            </a:r>
+            <a:r>
+              <a:rPr lang="zh-CN" altLang="en-US" b="1" dirty="0" smtClean="0"/>
+              <a:t>检验和</a:t>
+            </a:r>
+            <a:endParaRPr lang="zh-CN" altLang="en-US" b="1" dirty="0"/>
+          </a:p>
+        </p:txBody>
+      </p:sp>
+      <p:sp>
+        <p:nvSpPr>
+          <p:cNvPr id="4" name="文本框 3"/>
+          <p:cNvSpPr txBox="1"/>
+          <p:nvPr/>
+        </p:nvSpPr>
+        <p:spPr>
+          <a:xfrm>
+            <a:off x="1737360" y="1536174"/>
+            <a:ext cx="7511143" cy="3785652"/>
+          </a:xfrm>
+          <a:prstGeom prst="rect">
+            <a:avLst/>
+          </a:prstGeom>
+          <a:noFill/>
+        </p:spPr>
+        <p:txBody>
+          <a:bodyPr wrap="square" rtlCol="0">
+            <a:spAutoFit/>
+          </a:bodyPr>
+          <a:lstStyle/>
+          <a:p>
+            <a:r>
+              <a:rPr lang="en-US" altLang="zh-CN" sz="2400" dirty="0" smtClean="0"/>
+              <a:t>#</a:t>
+            </a:r>
+            <a:r>
+              <a:rPr lang="zh-CN" altLang="en-US" sz="2400" dirty="0"/>
+              <a:t>得到发送的数据：数据</a:t>
+            </a:r>
+            <a:r>
+              <a:rPr lang="en-US" altLang="zh-CN" sz="2400" dirty="0"/>
+              <a:t>+CRC</a:t>
+            </a:r>
+            <a:r>
+              <a:rPr lang="zh-CN" altLang="en-US" sz="2400" dirty="0" smtClean="0"/>
+              <a:t>校验和</a:t>
+            </a:r>
+            <a:endParaRPr lang="zh-CN" altLang="en-US" sz="2400" dirty="0"/>
+          </a:p>
+          <a:p>
+            <a:r>
+              <a:rPr lang="en-US" altLang="zh-CN" sz="2400" b="1" dirty="0" err="1"/>
+              <a:t>def</a:t>
+            </a:r>
+            <a:r>
+              <a:rPr lang="en-US" altLang="zh-CN" sz="2400" dirty="0"/>
+              <a:t> </a:t>
+            </a:r>
+            <a:r>
+              <a:rPr lang="en-US" altLang="zh-CN" sz="2400" dirty="0" err="1"/>
+              <a:t>getSendMassage</a:t>
+            </a:r>
+            <a:r>
+              <a:rPr lang="en-US" altLang="zh-CN" sz="2400" dirty="0"/>
+              <a:t>(</a:t>
+            </a:r>
+            <a:r>
+              <a:rPr lang="en-US" altLang="zh-CN" sz="2400" dirty="0" err="1"/>
+              <a:t>info,infoL,gen</a:t>
+            </a:r>
+            <a:r>
+              <a:rPr lang="en-US" altLang="zh-CN" sz="2400" dirty="0"/>
+              <a:t>=</a:t>
+            </a:r>
+            <a:r>
+              <a:rPr lang="en-US" altLang="zh-CN" sz="2400" dirty="0" err="1"/>
+              <a:t>genValue,genL</a:t>
+            </a:r>
+            <a:r>
+              <a:rPr lang="en-US" altLang="zh-CN" sz="2400" dirty="0"/>
+              <a:t>=</a:t>
+            </a:r>
+            <a:r>
+              <a:rPr lang="en-US" altLang="zh-CN" sz="2400" dirty="0" err="1"/>
+              <a:t>genLen</a:t>
+            </a:r>
+            <a:r>
+              <a:rPr lang="en-US" altLang="zh-CN" sz="2400" dirty="0"/>
+              <a:t>):  </a:t>
+            </a:r>
+          </a:p>
+          <a:p>
+            <a:r>
+              <a:rPr lang="en-US" altLang="zh-CN" sz="2400" dirty="0"/>
+              <a:t>    massage=</a:t>
+            </a:r>
+            <a:r>
+              <a:rPr lang="en-US" altLang="zh-CN" sz="2400" dirty="0" err="1"/>
+              <a:t>addTail</a:t>
+            </a:r>
+            <a:r>
+              <a:rPr lang="en-US" altLang="zh-CN" sz="2400" dirty="0"/>
+              <a:t>(</a:t>
+            </a:r>
+            <a:r>
+              <a:rPr lang="en-US" altLang="zh-CN" sz="2400" dirty="0" err="1"/>
+              <a:t>info,genL</a:t>
+            </a:r>
+            <a:r>
+              <a:rPr lang="en-US" altLang="zh-CN" sz="2400" dirty="0"/>
+              <a:t>)  </a:t>
+            </a:r>
+            <a:r>
+              <a:rPr lang="en-US" altLang="zh-CN" sz="2400" dirty="0" smtClean="0"/>
+              <a:t>#</a:t>
+            </a:r>
+            <a:r>
+              <a:rPr lang="zh-CN" altLang="en-US" sz="2400" dirty="0" smtClean="0"/>
+              <a:t>尾部添加零</a:t>
+            </a:r>
+            <a:endParaRPr lang="en-US" altLang="zh-CN" sz="2400" dirty="0"/>
+          </a:p>
+          <a:p>
+            <a:r>
+              <a:rPr lang="en-US" altLang="zh-CN" sz="2400" dirty="0"/>
+              <a:t>    </a:t>
+            </a:r>
+            <a:r>
+              <a:rPr lang="en-US" altLang="zh-CN" sz="2400" dirty="0" err="1"/>
+              <a:t>massageL</a:t>
+            </a:r>
+            <a:r>
+              <a:rPr lang="en-US" altLang="zh-CN" sz="2400" dirty="0"/>
+              <a:t>=</a:t>
+            </a:r>
+            <a:r>
+              <a:rPr lang="en-US" altLang="zh-CN" sz="2400" dirty="0" err="1"/>
+              <a:t>infoL</a:t>
+            </a:r>
+            <a:r>
+              <a:rPr lang="en-US" altLang="zh-CN" sz="2400" dirty="0"/>
+              <a:t>+(genL-1)  </a:t>
+            </a:r>
+            <a:endParaRPr lang="en-US" altLang="zh-CN" sz="2400" dirty="0" smtClean="0"/>
+          </a:p>
+          <a:p>
+            <a:r>
+              <a:rPr lang="en-US" altLang="zh-CN" sz="2400" dirty="0"/>
+              <a:t>	</a:t>
+            </a:r>
+            <a:r>
+              <a:rPr lang="en-US" altLang="zh-CN" sz="2400" dirty="0" smtClean="0"/>
+              <a:t>#</a:t>
+            </a:r>
+            <a:r>
+              <a:rPr lang="zh-CN" altLang="en-US" sz="2400" dirty="0" smtClean="0"/>
+              <a:t>求余数</a:t>
+            </a:r>
+            <a:endParaRPr lang="en-US" altLang="zh-CN" sz="2400" dirty="0"/>
+          </a:p>
+          <a:p>
+            <a:r>
+              <a:rPr lang="en-US" altLang="zh-CN" sz="2400" dirty="0"/>
+              <a:t>    remainder=</a:t>
+            </a:r>
+            <a:r>
+              <a:rPr lang="en-US" altLang="zh-CN" sz="2400" dirty="0" err="1"/>
+              <a:t>getRemainder</a:t>
+            </a:r>
+            <a:r>
+              <a:rPr lang="en-US" altLang="zh-CN" sz="2400" dirty="0"/>
+              <a:t>(</a:t>
+            </a:r>
+            <a:r>
+              <a:rPr lang="en-US" altLang="zh-CN" sz="2400" dirty="0" err="1"/>
+              <a:t>massage,massageL,gen,genL</a:t>
+            </a:r>
+            <a:r>
+              <a:rPr lang="en-US" altLang="zh-CN" sz="2400" dirty="0"/>
+              <a:t>)  </a:t>
+            </a:r>
+          </a:p>
+          <a:p>
+            <a:r>
+              <a:rPr lang="en-US" altLang="zh-CN" sz="2400" dirty="0"/>
+              <a:t>    massage^=remainder  </a:t>
+            </a:r>
+            <a:r>
+              <a:rPr lang="en-US" altLang="zh-CN" sz="2400" dirty="0" smtClean="0"/>
+              <a:t>#</a:t>
+            </a:r>
+            <a:r>
+              <a:rPr lang="zh-CN" altLang="en-US" sz="2400" dirty="0" smtClean="0"/>
+              <a:t>减去余数</a:t>
+            </a:r>
+            <a:endParaRPr lang="en-US" altLang="zh-CN" sz="2400" dirty="0"/>
+          </a:p>
+          <a:p>
+            <a:r>
+              <a:rPr lang="en-US" altLang="zh-CN" sz="2400" dirty="0"/>
+              <a:t>    </a:t>
+            </a:r>
+            <a:r>
+              <a:rPr lang="en-US" altLang="zh-CN" sz="2400" b="1" dirty="0"/>
+              <a:t>return</a:t>
+            </a:r>
+            <a:r>
+              <a:rPr lang="en-US" altLang="zh-CN" sz="2400" dirty="0"/>
+              <a:t> </a:t>
+            </a:r>
+            <a:r>
+              <a:rPr lang="en-US" altLang="zh-CN" sz="2400" dirty="0" err="1"/>
+              <a:t>massage,massageL,remainder</a:t>
+            </a:r>
+            <a:r>
+              <a:rPr lang="en-US" altLang="zh-CN" sz="2400" dirty="0"/>
+              <a:t>  </a:t>
+            </a:r>
+          </a:p>
+          <a:p>
+            <a:endParaRPr lang="zh-CN" altLang="en-US" sz="2400" dirty="0"/>
+          </a:p>
+        </p:txBody>
+      </p:sp>
+    </p:spTree>
+    <p:extLst>
+      <p:ext uri="{BB962C8B-B14F-4D97-AF65-F5344CB8AC3E}">
+        <p14:creationId xmlns:p14="http://schemas.microsoft.com/office/powerpoint/2010/main" val="1115407052"/>
       </p:ext>
     </p:extLst>
   </p:cSld>
@@ -7348,6 +9140,517 @@
       </p:grpSpPr>
       <p:sp>
         <p:nvSpPr>
+          <p:cNvPr id="2" name="竖排标题 1"/>
+          <p:cNvSpPr>
+            <a:spLocks noGrp="1"/>
+          </p:cNvSpPr>
+          <p:nvPr>
+            <p:ph type="title" orient="vert"/>
+          </p:nvPr>
+        </p:nvSpPr>
+        <p:spPr/>
+        <p:txBody>
+          <a:bodyPr/>
+          <a:lstStyle/>
+          <a:p>
+            <a:pPr algn="ctr"/>
+            <a:r>
+              <a:rPr lang="zh-CN" altLang="en-US" b="1" dirty="0" smtClean="0"/>
+              <a:t>计算</a:t>
+            </a:r>
+            <a:r>
+              <a:rPr lang="en-US" altLang="zh-CN" b="1" dirty="0" smtClean="0"/>
+              <a:t>CRC</a:t>
+            </a:r>
+            <a:r>
+              <a:rPr lang="zh-CN" altLang="en-US" b="1" dirty="0"/>
+              <a:t>余数</a:t>
+            </a:r>
+          </a:p>
+        </p:txBody>
+      </p:sp>
+      <p:sp>
+        <p:nvSpPr>
+          <p:cNvPr id="4" name="文本框 3"/>
+          <p:cNvSpPr txBox="1"/>
+          <p:nvPr/>
+        </p:nvSpPr>
+        <p:spPr>
+          <a:xfrm>
+            <a:off x="1737360" y="797511"/>
+            <a:ext cx="7511143" cy="5262979"/>
+          </a:xfrm>
+          <a:prstGeom prst="rect">
+            <a:avLst/>
+          </a:prstGeom>
+          <a:noFill/>
+        </p:spPr>
+        <p:txBody>
+          <a:bodyPr wrap="square" rtlCol="0">
+            <a:spAutoFit/>
+          </a:bodyPr>
+          <a:lstStyle/>
+          <a:p>
+            <a:endParaRPr lang="zh-CN" altLang="en-US" sz="2400" dirty="0"/>
+          </a:p>
+          <a:p>
+            <a:r>
+              <a:rPr lang="en-US" altLang="zh-CN" sz="2400" dirty="0"/>
+              <a:t>#</a:t>
+            </a:r>
+            <a:r>
+              <a:rPr lang="zh-CN" altLang="en-US" sz="2400" dirty="0"/>
+              <a:t>求</a:t>
+            </a:r>
+            <a:r>
+              <a:rPr lang="zh-CN" altLang="en-US" sz="2400" dirty="0" smtClean="0"/>
+              <a:t>余数</a:t>
+            </a:r>
+            <a:endParaRPr lang="en-US" altLang="zh-CN" sz="2400" dirty="0"/>
+          </a:p>
+          <a:p>
+            <a:r>
+              <a:rPr lang="en-US" altLang="zh-CN" sz="2400" b="1" dirty="0" err="1"/>
+              <a:t>def</a:t>
+            </a:r>
+            <a:r>
+              <a:rPr lang="en-US" altLang="zh-CN" sz="2400" dirty="0"/>
+              <a:t> </a:t>
+            </a:r>
+            <a:r>
+              <a:rPr lang="en-US" altLang="zh-CN" sz="2400" dirty="0" err="1"/>
+              <a:t>getRemainder</a:t>
+            </a:r>
+            <a:r>
+              <a:rPr lang="en-US" altLang="zh-CN" sz="2400" dirty="0"/>
+              <a:t>(</a:t>
+            </a:r>
+            <a:r>
+              <a:rPr lang="en-US" altLang="zh-CN" sz="2400" dirty="0" err="1"/>
+              <a:t>value,valueL,gen,genL</a:t>
+            </a:r>
+            <a:r>
+              <a:rPr lang="en-US" altLang="zh-CN" sz="2400" dirty="0"/>
+              <a:t>):  </a:t>
+            </a:r>
+          </a:p>
+          <a:p>
+            <a:r>
+              <a:rPr lang="en-US" altLang="zh-CN" sz="2400" b="1" dirty="0"/>
+              <a:t>pass</a:t>
+            </a:r>
+            <a:r>
+              <a:rPr lang="en-US" altLang="zh-CN" sz="2400" dirty="0"/>
+              <a:t>  </a:t>
+            </a:r>
+          </a:p>
+          <a:p>
+            <a:r>
+              <a:rPr lang="en-US" altLang="zh-CN" sz="2400" dirty="0"/>
+              <a:t>res=value&gt;&gt;(</a:t>
+            </a:r>
+            <a:r>
+              <a:rPr lang="en-US" altLang="zh-CN" sz="2400" dirty="0" err="1"/>
+              <a:t>valueL-genL</a:t>
+            </a:r>
+            <a:r>
+              <a:rPr lang="en-US" altLang="zh-CN" sz="2400" dirty="0"/>
+              <a:t>)  </a:t>
+            </a:r>
+          </a:p>
+          <a:p>
+            <a:r>
+              <a:rPr lang="en-US" altLang="zh-CN" sz="2400" b="1" dirty="0"/>
+              <a:t>for</a:t>
+            </a:r>
+            <a:r>
+              <a:rPr lang="en-US" altLang="zh-CN" sz="2400" dirty="0"/>
+              <a:t> </a:t>
+            </a:r>
+            <a:r>
+              <a:rPr lang="en-US" altLang="zh-CN" sz="2400" dirty="0" err="1"/>
+              <a:t>i</a:t>
+            </a:r>
+            <a:r>
+              <a:rPr lang="en-US" altLang="zh-CN" sz="2400" dirty="0"/>
+              <a:t> </a:t>
+            </a:r>
+            <a:r>
+              <a:rPr lang="en-US" altLang="zh-CN" sz="2400" b="1" dirty="0"/>
+              <a:t>in</a:t>
+            </a:r>
+            <a:r>
+              <a:rPr lang="en-US" altLang="zh-CN" sz="2400" dirty="0"/>
+              <a:t> range(valueL-genL+1):  </a:t>
+            </a:r>
+          </a:p>
+          <a:p>
+            <a:r>
+              <a:rPr lang="en-US" altLang="zh-CN" sz="2400" b="1" dirty="0"/>
+              <a:t>if</a:t>
+            </a:r>
+            <a:r>
+              <a:rPr lang="en-US" altLang="zh-CN" sz="2400" dirty="0"/>
+              <a:t>(res&gt;&gt;(genL-1)):  </a:t>
+            </a:r>
+          </a:p>
+          <a:p>
+            <a:r>
+              <a:rPr lang="en-US" altLang="zh-CN" sz="2400" dirty="0"/>
+              <a:t>res^=gen  </a:t>
+            </a:r>
+          </a:p>
+          <a:p>
+            <a:r>
+              <a:rPr lang="en-US" altLang="zh-CN" sz="2400" b="1" dirty="0"/>
+              <a:t>if</a:t>
+            </a:r>
+            <a:r>
+              <a:rPr lang="en-US" altLang="zh-CN" sz="2400" dirty="0"/>
+              <a:t> </a:t>
+            </a:r>
+            <a:r>
+              <a:rPr lang="en-US" altLang="zh-CN" sz="2400" dirty="0" err="1"/>
+              <a:t>i</a:t>
+            </a:r>
+            <a:r>
+              <a:rPr lang="en-US" altLang="zh-CN" sz="2400" dirty="0"/>
+              <a:t>!=</a:t>
+            </a:r>
+            <a:r>
+              <a:rPr lang="en-US" altLang="zh-CN" sz="2400" dirty="0" err="1"/>
+              <a:t>valueL-genL</a:t>
+            </a:r>
+            <a:r>
+              <a:rPr lang="en-US" altLang="zh-CN" sz="2400" dirty="0"/>
+              <a:t>:  </a:t>
+            </a:r>
+          </a:p>
+          <a:p>
+            <a:r>
+              <a:rPr lang="en-US" altLang="zh-CN" sz="2400" dirty="0"/>
+              <a:t>res&lt;&lt;=1  </a:t>
+            </a:r>
+          </a:p>
+          <a:p>
+            <a:r>
+              <a:rPr lang="en-US" altLang="zh-CN" sz="2400" dirty="0"/>
+              <a:t>res&amp;=(~(1&lt;&lt;17))  </a:t>
+            </a:r>
+          </a:p>
+          <a:p>
+            <a:r>
+              <a:rPr lang="en-US" altLang="zh-CN" sz="2400" dirty="0"/>
+              <a:t>res|=((value&amp;(1&lt;&lt;(valueL-genL-1-i)))&gt;&gt;(valueL-genL-1-i))  </a:t>
+            </a:r>
+          </a:p>
+          <a:p>
+            <a:r>
+              <a:rPr lang="en-US" altLang="zh-CN" sz="2400" b="1" dirty="0"/>
+              <a:t>return</a:t>
+            </a:r>
+            <a:r>
+              <a:rPr lang="en-US" altLang="zh-CN" sz="2400" dirty="0"/>
+              <a:t> res  </a:t>
+            </a:r>
+          </a:p>
+          <a:p>
+            <a:endParaRPr lang="en-US" altLang="zh-CN" sz="2400" dirty="0"/>
+          </a:p>
+        </p:txBody>
+      </p:sp>
+    </p:spTree>
+    <p:extLst>
+      <p:ext uri="{BB962C8B-B14F-4D97-AF65-F5344CB8AC3E}">
+        <p14:creationId xmlns:p14="http://schemas.microsoft.com/office/powerpoint/2010/main" val="3091670440"/>
+      </p:ext>
+    </p:extLst>
+  </p:cSld>
+  <p:clrMapOvr>
+    <a:masterClrMapping/>
+  </p:clrMapOvr>
+  <p:timing>
+    <p:tnLst>
+      <p:par>
+        <p:cTn id="1" dur="indefinite" restart="never" nodeType="tmRoot"/>
+      </p:par>
+    </p:tnLst>
+  </p:timing>
+</p:sld>
+</file>
+
+<file path=ppt/slides/slide6.xml><?xml version="1.0" encoding="utf-8"?>
+<p:sld xmlns:a="http://schemas.openxmlformats.org/drawingml/2006/main" xmlns:r="http://schemas.openxmlformats.org/officeDocument/2006/relationships" xmlns:p="http://schemas.openxmlformats.org/presentationml/2006/main">
+  <p:cSld>
+    <p:spTree>
+      <p:nvGrpSpPr>
+        <p:cNvPr id="1" name=""/>
+        <p:cNvGrpSpPr/>
+        <p:nvPr/>
+      </p:nvGrpSpPr>
+      <p:grpSpPr>
+        <a:xfrm>
+          <a:off x="0" y="0"/>
+          <a:ext cx="0" cy="0"/>
+          <a:chOff x="0" y="0"/>
+          <a:chExt cx="0" cy="0"/>
+        </a:xfrm>
+      </p:grpSpPr>
+      <p:sp>
+        <p:nvSpPr>
+          <p:cNvPr id="2" name="竖排标题 1"/>
+          <p:cNvSpPr>
+            <a:spLocks noGrp="1"/>
+          </p:cNvSpPr>
+          <p:nvPr>
+            <p:ph type="title" orient="vert"/>
+          </p:nvPr>
+        </p:nvSpPr>
+        <p:spPr/>
+        <p:txBody>
+          <a:bodyPr/>
+          <a:lstStyle/>
+          <a:p>
+            <a:pPr algn="ctr"/>
+            <a:r>
+              <a:rPr lang="zh-CN" altLang="en-US" b="1" dirty="0" smtClean="0"/>
+              <a:t>检查接收到的帧</a:t>
+            </a:r>
+            <a:endParaRPr lang="zh-CN" altLang="en-US" b="1" dirty="0"/>
+          </a:p>
+        </p:txBody>
+      </p:sp>
+      <p:sp>
+        <p:nvSpPr>
+          <p:cNvPr id="4" name="文本框 3"/>
+          <p:cNvSpPr txBox="1"/>
+          <p:nvPr/>
+        </p:nvSpPr>
+        <p:spPr>
+          <a:xfrm>
+            <a:off x="1737360" y="1536174"/>
+            <a:ext cx="7511143" cy="3785652"/>
+          </a:xfrm>
+          <a:prstGeom prst="rect">
+            <a:avLst/>
+          </a:prstGeom>
+          <a:noFill/>
+        </p:spPr>
+        <p:txBody>
+          <a:bodyPr wrap="square" rtlCol="0">
+            <a:spAutoFit/>
+          </a:bodyPr>
+          <a:lstStyle/>
+          <a:p>
+            <a:endParaRPr lang="zh-CN" altLang="en-US" sz="2400" dirty="0"/>
+          </a:p>
+          <a:p>
+            <a:r>
+              <a:rPr lang="en-US" altLang="zh-CN" sz="2400" dirty="0"/>
+              <a:t>#</a:t>
+            </a:r>
+            <a:r>
+              <a:rPr lang="zh-CN" altLang="en-US" sz="2400" dirty="0"/>
+              <a:t>检查接收到的数据：余数是否为</a:t>
+            </a:r>
+            <a:r>
+              <a:rPr lang="en-US" altLang="zh-CN" sz="2400" dirty="0"/>
+              <a:t>0</a:t>
+            </a:r>
+            <a:r>
+              <a:rPr lang="zh-CN" altLang="en-US" sz="2400" dirty="0"/>
+              <a:t>  </a:t>
+            </a:r>
+          </a:p>
+          <a:p>
+            <a:r>
+              <a:rPr lang="en-US" altLang="zh-CN" sz="2400" b="1" dirty="0" err="1"/>
+              <a:t>def</a:t>
+            </a:r>
+            <a:r>
+              <a:rPr lang="en-US" altLang="zh-CN" sz="2400" dirty="0"/>
+              <a:t> </a:t>
+            </a:r>
+            <a:r>
+              <a:rPr lang="en-US" altLang="zh-CN" sz="2400" dirty="0" err="1"/>
+              <a:t>checkReceiveMassage</a:t>
+            </a:r>
+            <a:r>
+              <a:rPr lang="en-US" altLang="zh-CN" sz="2400" dirty="0"/>
+              <a:t>(</a:t>
+            </a:r>
+            <a:r>
+              <a:rPr lang="en-US" altLang="zh-CN" sz="2400" dirty="0" err="1"/>
+              <a:t>massage,massageL,gen</a:t>
+            </a:r>
+            <a:r>
+              <a:rPr lang="en-US" altLang="zh-CN" sz="2400" dirty="0"/>
+              <a:t>=</a:t>
+            </a:r>
+            <a:r>
+              <a:rPr lang="en-US" altLang="zh-CN" sz="2400" dirty="0" err="1"/>
+              <a:t>genValue,genL</a:t>
+            </a:r>
+            <a:r>
+              <a:rPr lang="en-US" altLang="zh-CN" sz="2400" dirty="0"/>
+              <a:t>=</a:t>
+            </a:r>
+            <a:r>
+              <a:rPr lang="en-US" altLang="zh-CN" sz="2400" dirty="0" err="1"/>
+              <a:t>genLen</a:t>
+            </a:r>
+            <a:r>
+              <a:rPr lang="en-US" altLang="zh-CN" sz="2400" dirty="0"/>
+              <a:t>):  </a:t>
+            </a:r>
+          </a:p>
+          <a:p>
+            <a:r>
+              <a:rPr lang="en-US" altLang="zh-CN" sz="2400" dirty="0"/>
+              <a:t>    remainder=</a:t>
+            </a:r>
+            <a:r>
+              <a:rPr lang="en-US" altLang="zh-CN" sz="2400" dirty="0" err="1"/>
+              <a:t>getRemainder</a:t>
+            </a:r>
+            <a:r>
+              <a:rPr lang="en-US" altLang="zh-CN" sz="2400" dirty="0"/>
+              <a:t>(</a:t>
+            </a:r>
+            <a:r>
+              <a:rPr lang="en-US" altLang="zh-CN" sz="2400" dirty="0" err="1"/>
+              <a:t>massage,massageL,gen,genL</a:t>
+            </a:r>
+            <a:r>
+              <a:rPr lang="en-US" altLang="zh-CN" sz="2400" dirty="0"/>
+              <a:t>)  </a:t>
+            </a:r>
+          </a:p>
+          <a:p>
+            <a:r>
+              <a:rPr lang="en-US" altLang="zh-CN" sz="2400" dirty="0"/>
+              <a:t>    </a:t>
+            </a:r>
+            <a:r>
+              <a:rPr lang="en-US" altLang="zh-CN" sz="2400" b="1" dirty="0"/>
+              <a:t>if</a:t>
+            </a:r>
+            <a:r>
+              <a:rPr lang="en-US" altLang="zh-CN" sz="2400" dirty="0"/>
+              <a:t> remainder==0:  </a:t>
+            </a:r>
+            <a:r>
+              <a:rPr lang="en-US" altLang="zh-CN" sz="2400" dirty="0" smtClean="0"/>
+              <a:t>#</a:t>
+            </a:r>
+            <a:r>
+              <a:rPr lang="zh-CN" altLang="en-US" sz="2400" dirty="0" smtClean="0"/>
+              <a:t>余数为零，正确</a:t>
+            </a:r>
+            <a:endParaRPr lang="en-US" altLang="zh-CN" sz="2400" dirty="0"/>
+          </a:p>
+          <a:p>
+            <a:r>
+              <a:rPr lang="en-US" altLang="zh-CN" sz="2400" dirty="0"/>
+              <a:t>        </a:t>
+            </a:r>
+            <a:r>
+              <a:rPr lang="en-US" altLang="zh-CN" sz="2400" b="1" dirty="0"/>
+              <a:t>return</a:t>
+            </a:r>
+            <a:r>
+              <a:rPr lang="en-US" altLang="zh-CN" sz="2400" dirty="0"/>
+              <a:t> </a:t>
+            </a:r>
+            <a:r>
+              <a:rPr lang="en-US" altLang="zh-CN" sz="2400" dirty="0" err="1"/>
+              <a:t>True,remainder</a:t>
+            </a:r>
+            <a:r>
+              <a:rPr lang="en-US" altLang="zh-CN" sz="2400" dirty="0"/>
+              <a:t>  </a:t>
+            </a:r>
+          </a:p>
+          <a:p>
+            <a:r>
+              <a:rPr lang="en-US" altLang="zh-CN" sz="2400" dirty="0"/>
+              <a:t>    </a:t>
+            </a:r>
+            <a:r>
+              <a:rPr lang="en-US" altLang="zh-CN" sz="2400" b="1" dirty="0"/>
+              <a:t>else</a:t>
+            </a:r>
+            <a:r>
+              <a:rPr lang="en-US" altLang="zh-CN" sz="2400" dirty="0"/>
+              <a:t>:  </a:t>
+            </a:r>
+          </a:p>
+          <a:p>
+            <a:r>
+              <a:rPr lang="en-US" altLang="zh-CN" sz="2400" dirty="0"/>
+              <a:t>        </a:t>
+            </a:r>
+            <a:r>
+              <a:rPr lang="en-US" altLang="zh-CN" sz="2400" b="1" dirty="0"/>
+              <a:t>return</a:t>
+            </a:r>
+            <a:r>
+              <a:rPr lang="en-US" altLang="zh-CN" sz="2400" dirty="0"/>
+              <a:t> </a:t>
+            </a:r>
+            <a:r>
+              <a:rPr lang="en-US" altLang="zh-CN" sz="2400" dirty="0" err="1"/>
+              <a:t>False,remainder</a:t>
+            </a:r>
+            <a:r>
+              <a:rPr lang="en-US" altLang="zh-CN" sz="2400" dirty="0"/>
+              <a:t>  </a:t>
+            </a:r>
+          </a:p>
+          <a:p>
+            <a:endParaRPr lang="en-US" altLang="zh-CN" sz="2400" dirty="0"/>
+          </a:p>
+        </p:txBody>
+      </p:sp>
+    </p:spTree>
+    <p:extLst>
+      <p:ext uri="{BB962C8B-B14F-4D97-AF65-F5344CB8AC3E}">
+        <p14:creationId xmlns:p14="http://schemas.microsoft.com/office/powerpoint/2010/main" val="1323373217"/>
+      </p:ext>
+    </p:extLst>
+  </p:cSld>
+  <p:clrMapOvr>
+    <a:masterClrMapping/>
+  </p:clrMapOvr>
+  <p:timing>
+    <p:tnLst>
+      <p:par>
+        <p:cTn id="1" dur="indefinite" restart="never" nodeType="tmRoot"/>
+      </p:par>
+    </p:tnLst>
+  </p:timing>
+</p:sld>
+</file>
+
+<file path=ppt/slides/slide7.xml><?xml version="1.0" encoding="utf-8"?>
+<p:sld xmlns:a="http://schemas.openxmlformats.org/drawingml/2006/main" xmlns:r="http://schemas.openxmlformats.org/officeDocument/2006/relationships" xmlns:p="http://schemas.openxmlformats.org/presentationml/2006/main">
+  <p:cSld>
+    <p:spTree>
+      <p:nvGrpSpPr>
+        <p:cNvPr id="1" name=""/>
+        <p:cNvGrpSpPr/>
+        <p:nvPr/>
+      </p:nvGrpSpPr>
+      <p:grpSpPr>
+        <a:xfrm>
+          <a:off x="0" y="0"/>
+          <a:ext cx="0" cy="0"/>
+          <a:chOff x="0" y="0"/>
+          <a:chExt cx="0" cy="0"/>
+        </a:xfrm>
+      </p:grpSpPr>
+      <p:sp>
+        <p:nvSpPr>
           <p:cNvPr id="3" name="文本框 2"/>
           <p:cNvSpPr txBox="1"/>
           <p:nvPr/>
@@ -7412,7 +9715,7 @@
         </p:blipFill>
         <p:spPr>
           <a:xfrm>
-            <a:off x="2365495" y="401782"/>
+            <a:off x="2365495" y="436418"/>
             <a:ext cx="5799281" cy="5985164"/>
           </a:xfrm>
           <a:prstGeom prst="rect">
@@ -7429,7 +9732,7 @@
         <p:spPr>
           <a:xfrm>
             <a:off x="8285018" y="401782"/>
-            <a:ext cx="3449782" cy="1200329"/>
+            <a:ext cx="3449782" cy="461665"/>
           </a:xfrm>
           <a:prstGeom prst="rect">
             <a:avLst/>
@@ -7447,21 +9750,50 @@
                 <a:latin typeface="仿宋" panose="02010609060101010101" pitchFamily="49" charset="-122"/>
                 <a:ea typeface="仿宋" panose="02010609060101010101" pitchFamily="49" charset="-122"/>
               </a:rPr>
-              <a:t>分析：在进行校验时发现余数不为</a:t>
+              <a:t>结果分析</a:t>
             </a:r>
             <a:r>
               <a:rPr lang="en-US" altLang="zh-CN" sz="2400" b="1" dirty="0" smtClean="0">
                 <a:latin typeface="仿宋" panose="02010609060101010101" pitchFamily="49" charset="-122"/>
                 <a:ea typeface="仿宋" panose="02010609060101010101" pitchFamily="49" charset="-122"/>
               </a:rPr>
-              <a:t>0</a:t>
-            </a:r>
+              <a:t>:</a:t>
+            </a:r>
+            <a:endParaRPr lang="zh-CN" altLang="en-US" sz="2400" b="1" dirty="0">
+              <a:latin typeface="仿宋" panose="02010609060101010101" pitchFamily="49" charset="-122"/>
+              <a:ea typeface="仿宋" panose="02010609060101010101" pitchFamily="49" charset="-122"/>
+            </a:endParaRPr>
+          </a:p>
+        </p:txBody>
+      </p:sp>
+      <p:sp>
+        <p:nvSpPr>
+          <p:cNvPr id="5" name="文本框 4"/>
+          <p:cNvSpPr txBox="1"/>
+          <p:nvPr/>
+        </p:nvSpPr>
+        <p:spPr>
+          <a:xfrm>
+            <a:off x="8213267" y="3726873"/>
+            <a:ext cx="3449782" cy="461665"/>
+          </a:xfrm>
+          <a:prstGeom prst="rect">
+            <a:avLst/>
+          </a:prstGeom>
+          <a:noFill/>
+        </p:spPr>
+        <p:txBody>
+          <a:bodyPr wrap="square" rtlCol="0">
+            <a:spAutoFit/>
+          </a:bodyPr>
+          <a:lstStyle/>
+          <a:p>
             <a:r>
               <a:rPr lang="zh-CN" altLang="en-US" sz="2400" b="1" dirty="0" smtClean="0">
                 <a:latin typeface="仿宋" panose="02010609060101010101" pitchFamily="49" charset="-122"/>
                 <a:ea typeface="仿宋" panose="02010609060101010101" pitchFamily="49" charset="-122"/>
               </a:rPr>
-              <a:t>，故传输出错（待续）</a:t>
+              <a:t>总结：</a:t>
             </a:r>
             <a:endParaRPr lang="zh-CN" altLang="en-US" sz="2400" b="1" dirty="0">
               <a:latin typeface="仿宋" panose="02010609060101010101" pitchFamily="49" charset="-122"/>
@@ -7474,6 +9806,955 @@
     <p:extLst>
       <p:ext uri="{BB962C8B-B14F-4D97-AF65-F5344CB8AC3E}">
         <p14:creationId xmlns:p14="http://schemas.microsoft.com/office/powerpoint/2010/main" val="1631066147"/>
+      </p:ext>
+    </p:extLst>
+  </p:cSld>
+  <p:clrMapOvr>
+    <a:masterClrMapping/>
+  </p:clrMapOvr>
+  <p:timing>
+    <p:tnLst>
+      <p:par>
+        <p:cTn id="1" dur="indefinite" restart="never" nodeType="tmRoot"/>
+      </p:par>
+    </p:tnLst>
+  </p:timing>
+</p:sld>
+</file>
+
+<file path=ppt/slides/slide8.xml><?xml version="1.0" encoding="utf-8"?>
+<p:sld xmlns:a="http://schemas.openxmlformats.org/drawingml/2006/main" xmlns:r="http://schemas.openxmlformats.org/officeDocument/2006/relationships" xmlns:p="http://schemas.openxmlformats.org/presentationml/2006/main">
+  <p:cSld>
+    <p:spTree>
+      <p:nvGrpSpPr>
+        <p:cNvPr id="1" name=""/>
+        <p:cNvGrpSpPr/>
+        <p:nvPr/>
+      </p:nvGrpSpPr>
+      <p:grpSpPr>
+        <a:xfrm>
+          <a:off x="0" y="0"/>
+          <a:ext cx="0" cy="0"/>
+          <a:chOff x="0" y="0"/>
+          <a:chExt cx="0" cy="0"/>
+        </a:xfrm>
+      </p:grpSpPr>
+      <p:sp>
+        <p:nvSpPr>
+          <p:cNvPr id="2" name="文本框 1"/>
+          <p:cNvSpPr txBox="1"/>
+          <p:nvPr/>
+        </p:nvSpPr>
+        <p:spPr>
+          <a:xfrm>
+            <a:off x="1105545" y="1887584"/>
+            <a:ext cx="923330" cy="3239578"/>
+          </a:xfrm>
+          <a:prstGeom prst="rect">
+            <a:avLst/>
+          </a:prstGeom>
+        </p:spPr>
+        <p:style>
+          <a:lnRef idx="0">
+            <a:schemeClr val="accent1"/>
+          </a:lnRef>
+          <a:fillRef idx="3">
+            <a:schemeClr val="accent1"/>
+          </a:fillRef>
+          <a:effectRef idx="3">
+            <a:schemeClr val="accent1"/>
+          </a:effectRef>
+          <a:fontRef idx="minor">
+            <a:schemeClr val="lt1"/>
+          </a:fontRef>
+        </p:style>
+        <p:txBody>
+          <a:bodyPr vert="eaVert" wrap="square" rtlCol="0">
+            <a:spAutoFit/>
+          </a:bodyPr>
+          <a:lstStyle/>
+          <a:p>
+            <a:pPr algn="ctr"/>
+            <a:r>
+              <a:rPr lang="zh-CN" altLang="en-US" sz="4800" dirty="0" smtClean="0"/>
+              <a:t>设计思路</a:t>
+            </a:r>
+            <a:endParaRPr lang="zh-CN" altLang="en-US" sz="4800" dirty="0"/>
+          </a:p>
+        </p:txBody>
+      </p:sp>
+      <p:sp>
+        <p:nvSpPr>
+          <p:cNvPr id="7" name="文本框 6"/>
+          <p:cNvSpPr txBox="1"/>
+          <p:nvPr/>
+        </p:nvSpPr>
+        <p:spPr>
+          <a:xfrm>
+            <a:off x="2665115" y="1992077"/>
+            <a:ext cx="2255199" cy="369332"/>
+          </a:xfrm>
+          <a:prstGeom prst="rect">
+            <a:avLst/>
+          </a:prstGeom>
+          <a:ln/>
+        </p:spPr>
+        <p:style>
+          <a:lnRef idx="2">
+            <a:schemeClr val="dk1"/>
+          </a:lnRef>
+          <a:fillRef idx="1">
+            <a:schemeClr val="lt1"/>
+          </a:fillRef>
+          <a:effectRef idx="0">
+            <a:schemeClr val="dk1"/>
+          </a:effectRef>
+          <a:fontRef idx="minor">
+            <a:schemeClr val="dk1"/>
+          </a:fontRef>
+        </p:style>
+        <p:txBody>
+          <a:bodyPr wrap="square" rtlCol="0">
+            <a:spAutoFit/>
+          </a:bodyPr>
+          <a:lstStyle/>
+          <a:p>
+            <a:r>
+              <a:rPr lang="zh-CN" altLang="en-US" dirty="0" smtClean="0"/>
+              <a:t>比特填充</a:t>
+            </a:r>
+            <a:endParaRPr lang="en-US" altLang="zh-CN" dirty="0" smtClean="0"/>
+          </a:p>
+        </p:txBody>
+      </p:sp>
+      <p:sp>
+        <p:nvSpPr>
+          <p:cNvPr id="14" name="文本框 13"/>
+          <p:cNvSpPr txBox="1"/>
+          <p:nvPr/>
+        </p:nvSpPr>
+        <p:spPr>
+          <a:xfrm>
+            <a:off x="6463395" y="1992077"/>
+            <a:ext cx="2749878" cy="369332"/>
+          </a:xfrm>
+          <a:prstGeom prst="rect">
+            <a:avLst/>
+          </a:prstGeom>
+          <a:solidFill>
+            <a:schemeClr val="bg1"/>
+          </a:solidFill>
+          <a:ln>
+            <a:solidFill>
+              <a:schemeClr val="tx1">
+                <a:lumMod val="95000"/>
+                <a:lumOff val="5000"/>
+              </a:schemeClr>
+            </a:solidFill>
+          </a:ln>
+        </p:spPr>
+        <p:txBody>
+          <a:bodyPr wrap="square" rtlCol="0">
+            <a:spAutoFit/>
+          </a:bodyPr>
+          <a:lstStyle/>
+          <a:p>
+            <a:r>
+              <a:rPr lang="zh-CN" altLang="en-US" dirty="0" smtClean="0"/>
+              <a:t>数据遇到连续</a:t>
+            </a:r>
+            <a:r>
+              <a:rPr lang="en-US" altLang="zh-CN" dirty="0" smtClean="0"/>
+              <a:t>5</a:t>
+            </a:r>
+            <a:r>
+              <a:rPr lang="zh-CN" altLang="en-US" dirty="0" smtClean="0"/>
+              <a:t>个</a:t>
+            </a:r>
+            <a:r>
+              <a:rPr lang="en-US" altLang="zh-CN" dirty="0" smtClean="0"/>
+              <a:t>1</a:t>
+            </a:r>
+            <a:r>
+              <a:rPr lang="zh-CN" altLang="en-US" dirty="0" smtClean="0"/>
+              <a:t>，添</a:t>
+            </a:r>
+            <a:r>
+              <a:rPr lang="en-US" altLang="zh-CN" dirty="0" smtClean="0"/>
+              <a:t>0</a:t>
+            </a:r>
+            <a:endParaRPr lang="en-US" altLang="zh-CN" dirty="0"/>
+          </a:p>
+        </p:txBody>
+      </p:sp>
+      <p:sp>
+        <p:nvSpPr>
+          <p:cNvPr id="15" name="文本框 14"/>
+          <p:cNvSpPr txBox="1"/>
+          <p:nvPr/>
+        </p:nvSpPr>
+        <p:spPr>
+          <a:xfrm>
+            <a:off x="6441943" y="3075086"/>
+            <a:ext cx="2771330" cy="646331"/>
+          </a:xfrm>
+          <a:prstGeom prst="rect">
+            <a:avLst/>
+          </a:prstGeom>
+          <a:solidFill>
+            <a:schemeClr val="bg1"/>
+          </a:solidFill>
+          <a:ln>
+            <a:solidFill>
+              <a:schemeClr val="tx1">
+                <a:lumMod val="95000"/>
+                <a:lumOff val="5000"/>
+              </a:schemeClr>
+            </a:solidFill>
+          </a:ln>
+        </p:spPr>
+        <p:txBody>
+          <a:bodyPr wrap="square" rtlCol="0">
+            <a:spAutoFit/>
+          </a:bodyPr>
+          <a:lstStyle/>
+          <a:p>
+            <a:r>
+              <a:rPr lang="zh-CN" altLang="en-US" dirty="0"/>
+              <a:t>数据遇到连续</a:t>
+            </a:r>
+            <a:r>
+              <a:rPr lang="en-US" altLang="zh-CN" dirty="0"/>
+              <a:t>5</a:t>
+            </a:r>
+            <a:r>
+              <a:rPr lang="zh-CN" altLang="en-US" dirty="0"/>
+              <a:t>个</a:t>
+            </a:r>
+            <a:r>
+              <a:rPr lang="en-US" altLang="zh-CN" dirty="0"/>
+              <a:t>1</a:t>
+            </a:r>
+            <a:r>
+              <a:rPr lang="zh-CN" altLang="en-US" dirty="0" smtClean="0"/>
+              <a:t>，剔除</a:t>
+            </a:r>
+            <a:r>
+              <a:rPr lang="en-US" altLang="zh-CN" dirty="0" smtClean="0"/>
+              <a:t>0</a:t>
+            </a:r>
+            <a:endParaRPr lang="en-US" altLang="zh-CN" dirty="0"/>
+          </a:p>
+        </p:txBody>
+      </p:sp>
+      <p:sp>
+        <p:nvSpPr>
+          <p:cNvPr id="16" name="文本框 15"/>
+          <p:cNvSpPr txBox="1"/>
+          <p:nvPr/>
+        </p:nvSpPr>
+        <p:spPr>
+          <a:xfrm>
+            <a:off x="2686566" y="3075086"/>
+            <a:ext cx="2233748" cy="369332"/>
+          </a:xfrm>
+          <a:prstGeom prst="rect">
+            <a:avLst/>
+          </a:prstGeom>
+          <a:solidFill>
+            <a:schemeClr val="bg1"/>
+          </a:solidFill>
+          <a:ln>
+            <a:solidFill>
+              <a:schemeClr val="tx1">
+                <a:lumMod val="95000"/>
+                <a:lumOff val="5000"/>
+              </a:schemeClr>
+            </a:solidFill>
+          </a:ln>
+        </p:spPr>
+        <p:txBody>
+          <a:bodyPr wrap="square" rtlCol="0">
+            <a:spAutoFit/>
+          </a:bodyPr>
+          <a:lstStyle/>
+          <a:p>
+            <a:r>
+              <a:rPr lang="zh-CN" altLang="en-US" dirty="0"/>
+              <a:t>比特</a:t>
+            </a:r>
+            <a:r>
+              <a:rPr lang="zh-CN" altLang="en-US" dirty="0" smtClean="0"/>
+              <a:t>填充复原</a:t>
+            </a:r>
+            <a:endParaRPr lang="en-US" altLang="zh-CN" dirty="0"/>
+          </a:p>
+        </p:txBody>
+      </p:sp>
+      <p:sp>
+        <p:nvSpPr>
+          <p:cNvPr id="18" name="文本框 17"/>
+          <p:cNvSpPr txBox="1"/>
+          <p:nvPr/>
+        </p:nvSpPr>
+        <p:spPr>
+          <a:xfrm>
+            <a:off x="2688715" y="4026320"/>
+            <a:ext cx="2233748" cy="369332"/>
+          </a:xfrm>
+          <a:prstGeom prst="rect">
+            <a:avLst/>
+          </a:prstGeom>
+          <a:solidFill>
+            <a:schemeClr val="bg1"/>
+          </a:solidFill>
+          <a:ln>
+            <a:solidFill>
+              <a:schemeClr val="tx1">
+                <a:lumMod val="95000"/>
+                <a:lumOff val="5000"/>
+              </a:schemeClr>
+            </a:solidFill>
+          </a:ln>
+        </p:spPr>
+        <p:txBody>
+          <a:bodyPr wrap="square" rtlCol="0">
+            <a:spAutoFit/>
+          </a:bodyPr>
+          <a:lstStyle/>
+          <a:p>
+            <a:r>
+              <a:rPr lang="zh-CN" altLang="en-US" dirty="0" smtClean="0"/>
+              <a:t>字节填充</a:t>
+            </a:r>
+            <a:endParaRPr lang="en-US" altLang="zh-CN" dirty="0"/>
+          </a:p>
+        </p:txBody>
+      </p:sp>
+      <p:sp>
+        <p:nvSpPr>
+          <p:cNvPr id="19" name="文本框 18"/>
+          <p:cNvSpPr txBox="1"/>
+          <p:nvPr/>
+        </p:nvSpPr>
+        <p:spPr>
+          <a:xfrm>
+            <a:off x="6441944" y="4026320"/>
+            <a:ext cx="2564704" cy="369332"/>
+          </a:xfrm>
+          <a:prstGeom prst="rect">
+            <a:avLst/>
+          </a:prstGeom>
+          <a:solidFill>
+            <a:schemeClr val="bg1"/>
+          </a:solidFill>
+          <a:ln>
+            <a:solidFill>
+              <a:schemeClr val="tx1">
+                <a:lumMod val="95000"/>
+                <a:lumOff val="5000"/>
+              </a:schemeClr>
+            </a:solidFill>
+          </a:ln>
+        </p:spPr>
+        <p:txBody>
+          <a:bodyPr wrap="square" rtlCol="0">
+            <a:spAutoFit/>
+          </a:bodyPr>
+          <a:lstStyle/>
+          <a:p>
+            <a:endParaRPr lang="en-US" altLang="zh-CN" dirty="0"/>
+          </a:p>
+        </p:txBody>
+      </p:sp>
+      <p:cxnSp>
+        <p:nvCxnSpPr>
+          <p:cNvPr id="21" name="直接箭头连接符 20"/>
+          <p:cNvCxnSpPr/>
+          <p:nvPr/>
+        </p:nvCxnSpPr>
+        <p:spPr>
+          <a:xfrm>
+            <a:off x="4920314" y="2187014"/>
+            <a:ext cx="1521630" cy="7668"/>
+          </a:xfrm>
+          <a:prstGeom prst="straightConnector1">
+            <a:avLst/>
+          </a:prstGeom>
+          <a:ln>
+            <a:tailEnd type="triangle"/>
+          </a:ln>
+        </p:spPr>
+        <p:style>
+          <a:lnRef idx="1">
+            <a:schemeClr val="accent1"/>
+          </a:lnRef>
+          <a:fillRef idx="0">
+            <a:schemeClr val="accent1"/>
+          </a:fillRef>
+          <a:effectRef idx="0">
+            <a:schemeClr val="accent1"/>
+          </a:effectRef>
+          <a:fontRef idx="minor">
+            <a:schemeClr val="tx1"/>
+          </a:fontRef>
+        </p:style>
+      </p:cxnSp>
+      <p:cxnSp>
+        <p:nvCxnSpPr>
+          <p:cNvPr id="23" name="直接箭头连接符 22"/>
+          <p:cNvCxnSpPr>
+            <a:stCxn id="16" idx="3"/>
+            <a:endCxn id="15" idx="1"/>
+          </p:cNvCxnSpPr>
+          <p:nvPr/>
+        </p:nvCxnSpPr>
+        <p:spPr>
+          <a:xfrm>
+            <a:off x="4920314" y="3259752"/>
+            <a:ext cx="1521630" cy="0"/>
+          </a:xfrm>
+          <a:prstGeom prst="straightConnector1">
+            <a:avLst/>
+          </a:prstGeom>
+          <a:ln>
+            <a:tailEnd type="triangle"/>
+          </a:ln>
+        </p:spPr>
+        <p:style>
+          <a:lnRef idx="1">
+            <a:schemeClr val="accent1"/>
+          </a:lnRef>
+          <a:fillRef idx="0">
+            <a:schemeClr val="accent1"/>
+          </a:fillRef>
+          <a:effectRef idx="0">
+            <a:schemeClr val="accent1"/>
+          </a:effectRef>
+          <a:fontRef idx="minor">
+            <a:schemeClr val="tx1"/>
+          </a:fontRef>
+        </p:style>
+      </p:cxnSp>
+      <p:cxnSp>
+        <p:nvCxnSpPr>
+          <p:cNvPr id="25" name="直接箭头连接符 24"/>
+          <p:cNvCxnSpPr/>
+          <p:nvPr/>
+        </p:nvCxnSpPr>
+        <p:spPr>
+          <a:xfrm>
+            <a:off x="4922463" y="4210986"/>
+            <a:ext cx="1519481" cy="0"/>
+          </a:xfrm>
+          <a:prstGeom prst="straightConnector1">
+            <a:avLst/>
+          </a:prstGeom>
+          <a:ln>
+            <a:tailEnd type="triangle"/>
+          </a:ln>
+        </p:spPr>
+        <p:style>
+          <a:lnRef idx="1">
+            <a:schemeClr val="accent1"/>
+          </a:lnRef>
+          <a:fillRef idx="0">
+            <a:schemeClr val="accent1"/>
+          </a:fillRef>
+          <a:effectRef idx="0">
+            <a:schemeClr val="accent1"/>
+          </a:effectRef>
+          <a:fontRef idx="minor">
+            <a:schemeClr val="tx1"/>
+          </a:fontRef>
+        </p:style>
+      </p:cxnSp>
+      <p:sp>
+        <p:nvSpPr>
+          <p:cNvPr id="12" name="标题 1"/>
+          <p:cNvSpPr txBox="1">
+            <a:spLocks/>
+          </p:cNvSpPr>
+          <p:nvPr/>
+        </p:nvSpPr>
+        <p:spPr>
+          <a:xfrm>
+            <a:off x="913775" y="618517"/>
+            <a:ext cx="10364451" cy="1596177"/>
+          </a:xfrm>
+          <a:prstGeom prst="rect">
+            <a:avLst/>
+          </a:prstGeom>
+        </p:spPr>
+        <p:txBody>
+          <a:bodyPr/>
+          <a:lstStyle>
+            <a:lvl1pPr algn="ctr" defTabSz="914400" rtl="0" eaLnBrk="1" latinLnBrk="0" hangingPunct="1">
+              <a:lnSpc>
+                <a:spcPct val="90000"/>
+              </a:lnSpc>
+              <a:spcBef>
+                <a:spcPct val="0"/>
+              </a:spcBef>
+              <a:buNone/>
+              <a:defRPr sz="3600" kern="1200" cap="all" baseline="0">
+                <a:solidFill>
+                  <a:schemeClr val="tx1"/>
+                </a:solidFill>
+                <a:effectLst/>
+                <a:latin typeface="+mj-lt"/>
+                <a:ea typeface="+mj-ea"/>
+                <a:cs typeface="+mj-cs"/>
+              </a:defRPr>
+            </a:lvl1pPr>
+          </a:lstStyle>
+          <a:p>
+            <a:r>
+              <a:rPr lang="zh-CN" altLang="zh-CN" dirty="0"/>
+              <a:t>透明传输程序</a:t>
+            </a:r>
+            <a:endParaRPr lang="zh-CN" altLang="en-US" dirty="0"/>
+          </a:p>
+        </p:txBody>
+      </p:sp>
+      <p:sp>
+        <p:nvSpPr>
+          <p:cNvPr id="13" name="文本框 12"/>
+          <p:cNvSpPr txBox="1"/>
+          <p:nvPr/>
+        </p:nvSpPr>
+        <p:spPr>
+          <a:xfrm>
+            <a:off x="2688715" y="5049957"/>
+            <a:ext cx="2233748" cy="369332"/>
+          </a:xfrm>
+          <a:prstGeom prst="rect">
+            <a:avLst/>
+          </a:prstGeom>
+          <a:solidFill>
+            <a:schemeClr val="bg1"/>
+          </a:solidFill>
+          <a:ln>
+            <a:solidFill>
+              <a:schemeClr val="tx1">
+                <a:lumMod val="95000"/>
+                <a:lumOff val="5000"/>
+              </a:schemeClr>
+            </a:solidFill>
+          </a:ln>
+        </p:spPr>
+        <p:txBody>
+          <a:bodyPr wrap="square" rtlCol="0">
+            <a:spAutoFit/>
+          </a:bodyPr>
+          <a:lstStyle/>
+          <a:p>
+            <a:r>
+              <a:rPr lang="zh-CN" altLang="en-US" dirty="0" smtClean="0"/>
+              <a:t>字节填充复原</a:t>
+            </a:r>
+            <a:endParaRPr lang="en-US" altLang="zh-CN" dirty="0"/>
+          </a:p>
+        </p:txBody>
+      </p:sp>
+      <p:sp>
+        <p:nvSpPr>
+          <p:cNvPr id="17" name="文本框 16"/>
+          <p:cNvSpPr txBox="1"/>
+          <p:nvPr/>
+        </p:nvSpPr>
+        <p:spPr>
+          <a:xfrm>
+            <a:off x="6441944" y="5049957"/>
+            <a:ext cx="2564704" cy="369332"/>
+          </a:xfrm>
+          <a:prstGeom prst="rect">
+            <a:avLst/>
+          </a:prstGeom>
+          <a:solidFill>
+            <a:schemeClr val="bg1"/>
+          </a:solidFill>
+          <a:ln>
+            <a:solidFill>
+              <a:schemeClr val="tx1">
+                <a:lumMod val="95000"/>
+                <a:lumOff val="5000"/>
+              </a:schemeClr>
+            </a:solidFill>
+          </a:ln>
+        </p:spPr>
+        <p:txBody>
+          <a:bodyPr wrap="square" rtlCol="0">
+            <a:spAutoFit/>
+          </a:bodyPr>
+          <a:lstStyle/>
+          <a:p>
+            <a:endParaRPr lang="en-US" altLang="zh-CN" dirty="0"/>
+          </a:p>
+        </p:txBody>
+      </p:sp>
+      <p:cxnSp>
+        <p:nvCxnSpPr>
+          <p:cNvPr id="20" name="直接箭头连接符 19"/>
+          <p:cNvCxnSpPr/>
+          <p:nvPr/>
+        </p:nvCxnSpPr>
+        <p:spPr>
+          <a:xfrm>
+            <a:off x="4922463" y="5273746"/>
+            <a:ext cx="1519481" cy="0"/>
+          </a:xfrm>
+          <a:prstGeom prst="straightConnector1">
+            <a:avLst/>
+          </a:prstGeom>
+          <a:ln>
+            <a:tailEnd type="triangle"/>
+          </a:ln>
+        </p:spPr>
+        <p:style>
+          <a:lnRef idx="1">
+            <a:schemeClr val="accent1"/>
+          </a:lnRef>
+          <a:fillRef idx="0">
+            <a:schemeClr val="accent1"/>
+          </a:fillRef>
+          <a:effectRef idx="0">
+            <a:schemeClr val="accent1"/>
+          </a:effectRef>
+          <a:fontRef idx="minor">
+            <a:schemeClr val="tx1"/>
+          </a:fontRef>
+        </p:style>
+      </p:cxnSp>
+    </p:spTree>
+    <p:extLst>
+      <p:ext uri="{BB962C8B-B14F-4D97-AF65-F5344CB8AC3E}">
+        <p14:creationId xmlns:p14="http://schemas.microsoft.com/office/powerpoint/2010/main" val="1913740823"/>
+      </p:ext>
+    </p:extLst>
+  </p:cSld>
+  <p:clrMapOvr>
+    <a:masterClrMapping/>
+  </p:clrMapOvr>
+  <p:timing>
+    <p:tnLst>
+      <p:par>
+        <p:cTn id="1" dur="indefinite" restart="never" nodeType="tmRoot"/>
+      </p:par>
+    </p:tnLst>
+  </p:timing>
+</p:sld>
+</file>
+
+<file path=ppt/slides/slide9.xml><?xml version="1.0" encoding="utf-8"?>
+<p:sld xmlns:a="http://schemas.openxmlformats.org/drawingml/2006/main" xmlns:r="http://schemas.openxmlformats.org/officeDocument/2006/relationships" xmlns:p="http://schemas.openxmlformats.org/presentationml/2006/main">
+  <p:cSld>
+    <p:spTree>
+      <p:nvGrpSpPr>
+        <p:cNvPr id="1" name=""/>
+        <p:cNvGrpSpPr/>
+        <p:nvPr/>
+      </p:nvGrpSpPr>
+      <p:grpSpPr>
+        <a:xfrm>
+          <a:off x="0" y="0"/>
+          <a:ext cx="0" cy="0"/>
+          <a:chOff x="0" y="0"/>
+          <a:chExt cx="0" cy="0"/>
+        </a:xfrm>
+      </p:grpSpPr>
+      <p:sp>
+        <p:nvSpPr>
+          <p:cNvPr id="2" name="竖排标题 1"/>
+          <p:cNvSpPr>
+            <a:spLocks noGrp="1"/>
+          </p:cNvSpPr>
+          <p:nvPr>
+            <p:ph type="title" orient="vert"/>
+          </p:nvPr>
+        </p:nvSpPr>
+        <p:spPr/>
+        <p:txBody>
+          <a:bodyPr/>
+          <a:lstStyle/>
+          <a:p>
+            <a:pPr algn="ctr"/>
+            <a:r>
+              <a:rPr lang="zh-CN" altLang="en-US" b="1" dirty="0" smtClean="0"/>
+              <a:t>比特填充</a:t>
+            </a:r>
+            <a:endParaRPr lang="zh-CN" altLang="en-US" b="1" dirty="0"/>
+          </a:p>
+        </p:txBody>
+      </p:sp>
+      <p:sp>
+        <p:nvSpPr>
+          <p:cNvPr id="4" name="文本框 3"/>
+          <p:cNvSpPr txBox="1"/>
+          <p:nvPr/>
+        </p:nvSpPr>
+        <p:spPr>
+          <a:xfrm>
+            <a:off x="1737360" y="243513"/>
+            <a:ext cx="7511143" cy="6001643"/>
+          </a:xfrm>
+          <a:prstGeom prst="rect">
+            <a:avLst/>
+          </a:prstGeom>
+          <a:noFill/>
+        </p:spPr>
+        <p:txBody>
+          <a:bodyPr wrap="square" rtlCol="0">
+            <a:spAutoFit/>
+          </a:bodyPr>
+          <a:lstStyle/>
+          <a:p>
+            <a:endParaRPr lang="en-US" altLang="zh-CN" sz="2400" dirty="0"/>
+          </a:p>
+          <a:p>
+            <a:r>
+              <a:rPr lang="en-US" altLang="zh-CN" sz="2400" dirty="0" err="1"/>
+              <a:t>InfoStringAfterFill</a:t>
+            </a:r>
+            <a:r>
+              <a:rPr lang="en-US" altLang="zh-CN" sz="2400" dirty="0" smtClean="0"/>
+              <a:t>=‘’</a:t>
+            </a:r>
+            <a:r>
+              <a:rPr lang="en-US" altLang="zh-CN" sz="2400" dirty="0"/>
+              <a:t>  </a:t>
+            </a:r>
+            <a:r>
+              <a:rPr lang="en-US" altLang="zh-CN" sz="2400" dirty="0" smtClean="0"/>
+              <a:t>#</a:t>
+            </a:r>
+            <a:r>
+              <a:rPr lang="zh-CN" altLang="en-US" sz="2400" dirty="0" smtClean="0"/>
+              <a:t>填充后的数串</a:t>
+            </a:r>
+            <a:r>
+              <a:rPr lang="en-US" altLang="zh-CN" sz="2400" dirty="0"/>
+              <a:t> </a:t>
+            </a:r>
+          </a:p>
+          <a:p>
+            <a:r>
+              <a:rPr lang="en-US" altLang="zh-CN" sz="2400" dirty="0"/>
+              <a:t>#</a:t>
+            </a:r>
+            <a:r>
+              <a:rPr lang="zh-CN" altLang="en-US" sz="2400" dirty="0"/>
+              <a:t>比特填充  </a:t>
+            </a:r>
+          </a:p>
+          <a:p>
+            <a:r>
+              <a:rPr lang="en-US" altLang="zh-CN" sz="2400" dirty="0"/>
+              <a:t>count=0  </a:t>
+            </a:r>
+          </a:p>
+          <a:p>
+            <a:r>
+              <a:rPr lang="en-US" altLang="zh-CN" sz="2400" b="1" dirty="0"/>
+              <a:t>for</a:t>
+            </a:r>
+            <a:r>
+              <a:rPr lang="en-US" altLang="zh-CN" sz="2400" dirty="0"/>
+              <a:t> </a:t>
+            </a:r>
+            <a:r>
+              <a:rPr lang="en-US" altLang="zh-CN" sz="2400" dirty="0" err="1"/>
+              <a:t>i</a:t>
+            </a:r>
+            <a:r>
+              <a:rPr lang="en-US" altLang="zh-CN" sz="2400" dirty="0"/>
+              <a:t> </a:t>
+            </a:r>
+            <a:r>
+              <a:rPr lang="en-US" altLang="zh-CN" sz="2400" b="1" dirty="0"/>
+              <a:t>in</a:t>
+            </a:r>
+            <a:r>
+              <a:rPr lang="en-US" altLang="zh-CN" sz="2400" dirty="0"/>
+              <a:t> InfoString1:  </a:t>
+            </a:r>
+          </a:p>
+          <a:p>
+            <a:r>
+              <a:rPr lang="en-US" altLang="zh-CN" sz="2400" dirty="0"/>
+              <a:t>    </a:t>
+            </a:r>
+            <a:r>
+              <a:rPr lang="en-US" altLang="zh-CN" sz="2400" b="1" dirty="0"/>
+              <a:t>if</a:t>
+            </a:r>
+            <a:r>
+              <a:rPr lang="en-US" altLang="zh-CN" sz="2400" dirty="0"/>
+              <a:t>(</a:t>
+            </a:r>
+            <a:r>
+              <a:rPr lang="en-US" altLang="zh-CN" sz="2400" dirty="0" err="1"/>
+              <a:t>i</a:t>
+            </a:r>
+            <a:r>
+              <a:rPr lang="en-US" altLang="zh-CN" sz="2400" dirty="0"/>
+              <a:t>=='0'):  </a:t>
+            </a:r>
+          </a:p>
+          <a:p>
+            <a:r>
+              <a:rPr lang="en-US" altLang="zh-CN" sz="2400" dirty="0"/>
+              <a:t>        count=0  </a:t>
+            </a:r>
+          </a:p>
+          <a:p>
+            <a:r>
+              <a:rPr lang="en-US" altLang="zh-CN" sz="2400" dirty="0"/>
+              <a:t>        </a:t>
+            </a:r>
+            <a:r>
+              <a:rPr lang="en-US" altLang="zh-CN" sz="2400" dirty="0" err="1"/>
+              <a:t>InfoStringAfterFill</a:t>
+            </a:r>
+            <a:r>
+              <a:rPr lang="en-US" altLang="zh-CN" sz="2400" dirty="0"/>
+              <a:t>+='0'  </a:t>
+            </a:r>
+          </a:p>
+          <a:p>
+            <a:r>
+              <a:rPr lang="en-US" altLang="zh-CN" sz="2400" dirty="0"/>
+              <a:t>    </a:t>
+            </a:r>
+            <a:r>
+              <a:rPr lang="en-US" altLang="zh-CN" sz="2400" b="1" dirty="0"/>
+              <a:t>else</a:t>
+            </a:r>
+            <a:r>
+              <a:rPr lang="en-US" altLang="zh-CN" sz="2400" dirty="0"/>
+              <a:t>:  </a:t>
+            </a:r>
+          </a:p>
+          <a:p>
+            <a:r>
+              <a:rPr lang="en-US" altLang="zh-CN" sz="2400" dirty="0"/>
+              <a:t>        count+=1  </a:t>
+            </a:r>
+          </a:p>
+          <a:p>
+            <a:r>
+              <a:rPr lang="en-US" altLang="zh-CN" sz="2400" dirty="0"/>
+              <a:t>        </a:t>
+            </a:r>
+            <a:r>
+              <a:rPr lang="en-US" altLang="zh-CN" sz="2400" b="1" dirty="0"/>
+              <a:t>if</a:t>
+            </a:r>
+            <a:r>
+              <a:rPr lang="en-US" altLang="zh-CN" sz="2400" dirty="0"/>
+              <a:t> count==5:#</a:t>
+            </a:r>
+            <a:r>
+              <a:rPr lang="zh-CN" altLang="en-US" sz="2400" dirty="0"/>
+              <a:t>连续</a:t>
+            </a:r>
+            <a:r>
+              <a:rPr lang="en-US" altLang="zh-CN" sz="2400" dirty="0"/>
+              <a:t>5</a:t>
+            </a:r>
+            <a:r>
+              <a:rPr lang="zh-CN" altLang="en-US" sz="2400" dirty="0"/>
+              <a:t>个</a:t>
+            </a:r>
+            <a:r>
+              <a:rPr lang="en-US" altLang="zh-CN" sz="2400" dirty="0"/>
+              <a:t>1</a:t>
+            </a:r>
+            <a:r>
+              <a:rPr lang="zh-CN" altLang="en-US" sz="2400" dirty="0"/>
+              <a:t>后填充</a:t>
+            </a:r>
+            <a:r>
+              <a:rPr lang="en-US" altLang="zh-CN" sz="2400" dirty="0"/>
+              <a:t>0</a:t>
+            </a:r>
+            <a:r>
+              <a:rPr lang="zh-CN" altLang="en-US" sz="2400" dirty="0"/>
+              <a:t>  </a:t>
+            </a:r>
+          </a:p>
+          <a:p>
+            <a:r>
+              <a:rPr lang="zh-CN" altLang="en-US" sz="2400" dirty="0"/>
+              <a:t>            </a:t>
+            </a:r>
+            <a:r>
+              <a:rPr lang="en-US" altLang="zh-CN" sz="2400" dirty="0"/>
+              <a:t>count=0  </a:t>
+            </a:r>
+          </a:p>
+          <a:p>
+            <a:r>
+              <a:rPr lang="en-US" altLang="zh-CN" sz="2400" dirty="0"/>
+              <a:t>            </a:t>
+            </a:r>
+            <a:r>
+              <a:rPr lang="en-US" altLang="zh-CN" sz="2400" dirty="0" err="1"/>
+              <a:t>InfoStringAfterFill</a:t>
+            </a:r>
+            <a:r>
+              <a:rPr lang="en-US" altLang="zh-CN" sz="2400" dirty="0"/>
+              <a:t>+='1'  </a:t>
+            </a:r>
+          </a:p>
+          <a:p>
+            <a:r>
+              <a:rPr lang="en-US" altLang="zh-CN" sz="2400" dirty="0"/>
+              <a:t>            </a:t>
+            </a:r>
+            <a:r>
+              <a:rPr lang="en-US" altLang="zh-CN" sz="2400" dirty="0" err="1"/>
+              <a:t>InfoStringAfterFill</a:t>
+            </a:r>
+            <a:r>
+              <a:rPr lang="en-US" altLang="zh-CN" sz="2400" dirty="0"/>
+              <a:t>+='0'  </a:t>
+            </a:r>
+          </a:p>
+          <a:p>
+            <a:r>
+              <a:rPr lang="en-US" altLang="zh-CN" sz="2400" dirty="0"/>
+              <a:t>        </a:t>
+            </a:r>
+            <a:r>
+              <a:rPr lang="en-US" altLang="zh-CN" sz="2400" b="1" dirty="0"/>
+              <a:t>else</a:t>
+            </a:r>
+            <a:r>
+              <a:rPr lang="en-US" altLang="zh-CN" sz="2400" dirty="0"/>
+              <a:t>:  </a:t>
+            </a:r>
+          </a:p>
+          <a:p>
+            <a:r>
+              <a:rPr lang="en-US" altLang="zh-CN" sz="2400" dirty="0"/>
+              <a:t>            </a:t>
+            </a:r>
+            <a:r>
+              <a:rPr lang="en-US" altLang="zh-CN" sz="2400" dirty="0" err="1"/>
+              <a:t>InfoStringAfterFill</a:t>
+            </a:r>
+            <a:r>
+              <a:rPr lang="en-US" altLang="zh-CN" sz="2400" dirty="0"/>
+              <a:t>+='1'  </a:t>
+            </a:r>
+          </a:p>
+        </p:txBody>
+      </p:sp>
+    </p:spTree>
+    <p:extLst>
+      <p:ext uri="{BB962C8B-B14F-4D97-AF65-F5344CB8AC3E}">
+        <p14:creationId xmlns:p14="http://schemas.microsoft.com/office/powerpoint/2010/main" val="119507054"/>
       </p:ext>
     </p:extLst>
   </p:cSld>

--- a/python/ppt/ppt-chapter3.pptx
+++ b/python/ppt/ppt-chapter3.pptx
@@ -18,6 +18,23 @@
     <p:sldId id="268" r:id="rId12"/>
     <p:sldId id="269" r:id="rId13"/>
     <p:sldId id="270" r:id="rId14"/>
+    <p:sldId id="271" r:id="rId15"/>
+    <p:sldId id="272" r:id="rId16"/>
+    <p:sldId id="273" r:id="rId17"/>
+    <p:sldId id="274" r:id="rId18"/>
+    <p:sldId id="275" r:id="rId19"/>
+    <p:sldId id="280" r:id="rId20"/>
+    <p:sldId id="276" r:id="rId21"/>
+    <p:sldId id="277" r:id="rId22"/>
+    <p:sldId id="278" r:id="rId23"/>
+    <p:sldId id="279" r:id="rId24"/>
+    <p:sldId id="281" r:id="rId25"/>
+    <p:sldId id="282" r:id="rId26"/>
+    <p:sldId id="283" r:id="rId27"/>
+    <p:sldId id="284" r:id="rId28"/>
+    <p:sldId id="285" r:id="rId29"/>
+    <p:sldId id="286" r:id="rId30"/>
+    <p:sldId id="287" r:id="rId31"/>
   </p:sldIdLst>
   <p:sldSz cx="12192000" cy="6858000"/>
   <p:notesSz cx="6858000" cy="9144000"/>
@@ -134,6 +151,23 @@
             <p14:sldId id="268"/>
             <p14:sldId id="269"/>
             <p14:sldId id="270"/>
+            <p14:sldId id="271"/>
+            <p14:sldId id="272"/>
+            <p14:sldId id="273"/>
+            <p14:sldId id="274"/>
+            <p14:sldId id="275"/>
+            <p14:sldId id="280"/>
+            <p14:sldId id="276"/>
+            <p14:sldId id="277"/>
+            <p14:sldId id="278"/>
+            <p14:sldId id="279"/>
+            <p14:sldId id="281"/>
+            <p14:sldId id="282"/>
+            <p14:sldId id="283"/>
+            <p14:sldId id="284"/>
+            <p14:sldId id="285"/>
+            <p14:sldId id="286"/>
+            <p14:sldId id="287"/>
           </p14:sldIdLst>
         </p14:section>
       </p14:sectionLst>
@@ -328,7 +362,7 @@
           <a:p>
             <a:fld id="{48A87A34-81AB-432B-8DAE-1953F412C126}" type="datetimeFigureOut">
               <a:rPr lang="en-US" dirty="0"/>
-              <a:t>4/23/2019</a:t>
+              <a:t>4/28/2019</a:t>
             </a:fld>
             <a:endParaRPr lang="en-US" dirty="0"/>
           </a:p>
@@ -635,7 +669,7 @@
           <a:p>
             <a:fld id="{48A87A34-81AB-432B-8DAE-1953F412C126}" type="datetimeFigureOut">
               <a:rPr lang="en-US" dirty="0"/>
-              <a:t>4/23/2019</a:t>
+              <a:t>4/28/2019</a:t>
             </a:fld>
             <a:endParaRPr lang="en-US" dirty="0"/>
           </a:p>
@@ -852,7 +886,7 @@
           <a:p>
             <a:fld id="{48A87A34-81AB-432B-8DAE-1953F412C126}" type="datetimeFigureOut">
               <a:rPr lang="en-US" dirty="0"/>
-              <a:t>4/23/2019</a:t>
+              <a:t>4/28/2019</a:t>
             </a:fld>
             <a:endParaRPr lang="en-US" dirty="0"/>
           </a:p>
@@ -1138,7 +1172,7 @@
           <a:p>
             <a:fld id="{48A87A34-81AB-432B-8DAE-1953F412C126}" type="datetimeFigureOut">
               <a:rPr lang="en-US" dirty="0"/>
-              <a:t>4/23/2019</a:t>
+              <a:t>4/28/2019</a:t>
             </a:fld>
             <a:endParaRPr lang="en-US" dirty="0"/>
           </a:p>
@@ -1587,7 +1621,7 @@
           <a:p>
             <a:fld id="{48A87A34-81AB-432B-8DAE-1953F412C126}" type="datetimeFigureOut">
               <a:rPr lang="en-US" dirty="0"/>
-              <a:t>4/23/2019</a:t>
+              <a:t>4/28/2019</a:t>
             </a:fld>
             <a:endParaRPr lang="en-US" dirty="0"/>
           </a:p>
@@ -2158,7 +2192,7 @@
           <a:p>
             <a:fld id="{48A87A34-81AB-432B-8DAE-1953F412C126}" type="datetimeFigureOut">
               <a:rPr lang="en-US" dirty="0"/>
-              <a:t>4/23/2019</a:t>
+              <a:t>4/28/2019</a:t>
             </a:fld>
             <a:endParaRPr lang="en-US" dirty="0"/>
           </a:p>
@@ -3005,7 +3039,7 @@
           <a:p>
             <a:fld id="{48A87A34-81AB-432B-8DAE-1953F412C126}" type="datetimeFigureOut">
               <a:rPr lang="en-US" dirty="0"/>
-              <a:t>4/23/2019</a:t>
+              <a:t>4/28/2019</a:t>
             </a:fld>
             <a:endParaRPr lang="en-US" dirty="0"/>
           </a:p>
@@ -3205,7 +3239,7 @@
           <a:p>
             <a:fld id="{48A87A34-81AB-432B-8DAE-1953F412C126}" type="datetimeFigureOut">
               <a:rPr lang="en-US" dirty="0"/>
-              <a:t>4/23/2019</a:t>
+              <a:t>4/28/2019</a:t>
             </a:fld>
             <a:endParaRPr lang="en-US" dirty="0"/>
           </a:p>
@@ -3414,7 +3448,7 @@
           <a:p>
             <a:fld id="{48A87A34-81AB-432B-8DAE-1953F412C126}" type="datetimeFigureOut">
               <a:rPr lang="en-US" dirty="0"/>
-              <a:t>4/23/2019</a:t>
+              <a:t>4/28/2019</a:t>
             </a:fld>
             <a:endParaRPr lang="en-US" dirty="0"/>
           </a:p>
@@ -3614,7 +3648,7 @@
           <a:p>
             <a:fld id="{48A87A34-81AB-432B-8DAE-1953F412C126}" type="datetimeFigureOut">
               <a:rPr lang="en-US" dirty="0"/>
-              <a:t>4/23/2019</a:t>
+              <a:t>4/28/2019</a:t>
             </a:fld>
             <a:endParaRPr lang="en-US" dirty="0"/>
           </a:p>
@@ -3889,7 +3923,7 @@
           <a:p>
             <a:fld id="{48A87A34-81AB-432B-8DAE-1953F412C126}" type="datetimeFigureOut">
               <a:rPr lang="en-US" dirty="0"/>
-              <a:t>4/23/2019</a:t>
+              <a:t>4/28/2019</a:t>
             </a:fld>
             <a:endParaRPr lang="en-US" dirty="0"/>
           </a:p>
@@ -4151,7 +4185,7 @@
           <a:p>
             <a:fld id="{48A87A34-81AB-432B-8DAE-1953F412C126}" type="datetimeFigureOut">
               <a:rPr lang="en-US" dirty="0"/>
-              <a:t>4/23/2019</a:t>
+              <a:t>4/28/2019</a:t>
             </a:fld>
             <a:endParaRPr lang="en-US" dirty="0"/>
           </a:p>
@@ -4561,7 +4595,7 @@
           <a:p>
             <a:fld id="{48A87A34-81AB-432B-8DAE-1953F412C126}" type="datetimeFigureOut">
               <a:rPr lang="en-US" dirty="0"/>
-              <a:t>4/23/2019</a:t>
+              <a:t>4/28/2019</a:t>
             </a:fld>
             <a:endParaRPr lang="en-US" dirty="0"/>
           </a:p>
@@ -4704,7 +4738,7 @@
           <a:p>
             <a:fld id="{48A87A34-81AB-432B-8DAE-1953F412C126}" type="datetimeFigureOut">
               <a:rPr lang="en-US" dirty="0"/>
-              <a:t>4/23/2019</a:t>
+              <a:t>4/28/2019</a:t>
             </a:fld>
             <a:endParaRPr lang="en-US" dirty="0"/>
           </a:p>
@@ -4824,7 +4858,7 @@
           <a:p>
             <a:fld id="{48A87A34-81AB-432B-8DAE-1953F412C126}" type="datetimeFigureOut">
               <a:rPr lang="en-US" dirty="0"/>
-              <a:t>4/23/2019</a:t>
+              <a:t>4/28/2019</a:t>
             </a:fld>
             <a:endParaRPr lang="en-US" dirty="0"/>
           </a:p>
@@ -5098,7 +5132,7 @@
           <a:p>
             <a:fld id="{48A87A34-81AB-432B-8DAE-1953F412C126}" type="datetimeFigureOut">
               <a:rPr lang="en-US" dirty="0"/>
-              <a:t>4/23/2019</a:t>
+              <a:t>4/28/2019</a:t>
             </a:fld>
             <a:endParaRPr lang="en-US" dirty="0"/>
           </a:p>
@@ -5405,7 +5439,7 @@
           <a:p>
             <a:fld id="{48A87A34-81AB-432B-8DAE-1953F412C126}" type="datetimeFigureOut">
               <a:rPr lang="en-US" dirty="0"/>
-              <a:t>4/23/2019</a:t>
+              <a:t>4/28/2019</a:t>
             </a:fld>
             <a:endParaRPr lang="en-US" dirty="0"/>
           </a:p>
@@ -5654,7 +5688,7 @@
             <a:fld id="{48A87A34-81AB-432B-8DAE-1953F412C126}" type="datetimeFigureOut">
               <a:rPr lang="en-US" dirty="0"/>
               <a:pPr/>
-              <a:t>4/23/2019</a:t>
+              <a:t>4/28/2019</a:t>
             </a:fld>
             <a:endParaRPr lang="en-US" dirty="0"/>
           </a:p>
@@ -7690,6 +7724,2704 @@
 </p:sld>
 </file>
 
+<file path=ppt/slides/slide14.xml><?xml version="1.0" encoding="utf-8"?>
+<p:sld xmlns:a="http://schemas.openxmlformats.org/drawingml/2006/main" xmlns:r="http://schemas.openxmlformats.org/officeDocument/2006/relationships" xmlns:p="http://schemas.openxmlformats.org/presentationml/2006/main">
+  <p:cSld>
+    <p:spTree>
+      <p:nvGrpSpPr>
+        <p:cNvPr id="1" name=""/>
+        <p:cNvGrpSpPr/>
+        <p:nvPr/>
+      </p:nvGrpSpPr>
+      <p:grpSpPr>
+        <a:xfrm>
+          <a:off x="0" y="0"/>
+          <a:ext cx="0" cy="0"/>
+          <a:chOff x="0" y="0"/>
+          <a:chExt cx="0" cy="0"/>
+        </a:xfrm>
+      </p:grpSpPr>
+      <p:sp>
+        <p:nvSpPr>
+          <p:cNvPr id="2" name="文本框 1"/>
+          <p:cNvSpPr txBox="1"/>
+          <p:nvPr/>
+        </p:nvSpPr>
+        <p:spPr>
+          <a:xfrm>
+            <a:off x="1105545" y="1887584"/>
+            <a:ext cx="923330" cy="3239578"/>
+          </a:xfrm>
+          <a:prstGeom prst="rect">
+            <a:avLst/>
+          </a:prstGeom>
+        </p:spPr>
+        <p:style>
+          <a:lnRef idx="0">
+            <a:schemeClr val="accent2"/>
+          </a:lnRef>
+          <a:fillRef idx="3">
+            <a:schemeClr val="accent2"/>
+          </a:fillRef>
+          <a:effectRef idx="3">
+            <a:schemeClr val="accent2"/>
+          </a:effectRef>
+          <a:fontRef idx="minor">
+            <a:schemeClr val="lt1"/>
+          </a:fontRef>
+        </p:style>
+        <p:txBody>
+          <a:bodyPr vert="eaVert" wrap="square" rtlCol="0">
+            <a:spAutoFit/>
+          </a:bodyPr>
+          <a:lstStyle/>
+          <a:p>
+            <a:pPr algn="ctr"/>
+            <a:r>
+              <a:rPr lang="zh-CN" altLang="en-US" sz="4800" dirty="0" smtClean="0"/>
+              <a:t>设计思路</a:t>
+            </a:r>
+            <a:endParaRPr lang="zh-CN" altLang="en-US" sz="4800" dirty="0"/>
+          </a:p>
+        </p:txBody>
+      </p:sp>
+      <p:sp>
+        <p:nvSpPr>
+          <p:cNvPr id="7" name="文本框 6"/>
+          <p:cNvSpPr txBox="1"/>
+          <p:nvPr/>
+        </p:nvSpPr>
+        <p:spPr>
+          <a:xfrm>
+            <a:off x="2665115" y="1992077"/>
+            <a:ext cx="2255199" cy="369332"/>
+          </a:xfrm>
+          <a:prstGeom prst="rect">
+            <a:avLst/>
+          </a:prstGeom>
+          <a:ln/>
+        </p:spPr>
+        <p:style>
+          <a:lnRef idx="2">
+            <a:schemeClr val="dk1"/>
+          </a:lnRef>
+          <a:fillRef idx="1">
+            <a:schemeClr val="lt1"/>
+          </a:fillRef>
+          <a:effectRef idx="0">
+            <a:schemeClr val="dk1"/>
+          </a:effectRef>
+          <a:fontRef idx="minor">
+            <a:schemeClr val="dk1"/>
+          </a:fontRef>
+        </p:style>
+        <p:txBody>
+          <a:bodyPr wrap="square" rtlCol="0">
+            <a:spAutoFit/>
+          </a:bodyPr>
+          <a:lstStyle/>
+          <a:p>
+            <a:r>
+              <a:rPr lang="zh-CN" altLang="en-US" dirty="0" smtClean="0"/>
+              <a:t>发送帧</a:t>
+            </a:r>
+            <a:endParaRPr lang="en-US" altLang="zh-CN" dirty="0" smtClean="0"/>
+          </a:p>
+        </p:txBody>
+      </p:sp>
+      <p:sp>
+        <p:nvSpPr>
+          <p:cNvPr id="14" name="文本框 13"/>
+          <p:cNvSpPr txBox="1"/>
+          <p:nvPr/>
+        </p:nvSpPr>
+        <p:spPr>
+          <a:xfrm>
+            <a:off x="6431219" y="2019685"/>
+            <a:ext cx="1210552" cy="369332"/>
+          </a:xfrm>
+          <a:prstGeom prst="rect">
+            <a:avLst/>
+          </a:prstGeom>
+          <a:solidFill>
+            <a:schemeClr val="bg1"/>
+          </a:solidFill>
+          <a:ln>
+            <a:solidFill>
+              <a:schemeClr val="tx1">
+                <a:lumMod val="95000"/>
+                <a:lumOff val="5000"/>
+              </a:schemeClr>
+            </a:solidFill>
+          </a:ln>
+        </p:spPr>
+        <p:txBody>
+          <a:bodyPr wrap="square" rtlCol="0">
+            <a:spAutoFit/>
+          </a:bodyPr>
+          <a:lstStyle/>
+          <a:p>
+            <a:r>
+              <a:rPr lang="en-US" altLang="zh-CN" dirty="0" smtClean="0"/>
+              <a:t>send</a:t>
+            </a:r>
+            <a:r>
+              <a:rPr lang="zh-CN" altLang="en-US" dirty="0" smtClean="0"/>
+              <a:t>函数</a:t>
+            </a:r>
+            <a:endParaRPr lang="en-US" altLang="zh-CN" dirty="0"/>
+          </a:p>
+        </p:txBody>
+      </p:sp>
+      <p:sp>
+        <p:nvSpPr>
+          <p:cNvPr id="15" name="文本框 14"/>
+          <p:cNvSpPr txBox="1"/>
+          <p:nvPr/>
+        </p:nvSpPr>
+        <p:spPr>
+          <a:xfrm>
+            <a:off x="6441944" y="2812474"/>
+            <a:ext cx="1199827" cy="369332"/>
+          </a:xfrm>
+          <a:prstGeom prst="rect">
+            <a:avLst/>
+          </a:prstGeom>
+          <a:solidFill>
+            <a:schemeClr val="bg1"/>
+          </a:solidFill>
+          <a:ln>
+            <a:solidFill>
+              <a:schemeClr val="tx1">
+                <a:lumMod val="95000"/>
+                <a:lumOff val="5000"/>
+              </a:schemeClr>
+            </a:solidFill>
+          </a:ln>
+        </p:spPr>
+        <p:txBody>
+          <a:bodyPr wrap="square" rtlCol="0">
+            <a:spAutoFit/>
+          </a:bodyPr>
+          <a:lstStyle/>
+          <a:p>
+            <a:r>
+              <a:rPr lang="en-US" altLang="zh-CN" dirty="0"/>
+              <a:t>pack</a:t>
+            </a:r>
+            <a:r>
+              <a:rPr lang="zh-CN" altLang="en-US" dirty="0" smtClean="0"/>
+              <a:t>函数</a:t>
+            </a:r>
+            <a:endParaRPr lang="en-US" altLang="zh-CN" dirty="0"/>
+          </a:p>
+        </p:txBody>
+      </p:sp>
+      <p:sp>
+        <p:nvSpPr>
+          <p:cNvPr id="16" name="文本框 15"/>
+          <p:cNvSpPr txBox="1"/>
+          <p:nvPr/>
+        </p:nvSpPr>
+        <p:spPr>
+          <a:xfrm>
+            <a:off x="2665115" y="2767864"/>
+            <a:ext cx="2233748" cy="369332"/>
+          </a:xfrm>
+          <a:prstGeom prst="rect">
+            <a:avLst/>
+          </a:prstGeom>
+          <a:solidFill>
+            <a:schemeClr val="bg1"/>
+          </a:solidFill>
+          <a:ln>
+            <a:solidFill>
+              <a:schemeClr val="tx1">
+                <a:lumMod val="95000"/>
+                <a:lumOff val="5000"/>
+              </a:schemeClr>
+            </a:solidFill>
+          </a:ln>
+        </p:spPr>
+        <p:txBody>
+          <a:bodyPr wrap="square" rtlCol="0">
+            <a:spAutoFit/>
+          </a:bodyPr>
+          <a:lstStyle/>
+          <a:p>
+            <a:r>
+              <a:rPr lang="zh-CN" altLang="en-US" dirty="0"/>
+              <a:t>打包</a:t>
+            </a:r>
+            <a:endParaRPr lang="en-US" altLang="zh-CN" dirty="0"/>
+          </a:p>
+        </p:txBody>
+      </p:sp>
+      <p:sp>
+        <p:nvSpPr>
+          <p:cNvPr id="18" name="文本框 17"/>
+          <p:cNvSpPr txBox="1"/>
+          <p:nvPr/>
+        </p:nvSpPr>
+        <p:spPr>
+          <a:xfrm>
+            <a:off x="2665115" y="3533388"/>
+            <a:ext cx="2233748" cy="369332"/>
+          </a:xfrm>
+          <a:prstGeom prst="rect">
+            <a:avLst/>
+          </a:prstGeom>
+          <a:solidFill>
+            <a:schemeClr val="bg1"/>
+          </a:solidFill>
+          <a:ln>
+            <a:solidFill>
+              <a:schemeClr val="tx1">
+                <a:lumMod val="95000"/>
+                <a:lumOff val="5000"/>
+              </a:schemeClr>
+            </a:solidFill>
+          </a:ln>
+        </p:spPr>
+        <p:txBody>
+          <a:bodyPr wrap="square" rtlCol="0">
+            <a:spAutoFit/>
+          </a:bodyPr>
+          <a:lstStyle/>
+          <a:p>
+            <a:r>
+              <a:rPr lang="zh-CN" altLang="en-US" dirty="0" smtClean="0"/>
+              <a:t>模拟出错、</a:t>
+            </a:r>
+            <a:r>
+              <a:rPr lang="zh-CN" altLang="en-US" dirty="0"/>
+              <a:t>丢帧</a:t>
+            </a:r>
+            <a:endParaRPr lang="en-US" altLang="zh-CN" dirty="0"/>
+          </a:p>
+        </p:txBody>
+      </p:sp>
+      <p:sp>
+        <p:nvSpPr>
+          <p:cNvPr id="19" name="文本框 18"/>
+          <p:cNvSpPr txBox="1"/>
+          <p:nvPr/>
+        </p:nvSpPr>
+        <p:spPr>
+          <a:xfrm>
+            <a:off x="6431219" y="3531041"/>
+            <a:ext cx="2072701" cy="369332"/>
+          </a:xfrm>
+          <a:prstGeom prst="rect">
+            <a:avLst/>
+          </a:prstGeom>
+          <a:solidFill>
+            <a:schemeClr val="bg1"/>
+          </a:solidFill>
+          <a:ln>
+            <a:solidFill>
+              <a:schemeClr val="tx1">
+                <a:lumMod val="95000"/>
+                <a:lumOff val="5000"/>
+              </a:schemeClr>
+            </a:solidFill>
+          </a:ln>
+        </p:spPr>
+        <p:txBody>
+          <a:bodyPr wrap="square" rtlCol="0">
+            <a:spAutoFit/>
+          </a:bodyPr>
+          <a:lstStyle/>
+          <a:p>
+            <a:r>
+              <a:rPr lang="en-US" altLang="zh-CN" dirty="0" err="1" smtClean="0"/>
+              <a:t>errorSimulation</a:t>
+            </a:r>
+            <a:r>
+              <a:rPr lang="zh-CN" altLang="en-US" dirty="0" smtClean="0"/>
+              <a:t>函数</a:t>
+            </a:r>
+            <a:endParaRPr lang="en-US" altLang="zh-CN" dirty="0"/>
+          </a:p>
+        </p:txBody>
+      </p:sp>
+      <p:cxnSp>
+        <p:nvCxnSpPr>
+          <p:cNvPr id="21" name="直接箭头连接符 20"/>
+          <p:cNvCxnSpPr/>
+          <p:nvPr/>
+        </p:nvCxnSpPr>
+        <p:spPr>
+          <a:xfrm>
+            <a:off x="4920314" y="2234423"/>
+            <a:ext cx="1521630" cy="7668"/>
+          </a:xfrm>
+          <a:prstGeom prst="straightConnector1">
+            <a:avLst/>
+          </a:prstGeom>
+          <a:ln>
+            <a:tailEnd type="triangle"/>
+          </a:ln>
+        </p:spPr>
+        <p:style>
+          <a:lnRef idx="1">
+            <a:schemeClr val="accent1"/>
+          </a:lnRef>
+          <a:fillRef idx="0">
+            <a:schemeClr val="accent1"/>
+          </a:fillRef>
+          <a:effectRef idx="0">
+            <a:schemeClr val="accent1"/>
+          </a:effectRef>
+          <a:fontRef idx="minor">
+            <a:schemeClr val="tx1"/>
+          </a:fontRef>
+        </p:style>
+      </p:cxnSp>
+      <p:cxnSp>
+        <p:nvCxnSpPr>
+          <p:cNvPr id="23" name="直接箭头连接符 22"/>
+          <p:cNvCxnSpPr>
+            <a:stCxn id="16" idx="3"/>
+            <a:endCxn id="15" idx="1"/>
+          </p:cNvCxnSpPr>
+          <p:nvPr/>
+        </p:nvCxnSpPr>
+        <p:spPr>
+          <a:xfrm>
+            <a:off x="4920314" y="2997140"/>
+            <a:ext cx="1521630" cy="0"/>
+          </a:xfrm>
+          <a:prstGeom prst="straightConnector1">
+            <a:avLst/>
+          </a:prstGeom>
+          <a:ln>
+            <a:tailEnd type="triangle"/>
+          </a:ln>
+        </p:spPr>
+        <p:style>
+          <a:lnRef idx="1">
+            <a:schemeClr val="accent1"/>
+          </a:lnRef>
+          <a:fillRef idx="0">
+            <a:schemeClr val="accent1"/>
+          </a:fillRef>
+          <a:effectRef idx="0">
+            <a:schemeClr val="accent1"/>
+          </a:effectRef>
+          <a:fontRef idx="minor">
+            <a:schemeClr val="tx1"/>
+          </a:fontRef>
+        </p:style>
+      </p:cxnSp>
+      <p:cxnSp>
+        <p:nvCxnSpPr>
+          <p:cNvPr id="25" name="直接箭头连接符 24"/>
+          <p:cNvCxnSpPr>
+            <a:stCxn id="18" idx="3"/>
+            <a:endCxn id="19" idx="1"/>
+          </p:cNvCxnSpPr>
+          <p:nvPr/>
+        </p:nvCxnSpPr>
+        <p:spPr>
+          <a:xfrm>
+            <a:off x="4911738" y="3724779"/>
+            <a:ext cx="1519481" cy="0"/>
+          </a:xfrm>
+          <a:prstGeom prst="straightConnector1">
+            <a:avLst/>
+          </a:prstGeom>
+          <a:ln>
+            <a:tailEnd type="triangle"/>
+          </a:ln>
+        </p:spPr>
+        <p:style>
+          <a:lnRef idx="1">
+            <a:schemeClr val="accent1"/>
+          </a:lnRef>
+          <a:fillRef idx="0">
+            <a:schemeClr val="accent1"/>
+          </a:fillRef>
+          <a:effectRef idx="0">
+            <a:schemeClr val="accent1"/>
+          </a:effectRef>
+          <a:fontRef idx="minor">
+            <a:schemeClr val="tx1"/>
+          </a:fontRef>
+        </p:style>
+      </p:cxnSp>
+      <p:sp>
+        <p:nvSpPr>
+          <p:cNvPr id="12" name="标题 1"/>
+          <p:cNvSpPr txBox="1">
+            <a:spLocks/>
+          </p:cNvSpPr>
+          <p:nvPr/>
+        </p:nvSpPr>
+        <p:spPr>
+          <a:xfrm>
+            <a:off x="913775" y="618517"/>
+            <a:ext cx="10364451" cy="1596177"/>
+          </a:xfrm>
+          <a:prstGeom prst="rect">
+            <a:avLst/>
+          </a:prstGeom>
+        </p:spPr>
+        <p:txBody>
+          <a:bodyPr/>
+          <a:lstStyle>
+            <a:lvl1pPr algn="ctr" defTabSz="914400" rtl="0" eaLnBrk="1" latinLnBrk="0" hangingPunct="1">
+              <a:lnSpc>
+                <a:spcPct val="90000"/>
+              </a:lnSpc>
+              <a:spcBef>
+                <a:spcPct val="0"/>
+              </a:spcBef>
+              <a:buNone/>
+              <a:defRPr sz="3600" kern="1200" cap="all" baseline="0">
+                <a:solidFill>
+                  <a:schemeClr val="tx1"/>
+                </a:solidFill>
+                <a:effectLst/>
+                <a:latin typeface="+mj-lt"/>
+                <a:ea typeface="+mj-ea"/>
+                <a:cs typeface="+mj-cs"/>
+              </a:defRPr>
+            </a:lvl1pPr>
+          </a:lstStyle>
+          <a:p>
+            <a:r>
+              <a:rPr lang="zh-CN" altLang="zh-CN" b="1" dirty="0"/>
+              <a:t>基于停止等待协议的可靠通信</a:t>
+            </a:r>
+            <a:endParaRPr lang="zh-CN" altLang="en-US" dirty="0"/>
+          </a:p>
+        </p:txBody>
+      </p:sp>
+      <p:sp>
+        <p:nvSpPr>
+          <p:cNvPr id="13" name="文本框 12"/>
+          <p:cNvSpPr txBox="1"/>
+          <p:nvPr/>
+        </p:nvSpPr>
+        <p:spPr>
+          <a:xfrm>
+            <a:off x="2665115" y="4324115"/>
+            <a:ext cx="2255199" cy="369332"/>
+          </a:xfrm>
+          <a:prstGeom prst="rect">
+            <a:avLst/>
+          </a:prstGeom>
+          <a:ln/>
+        </p:spPr>
+        <p:style>
+          <a:lnRef idx="2">
+            <a:schemeClr val="dk1"/>
+          </a:lnRef>
+          <a:fillRef idx="1">
+            <a:schemeClr val="lt1"/>
+          </a:fillRef>
+          <a:effectRef idx="0">
+            <a:schemeClr val="dk1"/>
+          </a:effectRef>
+          <a:fontRef idx="minor">
+            <a:schemeClr val="dk1"/>
+          </a:fontRef>
+        </p:style>
+        <p:txBody>
+          <a:bodyPr wrap="square" rtlCol="0">
+            <a:spAutoFit/>
+          </a:bodyPr>
+          <a:lstStyle/>
+          <a:p>
+            <a:r>
+              <a:rPr lang="zh-CN" altLang="en-US" dirty="0" smtClean="0"/>
+              <a:t>接收帧</a:t>
+            </a:r>
+            <a:endParaRPr lang="en-US" altLang="zh-CN" dirty="0" smtClean="0"/>
+          </a:p>
+        </p:txBody>
+      </p:sp>
+      <p:sp>
+        <p:nvSpPr>
+          <p:cNvPr id="17" name="文本框 16"/>
+          <p:cNvSpPr txBox="1"/>
+          <p:nvPr/>
+        </p:nvSpPr>
+        <p:spPr>
+          <a:xfrm>
+            <a:off x="6441944" y="4368725"/>
+            <a:ext cx="1199827" cy="369332"/>
+          </a:xfrm>
+          <a:prstGeom prst="rect">
+            <a:avLst/>
+          </a:prstGeom>
+          <a:solidFill>
+            <a:schemeClr val="bg1"/>
+          </a:solidFill>
+          <a:ln>
+            <a:solidFill>
+              <a:schemeClr val="tx1">
+                <a:lumMod val="95000"/>
+                <a:lumOff val="5000"/>
+              </a:schemeClr>
+            </a:solidFill>
+          </a:ln>
+        </p:spPr>
+        <p:txBody>
+          <a:bodyPr wrap="square" rtlCol="0">
+            <a:spAutoFit/>
+          </a:bodyPr>
+          <a:lstStyle/>
+          <a:p>
+            <a:r>
+              <a:rPr lang="en-US" altLang="zh-CN" dirty="0" err="1" smtClean="0"/>
+              <a:t>recv</a:t>
+            </a:r>
+            <a:r>
+              <a:rPr lang="zh-CN" altLang="en-US" dirty="0" smtClean="0"/>
+              <a:t>函数</a:t>
+            </a:r>
+            <a:endParaRPr lang="en-US" altLang="zh-CN" dirty="0"/>
+          </a:p>
+        </p:txBody>
+      </p:sp>
+      <p:cxnSp>
+        <p:nvCxnSpPr>
+          <p:cNvPr id="20" name="直接箭头连接符 19"/>
+          <p:cNvCxnSpPr/>
+          <p:nvPr/>
+        </p:nvCxnSpPr>
+        <p:spPr>
+          <a:xfrm>
+            <a:off x="4920314" y="4545176"/>
+            <a:ext cx="1521630" cy="7668"/>
+          </a:xfrm>
+          <a:prstGeom prst="straightConnector1">
+            <a:avLst/>
+          </a:prstGeom>
+          <a:ln>
+            <a:tailEnd type="triangle"/>
+          </a:ln>
+        </p:spPr>
+        <p:style>
+          <a:lnRef idx="1">
+            <a:schemeClr val="accent1"/>
+          </a:lnRef>
+          <a:fillRef idx="0">
+            <a:schemeClr val="accent1"/>
+          </a:fillRef>
+          <a:effectRef idx="0">
+            <a:schemeClr val="accent1"/>
+          </a:effectRef>
+          <a:fontRef idx="minor">
+            <a:schemeClr val="tx1"/>
+          </a:fontRef>
+        </p:style>
+      </p:cxnSp>
+      <p:sp>
+        <p:nvSpPr>
+          <p:cNvPr id="22" name="文本框 21"/>
+          <p:cNvSpPr txBox="1"/>
+          <p:nvPr/>
+        </p:nvSpPr>
+        <p:spPr>
+          <a:xfrm>
+            <a:off x="2665115" y="5130895"/>
+            <a:ext cx="2255199" cy="369332"/>
+          </a:xfrm>
+          <a:prstGeom prst="rect">
+            <a:avLst/>
+          </a:prstGeom>
+          <a:ln/>
+        </p:spPr>
+        <p:style>
+          <a:lnRef idx="2">
+            <a:schemeClr val="dk1"/>
+          </a:lnRef>
+          <a:fillRef idx="1">
+            <a:schemeClr val="lt1"/>
+          </a:fillRef>
+          <a:effectRef idx="0">
+            <a:schemeClr val="dk1"/>
+          </a:effectRef>
+          <a:fontRef idx="minor">
+            <a:schemeClr val="dk1"/>
+          </a:fontRef>
+        </p:style>
+        <p:txBody>
+          <a:bodyPr wrap="square" rtlCol="0">
+            <a:spAutoFit/>
+          </a:bodyPr>
+          <a:lstStyle/>
+          <a:p>
+            <a:r>
+              <a:rPr lang="zh-CN" altLang="en-US" dirty="0"/>
+              <a:t>解包</a:t>
+            </a:r>
+            <a:endParaRPr lang="en-US" altLang="zh-CN" dirty="0" smtClean="0"/>
+          </a:p>
+        </p:txBody>
+      </p:sp>
+      <p:sp>
+        <p:nvSpPr>
+          <p:cNvPr id="24" name="文本框 23"/>
+          <p:cNvSpPr txBox="1"/>
+          <p:nvPr/>
+        </p:nvSpPr>
+        <p:spPr>
+          <a:xfrm>
+            <a:off x="6441944" y="5170305"/>
+            <a:ext cx="1330456" cy="369332"/>
+          </a:xfrm>
+          <a:prstGeom prst="rect">
+            <a:avLst/>
+          </a:prstGeom>
+          <a:solidFill>
+            <a:schemeClr val="bg1"/>
+          </a:solidFill>
+          <a:ln>
+            <a:solidFill>
+              <a:schemeClr val="tx1">
+                <a:lumMod val="95000"/>
+                <a:lumOff val="5000"/>
+              </a:schemeClr>
+            </a:solidFill>
+          </a:ln>
+        </p:spPr>
+        <p:txBody>
+          <a:bodyPr wrap="square" rtlCol="0">
+            <a:spAutoFit/>
+          </a:bodyPr>
+          <a:lstStyle/>
+          <a:p>
+            <a:r>
+              <a:rPr lang="en-US" altLang="zh-CN" dirty="0"/>
+              <a:t>unpack</a:t>
+            </a:r>
+            <a:r>
+              <a:rPr lang="zh-CN" altLang="en-US" dirty="0" smtClean="0"/>
+              <a:t>函数</a:t>
+            </a:r>
+            <a:endParaRPr lang="en-US" altLang="zh-CN" dirty="0"/>
+          </a:p>
+        </p:txBody>
+      </p:sp>
+      <p:cxnSp>
+        <p:nvCxnSpPr>
+          <p:cNvPr id="26" name="直接箭头连接符 25"/>
+          <p:cNvCxnSpPr/>
+          <p:nvPr/>
+        </p:nvCxnSpPr>
+        <p:spPr>
+          <a:xfrm>
+            <a:off x="4920314" y="5270823"/>
+            <a:ext cx="1521630" cy="7668"/>
+          </a:xfrm>
+          <a:prstGeom prst="straightConnector1">
+            <a:avLst/>
+          </a:prstGeom>
+          <a:ln>
+            <a:tailEnd type="triangle"/>
+          </a:ln>
+        </p:spPr>
+        <p:style>
+          <a:lnRef idx="1">
+            <a:schemeClr val="accent1"/>
+          </a:lnRef>
+          <a:fillRef idx="0">
+            <a:schemeClr val="accent1"/>
+          </a:fillRef>
+          <a:effectRef idx="0">
+            <a:schemeClr val="accent1"/>
+          </a:effectRef>
+          <a:fontRef idx="minor">
+            <a:schemeClr val="tx1"/>
+          </a:fontRef>
+        </p:style>
+      </p:cxnSp>
+    </p:spTree>
+    <p:extLst>
+      <p:ext uri="{BB962C8B-B14F-4D97-AF65-F5344CB8AC3E}">
+        <p14:creationId xmlns:p14="http://schemas.microsoft.com/office/powerpoint/2010/main" val="1819424735"/>
+      </p:ext>
+    </p:extLst>
+  </p:cSld>
+  <p:clrMapOvr>
+    <a:masterClrMapping/>
+  </p:clrMapOvr>
+  <p:timing>
+    <p:tnLst>
+      <p:par>
+        <p:cTn id="1" dur="indefinite" restart="never" nodeType="tmRoot"/>
+      </p:par>
+    </p:tnLst>
+  </p:timing>
+</p:sld>
+</file>
+
+<file path=ppt/slides/slide15.xml><?xml version="1.0" encoding="utf-8"?>
+<p:sld xmlns:a="http://schemas.openxmlformats.org/drawingml/2006/main" xmlns:r="http://schemas.openxmlformats.org/officeDocument/2006/relationships" xmlns:p="http://schemas.openxmlformats.org/presentationml/2006/main">
+  <p:cSld>
+    <p:spTree>
+      <p:nvGrpSpPr>
+        <p:cNvPr id="1" name=""/>
+        <p:cNvGrpSpPr/>
+        <p:nvPr/>
+      </p:nvGrpSpPr>
+      <p:grpSpPr>
+        <a:xfrm>
+          <a:off x="0" y="0"/>
+          <a:ext cx="0" cy="0"/>
+          <a:chOff x="0" y="0"/>
+          <a:chExt cx="0" cy="0"/>
+        </a:xfrm>
+      </p:grpSpPr>
+      <p:sp>
+        <p:nvSpPr>
+          <p:cNvPr id="2" name="竖排标题 1"/>
+          <p:cNvSpPr>
+            <a:spLocks noGrp="1"/>
+          </p:cNvSpPr>
+          <p:nvPr>
+            <p:ph type="title" orient="vert"/>
+          </p:nvPr>
+        </p:nvSpPr>
+        <p:spPr/>
+        <p:txBody>
+          <a:bodyPr/>
+          <a:lstStyle/>
+          <a:p>
+            <a:pPr algn="ctr"/>
+            <a:r>
+              <a:rPr lang="zh-CN" altLang="en-US" b="1" dirty="0" smtClean="0"/>
+              <a:t>发送帧</a:t>
+            </a:r>
+            <a:endParaRPr lang="zh-CN" altLang="en-US" b="1" dirty="0"/>
+          </a:p>
+        </p:txBody>
+      </p:sp>
+      <p:sp>
+        <p:nvSpPr>
+          <p:cNvPr id="4" name="文本框 3"/>
+          <p:cNvSpPr txBox="1"/>
+          <p:nvPr/>
+        </p:nvSpPr>
+        <p:spPr>
+          <a:xfrm>
+            <a:off x="1737360" y="628234"/>
+            <a:ext cx="7511143" cy="5816977"/>
+          </a:xfrm>
+          <a:prstGeom prst="rect">
+            <a:avLst/>
+          </a:prstGeom>
+          <a:noFill/>
+        </p:spPr>
+        <p:txBody>
+          <a:bodyPr wrap="square" rtlCol="0">
+            <a:spAutoFit/>
+          </a:bodyPr>
+          <a:lstStyle/>
+          <a:p>
+            <a:endParaRPr lang="zh-CN" altLang="en-US" sz="1200" dirty="0"/>
+          </a:p>
+          <a:p>
+            <a:r>
+              <a:rPr lang="en-US" altLang="zh-CN" sz="1200" dirty="0"/>
+              <a:t>#</a:t>
+            </a:r>
+            <a:r>
+              <a:rPr lang="zh-CN" altLang="en-US" sz="1200" dirty="0"/>
+              <a:t>字节填充</a:t>
+            </a:r>
+            <a:r>
+              <a:rPr lang="en-US" altLang="zh-CN" sz="1200" dirty="0"/>
+              <a:t>:</a:t>
+            </a:r>
+            <a:r>
+              <a:rPr lang="zh-CN" altLang="en-US" sz="1200" dirty="0"/>
+              <a:t>去除标志字节和转义字节  </a:t>
+            </a:r>
+          </a:p>
+          <a:p>
+            <a:r>
+              <a:rPr lang="en-US" altLang="zh-CN" sz="1200" b="1" dirty="0" err="1"/>
+              <a:t>def</a:t>
+            </a:r>
+            <a:r>
+              <a:rPr lang="en-US" altLang="zh-CN" sz="1200" dirty="0"/>
+              <a:t> send(self):#</a:t>
+            </a:r>
+            <a:r>
+              <a:rPr lang="zh-CN" altLang="en-US" sz="1200" dirty="0"/>
+              <a:t>发送  </a:t>
+            </a:r>
+          </a:p>
+          <a:p>
+            <a:r>
+              <a:rPr lang="zh-CN" altLang="en-US" sz="1200" dirty="0"/>
+              <a:t>       </a:t>
+            </a:r>
+            <a:r>
+              <a:rPr lang="en-US" altLang="zh-CN" sz="1200" dirty="0" err="1"/>
+              <a:t>sn</a:t>
+            </a:r>
+            <a:r>
+              <a:rPr lang="en-US" altLang="zh-CN" sz="1200" dirty="0"/>
+              <a:t>=0#</a:t>
+            </a:r>
+            <a:r>
+              <a:rPr lang="zh-CN" altLang="en-US" sz="1200" dirty="0"/>
+              <a:t>下一个要发送的帧的序号  </a:t>
+            </a:r>
+          </a:p>
+          <a:p>
+            <a:r>
+              <a:rPr lang="zh-CN" altLang="en-US" sz="1200" dirty="0"/>
+              <a:t>       </a:t>
+            </a:r>
+            <a:r>
+              <a:rPr lang="en-US" altLang="zh-CN" sz="1200" b="1" dirty="0"/>
+              <a:t>for</a:t>
+            </a:r>
+            <a:r>
+              <a:rPr lang="en-US" altLang="zh-CN" sz="1200" dirty="0"/>
+              <a:t> </a:t>
+            </a:r>
+            <a:r>
+              <a:rPr lang="en-US" altLang="zh-CN" sz="1200" dirty="0" err="1"/>
+              <a:t>i,data</a:t>
+            </a:r>
+            <a:r>
+              <a:rPr lang="en-US" altLang="zh-CN" sz="1200" dirty="0"/>
+              <a:t> </a:t>
+            </a:r>
+            <a:r>
+              <a:rPr lang="en-US" altLang="zh-CN" sz="1200" b="1" dirty="0"/>
+              <a:t>in</a:t>
+            </a:r>
+            <a:r>
+              <a:rPr lang="en-US" altLang="zh-CN" sz="1200" dirty="0"/>
+              <a:t> enumerate([b'package1', b'package2', b'package3',b'package4',  </a:t>
+            </a:r>
+          </a:p>
+          <a:p>
+            <a:r>
+              <a:rPr lang="en-US" altLang="zh-CN" sz="1200" dirty="0"/>
+              <a:t>                               b'package1', b'package2', b'package3',b'package4']):  </a:t>
+            </a:r>
+          </a:p>
+          <a:p>
+            <a:r>
+              <a:rPr lang="en-US" altLang="zh-CN" sz="1200" dirty="0"/>
+              <a:t>           </a:t>
+            </a:r>
+            <a:r>
+              <a:rPr lang="en-US" altLang="zh-CN" sz="1200" b="1" dirty="0"/>
+              <a:t>print</a:t>
+            </a:r>
+            <a:r>
+              <a:rPr lang="en-US" altLang="zh-CN" sz="1200" dirty="0"/>
+              <a:t>('---------------------------------------')  </a:t>
+            </a:r>
+          </a:p>
+          <a:p>
+            <a:r>
+              <a:rPr lang="en-US" altLang="zh-CN" sz="1200" dirty="0"/>
+              <a:t>           </a:t>
+            </a:r>
+            <a:r>
+              <a:rPr lang="en-US" altLang="zh-CN" sz="1200" b="1" dirty="0"/>
+              <a:t>while</a:t>
+            </a:r>
+            <a:r>
+              <a:rPr lang="en-US" altLang="zh-CN" sz="1200" dirty="0"/>
+              <a:t> True:  </a:t>
+            </a:r>
+          </a:p>
+          <a:p>
+            <a:r>
+              <a:rPr lang="en-US" altLang="zh-CN" sz="1200" dirty="0"/>
+              <a:t>               </a:t>
+            </a:r>
+            <a:r>
+              <a:rPr lang="en-US" altLang="zh-CN" sz="1200" b="1" dirty="0"/>
+              <a:t>try</a:t>
+            </a:r>
+            <a:r>
+              <a:rPr lang="en-US" altLang="zh-CN" sz="1200" dirty="0"/>
+              <a:t>:  </a:t>
+            </a:r>
+          </a:p>
+          <a:p>
+            <a:r>
+              <a:rPr lang="en-US" altLang="zh-CN" sz="1200" dirty="0"/>
+              <a:t>                   package=</a:t>
+            </a:r>
+            <a:r>
+              <a:rPr lang="en-US" altLang="zh-CN" sz="1200" dirty="0" err="1"/>
+              <a:t>self.pack</a:t>
+            </a:r>
+            <a:r>
+              <a:rPr lang="en-US" altLang="zh-CN" sz="1200" dirty="0"/>
+              <a:t>(</a:t>
+            </a:r>
+            <a:r>
+              <a:rPr lang="en-US" altLang="zh-CN" sz="1200" dirty="0" err="1"/>
+              <a:t>data,sn</a:t>
+            </a:r>
+            <a:r>
+              <a:rPr lang="en-US" altLang="zh-CN" sz="1200" dirty="0"/>
+              <a:t>)#</a:t>
+            </a:r>
+            <a:r>
+              <a:rPr lang="zh-CN" altLang="en-US" sz="1200" dirty="0"/>
+              <a:t>打包数据  </a:t>
+            </a:r>
+          </a:p>
+          <a:p>
+            <a:r>
+              <a:rPr lang="zh-CN" altLang="en-US" sz="1200" dirty="0"/>
+              <a:t>                   </a:t>
+            </a:r>
+            <a:r>
+              <a:rPr lang="en-US" altLang="zh-CN" sz="1200" b="1" dirty="0"/>
+              <a:t>print</a:t>
+            </a:r>
+            <a:r>
+              <a:rPr lang="en-US" altLang="zh-CN" sz="1200" dirty="0"/>
+              <a:t>('frame to send ',</a:t>
+            </a:r>
+            <a:r>
+              <a:rPr lang="en-US" altLang="zh-CN" sz="1200" dirty="0" err="1"/>
+              <a:t>sn</a:t>
+            </a:r>
+            <a:r>
+              <a:rPr lang="en-US" altLang="zh-CN" sz="1200" dirty="0"/>
+              <a:t>,' data no ',</a:t>
+            </a:r>
+            <a:r>
+              <a:rPr lang="en-US" altLang="zh-CN" sz="1200" dirty="0" err="1"/>
+              <a:t>i</a:t>
+            </a:r>
+            <a:r>
+              <a:rPr lang="en-US" altLang="zh-CN" sz="1200" dirty="0"/>
+              <a:t>)  </a:t>
+            </a:r>
+          </a:p>
+          <a:p>
+            <a:r>
+              <a:rPr lang="en-US" altLang="zh-CN" sz="1200" dirty="0"/>
+              <a:t>                   rand=</a:t>
+            </a:r>
+            <a:r>
+              <a:rPr lang="en-US" altLang="zh-CN" sz="1200" dirty="0" err="1"/>
+              <a:t>random.random</a:t>
+            </a:r>
+            <a:r>
+              <a:rPr lang="en-US" altLang="zh-CN" sz="1200" dirty="0"/>
+              <a:t>()#</a:t>
+            </a:r>
+            <a:r>
+              <a:rPr lang="zh-CN" altLang="en-US" sz="1200" dirty="0"/>
+              <a:t>模拟随机：帧丢失，帧出错，即发送过滤  </a:t>
+            </a:r>
+          </a:p>
+          <a:p>
+            <a:r>
+              <a:rPr lang="zh-CN" altLang="en-US" sz="1200" dirty="0"/>
+              <a:t>                   </a:t>
+            </a:r>
+            <a:r>
+              <a:rPr lang="en-US" altLang="zh-CN" sz="1200" b="1" dirty="0"/>
+              <a:t>if</a:t>
+            </a:r>
+            <a:r>
+              <a:rPr lang="en-US" altLang="zh-CN" sz="1200" dirty="0"/>
+              <a:t> rand&lt;</a:t>
+            </a:r>
+            <a:r>
+              <a:rPr lang="en-US" altLang="zh-CN" sz="1200" dirty="0" err="1"/>
+              <a:t>lostRate</a:t>
+            </a:r>
+            <a:r>
+              <a:rPr lang="en-US" altLang="zh-CN" sz="1200" dirty="0"/>
+              <a:t>:  </a:t>
+            </a:r>
+          </a:p>
+          <a:p>
+            <a:r>
+              <a:rPr lang="en-US" altLang="zh-CN" sz="1200" dirty="0"/>
+              <a:t>                       </a:t>
+            </a:r>
+            <a:r>
+              <a:rPr lang="en-US" altLang="zh-CN" sz="1200" b="1" dirty="0"/>
+              <a:t>print</a:t>
+            </a:r>
+            <a:r>
+              <a:rPr lang="en-US" altLang="zh-CN" sz="1200" dirty="0"/>
+              <a:t>('frame lose')                  </a:t>
+            </a:r>
+          </a:p>
+          <a:p>
+            <a:r>
+              <a:rPr lang="en-US" altLang="zh-CN" sz="1200" dirty="0"/>
+              <a:t>                   </a:t>
+            </a:r>
+            <a:r>
+              <a:rPr lang="en-US" altLang="zh-CN" sz="1200" b="1" dirty="0" err="1"/>
+              <a:t>elif</a:t>
+            </a:r>
+            <a:r>
+              <a:rPr lang="en-US" altLang="zh-CN" sz="1200" dirty="0"/>
+              <a:t> rand&lt;</a:t>
+            </a:r>
+            <a:r>
+              <a:rPr lang="en-US" altLang="zh-CN" sz="1200" dirty="0" err="1"/>
+              <a:t>lostRate+errorRate</a:t>
+            </a:r>
+            <a:r>
+              <a:rPr lang="en-US" altLang="zh-CN" sz="1200" dirty="0"/>
+              <a:t>:  </a:t>
+            </a:r>
+          </a:p>
+          <a:p>
+            <a:r>
+              <a:rPr lang="en-US" altLang="zh-CN" sz="1200" dirty="0"/>
+              <a:t>                       </a:t>
+            </a:r>
+            <a:r>
+              <a:rPr lang="en-US" altLang="zh-CN" sz="1200" b="1" dirty="0"/>
+              <a:t>print</a:t>
+            </a:r>
+            <a:r>
+              <a:rPr lang="en-US" altLang="zh-CN" sz="1200" dirty="0"/>
+              <a:t>('frame error')  </a:t>
+            </a:r>
+          </a:p>
+          <a:p>
+            <a:r>
+              <a:rPr lang="en-US" altLang="zh-CN" sz="1200" dirty="0"/>
+              <a:t>                       package=</a:t>
+            </a:r>
+            <a:r>
+              <a:rPr lang="en-US" altLang="zh-CN" sz="1200" dirty="0" err="1"/>
+              <a:t>self.errorSimulation</a:t>
+            </a:r>
+            <a:r>
+              <a:rPr lang="en-US" altLang="zh-CN" sz="1200" dirty="0"/>
+              <a:t>(package)#</a:t>
+            </a:r>
+            <a:r>
+              <a:rPr lang="zh-CN" altLang="en-US" sz="1200" dirty="0"/>
+              <a:t>损坏的帧  </a:t>
+            </a:r>
+          </a:p>
+          <a:p>
+            <a:r>
+              <a:rPr lang="zh-CN" altLang="en-US" sz="1200" dirty="0"/>
+              <a:t>                       </a:t>
+            </a:r>
+            <a:r>
+              <a:rPr lang="en-US" altLang="zh-CN" sz="1200" dirty="0" err="1"/>
+              <a:t>self.s.sendto</a:t>
+            </a:r>
+            <a:r>
+              <a:rPr lang="en-US" altLang="zh-CN" sz="1200" dirty="0"/>
+              <a:t>(</a:t>
+            </a:r>
+            <a:r>
+              <a:rPr lang="en-US" altLang="zh-CN" sz="1200" dirty="0" err="1"/>
+              <a:t>package,self.sendAddress</a:t>
+            </a:r>
+            <a:r>
+              <a:rPr lang="en-US" altLang="zh-CN" sz="1200" dirty="0"/>
+              <a:t>)  </a:t>
+            </a:r>
+          </a:p>
+          <a:p>
+            <a:r>
+              <a:rPr lang="en-US" altLang="zh-CN" sz="1200" dirty="0"/>
+              <a:t>                   </a:t>
+            </a:r>
+            <a:r>
+              <a:rPr lang="en-US" altLang="zh-CN" sz="1200" b="1" dirty="0"/>
+              <a:t>else</a:t>
+            </a:r>
+            <a:r>
+              <a:rPr lang="en-US" altLang="zh-CN" sz="1200" dirty="0"/>
+              <a:t>:  </a:t>
+            </a:r>
+          </a:p>
+          <a:p>
+            <a:r>
+              <a:rPr lang="en-US" altLang="zh-CN" sz="1200" dirty="0"/>
+              <a:t>                       </a:t>
+            </a:r>
+            <a:r>
+              <a:rPr lang="en-US" altLang="zh-CN" sz="1200" dirty="0" err="1"/>
+              <a:t>self.s.sendto</a:t>
+            </a:r>
+            <a:r>
+              <a:rPr lang="en-US" altLang="zh-CN" sz="1200" dirty="0"/>
+              <a:t>(</a:t>
+            </a:r>
+            <a:r>
+              <a:rPr lang="en-US" altLang="zh-CN" sz="1200" dirty="0" err="1"/>
+              <a:t>package,self.sendAddress</a:t>
+            </a:r>
+            <a:r>
+              <a:rPr lang="en-US" altLang="zh-CN" sz="1200" dirty="0"/>
+              <a:t>)#</a:t>
+            </a:r>
+            <a:r>
+              <a:rPr lang="zh-CN" altLang="en-US" sz="1200" dirty="0"/>
+              <a:t>正确发送                 </a:t>
+            </a:r>
+          </a:p>
+          <a:p>
+            <a:r>
+              <a:rPr lang="zh-CN" altLang="en-US" sz="1200" dirty="0"/>
+              <a:t>                     </a:t>
+            </a:r>
+          </a:p>
+          <a:p>
+            <a:r>
+              <a:rPr lang="zh-CN" altLang="en-US" sz="1200" dirty="0"/>
+              <a:t>                   </a:t>
+            </a:r>
+            <a:r>
+              <a:rPr lang="en-US" altLang="zh-CN" sz="1200" dirty="0" err="1"/>
+              <a:t>ack</a:t>
+            </a:r>
+            <a:r>
+              <a:rPr lang="en-US" altLang="zh-CN" sz="1200" dirty="0"/>
+              <a:t>=</a:t>
+            </a:r>
+            <a:r>
+              <a:rPr lang="en-US" altLang="zh-CN" sz="1200" dirty="0" err="1"/>
+              <a:t>self.s.recv</a:t>
+            </a:r>
+            <a:r>
+              <a:rPr lang="en-US" altLang="zh-CN" sz="1200" dirty="0"/>
+              <a:t>(100)  </a:t>
+            </a:r>
+          </a:p>
+          <a:p>
+            <a:r>
+              <a:rPr lang="en-US" altLang="zh-CN" sz="1200" dirty="0"/>
+              <a:t>                   </a:t>
+            </a:r>
+            <a:r>
+              <a:rPr lang="en-US" altLang="zh-CN" sz="1200" b="1" dirty="0"/>
+              <a:t>if</a:t>
+            </a:r>
+            <a:r>
+              <a:rPr lang="en-US" altLang="zh-CN" sz="1200" dirty="0"/>
+              <a:t> </a:t>
+            </a:r>
+            <a:r>
+              <a:rPr lang="en-US" altLang="zh-CN" sz="1200" dirty="0" err="1"/>
+              <a:t>self.isAck</a:t>
+            </a:r>
+            <a:r>
+              <a:rPr lang="en-US" altLang="zh-CN" sz="1200" dirty="0"/>
+              <a:t>(</a:t>
+            </a:r>
+            <a:r>
+              <a:rPr lang="en-US" altLang="zh-CN" sz="1200" dirty="0" err="1"/>
+              <a:t>ack,sn</a:t>
+            </a:r>
+            <a:r>
+              <a:rPr lang="en-US" altLang="zh-CN" sz="1200" dirty="0"/>
+              <a:t>):  </a:t>
+            </a:r>
+            <a:r>
+              <a:rPr lang="en-US" altLang="zh-CN" sz="1200" dirty="0" smtClean="0"/>
+              <a:t>#</a:t>
+            </a:r>
+            <a:r>
+              <a:rPr lang="zh-CN" altLang="en-US" sz="1200" dirty="0" smtClean="0"/>
+              <a:t>检查</a:t>
+            </a:r>
+            <a:r>
+              <a:rPr lang="en-US" altLang="zh-CN" sz="1200" dirty="0" smtClean="0"/>
+              <a:t>ACK</a:t>
+            </a:r>
+            <a:endParaRPr lang="en-US" altLang="zh-CN" sz="1200" dirty="0"/>
+          </a:p>
+          <a:p>
+            <a:r>
+              <a:rPr lang="en-US" altLang="zh-CN" sz="1200" dirty="0"/>
+              <a:t>                       </a:t>
+            </a:r>
+            <a:r>
+              <a:rPr lang="en-US" altLang="zh-CN" sz="1200" dirty="0" err="1"/>
+              <a:t>sn</a:t>
+            </a:r>
+            <a:r>
+              <a:rPr lang="en-US" altLang="zh-CN" sz="1200" dirty="0"/>
+              <a:t>=1-sn  </a:t>
+            </a:r>
+          </a:p>
+          <a:p>
+            <a:r>
+              <a:rPr lang="en-US" altLang="zh-CN" sz="1200" dirty="0"/>
+              <a:t>                       </a:t>
+            </a:r>
+            <a:r>
+              <a:rPr lang="en-US" altLang="zh-CN" sz="1200" b="1" dirty="0"/>
+              <a:t>print</a:t>
+            </a:r>
+            <a:r>
+              <a:rPr lang="en-US" altLang="zh-CN" sz="1200" dirty="0"/>
+              <a:t>('</a:t>
+            </a:r>
+            <a:r>
+              <a:rPr lang="en-US" altLang="zh-CN" sz="1200" dirty="0" err="1"/>
+              <a:t>ack</a:t>
+            </a:r>
+            <a:r>
+              <a:rPr lang="en-US" altLang="zh-CN" sz="1200" dirty="0"/>
+              <a:t> get ',</a:t>
+            </a:r>
+            <a:r>
+              <a:rPr lang="en-US" altLang="zh-CN" sz="1200" dirty="0" err="1"/>
+              <a:t>sn</a:t>
+            </a:r>
+            <a:r>
+              <a:rPr lang="en-US" altLang="zh-CN" sz="1200" dirty="0"/>
+              <a:t>)  </a:t>
+            </a:r>
+          </a:p>
+          <a:p>
+            <a:r>
+              <a:rPr lang="en-US" altLang="zh-CN" sz="1200" dirty="0"/>
+              <a:t>                       </a:t>
+            </a:r>
+            <a:r>
+              <a:rPr lang="en-US" altLang="zh-CN" sz="1200" b="1" dirty="0"/>
+              <a:t>break</a:t>
+            </a:r>
+            <a:r>
+              <a:rPr lang="en-US" altLang="zh-CN" sz="1200" dirty="0"/>
+              <a:t>  </a:t>
+            </a:r>
+          </a:p>
+          <a:p>
+            <a:r>
+              <a:rPr lang="en-US" altLang="zh-CN" sz="1200" dirty="0"/>
+              <a:t>                   </a:t>
+            </a:r>
+            <a:r>
+              <a:rPr lang="en-US" altLang="zh-CN" sz="1200" b="1" dirty="0"/>
+              <a:t>else</a:t>
+            </a:r>
+            <a:r>
+              <a:rPr lang="en-US" altLang="zh-CN" sz="1200" dirty="0"/>
+              <a:t>:  </a:t>
+            </a:r>
+          </a:p>
+          <a:p>
+            <a:r>
+              <a:rPr lang="en-US" altLang="zh-CN" sz="1200" dirty="0"/>
+              <a:t>                       </a:t>
+            </a:r>
+            <a:r>
+              <a:rPr lang="en-US" altLang="zh-CN" sz="1200" b="1" dirty="0"/>
+              <a:t>print</a:t>
+            </a:r>
+            <a:r>
+              <a:rPr lang="en-US" altLang="zh-CN" sz="1200" dirty="0"/>
+              <a:t>('wrong </a:t>
+            </a:r>
+            <a:r>
+              <a:rPr lang="en-US" altLang="zh-CN" sz="1200" dirty="0" err="1"/>
+              <a:t>sn</a:t>
+            </a:r>
+            <a:r>
+              <a:rPr lang="en-US" altLang="zh-CN" sz="1200" dirty="0"/>
+              <a:t> ',</a:t>
+            </a:r>
+            <a:r>
+              <a:rPr lang="en-US" altLang="zh-CN" sz="1200" dirty="0" err="1"/>
+              <a:t>sn</a:t>
+            </a:r>
+            <a:r>
+              <a:rPr lang="en-US" altLang="zh-CN" sz="1200" dirty="0"/>
+              <a:t>,' no ',</a:t>
+            </a:r>
+            <a:r>
+              <a:rPr lang="en-US" altLang="zh-CN" sz="1200" dirty="0" err="1"/>
+              <a:t>i</a:t>
+            </a:r>
+            <a:r>
+              <a:rPr lang="en-US" altLang="zh-CN" sz="1200" dirty="0"/>
+              <a:t>)  </a:t>
+            </a:r>
+          </a:p>
+          <a:p>
+            <a:r>
+              <a:rPr lang="en-US" altLang="zh-CN" sz="1200" dirty="0"/>
+              <a:t>               </a:t>
+            </a:r>
+            <a:r>
+              <a:rPr lang="en-US" altLang="zh-CN" sz="1200" b="1" dirty="0"/>
+              <a:t>except</a:t>
+            </a:r>
+            <a:r>
+              <a:rPr lang="en-US" altLang="zh-CN" sz="1200" dirty="0"/>
+              <a:t> </a:t>
+            </a:r>
+            <a:r>
+              <a:rPr lang="en-US" altLang="zh-CN" sz="1200" dirty="0" err="1"/>
+              <a:t>socket.timeout</a:t>
+            </a:r>
+            <a:r>
+              <a:rPr lang="en-US" altLang="zh-CN" sz="1200" dirty="0"/>
+              <a:t>:#</a:t>
+            </a:r>
+            <a:r>
+              <a:rPr lang="zh-CN" altLang="en-US" sz="1200" dirty="0"/>
+              <a:t>处理超时异常  </a:t>
+            </a:r>
+          </a:p>
+          <a:p>
+            <a:r>
+              <a:rPr lang="zh-CN" altLang="en-US" sz="1200" dirty="0"/>
+              <a:t>                   </a:t>
+            </a:r>
+            <a:r>
+              <a:rPr lang="en-US" altLang="zh-CN" sz="1200" b="1" dirty="0"/>
+              <a:t>print</a:t>
+            </a:r>
+            <a:r>
+              <a:rPr lang="en-US" altLang="zh-CN" sz="1200" dirty="0"/>
+              <a:t>('timeout </a:t>
+            </a:r>
+            <a:r>
+              <a:rPr lang="en-US" altLang="zh-CN" sz="1200" dirty="0" err="1"/>
+              <a:t>sn</a:t>
+            </a:r>
+            <a:r>
+              <a:rPr lang="en-US" altLang="zh-CN" sz="1200" dirty="0"/>
+              <a:t> ',</a:t>
+            </a:r>
+            <a:r>
+              <a:rPr lang="en-US" altLang="zh-CN" sz="1200" dirty="0" err="1"/>
+              <a:t>sn</a:t>
+            </a:r>
+            <a:r>
+              <a:rPr lang="en-US" altLang="zh-CN" sz="1200" dirty="0"/>
+              <a:t>,' no ',</a:t>
+            </a:r>
+            <a:r>
+              <a:rPr lang="en-US" altLang="zh-CN" sz="1200" dirty="0" err="1"/>
+              <a:t>i</a:t>
+            </a:r>
+            <a:r>
+              <a:rPr lang="en-US" altLang="zh-CN" sz="1200" dirty="0"/>
+              <a:t>) </a:t>
+            </a:r>
+          </a:p>
+          <a:p>
+            <a:r>
+              <a:rPr lang="en-US" altLang="zh-CN" sz="1200" dirty="0"/>
+              <a:t>  </a:t>
+            </a:r>
+          </a:p>
+        </p:txBody>
+      </p:sp>
+    </p:spTree>
+    <p:extLst>
+      <p:ext uri="{BB962C8B-B14F-4D97-AF65-F5344CB8AC3E}">
+        <p14:creationId xmlns:p14="http://schemas.microsoft.com/office/powerpoint/2010/main" val="840556070"/>
+      </p:ext>
+    </p:extLst>
+  </p:cSld>
+  <p:clrMapOvr>
+    <a:masterClrMapping/>
+  </p:clrMapOvr>
+  <p:timing>
+    <p:tnLst>
+      <p:par>
+        <p:cTn id="1" dur="indefinite" restart="never" nodeType="tmRoot"/>
+      </p:par>
+    </p:tnLst>
+  </p:timing>
+</p:sld>
+</file>
+
+<file path=ppt/slides/slide16.xml><?xml version="1.0" encoding="utf-8"?>
+<p:sld xmlns:a="http://schemas.openxmlformats.org/drawingml/2006/main" xmlns:r="http://schemas.openxmlformats.org/officeDocument/2006/relationships" xmlns:p="http://schemas.openxmlformats.org/presentationml/2006/main">
+  <p:cSld>
+    <p:spTree>
+      <p:nvGrpSpPr>
+        <p:cNvPr id="1" name=""/>
+        <p:cNvGrpSpPr/>
+        <p:nvPr/>
+      </p:nvGrpSpPr>
+      <p:grpSpPr>
+        <a:xfrm>
+          <a:off x="0" y="0"/>
+          <a:ext cx="0" cy="0"/>
+          <a:chOff x="0" y="0"/>
+          <a:chExt cx="0" cy="0"/>
+        </a:xfrm>
+      </p:grpSpPr>
+      <p:sp>
+        <p:nvSpPr>
+          <p:cNvPr id="2" name="竖排标题 1"/>
+          <p:cNvSpPr>
+            <a:spLocks noGrp="1"/>
+          </p:cNvSpPr>
+          <p:nvPr>
+            <p:ph type="title" orient="vert"/>
+          </p:nvPr>
+        </p:nvSpPr>
+        <p:spPr/>
+        <p:txBody>
+          <a:bodyPr/>
+          <a:lstStyle/>
+          <a:p>
+            <a:pPr algn="ctr"/>
+            <a:r>
+              <a:rPr lang="zh-CN" altLang="en-US" b="1" dirty="0"/>
+              <a:t>打包</a:t>
+            </a:r>
+          </a:p>
+        </p:txBody>
+      </p:sp>
+      <p:sp>
+        <p:nvSpPr>
+          <p:cNvPr id="4" name="文本框 3"/>
+          <p:cNvSpPr txBox="1"/>
+          <p:nvPr/>
+        </p:nvSpPr>
+        <p:spPr>
+          <a:xfrm>
+            <a:off x="1737360" y="2305616"/>
+            <a:ext cx="7511143" cy="2246769"/>
+          </a:xfrm>
+          <a:prstGeom prst="rect">
+            <a:avLst/>
+          </a:prstGeom>
+          <a:noFill/>
+        </p:spPr>
+        <p:txBody>
+          <a:bodyPr wrap="square" rtlCol="0">
+            <a:spAutoFit/>
+          </a:bodyPr>
+          <a:lstStyle/>
+          <a:p>
+            <a:r>
+              <a:rPr lang="en-US" altLang="zh-CN" sz="2000" b="1" dirty="0" err="1"/>
+              <a:t>def</a:t>
+            </a:r>
+            <a:r>
+              <a:rPr lang="en-US" altLang="zh-CN" sz="2000" dirty="0"/>
+              <a:t> pack(</a:t>
+            </a:r>
+            <a:r>
+              <a:rPr lang="en-US" altLang="zh-CN" sz="2000" dirty="0" err="1"/>
+              <a:t>self,data,sn</a:t>
+            </a:r>
+            <a:r>
+              <a:rPr lang="en-US" altLang="zh-CN" sz="2000" dirty="0"/>
+              <a:t>):  </a:t>
+            </a:r>
+          </a:p>
+          <a:p>
+            <a:r>
+              <a:rPr lang="en-US" altLang="zh-CN" sz="2000" dirty="0"/>
+              <a:t>        package=</a:t>
+            </a:r>
+            <a:r>
+              <a:rPr lang="en-US" altLang="zh-CN" sz="2000" dirty="0" err="1"/>
+              <a:t>bytearray</a:t>
+            </a:r>
+            <a:r>
+              <a:rPr lang="en-US" altLang="zh-CN" sz="2000" dirty="0"/>
+              <a:t>([</a:t>
+            </a:r>
+            <a:r>
+              <a:rPr lang="en-US" altLang="zh-CN" sz="2000" dirty="0" err="1"/>
+              <a:t>sn</a:t>
+            </a:r>
+            <a:r>
+              <a:rPr lang="en-US" altLang="zh-CN" sz="2000" dirty="0"/>
+              <a:t>])+data#</a:t>
+            </a:r>
+            <a:r>
+              <a:rPr lang="zh-CN" altLang="en-US" sz="2000" dirty="0"/>
+              <a:t>添加序列号  </a:t>
+            </a:r>
+          </a:p>
+          <a:p>
+            <a:r>
+              <a:rPr lang="zh-CN" altLang="en-US" sz="2000" dirty="0"/>
+              <a:t>        </a:t>
+            </a:r>
+            <a:r>
+              <a:rPr lang="en-US" altLang="zh-CN" sz="2000" dirty="0" err="1"/>
+              <a:t>msg</a:t>
+            </a:r>
+            <a:r>
+              <a:rPr lang="en-US" altLang="zh-CN" sz="2000" dirty="0"/>
+              <a:t>=</a:t>
+            </a:r>
+            <a:r>
+              <a:rPr lang="en-US" altLang="zh-CN" sz="2000" dirty="0" err="1"/>
+              <a:t>int.from_bytes</a:t>
+            </a:r>
+            <a:r>
+              <a:rPr lang="en-US" altLang="zh-CN" sz="2000" dirty="0"/>
+              <a:t>(</a:t>
+            </a:r>
+            <a:r>
+              <a:rPr lang="en-US" altLang="zh-CN" sz="2000" dirty="0" err="1"/>
+              <a:t>package,'big</a:t>
+            </a:r>
+            <a:r>
+              <a:rPr lang="en-US" altLang="zh-CN" sz="2000" dirty="0"/>
+              <a:t>')  </a:t>
+            </a:r>
+          </a:p>
+          <a:p>
+            <a:r>
+              <a:rPr lang="en-US" altLang="zh-CN" sz="2000" dirty="0"/>
+              <a:t>        </a:t>
+            </a:r>
+            <a:r>
+              <a:rPr lang="en-US" altLang="zh-CN" sz="2000" dirty="0" err="1"/>
+              <a:t>msg,msgl</a:t>
+            </a:r>
+            <a:r>
+              <a:rPr lang="en-US" altLang="zh-CN" sz="2000" dirty="0"/>
+              <a:t>,_=</a:t>
+            </a:r>
+            <a:r>
+              <a:rPr lang="en-US" altLang="zh-CN" sz="2000" dirty="0" err="1"/>
+              <a:t>getSendMassage</a:t>
+            </a:r>
+            <a:r>
+              <a:rPr lang="en-US" altLang="zh-CN" sz="2000" dirty="0"/>
+              <a:t>(</a:t>
+            </a:r>
+            <a:r>
+              <a:rPr lang="en-US" altLang="zh-CN" sz="2000" dirty="0" err="1"/>
+              <a:t>msg,len</a:t>
+            </a:r>
+            <a:r>
+              <a:rPr lang="en-US" altLang="zh-CN" sz="2000" dirty="0"/>
+              <a:t>(package)*8)#</a:t>
+            </a:r>
+            <a:r>
+              <a:rPr lang="zh-CN" altLang="en-US" sz="2000" dirty="0"/>
+              <a:t>数据</a:t>
+            </a:r>
+            <a:r>
+              <a:rPr lang="en-US" altLang="zh-CN" sz="2000" dirty="0"/>
+              <a:t>+CRC</a:t>
+            </a:r>
+            <a:r>
+              <a:rPr lang="zh-CN" altLang="en-US" sz="2000" dirty="0"/>
+              <a:t>校验  </a:t>
+            </a:r>
+          </a:p>
+          <a:p>
+            <a:r>
+              <a:rPr lang="zh-CN" altLang="en-US" sz="2000" dirty="0"/>
+              <a:t>        </a:t>
+            </a:r>
+            <a:r>
+              <a:rPr lang="en-US" altLang="zh-CN" sz="2000" dirty="0"/>
+              <a:t>package=</a:t>
+            </a:r>
+            <a:r>
+              <a:rPr lang="en-US" altLang="zh-CN" sz="2000" dirty="0" err="1"/>
+              <a:t>msg.to_bytes</a:t>
+            </a:r>
+            <a:r>
+              <a:rPr lang="en-US" altLang="zh-CN" sz="2000" dirty="0"/>
+              <a:t>(</a:t>
+            </a:r>
+            <a:r>
+              <a:rPr lang="en-US" altLang="zh-CN" sz="2000" dirty="0" err="1"/>
+              <a:t>msgl</a:t>
+            </a:r>
+            <a:r>
+              <a:rPr lang="en-US" altLang="zh-CN" sz="2000" dirty="0"/>
+              <a:t>//8,'big')  </a:t>
+            </a:r>
+          </a:p>
+          <a:p>
+            <a:r>
+              <a:rPr lang="en-US" altLang="zh-CN" sz="2000" dirty="0"/>
+              <a:t>        </a:t>
+            </a:r>
+            <a:r>
+              <a:rPr lang="en-US" altLang="zh-CN" sz="2000" b="1" dirty="0"/>
+              <a:t>return</a:t>
+            </a:r>
+            <a:r>
+              <a:rPr lang="en-US" altLang="zh-CN" sz="2000" dirty="0"/>
+              <a:t> </a:t>
+            </a:r>
+            <a:r>
+              <a:rPr lang="en-US" altLang="zh-CN" sz="2000" dirty="0" err="1"/>
+              <a:t>packag</a:t>
+            </a:r>
+            <a:endParaRPr lang="en-US" altLang="zh-CN" sz="2000" dirty="0"/>
+          </a:p>
+        </p:txBody>
+      </p:sp>
+    </p:spTree>
+    <p:extLst>
+      <p:ext uri="{BB962C8B-B14F-4D97-AF65-F5344CB8AC3E}">
+        <p14:creationId xmlns:p14="http://schemas.microsoft.com/office/powerpoint/2010/main" val="1445000120"/>
+      </p:ext>
+    </p:extLst>
+  </p:cSld>
+  <p:clrMapOvr>
+    <a:masterClrMapping/>
+  </p:clrMapOvr>
+  <p:timing>
+    <p:tnLst>
+      <p:par>
+        <p:cTn id="1" dur="indefinite" restart="never" nodeType="tmRoot"/>
+      </p:par>
+    </p:tnLst>
+  </p:timing>
+</p:sld>
+</file>
+
+<file path=ppt/slides/slide17.xml><?xml version="1.0" encoding="utf-8"?>
+<p:sld xmlns:a="http://schemas.openxmlformats.org/drawingml/2006/main" xmlns:r="http://schemas.openxmlformats.org/officeDocument/2006/relationships" xmlns:p="http://schemas.openxmlformats.org/presentationml/2006/main">
+  <p:cSld>
+    <p:spTree>
+      <p:nvGrpSpPr>
+        <p:cNvPr id="1" name=""/>
+        <p:cNvGrpSpPr/>
+        <p:nvPr/>
+      </p:nvGrpSpPr>
+      <p:grpSpPr>
+        <a:xfrm>
+          <a:off x="0" y="0"/>
+          <a:ext cx="0" cy="0"/>
+          <a:chOff x="0" y="0"/>
+          <a:chExt cx="0" cy="0"/>
+        </a:xfrm>
+      </p:grpSpPr>
+      <p:sp>
+        <p:nvSpPr>
+          <p:cNvPr id="2" name="竖排标题 1"/>
+          <p:cNvSpPr>
+            <a:spLocks noGrp="1"/>
+          </p:cNvSpPr>
+          <p:nvPr>
+            <p:ph type="title" orient="vert"/>
+          </p:nvPr>
+        </p:nvSpPr>
+        <p:spPr/>
+        <p:txBody>
+          <a:bodyPr/>
+          <a:lstStyle/>
+          <a:p>
+            <a:pPr algn="ctr"/>
+            <a:r>
+              <a:rPr lang="zh-CN" altLang="en-US" b="1" dirty="0" smtClean="0"/>
+              <a:t>模拟出错、丢帧</a:t>
+            </a:r>
+            <a:endParaRPr lang="zh-CN" altLang="en-US" b="1" dirty="0"/>
+          </a:p>
+        </p:txBody>
+      </p:sp>
+      <p:sp>
+        <p:nvSpPr>
+          <p:cNvPr id="4" name="文本框 3"/>
+          <p:cNvSpPr txBox="1"/>
+          <p:nvPr/>
+        </p:nvSpPr>
+        <p:spPr>
+          <a:xfrm>
+            <a:off x="2340429" y="2921169"/>
+            <a:ext cx="7511143" cy="1015663"/>
+          </a:xfrm>
+          <a:prstGeom prst="rect">
+            <a:avLst/>
+          </a:prstGeom>
+          <a:noFill/>
+        </p:spPr>
+        <p:txBody>
+          <a:bodyPr wrap="square" rtlCol="0">
+            <a:spAutoFit/>
+          </a:bodyPr>
+          <a:lstStyle/>
+          <a:p>
+            <a:r>
+              <a:rPr lang="en-US" altLang="zh-CN" sz="2000" b="1" dirty="0" err="1"/>
+              <a:t>def</a:t>
+            </a:r>
+            <a:r>
+              <a:rPr lang="en-US" altLang="zh-CN" sz="2000" dirty="0"/>
+              <a:t> </a:t>
+            </a:r>
+            <a:r>
+              <a:rPr lang="en-US" altLang="zh-CN" sz="2000" dirty="0" err="1"/>
+              <a:t>errorSimulation</a:t>
+            </a:r>
+            <a:r>
+              <a:rPr lang="en-US" altLang="zh-CN" sz="2000" dirty="0"/>
+              <a:t>(</a:t>
+            </a:r>
+            <a:r>
+              <a:rPr lang="en-US" altLang="zh-CN" sz="2000" dirty="0" err="1"/>
+              <a:t>self,package</a:t>
+            </a:r>
+            <a:r>
+              <a:rPr lang="en-US" altLang="zh-CN" sz="2000" dirty="0"/>
+              <a:t>):  </a:t>
+            </a:r>
+          </a:p>
+          <a:p>
+            <a:r>
+              <a:rPr lang="en-US" altLang="zh-CN" sz="2000" dirty="0"/>
+              <a:t>         </a:t>
+            </a:r>
+          </a:p>
+          <a:p>
+            <a:r>
+              <a:rPr lang="en-US" altLang="zh-CN" sz="2000" dirty="0"/>
+              <a:t>       </a:t>
+            </a:r>
+            <a:r>
+              <a:rPr lang="en-US" altLang="zh-CN" sz="2000" b="1" dirty="0"/>
+              <a:t>return</a:t>
+            </a:r>
+            <a:r>
+              <a:rPr lang="en-US" altLang="zh-CN" sz="2000" dirty="0"/>
+              <a:t> package+b'0' </a:t>
+            </a:r>
+          </a:p>
+        </p:txBody>
+      </p:sp>
+    </p:spTree>
+    <p:extLst>
+      <p:ext uri="{BB962C8B-B14F-4D97-AF65-F5344CB8AC3E}">
+        <p14:creationId xmlns:p14="http://schemas.microsoft.com/office/powerpoint/2010/main" val="2464535442"/>
+      </p:ext>
+    </p:extLst>
+  </p:cSld>
+  <p:clrMapOvr>
+    <a:masterClrMapping/>
+  </p:clrMapOvr>
+  <p:timing>
+    <p:tnLst>
+      <p:par>
+        <p:cTn id="1" dur="indefinite" restart="never" nodeType="tmRoot"/>
+      </p:par>
+    </p:tnLst>
+  </p:timing>
+</p:sld>
+</file>
+
+<file path=ppt/slides/slide18.xml><?xml version="1.0" encoding="utf-8"?>
+<p:sld xmlns:a="http://schemas.openxmlformats.org/drawingml/2006/main" xmlns:r="http://schemas.openxmlformats.org/officeDocument/2006/relationships" xmlns:p="http://schemas.openxmlformats.org/presentationml/2006/main">
+  <p:cSld>
+    <p:spTree>
+      <p:nvGrpSpPr>
+        <p:cNvPr id="1" name=""/>
+        <p:cNvGrpSpPr/>
+        <p:nvPr/>
+      </p:nvGrpSpPr>
+      <p:grpSpPr>
+        <a:xfrm>
+          <a:off x="0" y="0"/>
+          <a:ext cx="0" cy="0"/>
+          <a:chOff x="0" y="0"/>
+          <a:chExt cx="0" cy="0"/>
+        </a:xfrm>
+      </p:grpSpPr>
+      <p:sp>
+        <p:nvSpPr>
+          <p:cNvPr id="2" name="竖排标题 1"/>
+          <p:cNvSpPr>
+            <a:spLocks noGrp="1"/>
+          </p:cNvSpPr>
+          <p:nvPr>
+            <p:ph type="title" orient="vert"/>
+          </p:nvPr>
+        </p:nvSpPr>
+        <p:spPr/>
+        <p:txBody>
+          <a:bodyPr/>
+          <a:lstStyle/>
+          <a:p>
+            <a:pPr algn="ctr"/>
+            <a:r>
+              <a:rPr lang="zh-CN" altLang="en-US" b="1" dirty="0" smtClean="0"/>
+              <a:t>接收帧</a:t>
+            </a:r>
+            <a:endParaRPr lang="zh-CN" altLang="en-US" b="1" dirty="0"/>
+          </a:p>
+        </p:txBody>
+      </p:sp>
+      <p:sp>
+        <p:nvSpPr>
+          <p:cNvPr id="4" name="文本框 3"/>
+          <p:cNvSpPr txBox="1"/>
+          <p:nvPr/>
+        </p:nvSpPr>
+        <p:spPr>
+          <a:xfrm>
+            <a:off x="2340429" y="920621"/>
+            <a:ext cx="7511143" cy="5016758"/>
+          </a:xfrm>
+          <a:prstGeom prst="rect">
+            <a:avLst/>
+          </a:prstGeom>
+          <a:noFill/>
+        </p:spPr>
+        <p:txBody>
+          <a:bodyPr wrap="square" rtlCol="0">
+            <a:spAutoFit/>
+          </a:bodyPr>
+          <a:lstStyle/>
+          <a:p>
+            <a:r>
+              <a:rPr lang="en-US" altLang="zh-CN" sz="2000" b="1" dirty="0" err="1"/>
+              <a:t>def</a:t>
+            </a:r>
+            <a:r>
+              <a:rPr lang="en-US" altLang="zh-CN" sz="2000" dirty="0"/>
+              <a:t> </a:t>
+            </a:r>
+            <a:r>
+              <a:rPr lang="en-US" altLang="zh-CN" sz="2000" dirty="0" err="1"/>
+              <a:t>recv</a:t>
+            </a:r>
+            <a:r>
+              <a:rPr lang="en-US" altLang="zh-CN" sz="2000" dirty="0"/>
+              <a:t>(self):  </a:t>
+            </a:r>
+          </a:p>
+          <a:p>
+            <a:r>
+              <a:rPr lang="en-US" altLang="zh-CN" sz="2000" dirty="0"/>
+              <a:t>        </a:t>
+            </a:r>
+            <a:r>
+              <a:rPr lang="en-US" altLang="zh-CN" sz="2000" dirty="0" err="1"/>
+              <a:t>sn</a:t>
+            </a:r>
+            <a:r>
+              <a:rPr lang="en-US" altLang="zh-CN" sz="2000" dirty="0"/>
+              <a:t>=0  </a:t>
+            </a:r>
+          </a:p>
+          <a:p>
+            <a:r>
+              <a:rPr lang="en-US" altLang="zh-CN" sz="2000" dirty="0"/>
+              <a:t>        </a:t>
+            </a:r>
+            <a:r>
+              <a:rPr lang="en-US" altLang="zh-CN" sz="2000" b="1" dirty="0"/>
+              <a:t>while</a:t>
+            </a:r>
+            <a:r>
+              <a:rPr lang="en-US" altLang="zh-CN" sz="2000" dirty="0"/>
+              <a:t> True:  </a:t>
+            </a:r>
+          </a:p>
+          <a:p>
+            <a:r>
+              <a:rPr lang="en-US" altLang="zh-CN" sz="2000" dirty="0"/>
+              <a:t>            </a:t>
+            </a:r>
+            <a:r>
+              <a:rPr lang="en-US" altLang="zh-CN" sz="2000" b="1" dirty="0"/>
+              <a:t>print</a:t>
+            </a:r>
+            <a:r>
+              <a:rPr lang="en-US" altLang="zh-CN" sz="2000" dirty="0"/>
+              <a:t>('frame expected ',</a:t>
+            </a:r>
+            <a:r>
+              <a:rPr lang="en-US" altLang="zh-CN" sz="2000" dirty="0" err="1"/>
+              <a:t>sn</a:t>
+            </a:r>
+            <a:r>
+              <a:rPr lang="en-US" altLang="zh-CN" sz="2000" dirty="0"/>
+              <a:t>)  </a:t>
+            </a:r>
+          </a:p>
+          <a:p>
+            <a:r>
+              <a:rPr lang="en-US" altLang="zh-CN" sz="2000" dirty="0"/>
+              <a:t>            package,_=</a:t>
+            </a:r>
+            <a:r>
+              <a:rPr lang="en-US" altLang="zh-CN" sz="2000" dirty="0" err="1"/>
+              <a:t>self.s.recvfrom</a:t>
+            </a:r>
+            <a:r>
+              <a:rPr lang="en-US" altLang="zh-CN" sz="2000" dirty="0"/>
+              <a:t>(1024)  </a:t>
+            </a:r>
+          </a:p>
+          <a:p>
+            <a:r>
+              <a:rPr lang="en-US" altLang="zh-CN" sz="2000" dirty="0"/>
+              <a:t>            </a:t>
+            </a:r>
+            <a:r>
+              <a:rPr lang="en-US" altLang="zh-CN" sz="2000" b="1" dirty="0"/>
+              <a:t>if</a:t>
+            </a:r>
+            <a:r>
+              <a:rPr lang="en-US" altLang="zh-CN" sz="2000" dirty="0"/>
+              <a:t> </a:t>
+            </a:r>
+            <a:r>
+              <a:rPr lang="en-US" altLang="zh-CN" sz="2000" dirty="0" err="1"/>
+              <a:t>self.check</a:t>
+            </a:r>
+            <a:r>
+              <a:rPr lang="en-US" altLang="zh-CN" sz="2000" dirty="0"/>
+              <a:t>(</a:t>
+            </a:r>
+            <a:r>
+              <a:rPr lang="en-US" altLang="zh-CN" sz="2000" dirty="0" err="1"/>
+              <a:t>package,sn</a:t>
+            </a:r>
+            <a:r>
+              <a:rPr lang="en-US" altLang="zh-CN" sz="2000" dirty="0"/>
+              <a:t>):#</a:t>
+            </a:r>
+            <a:r>
+              <a:rPr lang="zh-CN" altLang="en-US" sz="2000" dirty="0"/>
+              <a:t>是期望的帧  </a:t>
+            </a:r>
+          </a:p>
+          <a:p>
+            <a:r>
+              <a:rPr lang="zh-CN" altLang="en-US" sz="2000" dirty="0"/>
+              <a:t>                </a:t>
+            </a:r>
+            <a:r>
+              <a:rPr lang="en-US" altLang="zh-CN" sz="2000" b="1" dirty="0"/>
+              <a:t>print</a:t>
+            </a:r>
+            <a:r>
+              <a:rPr lang="en-US" altLang="zh-CN" sz="2000" dirty="0"/>
+              <a:t>('right frame </a:t>
+            </a:r>
+            <a:r>
+              <a:rPr lang="en-US" altLang="zh-CN" sz="2000" dirty="0" err="1"/>
+              <a:t>sn</a:t>
+            </a:r>
+            <a:r>
+              <a:rPr lang="en-US" altLang="zh-CN" sz="2000" dirty="0"/>
+              <a:t> ',</a:t>
+            </a:r>
+            <a:r>
+              <a:rPr lang="en-US" altLang="zh-CN" sz="2000" dirty="0" err="1"/>
+              <a:t>sn</a:t>
+            </a:r>
+            <a:r>
+              <a:rPr lang="en-US" altLang="zh-CN" sz="2000" dirty="0"/>
+              <a:t>)  </a:t>
+            </a:r>
+          </a:p>
+          <a:p>
+            <a:r>
+              <a:rPr lang="en-US" altLang="zh-CN" sz="2000" dirty="0"/>
+              <a:t>                </a:t>
+            </a:r>
+            <a:r>
+              <a:rPr lang="en-US" altLang="zh-CN" sz="2000" b="1" dirty="0"/>
+              <a:t>print</a:t>
+            </a:r>
+            <a:r>
+              <a:rPr lang="en-US" altLang="zh-CN" sz="2000" dirty="0"/>
+              <a:t>(</a:t>
+            </a:r>
+            <a:r>
+              <a:rPr lang="en-US" altLang="zh-CN" sz="2000" dirty="0" err="1"/>
+              <a:t>self.unpack</a:t>
+            </a:r>
+            <a:r>
+              <a:rPr lang="en-US" altLang="zh-CN" sz="2000" dirty="0"/>
+              <a:t>(package))#</a:t>
+            </a:r>
+            <a:r>
+              <a:rPr lang="zh-CN" altLang="en-US" sz="2000" dirty="0"/>
+              <a:t>解包  </a:t>
+            </a:r>
+          </a:p>
+          <a:p>
+            <a:r>
+              <a:rPr lang="zh-CN" altLang="en-US" sz="2000" dirty="0"/>
+              <a:t>                </a:t>
+            </a:r>
+            <a:r>
+              <a:rPr lang="en-US" altLang="zh-CN" sz="2000" dirty="0" err="1"/>
+              <a:t>sn</a:t>
+            </a:r>
+            <a:r>
+              <a:rPr lang="en-US" altLang="zh-CN" sz="2000" dirty="0"/>
+              <a:t>=1-sn  </a:t>
+            </a:r>
+          </a:p>
+          <a:p>
+            <a:r>
+              <a:rPr lang="en-US" altLang="zh-CN" sz="2000" dirty="0"/>
+              <a:t>                </a:t>
+            </a:r>
+            <a:r>
+              <a:rPr lang="en-US" altLang="zh-CN" sz="2000" dirty="0" err="1"/>
+              <a:t>self.s.sendto</a:t>
+            </a:r>
+            <a:r>
+              <a:rPr lang="en-US" altLang="zh-CN" sz="2000" dirty="0"/>
+              <a:t>(bytes([</a:t>
+            </a:r>
+            <a:r>
+              <a:rPr lang="en-US" altLang="zh-CN" sz="2000" dirty="0" err="1"/>
+              <a:t>sn</a:t>
+            </a:r>
+            <a:r>
+              <a:rPr lang="en-US" altLang="zh-CN" sz="2000" dirty="0"/>
+              <a:t>]),</a:t>
+            </a:r>
+            <a:r>
+              <a:rPr lang="en-US" altLang="zh-CN" sz="2000" dirty="0" err="1"/>
+              <a:t>self.sendAddress</a:t>
+            </a:r>
+            <a:r>
+              <a:rPr lang="en-US" altLang="zh-CN" sz="2000" dirty="0"/>
+              <a:t>)#</a:t>
+            </a:r>
+            <a:r>
+              <a:rPr lang="zh-CN" altLang="en-US" sz="2000" dirty="0"/>
+              <a:t>返回</a:t>
+            </a:r>
+            <a:r>
+              <a:rPr lang="en-US" altLang="zh-CN" sz="2000" dirty="0" err="1"/>
+              <a:t>ack</a:t>
+            </a:r>
+            <a:r>
+              <a:rPr lang="en-US" altLang="zh-CN" sz="2000" dirty="0"/>
+              <a:t>      </a:t>
+            </a:r>
+          </a:p>
+          <a:p>
+            <a:r>
+              <a:rPr lang="en-US" altLang="zh-CN" sz="2000" dirty="0"/>
+              <a:t>                </a:t>
+            </a:r>
+            <a:r>
+              <a:rPr lang="en-US" altLang="zh-CN" sz="2000" b="1" dirty="0"/>
+              <a:t>print</a:t>
+            </a:r>
+            <a:r>
+              <a:rPr lang="en-US" altLang="zh-CN" sz="2000" dirty="0"/>
+              <a:t>('</a:t>
+            </a:r>
+            <a:r>
+              <a:rPr lang="en-US" altLang="zh-CN" sz="2000" dirty="0" err="1"/>
+              <a:t>ack</a:t>
+            </a:r>
+            <a:r>
+              <a:rPr lang="en-US" altLang="zh-CN" sz="2000" dirty="0"/>
+              <a:t> send ',</a:t>
+            </a:r>
+            <a:r>
+              <a:rPr lang="en-US" altLang="zh-CN" sz="2000" dirty="0" err="1"/>
+              <a:t>sn</a:t>
+            </a:r>
+            <a:r>
+              <a:rPr lang="en-US" altLang="zh-CN" sz="2000" dirty="0"/>
+              <a:t>)  </a:t>
+            </a:r>
+          </a:p>
+          <a:p>
+            <a:r>
+              <a:rPr lang="en-US" altLang="zh-CN" sz="2000" dirty="0"/>
+              <a:t>                </a:t>
+            </a:r>
+            <a:r>
+              <a:rPr lang="en-US" altLang="zh-CN" sz="2000" b="1" dirty="0"/>
+              <a:t>print</a:t>
+            </a:r>
+            <a:r>
+              <a:rPr lang="en-US" altLang="zh-CN" sz="2000" dirty="0"/>
+              <a:t>('---------------------------------------')  </a:t>
+            </a:r>
+          </a:p>
+          <a:p>
+            <a:r>
+              <a:rPr lang="en-US" altLang="zh-CN" sz="2000" dirty="0"/>
+              <a:t>            </a:t>
+            </a:r>
+            <a:r>
+              <a:rPr lang="en-US" altLang="zh-CN" sz="2000" b="1" dirty="0"/>
+              <a:t>else</a:t>
+            </a:r>
+            <a:r>
+              <a:rPr lang="en-US" altLang="zh-CN" sz="2000" dirty="0"/>
+              <a:t>:#</a:t>
+            </a:r>
+            <a:r>
+              <a:rPr lang="zh-CN" altLang="en-US" sz="2000" dirty="0"/>
+              <a:t>不是期望的帧  </a:t>
+            </a:r>
+          </a:p>
+          <a:p>
+            <a:r>
+              <a:rPr lang="zh-CN" altLang="en-US" sz="2000" dirty="0"/>
+              <a:t>                </a:t>
+            </a:r>
+            <a:r>
+              <a:rPr lang="en-US" altLang="zh-CN" sz="2000" b="1" dirty="0"/>
+              <a:t>print</a:t>
+            </a:r>
+            <a:r>
+              <a:rPr lang="en-US" altLang="zh-CN" sz="2000" dirty="0"/>
+              <a:t>('wrong frame')  </a:t>
+            </a:r>
+          </a:p>
+          <a:p>
+            <a:r>
+              <a:rPr lang="en-US" altLang="zh-CN" sz="2000" dirty="0"/>
+              <a:t>                </a:t>
+            </a:r>
+            <a:r>
+              <a:rPr lang="en-US" altLang="zh-CN" sz="2000" dirty="0" err="1"/>
+              <a:t>self.s.sendto</a:t>
+            </a:r>
+            <a:r>
+              <a:rPr lang="en-US" altLang="zh-CN" sz="2000" dirty="0"/>
+              <a:t>(bytes([</a:t>
+            </a:r>
+            <a:r>
+              <a:rPr lang="en-US" altLang="zh-CN" sz="2000" dirty="0" err="1"/>
+              <a:t>sn</a:t>
+            </a:r>
+            <a:r>
+              <a:rPr lang="en-US" altLang="zh-CN" sz="2000" dirty="0"/>
+              <a:t>]),</a:t>
+            </a:r>
+            <a:r>
+              <a:rPr lang="en-US" altLang="zh-CN" sz="2000" dirty="0" err="1"/>
+              <a:t>self.sendAddress</a:t>
+            </a:r>
+            <a:r>
+              <a:rPr lang="en-US" altLang="zh-CN" sz="2000" dirty="0"/>
+              <a:t>)  </a:t>
+            </a:r>
+          </a:p>
+          <a:p>
+            <a:r>
+              <a:rPr lang="en-US" altLang="zh-CN" sz="2000" dirty="0"/>
+              <a:t>                </a:t>
+            </a:r>
+            <a:r>
+              <a:rPr lang="en-US" altLang="zh-CN" sz="2000" b="1" dirty="0"/>
+              <a:t>print</a:t>
+            </a:r>
+            <a:r>
+              <a:rPr lang="en-US" altLang="zh-CN" sz="2000" dirty="0"/>
+              <a:t>('</a:t>
+            </a:r>
+            <a:r>
+              <a:rPr lang="en-US" altLang="zh-CN" sz="2000" dirty="0" err="1"/>
+              <a:t>ack</a:t>
+            </a:r>
+            <a:r>
+              <a:rPr lang="en-US" altLang="zh-CN" sz="2000" dirty="0"/>
+              <a:t> send ',</a:t>
+            </a:r>
+            <a:r>
+              <a:rPr lang="en-US" altLang="zh-CN" sz="2000" dirty="0" err="1"/>
+              <a:t>sn</a:t>
+            </a:r>
+            <a:r>
+              <a:rPr lang="en-US" altLang="zh-CN" sz="2000" dirty="0"/>
+              <a:t>)  </a:t>
+            </a:r>
+          </a:p>
+        </p:txBody>
+      </p:sp>
+    </p:spTree>
+    <p:extLst>
+      <p:ext uri="{BB962C8B-B14F-4D97-AF65-F5344CB8AC3E}">
+        <p14:creationId xmlns:p14="http://schemas.microsoft.com/office/powerpoint/2010/main" val="90191477"/>
+      </p:ext>
+    </p:extLst>
+  </p:cSld>
+  <p:clrMapOvr>
+    <a:masterClrMapping/>
+  </p:clrMapOvr>
+  <p:timing>
+    <p:tnLst>
+      <p:par>
+        <p:cTn id="1" dur="indefinite" restart="never" nodeType="tmRoot"/>
+      </p:par>
+    </p:tnLst>
+  </p:timing>
+</p:sld>
+</file>
+
+<file path=ppt/slides/slide19.xml><?xml version="1.0" encoding="utf-8"?>
+<p:sld xmlns:a="http://schemas.openxmlformats.org/drawingml/2006/main" xmlns:r="http://schemas.openxmlformats.org/officeDocument/2006/relationships" xmlns:p="http://schemas.openxmlformats.org/presentationml/2006/main">
+  <p:cSld>
+    <p:spTree>
+      <p:nvGrpSpPr>
+        <p:cNvPr id="1" name=""/>
+        <p:cNvGrpSpPr/>
+        <p:nvPr/>
+      </p:nvGrpSpPr>
+      <p:grpSpPr>
+        <a:xfrm>
+          <a:off x="0" y="0"/>
+          <a:ext cx="0" cy="0"/>
+          <a:chOff x="0" y="0"/>
+          <a:chExt cx="0" cy="0"/>
+        </a:xfrm>
+      </p:grpSpPr>
+      <p:sp>
+        <p:nvSpPr>
+          <p:cNvPr id="2" name="竖排标题 1"/>
+          <p:cNvSpPr>
+            <a:spLocks noGrp="1"/>
+          </p:cNvSpPr>
+          <p:nvPr>
+            <p:ph type="title" orient="vert"/>
+          </p:nvPr>
+        </p:nvSpPr>
+        <p:spPr/>
+        <p:txBody>
+          <a:bodyPr/>
+          <a:lstStyle/>
+          <a:p>
+            <a:pPr algn="ctr"/>
+            <a:r>
+              <a:rPr lang="zh-CN" altLang="en-US" b="1" dirty="0" smtClean="0"/>
+              <a:t>接收帧</a:t>
+            </a:r>
+            <a:endParaRPr lang="zh-CN" altLang="en-US" b="1" dirty="0"/>
+          </a:p>
+        </p:txBody>
+      </p:sp>
+      <p:sp>
+        <p:nvSpPr>
+          <p:cNvPr id="4" name="文本框 3"/>
+          <p:cNvSpPr txBox="1"/>
+          <p:nvPr/>
+        </p:nvSpPr>
+        <p:spPr>
+          <a:xfrm>
+            <a:off x="2340429" y="920621"/>
+            <a:ext cx="7511143" cy="5016758"/>
+          </a:xfrm>
+          <a:prstGeom prst="rect">
+            <a:avLst/>
+          </a:prstGeom>
+          <a:noFill/>
+        </p:spPr>
+        <p:txBody>
+          <a:bodyPr wrap="square" rtlCol="0">
+            <a:spAutoFit/>
+          </a:bodyPr>
+          <a:lstStyle/>
+          <a:p>
+            <a:r>
+              <a:rPr lang="en-US" altLang="zh-CN" sz="2000" b="1" dirty="0" err="1"/>
+              <a:t>def</a:t>
+            </a:r>
+            <a:r>
+              <a:rPr lang="en-US" altLang="zh-CN" sz="2000" dirty="0"/>
+              <a:t> </a:t>
+            </a:r>
+            <a:r>
+              <a:rPr lang="en-US" altLang="zh-CN" sz="2000" dirty="0" err="1"/>
+              <a:t>recv</a:t>
+            </a:r>
+            <a:r>
+              <a:rPr lang="en-US" altLang="zh-CN" sz="2000" dirty="0"/>
+              <a:t>(self):  </a:t>
+            </a:r>
+          </a:p>
+          <a:p>
+            <a:r>
+              <a:rPr lang="en-US" altLang="zh-CN" sz="2000" dirty="0"/>
+              <a:t>        </a:t>
+            </a:r>
+            <a:r>
+              <a:rPr lang="en-US" altLang="zh-CN" sz="2000" dirty="0" err="1"/>
+              <a:t>sn</a:t>
+            </a:r>
+            <a:r>
+              <a:rPr lang="en-US" altLang="zh-CN" sz="2000" dirty="0"/>
+              <a:t>=0  </a:t>
+            </a:r>
+          </a:p>
+          <a:p>
+            <a:r>
+              <a:rPr lang="en-US" altLang="zh-CN" sz="2000" dirty="0"/>
+              <a:t>        </a:t>
+            </a:r>
+            <a:r>
+              <a:rPr lang="en-US" altLang="zh-CN" sz="2000" b="1" dirty="0"/>
+              <a:t>while</a:t>
+            </a:r>
+            <a:r>
+              <a:rPr lang="en-US" altLang="zh-CN" sz="2000" dirty="0"/>
+              <a:t> True:  </a:t>
+            </a:r>
+          </a:p>
+          <a:p>
+            <a:r>
+              <a:rPr lang="en-US" altLang="zh-CN" sz="2000" dirty="0"/>
+              <a:t>            </a:t>
+            </a:r>
+            <a:r>
+              <a:rPr lang="en-US" altLang="zh-CN" sz="2000" b="1" dirty="0"/>
+              <a:t>print</a:t>
+            </a:r>
+            <a:r>
+              <a:rPr lang="en-US" altLang="zh-CN" sz="2000" dirty="0"/>
+              <a:t>('frame expected ',</a:t>
+            </a:r>
+            <a:r>
+              <a:rPr lang="en-US" altLang="zh-CN" sz="2000" dirty="0" err="1"/>
+              <a:t>sn</a:t>
+            </a:r>
+            <a:r>
+              <a:rPr lang="en-US" altLang="zh-CN" sz="2000" dirty="0"/>
+              <a:t>)  </a:t>
+            </a:r>
+          </a:p>
+          <a:p>
+            <a:r>
+              <a:rPr lang="en-US" altLang="zh-CN" sz="2000" dirty="0"/>
+              <a:t>            package,_=</a:t>
+            </a:r>
+            <a:r>
+              <a:rPr lang="en-US" altLang="zh-CN" sz="2000" dirty="0" err="1"/>
+              <a:t>self.s.recvfrom</a:t>
+            </a:r>
+            <a:r>
+              <a:rPr lang="en-US" altLang="zh-CN" sz="2000" dirty="0"/>
+              <a:t>(1024)  </a:t>
+            </a:r>
+          </a:p>
+          <a:p>
+            <a:r>
+              <a:rPr lang="en-US" altLang="zh-CN" sz="2000" dirty="0"/>
+              <a:t>            </a:t>
+            </a:r>
+            <a:r>
+              <a:rPr lang="en-US" altLang="zh-CN" sz="2000" b="1" dirty="0"/>
+              <a:t>if</a:t>
+            </a:r>
+            <a:r>
+              <a:rPr lang="en-US" altLang="zh-CN" sz="2000" dirty="0"/>
+              <a:t> </a:t>
+            </a:r>
+            <a:r>
+              <a:rPr lang="en-US" altLang="zh-CN" sz="2000" dirty="0" err="1"/>
+              <a:t>self.check</a:t>
+            </a:r>
+            <a:r>
+              <a:rPr lang="en-US" altLang="zh-CN" sz="2000" dirty="0"/>
+              <a:t>(</a:t>
+            </a:r>
+            <a:r>
+              <a:rPr lang="en-US" altLang="zh-CN" sz="2000" dirty="0" err="1"/>
+              <a:t>package,sn</a:t>
+            </a:r>
+            <a:r>
+              <a:rPr lang="en-US" altLang="zh-CN" sz="2000" dirty="0"/>
+              <a:t>):#</a:t>
+            </a:r>
+            <a:r>
+              <a:rPr lang="zh-CN" altLang="en-US" sz="2000" dirty="0"/>
+              <a:t>是期望的帧  </a:t>
+            </a:r>
+          </a:p>
+          <a:p>
+            <a:r>
+              <a:rPr lang="zh-CN" altLang="en-US" sz="2000" dirty="0"/>
+              <a:t>                </a:t>
+            </a:r>
+            <a:r>
+              <a:rPr lang="en-US" altLang="zh-CN" sz="2000" b="1" dirty="0"/>
+              <a:t>print</a:t>
+            </a:r>
+            <a:r>
+              <a:rPr lang="en-US" altLang="zh-CN" sz="2000" dirty="0"/>
+              <a:t>('right frame </a:t>
+            </a:r>
+            <a:r>
+              <a:rPr lang="en-US" altLang="zh-CN" sz="2000" dirty="0" err="1"/>
+              <a:t>sn</a:t>
+            </a:r>
+            <a:r>
+              <a:rPr lang="en-US" altLang="zh-CN" sz="2000" dirty="0"/>
+              <a:t> ',</a:t>
+            </a:r>
+            <a:r>
+              <a:rPr lang="en-US" altLang="zh-CN" sz="2000" dirty="0" err="1"/>
+              <a:t>sn</a:t>
+            </a:r>
+            <a:r>
+              <a:rPr lang="en-US" altLang="zh-CN" sz="2000" dirty="0"/>
+              <a:t>)  </a:t>
+            </a:r>
+          </a:p>
+          <a:p>
+            <a:r>
+              <a:rPr lang="en-US" altLang="zh-CN" sz="2000" dirty="0"/>
+              <a:t>                </a:t>
+            </a:r>
+            <a:r>
+              <a:rPr lang="en-US" altLang="zh-CN" sz="2000" b="1" dirty="0"/>
+              <a:t>print</a:t>
+            </a:r>
+            <a:r>
+              <a:rPr lang="en-US" altLang="zh-CN" sz="2000" dirty="0"/>
+              <a:t>(</a:t>
+            </a:r>
+            <a:r>
+              <a:rPr lang="en-US" altLang="zh-CN" sz="2000" dirty="0" err="1"/>
+              <a:t>self.unpack</a:t>
+            </a:r>
+            <a:r>
+              <a:rPr lang="en-US" altLang="zh-CN" sz="2000" dirty="0"/>
+              <a:t>(package))#</a:t>
+            </a:r>
+            <a:r>
+              <a:rPr lang="zh-CN" altLang="en-US" sz="2000" dirty="0"/>
+              <a:t>解包  </a:t>
+            </a:r>
+          </a:p>
+          <a:p>
+            <a:r>
+              <a:rPr lang="zh-CN" altLang="en-US" sz="2000" dirty="0"/>
+              <a:t>                </a:t>
+            </a:r>
+            <a:r>
+              <a:rPr lang="en-US" altLang="zh-CN" sz="2000" dirty="0" err="1"/>
+              <a:t>sn</a:t>
+            </a:r>
+            <a:r>
+              <a:rPr lang="en-US" altLang="zh-CN" sz="2000" dirty="0"/>
+              <a:t>=1-sn  </a:t>
+            </a:r>
+          </a:p>
+          <a:p>
+            <a:r>
+              <a:rPr lang="en-US" altLang="zh-CN" sz="2000" dirty="0"/>
+              <a:t>                </a:t>
+            </a:r>
+            <a:r>
+              <a:rPr lang="en-US" altLang="zh-CN" sz="2000" dirty="0" err="1"/>
+              <a:t>self.s.sendto</a:t>
+            </a:r>
+            <a:r>
+              <a:rPr lang="en-US" altLang="zh-CN" sz="2000" dirty="0"/>
+              <a:t>(bytes([</a:t>
+            </a:r>
+            <a:r>
+              <a:rPr lang="en-US" altLang="zh-CN" sz="2000" dirty="0" err="1"/>
+              <a:t>sn</a:t>
+            </a:r>
+            <a:r>
+              <a:rPr lang="en-US" altLang="zh-CN" sz="2000" dirty="0"/>
+              <a:t>]),</a:t>
+            </a:r>
+            <a:r>
+              <a:rPr lang="en-US" altLang="zh-CN" sz="2000" dirty="0" err="1"/>
+              <a:t>self.sendAddress</a:t>
+            </a:r>
+            <a:r>
+              <a:rPr lang="en-US" altLang="zh-CN" sz="2000" dirty="0"/>
+              <a:t>)#</a:t>
+            </a:r>
+            <a:r>
+              <a:rPr lang="zh-CN" altLang="en-US" sz="2000" dirty="0"/>
+              <a:t>返回</a:t>
+            </a:r>
+            <a:r>
+              <a:rPr lang="en-US" altLang="zh-CN" sz="2000" dirty="0" err="1"/>
+              <a:t>ack</a:t>
+            </a:r>
+            <a:r>
+              <a:rPr lang="en-US" altLang="zh-CN" sz="2000" dirty="0"/>
+              <a:t>      </a:t>
+            </a:r>
+          </a:p>
+          <a:p>
+            <a:r>
+              <a:rPr lang="en-US" altLang="zh-CN" sz="2000" dirty="0"/>
+              <a:t>                </a:t>
+            </a:r>
+            <a:r>
+              <a:rPr lang="en-US" altLang="zh-CN" sz="2000" b="1" dirty="0"/>
+              <a:t>print</a:t>
+            </a:r>
+            <a:r>
+              <a:rPr lang="en-US" altLang="zh-CN" sz="2000" dirty="0"/>
+              <a:t>('</a:t>
+            </a:r>
+            <a:r>
+              <a:rPr lang="en-US" altLang="zh-CN" sz="2000" dirty="0" err="1"/>
+              <a:t>ack</a:t>
+            </a:r>
+            <a:r>
+              <a:rPr lang="en-US" altLang="zh-CN" sz="2000" dirty="0"/>
+              <a:t> send ',</a:t>
+            </a:r>
+            <a:r>
+              <a:rPr lang="en-US" altLang="zh-CN" sz="2000" dirty="0" err="1"/>
+              <a:t>sn</a:t>
+            </a:r>
+            <a:r>
+              <a:rPr lang="en-US" altLang="zh-CN" sz="2000" dirty="0"/>
+              <a:t>)  </a:t>
+            </a:r>
+          </a:p>
+          <a:p>
+            <a:r>
+              <a:rPr lang="en-US" altLang="zh-CN" sz="2000" dirty="0"/>
+              <a:t>                </a:t>
+            </a:r>
+            <a:r>
+              <a:rPr lang="en-US" altLang="zh-CN" sz="2000" b="1" dirty="0"/>
+              <a:t>print</a:t>
+            </a:r>
+            <a:r>
+              <a:rPr lang="en-US" altLang="zh-CN" sz="2000" dirty="0"/>
+              <a:t>('---------------------------------------')  </a:t>
+            </a:r>
+          </a:p>
+          <a:p>
+            <a:r>
+              <a:rPr lang="en-US" altLang="zh-CN" sz="2000" dirty="0"/>
+              <a:t>            </a:t>
+            </a:r>
+            <a:r>
+              <a:rPr lang="en-US" altLang="zh-CN" sz="2000" b="1" dirty="0"/>
+              <a:t>else</a:t>
+            </a:r>
+            <a:r>
+              <a:rPr lang="en-US" altLang="zh-CN" sz="2000" dirty="0"/>
+              <a:t>:#</a:t>
+            </a:r>
+            <a:r>
+              <a:rPr lang="zh-CN" altLang="en-US" sz="2000" dirty="0"/>
+              <a:t>不是期望的帧  </a:t>
+            </a:r>
+          </a:p>
+          <a:p>
+            <a:r>
+              <a:rPr lang="zh-CN" altLang="en-US" sz="2000" dirty="0"/>
+              <a:t>                </a:t>
+            </a:r>
+            <a:r>
+              <a:rPr lang="en-US" altLang="zh-CN" sz="2000" b="1" dirty="0"/>
+              <a:t>print</a:t>
+            </a:r>
+            <a:r>
+              <a:rPr lang="en-US" altLang="zh-CN" sz="2000" dirty="0"/>
+              <a:t>('wrong frame')  </a:t>
+            </a:r>
+          </a:p>
+          <a:p>
+            <a:r>
+              <a:rPr lang="en-US" altLang="zh-CN" sz="2000" dirty="0"/>
+              <a:t>                </a:t>
+            </a:r>
+            <a:r>
+              <a:rPr lang="en-US" altLang="zh-CN" sz="2000" dirty="0" err="1"/>
+              <a:t>self.s.sendto</a:t>
+            </a:r>
+            <a:r>
+              <a:rPr lang="en-US" altLang="zh-CN" sz="2000" dirty="0"/>
+              <a:t>(bytes([</a:t>
+            </a:r>
+            <a:r>
+              <a:rPr lang="en-US" altLang="zh-CN" sz="2000" dirty="0" err="1"/>
+              <a:t>sn</a:t>
+            </a:r>
+            <a:r>
+              <a:rPr lang="en-US" altLang="zh-CN" sz="2000" dirty="0"/>
+              <a:t>]),</a:t>
+            </a:r>
+            <a:r>
+              <a:rPr lang="en-US" altLang="zh-CN" sz="2000" dirty="0" err="1"/>
+              <a:t>self.sendAddress</a:t>
+            </a:r>
+            <a:r>
+              <a:rPr lang="en-US" altLang="zh-CN" sz="2000" dirty="0"/>
+              <a:t>)  </a:t>
+            </a:r>
+          </a:p>
+          <a:p>
+            <a:r>
+              <a:rPr lang="en-US" altLang="zh-CN" sz="2000" dirty="0"/>
+              <a:t>                </a:t>
+            </a:r>
+            <a:r>
+              <a:rPr lang="en-US" altLang="zh-CN" sz="2000" b="1" dirty="0"/>
+              <a:t>print</a:t>
+            </a:r>
+            <a:r>
+              <a:rPr lang="en-US" altLang="zh-CN" sz="2000" dirty="0"/>
+              <a:t>('</a:t>
+            </a:r>
+            <a:r>
+              <a:rPr lang="en-US" altLang="zh-CN" sz="2000" dirty="0" err="1"/>
+              <a:t>ack</a:t>
+            </a:r>
+            <a:r>
+              <a:rPr lang="en-US" altLang="zh-CN" sz="2000" dirty="0"/>
+              <a:t> send ',</a:t>
+            </a:r>
+            <a:r>
+              <a:rPr lang="en-US" altLang="zh-CN" sz="2000" dirty="0" err="1"/>
+              <a:t>sn</a:t>
+            </a:r>
+            <a:r>
+              <a:rPr lang="en-US" altLang="zh-CN" sz="2000" dirty="0"/>
+              <a:t>)  </a:t>
+            </a:r>
+          </a:p>
+        </p:txBody>
+      </p:sp>
+    </p:spTree>
+    <p:extLst>
+      <p:ext uri="{BB962C8B-B14F-4D97-AF65-F5344CB8AC3E}">
+        <p14:creationId xmlns:p14="http://schemas.microsoft.com/office/powerpoint/2010/main" val="1757036222"/>
+      </p:ext>
+    </p:extLst>
+  </p:cSld>
+  <p:clrMapOvr>
+    <a:masterClrMapping/>
+  </p:clrMapOvr>
+  <p:timing>
+    <p:tnLst>
+      <p:par>
+        <p:cTn id="1" dur="indefinite" restart="never" nodeType="tmRoot"/>
+      </p:par>
+    </p:tnLst>
+  </p:timing>
+</p:sld>
+</file>
+
 <file path=ppt/slides/slide2.xml><?xml version="1.0" encoding="utf-8"?>
 <p:sld xmlns:a="http://schemas.openxmlformats.org/drawingml/2006/main" xmlns:r="http://schemas.openxmlformats.org/officeDocument/2006/relationships" xmlns:p="http://schemas.openxmlformats.org/presentationml/2006/main">
   <p:cSld>
@@ -8310,6 +11042,3693 @@
 </p:sld>
 </file>
 
+<file path=ppt/slides/slide20.xml><?xml version="1.0" encoding="utf-8"?>
+<p:sld xmlns:a="http://schemas.openxmlformats.org/drawingml/2006/main" xmlns:r="http://schemas.openxmlformats.org/officeDocument/2006/relationships" xmlns:p="http://schemas.openxmlformats.org/presentationml/2006/main">
+  <p:cSld>
+    <p:spTree>
+      <p:nvGrpSpPr>
+        <p:cNvPr id="1" name=""/>
+        <p:cNvGrpSpPr/>
+        <p:nvPr/>
+      </p:nvGrpSpPr>
+      <p:grpSpPr>
+        <a:xfrm>
+          <a:off x="0" y="0"/>
+          <a:ext cx="0" cy="0"/>
+          <a:chOff x="0" y="0"/>
+          <a:chExt cx="0" cy="0"/>
+        </a:xfrm>
+      </p:grpSpPr>
+      <p:sp>
+        <p:nvSpPr>
+          <p:cNvPr id="2" name="竖排标题 1"/>
+          <p:cNvSpPr>
+            <a:spLocks noGrp="1"/>
+          </p:cNvSpPr>
+          <p:nvPr>
+            <p:ph type="title" orient="vert"/>
+          </p:nvPr>
+        </p:nvSpPr>
+        <p:spPr/>
+        <p:txBody>
+          <a:bodyPr>
+            <a:normAutofit/>
+          </a:bodyPr>
+          <a:lstStyle/>
+          <a:p>
+            <a:pPr algn="ctr"/>
+            <a:r>
+              <a:rPr lang="zh-CN" altLang="en-US" b="1" dirty="0" smtClean="0"/>
+              <a:t>解包</a:t>
+            </a:r>
+            <a:endParaRPr lang="zh-CN" altLang="en-US" b="1" dirty="0"/>
+          </a:p>
+        </p:txBody>
+      </p:sp>
+      <p:sp>
+        <p:nvSpPr>
+          <p:cNvPr id="4" name="文本框 3"/>
+          <p:cNvSpPr txBox="1"/>
+          <p:nvPr/>
+        </p:nvSpPr>
+        <p:spPr>
+          <a:xfrm>
+            <a:off x="2340429" y="2921169"/>
+            <a:ext cx="7511143" cy="1015663"/>
+          </a:xfrm>
+          <a:prstGeom prst="rect">
+            <a:avLst/>
+          </a:prstGeom>
+          <a:noFill/>
+        </p:spPr>
+        <p:txBody>
+          <a:bodyPr wrap="square" rtlCol="0">
+            <a:spAutoFit/>
+          </a:bodyPr>
+          <a:lstStyle/>
+          <a:p>
+            <a:endParaRPr lang="en-US" altLang="zh-CN" sz="2000" dirty="0"/>
+          </a:p>
+          <a:p>
+            <a:r>
+              <a:rPr lang="en-US" altLang="zh-CN" sz="2000" b="1" dirty="0" err="1"/>
+              <a:t>def</a:t>
+            </a:r>
+            <a:r>
+              <a:rPr lang="en-US" altLang="zh-CN" sz="2000" dirty="0"/>
+              <a:t> unpack(</a:t>
+            </a:r>
+            <a:r>
+              <a:rPr lang="en-US" altLang="zh-CN" sz="2000" dirty="0" err="1"/>
+              <a:t>self,package</a:t>
+            </a:r>
+            <a:r>
+              <a:rPr lang="en-US" altLang="zh-CN" sz="2000" dirty="0"/>
+              <a:t>):  </a:t>
+            </a:r>
+          </a:p>
+          <a:p>
+            <a:r>
+              <a:rPr lang="en-US" altLang="zh-CN" sz="2000" dirty="0"/>
+              <a:t>        </a:t>
+            </a:r>
+            <a:r>
+              <a:rPr lang="en-US" altLang="zh-CN" sz="2000" b="1" dirty="0"/>
+              <a:t>return</a:t>
+            </a:r>
+            <a:r>
+              <a:rPr lang="en-US" altLang="zh-CN" sz="2000" dirty="0"/>
+              <a:t> package[1:-2]  </a:t>
+            </a:r>
+          </a:p>
+        </p:txBody>
+      </p:sp>
+    </p:spTree>
+    <p:extLst>
+      <p:ext uri="{BB962C8B-B14F-4D97-AF65-F5344CB8AC3E}">
+        <p14:creationId xmlns:p14="http://schemas.microsoft.com/office/powerpoint/2010/main" val="1201734549"/>
+      </p:ext>
+    </p:extLst>
+  </p:cSld>
+  <p:clrMapOvr>
+    <a:masterClrMapping/>
+  </p:clrMapOvr>
+  <p:timing>
+    <p:tnLst>
+      <p:par>
+        <p:cTn id="1" dur="indefinite" restart="never" nodeType="tmRoot"/>
+      </p:par>
+    </p:tnLst>
+  </p:timing>
+</p:sld>
+</file>
+
+<file path=ppt/slides/slide21.xml><?xml version="1.0" encoding="utf-8"?>
+<p:sld xmlns:a="http://schemas.openxmlformats.org/drawingml/2006/main" xmlns:r="http://schemas.openxmlformats.org/officeDocument/2006/relationships" xmlns:p="http://schemas.openxmlformats.org/presentationml/2006/main">
+  <p:cSld>
+    <p:spTree>
+      <p:nvGrpSpPr>
+        <p:cNvPr id="1" name=""/>
+        <p:cNvGrpSpPr/>
+        <p:nvPr/>
+      </p:nvGrpSpPr>
+      <p:grpSpPr>
+        <a:xfrm>
+          <a:off x="0" y="0"/>
+          <a:ext cx="0" cy="0"/>
+          <a:chOff x="0" y="0"/>
+          <a:chExt cx="0" cy="0"/>
+        </a:xfrm>
+      </p:grpSpPr>
+      <p:pic>
+        <p:nvPicPr>
+          <p:cNvPr id="4" name="图片 3"/>
+          <p:cNvPicPr>
+            <a:picLocks noChangeAspect="1"/>
+          </p:cNvPicPr>
+          <p:nvPr/>
+        </p:nvPicPr>
+        <p:blipFill>
+          <a:blip r:embed="rId2">
+            <a:extLst>
+              <a:ext uri="{28A0092B-C50C-407E-A947-70E740481C1C}">
+                <a14:useLocalDpi xmlns:a14="http://schemas.microsoft.com/office/drawing/2010/main" val="0"/>
+              </a:ext>
+            </a:extLst>
+          </a:blip>
+          <a:stretch>
+            <a:fillRect/>
+          </a:stretch>
+        </p:blipFill>
+        <p:spPr>
+          <a:xfrm>
+            <a:off x="7093614" y="227312"/>
+            <a:ext cx="3918376" cy="6403376"/>
+          </a:xfrm>
+          <a:prstGeom prst="rect">
+            <a:avLst/>
+          </a:prstGeom>
+        </p:spPr>
+      </p:pic>
+      <p:pic>
+        <p:nvPicPr>
+          <p:cNvPr id="5" name="图片 4"/>
+          <p:cNvPicPr>
+            <a:picLocks noChangeAspect="1"/>
+          </p:cNvPicPr>
+          <p:nvPr/>
+        </p:nvPicPr>
+        <p:blipFill>
+          <a:blip r:embed="rId3">
+            <a:extLst>
+              <a:ext uri="{28A0092B-C50C-407E-A947-70E740481C1C}">
+                <a14:useLocalDpi xmlns:a14="http://schemas.microsoft.com/office/drawing/2010/main" val="0"/>
+              </a:ext>
+            </a:extLst>
+          </a:blip>
+          <a:stretch>
+            <a:fillRect/>
+          </a:stretch>
+        </p:blipFill>
+        <p:spPr>
+          <a:xfrm>
+            <a:off x="2073897" y="548047"/>
+            <a:ext cx="4752381" cy="5761905"/>
+          </a:xfrm>
+          <a:prstGeom prst="rect">
+            <a:avLst/>
+          </a:prstGeom>
+        </p:spPr>
+      </p:pic>
+      <p:sp>
+        <p:nvSpPr>
+          <p:cNvPr id="6" name="文本框 5"/>
+          <p:cNvSpPr txBox="1"/>
+          <p:nvPr/>
+        </p:nvSpPr>
+        <p:spPr>
+          <a:xfrm>
+            <a:off x="2952215" y="6397227"/>
+            <a:ext cx="2181497" cy="369332"/>
+          </a:xfrm>
+          <a:prstGeom prst="rect">
+            <a:avLst/>
+          </a:prstGeom>
+          <a:noFill/>
+        </p:spPr>
+        <p:txBody>
+          <a:bodyPr wrap="square" rtlCol="0">
+            <a:spAutoFit/>
+          </a:bodyPr>
+          <a:lstStyle/>
+          <a:p>
+            <a:pPr algn="ctr"/>
+            <a:r>
+              <a:rPr lang="zh-CN" altLang="en-US" b="1" dirty="0" smtClean="0">
+                <a:latin typeface="仿宋" panose="02010609060101010101" pitchFamily="49" charset="-122"/>
+                <a:ea typeface="仿宋" panose="02010609060101010101" pitchFamily="49" charset="-122"/>
+              </a:rPr>
+              <a:t>发送进程</a:t>
+            </a:r>
+            <a:endParaRPr lang="zh-CN" altLang="en-US" b="1" dirty="0">
+              <a:latin typeface="仿宋" panose="02010609060101010101" pitchFamily="49" charset="-122"/>
+              <a:ea typeface="仿宋" panose="02010609060101010101" pitchFamily="49" charset="-122"/>
+            </a:endParaRPr>
+          </a:p>
+        </p:txBody>
+      </p:sp>
+      <p:sp>
+        <p:nvSpPr>
+          <p:cNvPr id="7" name="文本框 6"/>
+          <p:cNvSpPr txBox="1"/>
+          <p:nvPr/>
+        </p:nvSpPr>
+        <p:spPr>
+          <a:xfrm>
+            <a:off x="11573693" y="2828836"/>
+            <a:ext cx="391885" cy="1200329"/>
+          </a:xfrm>
+          <a:prstGeom prst="rect">
+            <a:avLst/>
+          </a:prstGeom>
+          <a:noFill/>
+        </p:spPr>
+        <p:txBody>
+          <a:bodyPr wrap="square" rtlCol="0">
+            <a:spAutoFit/>
+          </a:bodyPr>
+          <a:lstStyle/>
+          <a:p>
+            <a:r>
+              <a:rPr lang="zh-CN" altLang="en-US" b="1" dirty="0" smtClean="0">
+                <a:latin typeface="仿宋" panose="02010609060101010101" pitchFamily="49" charset="-122"/>
+                <a:ea typeface="仿宋" panose="02010609060101010101" pitchFamily="49" charset="-122"/>
+              </a:rPr>
+              <a:t>接收进程</a:t>
+            </a:r>
+            <a:endParaRPr lang="zh-CN" altLang="en-US" b="1" dirty="0">
+              <a:latin typeface="仿宋" panose="02010609060101010101" pitchFamily="49" charset="-122"/>
+              <a:ea typeface="仿宋" panose="02010609060101010101" pitchFamily="49" charset="-122"/>
+            </a:endParaRPr>
+          </a:p>
+        </p:txBody>
+      </p:sp>
+      <p:sp>
+        <p:nvSpPr>
+          <p:cNvPr id="8" name="文本框 7"/>
+          <p:cNvSpPr txBox="1"/>
+          <p:nvPr/>
+        </p:nvSpPr>
+        <p:spPr>
+          <a:xfrm>
+            <a:off x="865120" y="1809210"/>
+            <a:ext cx="923330" cy="3239578"/>
+          </a:xfrm>
+          <a:prstGeom prst="rect">
+            <a:avLst/>
+          </a:prstGeom>
+        </p:spPr>
+        <p:style>
+          <a:lnRef idx="0">
+            <a:schemeClr val="dk1"/>
+          </a:lnRef>
+          <a:fillRef idx="3">
+            <a:schemeClr val="dk1"/>
+          </a:fillRef>
+          <a:effectRef idx="3">
+            <a:schemeClr val="dk1"/>
+          </a:effectRef>
+          <a:fontRef idx="minor">
+            <a:schemeClr val="lt1"/>
+          </a:fontRef>
+        </p:style>
+        <p:txBody>
+          <a:bodyPr vert="eaVert" wrap="square" rtlCol="0">
+            <a:spAutoFit/>
+          </a:bodyPr>
+          <a:lstStyle/>
+          <a:p>
+            <a:pPr algn="ctr"/>
+            <a:r>
+              <a:rPr lang="zh-CN" altLang="en-US" sz="4800" dirty="0" smtClean="0"/>
+              <a:t>运行结果</a:t>
+            </a:r>
+            <a:endParaRPr lang="zh-CN" altLang="en-US" sz="4800" dirty="0"/>
+          </a:p>
+        </p:txBody>
+      </p:sp>
+    </p:spTree>
+    <p:extLst>
+      <p:ext uri="{BB962C8B-B14F-4D97-AF65-F5344CB8AC3E}">
+        <p14:creationId xmlns:p14="http://schemas.microsoft.com/office/powerpoint/2010/main" val="1621639593"/>
+      </p:ext>
+    </p:extLst>
+  </p:cSld>
+  <p:clrMapOvr>
+    <a:masterClrMapping/>
+  </p:clrMapOvr>
+  <p:timing>
+    <p:tnLst>
+      <p:par>
+        <p:cTn id="1" dur="indefinite" restart="never" nodeType="tmRoot"/>
+      </p:par>
+    </p:tnLst>
+  </p:timing>
+</p:sld>
+</file>
+
+<file path=ppt/slides/slide22.xml><?xml version="1.0" encoding="utf-8"?>
+<p:sld xmlns:a="http://schemas.openxmlformats.org/drawingml/2006/main" xmlns:r="http://schemas.openxmlformats.org/officeDocument/2006/relationships" xmlns:p="http://schemas.openxmlformats.org/presentationml/2006/main">
+  <p:cSld>
+    <p:spTree>
+      <p:nvGrpSpPr>
+        <p:cNvPr id="1" name=""/>
+        <p:cNvGrpSpPr/>
+        <p:nvPr/>
+      </p:nvGrpSpPr>
+      <p:grpSpPr>
+        <a:xfrm>
+          <a:off x="0" y="0"/>
+          <a:ext cx="0" cy="0"/>
+          <a:chOff x="0" y="0"/>
+          <a:chExt cx="0" cy="0"/>
+        </a:xfrm>
+      </p:grpSpPr>
+      <p:sp>
+        <p:nvSpPr>
+          <p:cNvPr id="2" name="文本框 1"/>
+          <p:cNvSpPr txBox="1"/>
+          <p:nvPr/>
+        </p:nvSpPr>
+        <p:spPr>
+          <a:xfrm>
+            <a:off x="1105545" y="1887584"/>
+            <a:ext cx="923330" cy="3239578"/>
+          </a:xfrm>
+          <a:prstGeom prst="rect">
+            <a:avLst/>
+          </a:prstGeom>
+        </p:spPr>
+        <p:style>
+          <a:lnRef idx="0">
+            <a:schemeClr val="accent2"/>
+          </a:lnRef>
+          <a:fillRef idx="3">
+            <a:schemeClr val="accent2"/>
+          </a:fillRef>
+          <a:effectRef idx="3">
+            <a:schemeClr val="accent2"/>
+          </a:effectRef>
+          <a:fontRef idx="minor">
+            <a:schemeClr val="lt1"/>
+          </a:fontRef>
+        </p:style>
+        <p:txBody>
+          <a:bodyPr vert="eaVert" wrap="square" rtlCol="0">
+            <a:spAutoFit/>
+          </a:bodyPr>
+          <a:lstStyle/>
+          <a:p>
+            <a:pPr algn="ctr"/>
+            <a:r>
+              <a:rPr lang="zh-CN" altLang="en-US" sz="4800" dirty="0" smtClean="0"/>
+              <a:t>设计思路</a:t>
+            </a:r>
+            <a:endParaRPr lang="zh-CN" altLang="en-US" sz="4800" dirty="0"/>
+          </a:p>
+        </p:txBody>
+      </p:sp>
+      <p:sp>
+        <p:nvSpPr>
+          <p:cNvPr id="7" name="文本框 6"/>
+          <p:cNvSpPr txBox="1"/>
+          <p:nvPr/>
+        </p:nvSpPr>
+        <p:spPr>
+          <a:xfrm>
+            <a:off x="2665115" y="2402275"/>
+            <a:ext cx="2255199" cy="369332"/>
+          </a:xfrm>
+          <a:prstGeom prst="rect">
+            <a:avLst/>
+          </a:prstGeom>
+          <a:ln/>
+        </p:spPr>
+        <p:style>
+          <a:lnRef idx="2">
+            <a:schemeClr val="dk1"/>
+          </a:lnRef>
+          <a:fillRef idx="1">
+            <a:schemeClr val="lt1"/>
+          </a:fillRef>
+          <a:effectRef idx="0">
+            <a:schemeClr val="dk1"/>
+          </a:effectRef>
+          <a:fontRef idx="minor">
+            <a:schemeClr val="dk1"/>
+          </a:fontRef>
+        </p:style>
+        <p:txBody>
+          <a:bodyPr wrap="square" rtlCol="0">
+            <a:spAutoFit/>
+          </a:bodyPr>
+          <a:lstStyle/>
+          <a:p>
+            <a:r>
+              <a:rPr lang="zh-CN" altLang="en-US" dirty="0" smtClean="0"/>
+              <a:t>主线程</a:t>
+            </a:r>
+            <a:endParaRPr lang="en-US" altLang="zh-CN" dirty="0" smtClean="0"/>
+          </a:p>
+        </p:txBody>
+      </p:sp>
+      <p:sp>
+        <p:nvSpPr>
+          <p:cNvPr id="14" name="文本框 13"/>
+          <p:cNvSpPr txBox="1"/>
+          <p:nvPr/>
+        </p:nvSpPr>
+        <p:spPr>
+          <a:xfrm>
+            <a:off x="6431219" y="2402275"/>
+            <a:ext cx="2265924" cy="369332"/>
+          </a:xfrm>
+          <a:prstGeom prst="rect">
+            <a:avLst/>
+          </a:prstGeom>
+          <a:solidFill>
+            <a:schemeClr val="bg1"/>
+          </a:solidFill>
+          <a:ln>
+            <a:solidFill>
+              <a:schemeClr val="tx1">
+                <a:lumMod val="95000"/>
+                <a:lumOff val="5000"/>
+              </a:schemeClr>
+            </a:solidFill>
+          </a:ln>
+        </p:spPr>
+        <p:txBody>
+          <a:bodyPr wrap="square" rtlCol="0">
+            <a:spAutoFit/>
+          </a:bodyPr>
+          <a:lstStyle/>
+          <a:p>
+            <a:r>
+              <a:rPr lang="zh-CN" altLang="en-US" dirty="0" smtClean="0"/>
+              <a:t>帧的发送及相应处理</a:t>
+            </a:r>
+            <a:endParaRPr lang="en-US" altLang="zh-CN" dirty="0"/>
+          </a:p>
+        </p:txBody>
+      </p:sp>
+      <p:sp>
+        <p:nvSpPr>
+          <p:cNvPr id="15" name="文本框 14"/>
+          <p:cNvSpPr txBox="1"/>
+          <p:nvPr/>
+        </p:nvSpPr>
+        <p:spPr>
+          <a:xfrm>
+            <a:off x="6409768" y="4777513"/>
+            <a:ext cx="1199827" cy="369332"/>
+          </a:xfrm>
+          <a:prstGeom prst="rect">
+            <a:avLst/>
+          </a:prstGeom>
+          <a:solidFill>
+            <a:schemeClr val="bg1"/>
+          </a:solidFill>
+          <a:ln>
+            <a:solidFill>
+              <a:schemeClr val="tx1">
+                <a:lumMod val="95000"/>
+                <a:lumOff val="5000"/>
+              </a:schemeClr>
+            </a:solidFill>
+          </a:ln>
+        </p:spPr>
+        <p:txBody>
+          <a:bodyPr wrap="square" rtlCol="0">
+            <a:spAutoFit/>
+          </a:bodyPr>
+          <a:lstStyle/>
+          <a:p>
+            <a:r>
+              <a:rPr lang="zh-CN" altLang="en-US" dirty="0" smtClean="0"/>
+              <a:t>接收帧</a:t>
+            </a:r>
+            <a:endParaRPr lang="en-US" altLang="zh-CN" dirty="0"/>
+          </a:p>
+        </p:txBody>
+      </p:sp>
+      <p:sp>
+        <p:nvSpPr>
+          <p:cNvPr id="16" name="文本框 15"/>
+          <p:cNvSpPr txBox="1"/>
+          <p:nvPr/>
+        </p:nvSpPr>
+        <p:spPr>
+          <a:xfrm>
+            <a:off x="2665115" y="4777513"/>
+            <a:ext cx="2233748" cy="369332"/>
+          </a:xfrm>
+          <a:prstGeom prst="rect">
+            <a:avLst/>
+          </a:prstGeom>
+          <a:solidFill>
+            <a:schemeClr val="bg1"/>
+          </a:solidFill>
+          <a:ln>
+            <a:solidFill>
+              <a:schemeClr val="tx1">
+                <a:lumMod val="95000"/>
+                <a:lumOff val="5000"/>
+              </a:schemeClr>
+            </a:solidFill>
+          </a:ln>
+        </p:spPr>
+        <p:txBody>
+          <a:bodyPr wrap="square" rtlCol="0">
+            <a:spAutoFit/>
+          </a:bodyPr>
+          <a:lstStyle/>
+          <a:p>
+            <a:r>
+              <a:rPr lang="zh-CN" altLang="en-US" dirty="0"/>
+              <a:t>子线程</a:t>
+            </a:r>
+            <a:endParaRPr lang="en-US" altLang="zh-CN" dirty="0"/>
+          </a:p>
+        </p:txBody>
+      </p:sp>
+      <p:cxnSp>
+        <p:nvCxnSpPr>
+          <p:cNvPr id="21" name="直接箭头连接符 20"/>
+          <p:cNvCxnSpPr/>
+          <p:nvPr/>
+        </p:nvCxnSpPr>
+        <p:spPr>
+          <a:xfrm>
+            <a:off x="4920314" y="2583107"/>
+            <a:ext cx="1521630" cy="7668"/>
+          </a:xfrm>
+          <a:prstGeom prst="straightConnector1">
+            <a:avLst/>
+          </a:prstGeom>
+          <a:ln>
+            <a:tailEnd type="triangle"/>
+          </a:ln>
+        </p:spPr>
+        <p:style>
+          <a:lnRef idx="1">
+            <a:schemeClr val="accent1"/>
+          </a:lnRef>
+          <a:fillRef idx="0">
+            <a:schemeClr val="accent1"/>
+          </a:fillRef>
+          <a:effectRef idx="0">
+            <a:schemeClr val="accent1"/>
+          </a:effectRef>
+          <a:fontRef idx="minor">
+            <a:schemeClr val="tx1"/>
+          </a:fontRef>
+        </p:style>
+      </p:cxnSp>
+      <p:cxnSp>
+        <p:nvCxnSpPr>
+          <p:cNvPr id="23" name="直接箭头连接符 22"/>
+          <p:cNvCxnSpPr/>
+          <p:nvPr/>
+        </p:nvCxnSpPr>
+        <p:spPr>
+          <a:xfrm>
+            <a:off x="4920314" y="5003154"/>
+            <a:ext cx="1521630" cy="0"/>
+          </a:xfrm>
+          <a:prstGeom prst="straightConnector1">
+            <a:avLst/>
+          </a:prstGeom>
+          <a:ln>
+            <a:tailEnd type="triangle"/>
+          </a:ln>
+        </p:spPr>
+        <p:style>
+          <a:lnRef idx="1">
+            <a:schemeClr val="accent1"/>
+          </a:lnRef>
+          <a:fillRef idx="0">
+            <a:schemeClr val="accent1"/>
+          </a:fillRef>
+          <a:effectRef idx="0">
+            <a:schemeClr val="accent1"/>
+          </a:effectRef>
+          <a:fontRef idx="minor">
+            <a:schemeClr val="tx1"/>
+          </a:fontRef>
+        </p:style>
+      </p:cxnSp>
+      <p:sp>
+        <p:nvSpPr>
+          <p:cNvPr id="12" name="标题 1"/>
+          <p:cNvSpPr txBox="1">
+            <a:spLocks/>
+          </p:cNvSpPr>
+          <p:nvPr/>
+        </p:nvSpPr>
+        <p:spPr>
+          <a:xfrm>
+            <a:off x="913775" y="618517"/>
+            <a:ext cx="10364451" cy="1596177"/>
+          </a:xfrm>
+          <a:prstGeom prst="rect">
+            <a:avLst/>
+          </a:prstGeom>
+        </p:spPr>
+        <p:txBody>
+          <a:bodyPr/>
+          <a:lstStyle>
+            <a:lvl1pPr algn="ctr" defTabSz="914400" rtl="0" eaLnBrk="1" latinLnBrk="0" hangingPunct="1">
+              <a:lnSpc>
+                <a:spcPct val="90000"/>
+              </a:lnSpc>
+              <a:spcBef>
+                <a:spcPct val="0"/>
+              </a:spcBef>
+              <a:buNone/>
+              <a:defRPr sz="3600" kern="1200" cap="all" baseline="0">
+                <a:solidFill>
+                  <a:schemeClr val="tx1"/>
+                </a:solidFill>
+                <a:effectLst/>
+                <a:latin typeface="+mj-lt"/>
+                <a:ea typeface="+mj-ea"/>
+                <a:cs typeface="+mj-cs"/>
+              </a:defRPr>
+            </a:lvl1pPr>
+          </a:lstStyle>
+          <a:p>
+            <a:r>
+              <a:rPr lang="zh-CN" altLang="zh-CN" b="1" dirty="0"/>
+              <a:t>基于连续</a:t>
+            </a:r>
+            <a:r>
+              <a:rPr lang="en-US" altLang="zh-CN" b="1" dirty="0"/>
+              <a:t>ARQ</a:t>
+            </a:r>
+            <a:r>
+              <a:rPr lang="zh-CN" altLang="zh-CN" b="1" dirty="0"/>
+              <a:t>协议的可靠通信</a:t>
+            </a:r>
+            <a:endParaRPr lang="zh-CN" altLang="en-US" dirty="0"/>
+          </a:p>
+        </p:txBody>
+      </p:sp>
+      <p:sp>
+        <p:nvSpPr>
+          <p:cNvPr id="3" name="矩形 2"/>
+          <p:cNvSpPr/>
+          <p:nvPr/>
+        </p:nvSpPr>
+        <p:spPr>
+          <a:xfrm>
+            <a:off x="2321239" y="1580871"/>
+            <a:ext cx="6531429" cy="4180114"/>
+          </a:xfrm>
+          <a:prstGeom prst="rect">
+            <a:avLst/>
+          </a:prstGeom>
+          <a:noFill/>
+          <a:ln>
+            <a:solidFill>
+              <a:schemeClr val="tx1"/>
+            </a:solidFill>
+          </a:ln>
+        </p:spPr>
+        <p:style>
+          <a:lnRef idx="2">
+            <a:schemeClr val="accent1">
+              <a:shade val="50000"/>
+            </a:schemeClr>
+          </a:lnRef>
+          <a:fillRef idx="1">
+            <a:schemeClr val="accent1"/>
+          </a:fillRef>
+          <a:effectRef idx="0">
+            <a:schemeClr val="accent1"/>
+          </a:effectRef>
+          <a:fontRef idx="minor">
+            <a:schemeClr val="lt1"/>
+          </a:fontRef>
+        </p:style>
+        <p:txBody>
+          <a:bodyPr rtlCol="0" anchor="ctr"/>
+          <a:lstStyle/>
+          <a:p>
+            <a:pPr algn="ctr"/>
+            <a:endParaRPr lang="zh-CN" altLang="en-US"/>
+          </a:p>
+        </p:txBody>
+      </p:sp>
+      <p:sp>
+        <p:nvSpPr>
+          <p:cNvPr id="4" name="文本框 3"/>
+          <p:cNvSpPr txBox="1"/>
+          <p:nvPr/>
+        </p:nvSpPr>
+        <p:spPr>
+          <a:xfrm>
+            <a:off x="4764140" y="1676948"/>
+            <a:ext cx="1645628" cy="646331"/>
+          </a:xfrm>
+          <a:prstGeom prst="rect">
+            <a:avLst/>
+          </a:prstGeom>
+          <a:noFill/>
+        </p:spPr>
+        <p:txBody>
+          <a:bodyPr wrap="square" rtlCol="0">
+            <a:spAutoFit/>
+          </a:bodyPr>
+          <a:lstStyle/>
+          <a:p>
+            <a:pPr algn="ctr"/>
+            <a:r>
+              <a:rPr lang="en-US" altLang="zh-CN" sz="3600" dirty="0"/>
+              <a:t>host</a:t>
+            </a:r>
+            <a:endParaRPr lang="zh-CN" altLang="en-US" sz="3600" dirty="0"/>
+          </a:p>
+        </p:txBody>
+      </p:sp>
+      <p:sp>
+        <p:nvSpPr>
+          <p:cNvPr id="27" name="文本框 26"/>
+          <p:cNvSpPr txBox="1"/>
+          <p:nvPr/>
+        </p:nvSpPr>
+        <p:spPr>
+          <a:xfrm>
+            <a:off x="2665116" y="3240043"/>
+            <a:ext cx="1514998" cy="923330"/>
+          </a:xfrm>
+          <a:prstGeom prst="rect">
+            <a:avLst/>
+          </a:prstGeom>
+          <a:ln/>
+        </p:spPr>
+        <p:style>
+          <a:lnRef idx="2">
+            <a:schemeClr val="dk1"/>
+          </a:lnRef>
+          <a:fillRef idx="1">
+            <a:schemeClr val="lt1"/>
+          </a:fillRef>
+          <a:effectRef idx="0">
+            <a:schemeClr val="dk1"/>
+          </a:effectRef>
+          <a:fontRef idx="minor">
+            <a:schemeClr val="dk1"/>
+          </a:fontRef>
+        </p:style>
+        <p:txBody>
+          <a:bodyPr wrap="square" rtlCol="0">
+            <a:spAutoFit/>
+          </a:bodyPr>
+          <a:lstStyle/>
+          <a:p>
+            <a:r>
+              <a:rPr lang="en-US" altLang="zh-CN" dirty="0" err="1" smtClean="0"/>
+              <a:t>recvEvent</a:t>
+            </a:r>
+            <a:endParaRPr lang="en-US" altLang="zh-CN" dirty="0"/>
+          </a:p>
+          <a:p>
+            <a:r>
+              <a:rPr lang="en-US" altLang="zh-CN" dirty="0" err="1" smtClean="0"/>
+              <a:t>timeoutEvent</a:t>
+            </a:r>
+            <a:endParaRPr lang="en-US" altLang="zh-CN" dirty="0" smtClean="0"/>
+          </a:p>
+          <a:p>
+            <a:r>
+              <a:rPr lang="en-US" altLang="zh-CN" dirty="0" err="1" smtClean="0"/>
+              <a:t>processEvent</a:t>
+            </a:r>
+            <a:endParaRPr lang="en-US" altLang="zh-CN" dirty="0" smtClean="0"/>
+          </a:p>
+        </p:txBody>
+      </p:sp>
+      <p:cxnSp>
+        <p:nvCxnSpPr>
+          <p:cNvPr id="6" name="直接箭头连接符 5"/>
+          <p:cNvCxnSpPr>
+            <a:stCxn id="27" idx="3"/>
+          </p:cNvCxnSpPr>
+          <p:nvPr/>
+        </p:nvCxnSpPr>
+        <p:spPr>
+          <a:xfrm flipV="1">
+            <a:off x="4180114" y="3670928"/>
+            <a:ext cx="2261830" cy="30780"/>
+          </a:xfrm>
+          <a:prstGeom prst="straightConnector1">
+            <a:avLst/>
+          </a:prstGeom>
+          <a:ln>
+            <a:tailEnd type="triangle"/>
+          </a:ln>
+        </p:spPr>
+        <p:style>
+          <a:lnRef idx="1">
+            <a:schemeClr val="accent1"/>
+          </a:lnRef>
+          <a:fillRef idx="0">
+            <a:schemeClr val="accent1"/>
+          </a:fillRef>
+          <a:effectRef idx="0">
+            <a:schemeClr val="accent1"/>
+          </a:effectRef>
+          <a:fontRef idx="minor">
+            <a:schemeClr val="tx1"/>
+          </a:fontRef>
+        </p:style>
+      </p:cxnSp>
+      <p:sp>
+        <p:nvSpPr>
+          <p:cNvPr id="28" name="文本框 27"/>
+          <p:cNvSpPr txBox="1"/>
+          <p:nvPr/>
+        </p:nvSpPr>
+        <p:spPr>
+          <a:xfrm>
+            <a:off x="6409768" y="3468492"/>
+            <a:ext cx="1976586" cy="923330"/>
+          </a:xfrm>
+          <a:prstGeom prst="rect">
+            <a:avLst/>
+          </a:prstGeom>
+          <a:ln/>
+        </p:spPr>
+        <p:style>
+          <a:lnRef idx="2">
+            <a:schemeClr val="dk1"/>
+          </a:lnRef>
+          <a:fillRef idx="1">
+            <a:schemeClr val="lt1"/>
+          </a:fillRef>
+          <a:effectRef idx="0">
+            <a:schemeClr val="dk1"/>
+          </a:effectRef>
+          <a:fontRef idx="minor">
+            <a:schemeClr val="dk1"/>
+          </a:fontRef>
+        </p:style>
+        <p:txBody>
+          <a:bodyPr wrap="square" rtlCol="0">
+            <a:spAutoFit/>
+          </a:bodyPr>
+          <a:lstStyle/>
+          <a:p>
+            <a:r>
+              <a:rPr lang="zh-CN" altLang="en-US" dirty="0" smtClean="0"/>
+              <a:t>有帧到达事件</a:t>
+            </a:r>
+            <a:endParaRPr lang="en-US" altLang="zh-CN" dirty="0" smtClean="0"/>
+          </a:p>
+          <a:p>
+            <a:r>
+              <a:rPr lang="zh-CN" altLang="en-US" dirty="0" smtClean="0"/>
+              <a:t>超时事件</a:t>
+            </a:r>
+            <a:endParaRPr lang="en-US" altLang="zh-CN" dirty="0" smtClean="0"/>
+          </a:p>
+          <a:p>
+            <a:r>
+              <a:rPr lang="zh-CN" altLang="en-US" dirty="0" smtClean="0"/>
+              <a:t>帧处理完毕事件</a:t>
+            </a:r>
+            <a:endParaRPr lang="en-US" altLang="zh-CN" dirty="0" smtClean="0"/>
+          </a:p>
+        </p:txBody>
+      </p:sp>
+      <p:cxnSp>
+        <p:nvCxnSpPr>
+          <p:cNvPr id="9" name="直接箭头连接符 8"/>
+          <p:cNvCxnSpPr>
+            <a:endCxn id="27" idx="0"/>
+          </p:cNvCxnSpPr>
+          <p:nvPr/>
+        </p:nvCxnSpPr>
+        <p:spPr>
+          <a:xfrm flipH="1">
+            <a:off x="3422615" y="2771607"/>
+            <a:ext cx="13724" cy="468436"/>
+          </a:xfrm>
+          <a:prstGeom prst="straightConnector1">
+            <a:avLst/>
+          </a:prstGeom>
+          <a:ln>
+            <a:tailEnd type="triangle"/>
+          </a:ln>
+        </p:spPr>
+        <p:style>
+          <a:lnRef idx="1">
+            <a:schemeClr val="accent1"/>
+          </a:lnRef>
+          <a:fillRef idx="0">
+            <a:schemeClr val="accent1"/>
+          </a:fillRef>
+          <a:effectRef idx="0">
+            <a:schemeClr val="accent1"/>
+          </a:effectRef>
+          <a:fontRef idx="minor">
+            <a:schemeClr val="tx1"/>
+          </a:fontRef>
+        </p:style>
+      </p:cxnSp>
+      <p:cxnSp>
+        <p:nvCxnSpPr>
+          <p:cNvPr id="11" name="直接箭头连接符 10"/>
+          <p:cNvCxnSpPr>
+            <a:stCxn id="27" idx="0"/>
+          </p:cNvCxnSpPr>
+          <p:nvPr/>
+        </p:nvCxnSpPr>
+        <p:spPr>
+          <a:xfrm flipV="1">
+            <a:off x="3422615" y="2771607"/>
+            <a:ext cx="13724" cy="468436"/>
+          </a:xfrm>
+          <a:prstGeom prst="straightConnector1">
+            <a:avLst/>
+          </a:prstGeom>
+          <a:ln>
+            <a:tailEnd type="triangle"/>
+          </a:ln>
+        </p:spPr>
+        <p:style>
+          <a:lnRef idx="1">
+            <a:schemeClr val="accent1"/>
+          </a:lnRef>
+          <a:fillRef idx="0">
+            <a:schemeClr val="accent1"/>
+          </a:fillRef>
+          <a:effectRef idx="0">
+            <a:schemeClr val="accent1"/>
+          </a:effectRef>
+          <a:fontRef idx="minor">
+            <a:schemeClr val="tx1"/>
+          </a:fontRef>
+        </p:style>
+      </p:cxnSp>
+      <p:cxnSp>
+        <p:nvCxnSpPr>
+          <p:cNvPr id="30" name="直接箭头连接符 29"/>
+          <p:cNvCxnSpPr>
+            <a:stCxn id="27" idx="2"/>
+          </p:cNvCxnSpPr>
+          <p:nvPr/>
+        </p:nvCxnSpPr>
+        <p:spPr>
+          <a:xfrm>
+            <a:off x="3422615" y="4163373"/>
+            <a:ext cx="0" cy="614140"/>
+          </a:xfrm>
+          <a:prstGeom prst="straightConnector1">
+            <a:avLst/>
+          </a:prstGeom>
+          <a:ln>
+            <a:tailEnd type="triangle"/>
+          </a:ln>
+        </p:spPr>
+        <p:style>
+          <a:lnRef idx="1">
+            <a:schemeClr val="accent1"/>
+          </a:lnRef>
+          <a:fillRef idx="0">
+            <a:schemeClr val="accent1"/>
+          </a:fillRef>
+          <a:effectRef idx="0">
+            <a:schemeClr val="accent1"/>
+          </a:effectRef>
+          <a:fontRef idx="minor">
+            <a:schemeClr val="tx1"/>
+          </a:fontRef>
+        </p:style>
+      </p:cxnSp>
+      <p:cxnSp>
+        <p:nvCxnSpPr>
+          <p:cNvPr id="32" name="直接箭头连接符 31"/>
+          <p:cNvCxnSpPr>
+            <a:endCxn id="27" idx="2"/>
+          </p:cNvCxnSpPr>
+          <p:nvPr/>
+        </p:nvCxnSpPr>
+        <p:spPr>
+          <a:xfrm flipH="1" flipV="1">
+            <a:off x="3422615" y="4163373"/>
+            <a:ext cx="13724" cy="614140"/>
+          </a:xfrm>
+          <a:prstGeom prst="straightConnector1">
+            <a:avLst/>
+          </a:prstGeom>
+          <a:ln>
+            <a:tailEnd type="triangle"/>
+          </a:ln>
+        </p:spPr>
+        <p:style>
+          <a:lnRef idx="1">
+            <a:schemeClr val="accent1"/>
+          </a:lnRef>
+          <a:fillRef idx="0">
+            <a:schemeClr val="accent1"/>
+          </a:fillRef>
+          <a:effectRef idx="0">
+            <a:schemeClr val="accent1"/>
+          </a:effectRef>
+          <a:fontRef idx="minor">
+            <a:schemeClr val="tx1"/>
+          </a:fontRef>
+        </p:style>
+      </p:cxnSp>
+    </p:spTree>
+    <p:extLst>
+      <p:ext uri="{BB962C8B-B14F-4D97-AF65-F5344CB8AC3E}">
+        <p14:creationId xmlns:p14="http://schemas.microsoft.com/office/powerpoint/2010/main" val="465180883"/>
+      </p:ext>
+    </p:extLst>
+  </p:cSld>
+  <p:clrMapOvr>
+    <a:masterClrMapping/>
+  </p:clrMapOvr>
+  <p:timing>
+    <p:tnLst>
+      <p:par>
+        <p:cTn id="1" dur="indefinite" restart="never" nodeType="tmRoot"/>
+      </p:par>
+    </p:tnLst>
+  </p:timing>
+</p:sld>
+</file>
+
+<file path=ppt/slides/slide23.xml><?xml version="1.0" encoding="utf-8"?>
+<p:sld xmlns:a="http://schemas.openxmlformats.org/drawingml/2006/main" xmlns:r="http://schemas.openxmlformats.org/officeDocument/2006/relationships" xmlns:p="http://schemas.openxmlformats.org/presentationml/2006/main">
+  <p:cSld>
+    <p:spTree>
+      <p:nvGrpSpPr>
+        <p:cNvPr id="1" name=""/>
+        <p:cNvGrpSpPr/>
+        <p:nvPr/>
+      </p:nvGrpSpPr>
+      <p:grpSpPr>
+        <a:xfrm>
+          <a:off x="0" y="0"/>
+          <a:ext cx="0" cy="0"/>
+          <a:chOff x="0" y="0"/>
+          <a:chExt cx="0" cy="0"/>
+        </a:xfrm>
+      </p:grpSpPr>
+      <p:sp>
+        <p:nvSpPr>
+          <p:cNvPr id="2" name="文本框 1"/>
+          <p:cNvSpPr txBox="1"/>
+          <p:nvPr/>
+        </p:nvSpPr>
+        <p:spPr>
+          <a:xfrm>
+            <a:off x="901115" y="1809211"/>
+            <a:ext cx="923330" cy="3239578"/>
+          </a:xfrm>
+          <a:prstGeom prst="rect">
+            <a:avLst/>
+          </a:prstGeom>
+        </p:spPr>
+        <p:style>
+          <a:lnRef idx="0">
+            <a:schemeClr val="accent5"/>
+          </a:lnRef>
+          <a:fillRef idx="3">
+            <a:schemeClr val="accent5"/>
+          </a:fillRef>
+          <a:effectRef idx="3">
+            <a:schemeClr val="accent5"/>
+          </a:effectRef>
+          <a:fontRef idx="minor">
+            <a:schemeClr val="lt1"/>
+          </a:fontRef>
+        </p:style>
+        <p:txBody>
+          <a:bodyPr vert="eaVert" wrap="square" rtlCol="0">
+            <a:spAutoFit/>
+          </a:bodyPr>
+          <a:lstStyle/>
+          <a:p>
+            <a:pPr algn="ctr"/>
+            <a:r>
+              <a:rPr lang="zh-CN" altLang="en-US" sz="4800" dirty="0" smtClean="0"/>
+              <a:t>关键代码</a:t>
+            </a:r>
+            <a:endParaRPr lang="zh-CN" altLang="en-US" sz="4800" dirty="0"/>
+          </a:p>
+        </p:txBody>
+      </p:sp>
+      <p:sp>
+        <p:nvSpPr>
+          <p:cNvPr id="4" name="矩形 3"/>
+          <p:cNvSpPr/>
+          <p:nvPr/>
+        </p:nvSpPr>
+        <p:spPr>
+          <a:xfrm>
+            <a:off x="3048000" y="1720840"/>
+            <a:ext cx="6096000" cy="3416320"/>
+          </a:xfrm>
+          <a:prstGeom prst="rect">
+            <a:avLst/>
+          </a:prstGeom>
+        </p:spPr>
+        <p:txBody>
+          <a:bodyPr>
+            <a:spAutoFit/>
+          </a:bodyPr>
+          <a:lstStyle/>
+          <a:p>
+            <a:r>
+              <a:rPr lang="en-US" altLang="zh-CN" sz="2400" dirty="0"/>
+              <a:t>while True</a:t>
+            </a:r>
+            <a:r>
+              <a:rPr lang="en-US" altLang="zh-CN" sz="2400" dirty="0" smtClean="0"/>
+              <a:t>:</a:t>
+            </a:r>
+            <a:endParaRPr lang="en-US" altLang="zh-CN" sz="2400" b="1" dirty="0" smtClean="0">
+              <a:solidFill>
+                <a:schemeClr val="tx1">
+                  <a:lumMod val="95000"/>
+                  <a:lumOff val="5000"/>
+                </a:schemeClr>
+              </a:solidFill>
+              <a:latin typeface="仿宋" panose="02010609060101010101" pitchFamily="49" charset="-122"/>
+              <a:ea typeface="仿宋" panose="02010609060101010101" pitchFamily="49" charset="-122"/>
+            </a:endParaRPr>
+          </a:p>
+          <a:p>
+            <a:r>
+              <a:rPr lang="zh-CN" altLang="en-US" sz="2400" b="1" dirty="0" smtClean="0">
+                <a:solidFill>
+                  <a:schemeClr val="tx1">
+                    <a:lumMod val="95000"/>
+                    <a:lumOff val="5000"/>
+                  </a:schemeClr>
+                </a:solidFill>
+                <a:latin typeface="仿宋" panose="02010609060101010101" pitchFamily="49" charset="-122"/>
+                <a:ea typeface="仿宋" panose="02010609060101010101" pitchFamily="49" charset="-122"/>
+              </a:rPr>
+              <a:t>主</a:t>
+            </a:r>
+            <a:r>
+              <a:rPr lang="zh-CN" altLang="en-US" sz="2400" b="1" dirty="0">
+                <a:solidFill>
+                  <a:schemeClr val="tx1">
+                    <a:lumMod val="95000"/>
+                    <a:lumOff val="5000"/>
+                  </a:schemeClr>
+                </a:solidFill>
+                <a:latin typeface="仿宋" panose="02010609060101010101" pitchFamily="49" charset="-122"/>
+                <a:ea typeface="仿宋" panose="02010609060101010101" pitchFamily="49" charset="-122"/>
+              </a:rPr>
+              <a:t>线程，处理以下情况：  </a:t>
+            </a:r>
+          </a:p>
+          <a:p>
+            <a:r>
+              <a:rPr lang="en-US" altLang="zh-CN" sz="2400" b="1" dirty="0" smtClean="0">
+                <a:solidFill>
+                  <a:schemeClr val="tx1">
+                    <a:lumMod val="95000"/>
+                    <a:lumOff val="5000"/>
+                  </a:schemeClr>
+                </a:solidFill>
+                <a:latin typeface="仿宋" panose="02010609060101010101" pitchFamily="49" charset="-122"/>
+                <a:ea typeface="仿宋" panose="02010609060101010101" pitchFamily="49" charset="-122"/>
+              </a:rPr>
+              <a:t>#</a:t>
+            </a:r>
+            <a:r>
+              <a:rPr lang="en-US" altLang="zh-CN" sz="2400" b="1" dirty="0">
+                <a:solidFill>
+                  <a:schemeClr val="tx1">
+                    <a:lumMod val="95000"/>
+                    <a:lumOff val="5000"/>
+                  </a:schemeClr>
+                </a:solidFill>
+                <a:latin typeface="仿宋" panose="02010609060101010101" pitchFamily="49" charset="-122"/>
+                <a:ea typeface="仿宋" panose="02010609060101010101" pitchFamily="49" charset="-122"/>
+              </a:rPr>
+              <a:t>1.</a:t>
+            </a:r>
+            <a:r>
+              <a:rPr lang="zh-CN" altLang="en-US" sz="2400" b="1" dirty="0">
+                <a:solidFill>
+                  <a:schemeClr val="tx1">
+                    <a:lumMod val="95000"/>
+                    <a:lumOff val="5000"/>
+                  </a:schemeClr>
+                </a:solidFill>
+                <a:latin typeface="仿宋" panose="02010609060101010101" pitchFamily="49" charset="-122"/>
+                <a:ea typeface="仿宋" panose="02010609060101010101" pitchFamily="49" charset="-122"/>
+              </a:rPr>
+              <a:t>发送方打开的窗口数达规定限度，暂停发送  </a:t>
+            </a:r>
+          </a:p>
+          <a:p>
+            <a:r>
+              <a:rPr lang="en-US" altLang="zh-CN" sz="2400" b="1" dirty="0" smtClean="0">
+                <a:solidFill>
+                  <a:schemeClr val="tx1">
+                    <a:lumMod val="95000"/>
+                    <a:lumOff val="5000"/>
+                  </a:schemeClr>
+                </a:solidFill>
+                <a:latin typeface="仿宋" panose="02010609060101010101" pitchFamily="49" charset="-122"/>
+                <a:ea typeface="仿宋" panose="02010609060101010101" pitchFamily="49" charset="-122"/>
+              </a:rPr>
+              <a:t>#</a:t>
+            </a:r>
+            <a:r>
+              <a:rPr lang="en-US" altLang="zh-CN" sz="2400" b="1" dirty="0">
+                <a:solidFill>
+                  <a:schemeClr val="tx1">
+                    <a:lumMod val="95000"/>
+                    <a:lumOff val="5000"/>
+                  </a:schemeClr>
+                </a:solidFill>
+                <a:latin typeface="仿宋" panose="02010609060101010101" pitchFamily="49" charset="-122"/>
+                <a:ea typeface="仿宋" panose="02010609060101010101" pitchFamily="49" charset="-122"/>
+              </a:rPr>
+              <a:t>2.</a:t>
+            </a:r>
+            <a:r>
+              <a:rPr lang="zh-CN" altLang="en-US" sz="2400" b="1" dirty="0">
+                <a:solidFill>
+                  <a:schemeClr val="tx1">
+                    <a:lumMod val="95000"/>
+                    <a:lumOff val="5000"/>
+                  </a:schemeClr>
+                </a:solidFill>
+                <a:latin typeface="仿宋" panose="02010609060101010101" pitchFamily="49" charset="-122"/>
+                <a:ea typeface="仿宋" panose="02010609060101010101" pitchFamily="49" charset="-122"/>
+              </a:rPr>
+              <a:t>有帧（包含</a:t>
+            </a:r>
+            <a:r>
+              <a:rPr lang="en-US" altLang="zh-CN" sz="2400" b="1" dirty="0" err="1">
+                <a:solidFill>
+                  <a:schemeClr val="tx1">
+                    <a:lumMod val="95000"/>
+                    <a:lumOff val="5000"/>
+                  </a:schemeClr>
+                </a:solidFill>
+                <a:latin typeface="仿宋" panose="02010609060101010101" pitchFamily="49" charset="-122"/>
+                <a:ea typeface="仿宋" panose="02010609060101010101" pitchFamily="49" charset="-122"/>
+              </a:rPr>
+              <a:t>ack</a:t>
+            </a:r>
+            <a:r>
+              <a:rPr lang="zh-CN" altLang="en-US" sz="2400" b="1" dirty="0">
+                <a:solidFill>
+                  <a:schemeClr val="tx1">
+                    <a:lumMod val="95000"/>
+                    <a:lumOff val="5000"/>
+                  </a:schemeClr>
+                </a:solidFill>
+                <a:latin typeface="仿宋" panose="02010609060101010101" pitchFamily="49" charset="-122"/>
+                <a:ea typeface="仿宋" panose="02010609060101010101" pitchFamily="49" charset="-122"/>
+              </a:rPr>
+              <a:t>）到达，开始处理帧  </a:t>
+            </a:r>
+          </a:p>
+          <a:p>
+            <a:r>
+              <a:rPr lang="en-US" altLang="zh-CN" sz="2400" b="1" dirty="0" smtClean="0">
+                <a:solidFill>
+                  <a:schemeClr val="tx1">
+                    <a:lumMod val="95000"/>
+                    <a:lumOff val="5000"/>
+                  </a:schemeClr>
+                </a:solidFill>
+                <a:latin typeface="仿宋" panose="02010609060101010101" pitchFamily="49" charset="-122"/>
+                <a:ea typeface="仿宋" panose="02010609060101010101" pitchFamily="49" charset="-122"/>
+              </a:rPr>
+              <a:t>#</a:t>
+            </a:r>
+            <a:r>
+              <a:rPr lang="en-US" altLang="zh-CN" sz="2400" b="1" dirty="0">
+                <a:solidFill>
+                  <a:schemeClr val="tx1">
+                    <a:lumMod val="95000"/>
+                    <a:lumOff val="5000"/>
+                  </a:schemeClr>
+                </a:solidFill>
+                <a:latin typeface="仿宋" panose="02010609060101010101" pitchFamily="49" charset="-122"/>
+                <a:ea typeface="仿宋" panose="02010609060101010101" pitchFamily="49" charset="-122"/>
+              </a:rPr>
+              <a:t>3.</a:t>
+            </a:r>
+            <a:r>
+              <a:rPr lang="zh-CN" altLang="en-US" sz="2400" b="1" dirty="0">
+                <a:solidFill>
+                  <a:schemeClr val="tx1">
+                    <a:lumMod val="95000"/>
+                    <a:lumOff val="5000"/>
+                  </a:schemeClr>
+                </a:solidFill>
+                <a:latin typeface="仿宋" panose="02010609060101010101" pitchFamily="49" charset="-122"/>
+                <a:ea typeface="仿宋" panose="02010609060101010101" pitchFamily="49" charset="-122"/>
+              </a:rPr>
+              <a:t>发送方打开的窗口数未达规定限度，继续发送  </a:t>
+            </a:r>
+          </a:p>
+          <a:p>
+            <a:r>
+              <a:rPr lang="en-US" altLang="zh-CN" sz="2400" b="1" dirty="0" smtClean="0">
+                <a:solidFill>
+                  <a:schemeClr val="tx1">
+                    <a:lumMod val="95000"/>
+                    <a:lumOff val="5000"/>
+                  </a:schemeClr>
+                </a:solidFill>
+                <a:latin typeface="仿宋" panose="02010609060101010101" pitchFamily="49" charset="-122"/>
+                <a:ea typeface="仿宋" panose="02010609060101010101" pitchFamily="49" charset="-122"/>
+              </a:rPr>
+              <a:t>#</a:t>
+            </a:r>
+            <a:r>
+              <a:rPr lang="en-US" altLang="zh-CN" sz="2400" b="1" dirty="0">
+                <a:solidFill>
+                  <a:schemeClr val="tx1">
+                    <a:lumMod val="95000"/>
+                    <a:lumOff val="5000"/>
+                  </a:schemeClr>
+                </a:solidFill>
+                <a:latin typeface="仿宋" panose="02010609060101010101" pitchFamily="49" charset="-122"/>
+                <a:ea typeface="仿宋" panose="02010609060101010101" pitchFamily="49" charset="-122"/>
+              </a:rPr>
+              <a:t>4.</a:t>
+            </a:r>
+            <a:r>
+              <a:rPr lang="zh-CN" altLang="en-US" sz="2400" b="1" dirty="0">
+                <a:solidFill>
+                  <a:schemeClr val="tx1">
+                    <a:lumMod val="95000"/>
+                    <a:lumOff val="5000"/>
+                  </a:schemeClr>
+                </a:solidFill>
+                <a:latin typeface="仿宋" panose="02010609060101010101" pitchFamily="49" charset="-122"/>
+                <a:ea typeface="仿宋" panose="02010609060101010101" pitchFamily="49" charset="-122"/>
+              </a:rPr>
+              <a:t>没有帧到达，触发帧处理完毕事件，子线程接收下一个帧</a:t>
+            </a:r>
+            <a:endParaRPr lang="zh-CN" altLang="en-US" sz="2400" b="1" i="0" u="none" strike="noStrike" dirty="0">
+              <a:solidFill>
+                <a:schemeClr val="tx1">
+                  <a:lumMod val="95000"/>
+                  <a:lumOff val="5000"/>
+                </a:schemeClr>
+              </a:solidFill>
+              <a:effectLst/>
+              <a:latin typeface="仿宋" panose="02010609060101010101" pitchFamily="49" charset="-122"/>
+              <a:ea typeface="仿宋" panose="02010609060101010101" pitchFamily="49" charset="-122"/>
+            </a:endParaRPr>
+          </a:p>
+        </p:txBody>
+      </p:sp>
+    </p:spTree>
+    <p:extLst>
+      <p:ext uri="{BB962C8B-B14F-4D97-AF65-F5344CB8AC3E}">
+        <p14:creationId xmlns:p14="http://schemas.microsoft.com/office/powerpoint/2010/main" val="2130714839"/>
+      </p:ext>
+    </p:extLst>
+  </p:cSld>
+  <p:clrMapOvr>
+    <a:masterClrMapping/>
+  </p:clrMapOvr>
+  <p:timing>
+    <p:tnLst>
+      <p:par>
+        <p:cTn id="1" dur="indefinite" restart="never" nodeType="tmRoot"/>
+      </p:par>
+    </p:tnLst>
+  </p:timing>
+</p:sld>
+</file>
+
+<file path=ppt/slides/slide24.xml><?xml version="1.0" encoding="utf-8"?>
+<p:sld xmlns:a="http://schemas.openxmlformats.org/drawingml/2006/main" xmlns:r="http://schemas.openxmlformats.org/officeDocument/2006/relationships" xmlns:p="http://schemas.openxmlformats.org/presentationml/2006/main">
+  <p:cSld>
+    <p:spTree>
+      <p:nvGrpSpPr>
+        <p:cNvPr id="1" name=""/>
+        <p:cNvGrpSpPr/>
+        <p:nvPr/>
+      </p:nvGrpSpPr>
+      <p:grpSpPr>
+        <a:xfrm>
+          <a:off x="0" y="0"/>
+          <a:ext cx="0" cy="0"/>
+          <a:chOff x="0" y="0"/>
+          <a:chExt cx="0" cy="0"/>
+        </a:xfrm>
+      </p:grpSpPr>
+      <p:sp>
+        <p:nvSpPr>
+          <p:cNvPr id="2" name="竖排标题 1"/>
+          <p:cNvSpPr>
+            <a:spLocks noGrp="1"/>
+          </p:cNvSpPr>
+          <p:nvPr>
+            <p:ph type="title" orient="vert"/>
+          </p:nvPr>
+        </p:nvSpPr>
+        <p:spPr>
+          <a:xfrm>
+            <a:off x="8842467" y="838201"/>
+            <a:ext cx="2553326" cy="5181599"/>
+          </a:xfrm>
+        </p:spPr>
+        <p:txBody>
+          <a:bodyPr/>
+          <a:lstStyle/>
+          <a:p>
+            <a:pPr algn="ctr"/>
+            <a:r>
+              <a:rPr lang="zh-CN" altLang="en-US" b="1" dirty="0">
+                <a:solidFill>
+                  <a:schemeClr val="tx1">
+                    <a:lumMod val="95000"/>
+                    <a:lumOff val="5000"/>
+                  </a:schemeClr>
+                </a:solidFill>
+                <a:latin typeface="仿宋" panose="02010609060101010101" pitchFamily="49" charset="-122"/>
+                <a:ea typeface="仿宋" panose="02010609060101010101" pitchFamily="49" charset="-122"/>
+              </a:rPr>
+              <a:t>发送方打开的窗口数达规定限度，暂停发送</a:t>
+            </a:r>
+            <a:endParaRPr lang="zh-CN" altLang="en-US" b="1" dirty="0"/>
+          </a:p>
+        </p:txBody>
+      </p:sp>
+      <p:sp>
+        <p:nvSpPr>
+          <p:cNvPr id="4" name="文本框 3"/>
+          <p:cNvSpPr txBox="1"/>
+          <p:nvPr/>
+        </p:nvSpPr>
+        <p:spPr>
+          <a:xfrm>
+            <a:off x="2209799" y="1228398"/>
+            <a:ext cx="7511143" cy="4401205"/>
+          </a:xfrm>
+          <a:prstGeom prst="rect">
+            <a:avLst/>
+          </a:prstGeom>
+          <a:noFill/>
+        </p:spPr>
+        <p:txBody>
+          <a:bodyPr wrap="square" rtlCol="0">
+            <a:spAutoFit/>
+          </a:bodyPr>
+          <a:lstStyle/>
+          <a:p>
+            <a:endParaRPr lang="en-US" altLang="zh-CN" sz="2000" dirty="0"/>
+          </a:p>
+          <a:p>
+            <a:r>
+              <a:rPr lang="en-US" altLang="zh-CN" sz="2000" b="1" dirty="0"/>
+              <a:t>if</a:t>
+            </a:r>
+            <a:r>
+              <a:rPr lang="en-US" altLang="zh-CN" sz="2000" dirty="0"/>
+              <a:t> </a:t>
+            </a:r>
+            <a:r>
+              <a:rPr lang="en-US" altLang="zh-CN" sz="2000" dirty="0" err="1"/>
+              <a:t>self.recvCount</a:t>
+            </a:r>
+            <a:r>
+              <a:rPr lang="en-US" altLang="zh-CN" sz="2000" dirty="0"/>
+              <a:t> &gt;= </a:t>
+            </a:r>
+            <a:r>
+              <a:rPr lang="en-US" altLang="zh-CN" sz="2000" dirty="0" err="1"/>
+              <a:t>dataLen</a:t>
+            </a:r>
+            <a:r>
+              <a:rPr lang="en-US" altLang="zh-CN" sz="2000" dirty="0"/>
+              <a:t> </a:t>
+            </a:r>
+            <a:r>
+              <a:rPr lang="en-US" altLang="zh-CN" sz="2000" b="1" dirty="0"/>
+              <a:t>and</a:t>
+            </a:r>
+            <a:r>
+              <a:rPr lang="en-US" altLang="zh-CN" sz="2000" dirty="0"/>
+              <a:t> </a:t>
+            </a:r>
+            <a:r>
+              <a:rPr lang="en-US" altLang="zh-CN" sz="2000" dirty="0" err="1"/>
+              <a:t>self.sendCount</a:t>
+            </a:r>
+            <a:r>
+              <a:rPr lang="en-US" altLang="zh-CN" sz="2000" dirty="0"/>
+              <a:t> &gt;= </a:t>
+            </a:r>
+            <a:r>
+              <a:rPr lang="en-US" altLang="zh-CN" sz="2000" dirty="0" err="1"/>
+              <a:t>dataLen</a:t>
+            </a:r>
+            <a:r>
+              <a:rPr lang="en-US" altLang="zh-CN" sz="2000" dirty="0"/>
+              <a:t>:#</a:t>
+            </a:r>
+            <a:r>
+              <a:rPr lang="zh-CN" altLang="en-US" sz="2000" dirty="0"/>
+              <a:t>发送方打开的窗口数达规定限度，暂停发送  </a:t>
+            </a:r>
+          </a:p>
+          <a:p>
+            <a:r>
+              <a:rPr lang="zh-CN" altLang="en-US" sz="2000" dirty="0"/>
+              <a:t>                </a:t>
+            </a:r>
+            <a:r>
+              <a:rPr lang="en-US" altLang="zh-CN" sz="2000" dirty="0"/>
+              <a:t>count = 0  </a:t>
+            </a:r>
+          </a:p>
+          <a:p>
+            <a:r>
+              <a:rPr lang="en-US" altLang="zh-CN" sz="2000" dirty="0"/>
+              <a:t>                </a:t>
+            </a:r>
+            <a:r>
+              <a:rPr lang="en-US" altLang="zh-CN" sz="2000" b="1" dirty="0"/>
+              <a:t>while</a:t>
+            </a:r>
+            <a:r>
+              <a:rPr lang="en-US" altLang="zh-CN" sz="2000" dirty="0"/>
+              <a:t> True </a:t>
+            </a:r>
+            <a:r>
+              <a:rPr lang="en-US" altLang="zh-CN" sz="2000" b="1" dirty="0"/>
+              <a:t>and</a:t>
+            </a:r>
+            <a:r>
+              <a:rPr lang="en-US" altLang="zh-CN" sz="2000" dirty="0"/>
+              <a:t> count &lt; 20:  </a:t>
+            </a:r>
+          </a:p>
+          <a:p>
+            <a:r>
+              <a:rPr lang="en-US" altLang="zh-CN" sz="2000" dirty="0"/>
+              <a:t>                    </a:t>
+            </a:r>
+            <a:r>
+              <a:rPr lang="en-US" altLang="zh-CN" sz="2000" dirty="0" err="1"/>
+              <a:t>time.sleep</a:t>
+            </a:r>
+            <a:r>
+              <a:rPr lang="en-US" altLang="zh-CN" sz="2000" dirty="0"/>
+              <a:t>(0.5)                      </a:t>
+            </a:r>
+          </a:p>
+          <a:p>
+            <a:r>
+              <a:rPr lang="en-US" altLang="zh-CN" sz="2000" dirty="0"/>
+              <a:t>                    </a:t>
+            </a:r>
+            <a:r>
+              <a:rPr lang="en-US" altLang="zh-CN" sz="2000" b="1" dirty="0"/>
+              <a:t>if</a:t>
+            </a:r>
+            <a:r>
+              <a:rPr lang="en-US" altLang="zh-CN" sz="2000" dirty="0"/>
+              <a:t> </a:t>
+            </a:r>
+            <a:r>
+              <a:rPr lang="en-US" altLang="zh-CN" sz="2000" dirty="0" err="1"/>
+              <a:t>self.recvEvent.is_set</a:t>
+            </a:r>
+            <a:r>
+              <a:rPr lang="en-US" altLang="zh-CN" sz="2000" dirty="0"/>
+              <a:t>() :#</a:t>
+            </a:r>
+            <a:r>
+              <a:rPr lang="zh-CN" altLang="en-US" sz="2000" dirty="0"/>
+              <a:t>有帧到达  </a:t>
+            </a:r>
+          </a:p>
+          <a:p>
+            <a:r>
+              <a:rPr lang="zh-CN" altLang="en-US" sz="2000" dirty="0"/>
+              <a:t>                        </a:t>
+            </a:r>
+            <a:r>
+              <a:rPr lang="en-US" altLang="zh-CN" sz="2000" dirty="0"/>
+              <a:t>package = </a:t>
+            </a:r>
+            <a:r>
+              <a:rPr lang="en-US" altLang="zh-CN" sz="2000" dirty="0" err="1"/>
+              <a:t>self.pack</a:t>
+            </a:r>
+            <a:r>
+              <a:rPr lang="en-US" altLang="zh-CN" sz="2000" dirty="0"/>
+              <a:t>(b'', </a:t>
+            </a:r>
+            <a:r>
+              <a:rPr lang="en-US" altLang="zh-CN" sz="2000" dirty="0" err="1"/>
+              <a:t>sn</a:t>
+            </a:r>
+            <a:r>
+              <a:rPr lang="en-US" altLang="zh-CN" sz="2000" dirty="0"/>
+              <a:t>, </a:t>
+            </a:r>
+            <a:r>
+              <a:rPr lang="en-US" altLang="zh-CN" sz="2000" dirty="0" err="1"/>
+              <a:t>frameExpextedToRecv</a:t>
+            </a:r>
+            <a:r>
+              <a:rPr lang="en-US" altLang="zh-CN" sz="2000" dirty="0"/>
+              <a:t>)  </a:t>
+            </a:r>
+          </a:p>
+          <a:p>
+            <a:r>
+              <a:rPr lang="en-US" altLang="zh-CN" sz="2000" dirty="0"/>
+              <a:t>                        </a:t>
+            </a:r>
+            <a:r>
+              <a:rPr lang="en-US" altLang="zh-CN" sz="2000" b="1" dirty="0"/>
+              <a:t>print</a:t>
+            </a:r>
+            <a:r>
+              <a:rPr lang="en-US" altLang="zh-CN" sz="2000" dirty="0"/>
+              <a:t>('</a:t>
+            </a:r>
+            <a:r>
+              <a:rPr lang="en-US" altLang="zh-CN" sz="2000" dirty="0" err="1"/>
+              <a:t>ack</a:t>
+            </a:r>
+            <a:r>
+              <a:rPr lang="en-US" altLang="zh-CN" sz="2000" dirty="0"/>
+              <a:t> to send ', </a:t>
+            </a:r>
+            <a:r>
+              <a:rPr lang="en-US" altLang="zh-CN" sz="2000" dirty="0" err="1"/>
+              <a:t>frameExpextedToRecv</a:t>
+            </a:r>
+            <a:r>
+              <a:rPr lang="en-US" altLang="zh-CN" sz="2000" dirty="0"/>
+              <a:t>)#</a:t>
+            </a:r>
+            <a:r>
+              <a:rPr lang="zh-CN" altLang="en-US" sz="2000" dirty="0"/>
+              <a:t>捎带返回</a:t>
+            </a:r>
+            <a:r>
+              <a:rPr lang="en-US" altLang="zh-CN" sz="2000" dirty="0" err="1"/>
+              <a:t>ack</a:t>
+            </a:r>
+            <a:r>
+              <a:rPr lang="en-US" altLang="zh-CN" sz="2000" dirty="0"/>
+              <a:t>  </a:t>
+            </a:r>
+          </a:p>
+          <a:p>
+            <a:r>
+              <a:rPr lang="en-US" altLang="zh-CN" sz="2000" dirty="0"/>
+              <a:t>                        </a:t>
+            </a:r>
+            <a:r>
+              <a:rPr lang="en-US" altLang="zh-CN" sz="2000" dirty="0" err="1"/>
+              <a:t>self.sForSend.sendto</a:t>
+            </a:r>
+            <a:r>
+              <a:rPr lang="en-US" altLang="zh-CN" sz="2000" dirty="0"/>
+              <a:t>(package, </a:t>
+            </a:r>
+            <a:r>
+              <a:rPr lang="en-US" altLang="zh-CN" sz="2000" dirty="0" err="1"/>
+              <a:t>self.sendAddress</a:t>
+            </a:r>
+            <a:r>
+              <a:rPr lang="en-US" altLang="zh-CN" sz="2000" dirty="0"/>
+              <a:t>)  </a:t>
+            </a:r>
+          </a:p>
+          <a:p>
+            <a:r>
+              <a:rPr lang="en-US" altLang="zh-CN" sz="2000" dirty="0"/>
+              <a:t>                        count += 1  </a:t>
+            </a:r>
+          </a:p>
+          <a:p>
+            <a:r>
+              <a:rPr lang="en-US" altLang="zh-CN" sz="2000" dirty="0"/>
+              <a:t>                </a:t>
+            </a:r>
+            <a:r>
+              <a:rPr lang="en-US" altLang="zh-CN" sz="2000" b="1" dirty="0"/>
+              <a:t>break</a:t>
+            </a:r>
+            <a:r>
+              <a:rPr lang="en-US" altLang="zh-CN" sz="2000" dirty="0"/>
+              <a:t>  </a:t>
+            </a:r>
+          </a:p>
+          <a:p>
+            <a:r>
+              <a:rPr lang="en-US" altLang="zh-CN" sz="2000" dirty="0" smtClean="0"/>
+              <a:t>dress</a:t>
+            </a:r>
+            <a:r>
+              <a:rPr lang="en-US" altLang="zh-CN" sz="2000" dirty="0"/>
+              <a:t>)  </a:t>
+            </a:r>
+          </a:p>
+        </p:txBody>
+      </p:sp>
+    </p:spTree>
+    <p:extLst>
+      <p:ext uri="{BB962C8B-B14F-4D97-AF65-F5344CB8AC3E}">
+        <p14:creationId xmlns:p14="http://schemas.microsoft.com/office/powerpoint/2010/main" val="636624961"/>
+      </p:ext>
+    </p:extLst>
+  </p:cSld>
+  <p:clrMapOvr>
+    <a:masterClrMapping/>
+  </p:clrMapOvr>
+  <p:timing>
+    <p:tnLst>
+      <p:par>
+        <p:cTn id="1" dur="indefinite" restart="never" nodeType="tmRoot"/>
+      </p:par>
+    </p:tnLst>
+  </p:timing>
+</p:sld>
+</file>
+
+<file path=ppt/slides/slide25.xml><?xml version="1.0" encoding="utf-8"?>
+<p:sld xmlns:a="http://schemas.openxmlformats.org/drawingml/2006/main" xmlns:r="http://schemas.openxmlformats.org/officeDocument/2006/relationships" xmlns:p="http://schemas.openxmlformats.org/presentationml/2006/main">
+  <p:cSld>
+    <p:spTree>
+      <p:nvGrpSpPr>
+        <p:cNvPr id="1" name=""/>
+        <p:cNvGrpSpPr/>
+        <p:nvPr/>
+      </p:nvGrpSpPr>
+      <p:grpSpPr>
+        <a:xfrm>
+          <a:off x="0" y="0"/>
+          <a:ext cx="0" cy="0"/>
+          <a:chOff x="0" y="0"/>
+          <a:chExt cx="0" cy="0"/>
+        </a:xfrm>
+      </p:grpSpPr>
+      <p:sp>
+        <p:nvSpPr>
+          <p:cNvPr id="2" name="竖排标题 1"/>
+          <p:cNvSpPr>
+            <a:spLocks noGrp="1"/>
+          </p:cNvSpPr>
+          <p:nvPr>
+            <p:ph type="title" orient="vert"/>
+          </p:nvPr>
+        </p:nvSpPr>
+        <p:spPr>
+          <a:xfrm>
+            <a:off x="8842467" y="838201"/>
+            <a:ext cx="2553326" cy="5181599"/>
+          </a:xfrm>
+        </p:spPr>
+        <p:txBody>
+          <a:bodyPr/>
+          <a:lstStyle/>
+          <a:p>
+            <a:pPr algn="ctr"/>
+            <a:r>
+              <a:rPr lang="zh-CN" altLang="en-US" b="1" dirty="0" smtClean="0"/>
+              <a:t>有帧到达</a:t>
+            </a:r>
+            <a:endParaRPr lang="zh-CN" altLang="en-US" b="1" dirty="0"/>
+          </a:p>
+        </p:txBody>
+      </p:sp>
+      <p:sp>
+        <p:nvSpPr>
+          <p:cNvPr id="4" name="文本框 3"/>
+          <p:cNvSpPr txBox="1"/>
+          <p:nvPr/>
+        </p:nvSpPr>
+        <p:spPr>
+          <a:xfrm>
+            <a:off x="1726473" y="366623"/>
+            <a:ext cx="8710750" cy="6124754"/>
+          </a:xfrm>
+          <a:prstGeom prst="rect">
+            <a:avLst/>
+          </a:prstGeom>
+          <a:noFill/>
+        </p:spPr>
+        <p:txBody>
+          <a:bodyPr wrap="square" rtlCol="0">
+            <a:spAutoFit/>
+          </a:bodyPr>
+          <a:lstStyle/>
+          <a:p>
+            <a:endParaRPr lang="en-US" altLang="zh-CN" sz="1400" dirty="0" smtClean="0"/>
+          </a:p>
+          <a:p>
+            <a:r>
+              <a:rPr lang="en-US" altLang="zh-CN" sz="1400" b="1" dirty="0" err="1"/>
+              <a:t>elif</a:t>
+            </a:r>
+            <a:r>
+              <a:rPr lang="en-US" altLang="zh-CN" sz="1400" dirty="0"/>
+              <a:t> </a:t>
+            </a:r>
+            <a:r>
+              <a:rPr lang="en-US" altLang="zh-CN" sz="1400" dirty="0" err="1"/>
+              <a:t>self.recvEvent.is_set</a:t>
+            </a:r>
+            <a:r>
+              <a:rPr lang="en-US" altLang="zh-CN" sz="1400" dirty="0"/>
+              <a:t>():#</a:t>
+            </a:r>
+            <a:r>
+              <a:rPr lang="zh-CN" altLang="en-US" sz="1400" dirty="0"/>
+              <a:t>有帧到达，开始处理帧  </a:t>
+            </a:r>
+          </a:p>
+          <a:p>
+            <a:r>
+              <a:rPr lang="zh-CN" altLang="en-US" sz="1400" dirty="0"/>
+              <a:t>                </a:t>
+            </a:r>
+            <a:r>
+              <a:rPr lang="en-US" altLang="zh-CN" sz="1400" b="1" dirty="0"/>
+              <a:t>print</a:t>
+            </a:r>
+            <a:r>
+              <a:rPr lang="en-US" altLang="zh-CN" sz="1400" dirty="0"/>
+              <a:t>('---------------------------------------')  </a:t>
+            </a:r>
+          </a:p>
+          <a:p>
+            <a:r>
+              <a:rPr lang="en-US" altLang="zh-CN" sz="1400" dirty="0"/>
+              <a:t>                </a:t>
+            </a:r>
+            <a:r>
+              <a:rPr lang="en-US" altLang="zh-CN" sz="1400" dirty="0" err="1"/>
+              <a:t>self.recvEvent.clear</a:t>
+            </a:r>
+            <a:r>
+              <a:rPr lang="en-US" altLang="zh-CN" sz="1400" dirty="0"/>
+              <a:t>()  </a:t>
+            </a:r>
+          </a:p>
+          <a:p>
+            <a:r>
+              <a:rPr lang="en-US" altLang="zh-CN" sz="1400" dirty="0"/>
+              <a:t>                </a:t>
+            </a:r>
+            <a:r>
+              <a:rPr lang="en-US" altLang="zh-CN" sz="1400" b="1" dirty="0"/>
+              <a:t>if</a:t>
+            </a:r>
+            <a:r>
+              <a:rPr lang="en-US" altLang="zh-CN" sz="1400" dirty="0"/>
+              <a:t> </a:t>
+            </a:r>
+            <a:r>
+              <a:rPr lang="en-US" altLang="zh-CN" sz="1400" dirty="0" err="1"/>
+              <a:t>self.check</a:t>
+            </a:r>
+            <a:r>
+              <a:rPr lang="en-US" altLang="zh-CN" sz="1400" dirty="0"/>
+              <a:t>(</a:t>
+            </a:r>
+            <a:r>
+              <a:rPr lang="en-US" altLang="zh-CN" sz="1400" dirty="0" err="1"/>
+              <a:t>self.recvBuf</a:t>
+            </a:r>
+            <a:r>
+              <a:rPr lang="en-US" altLang="zh-CN" sz="1400" dirty="0"/>
+              <a:t>, </a:t>
+            </a:r>
+            <a:r>
+              <a:rPr lang="en-US" altLang="zh-CN" sz="1400" dirty="0" err="1"/>
+              <a:t>frameExpextedToRecv</a:t>
+            </a:r>
+            <a:r>
+              <a:rPr lang="en-US" altLang="zh-CN" sz="1400" dirty="0"/>
+              <a:t>):#</a:t>
+            </a:r>
+            <a:r>
+              <a:rPr lang="zh-CN" altLang="en-US" sz="1400" dirty="0"/>
+              <a:t>情况</a:t>
+            </a:r>
+            <a:r>
+              <a:rPr lang="en-US" altLang="zh-CN" sz="1400" dirty="0"/>
+              <a:t>1</a:t>
+            </a:r>
+            <a:r>
+              <a:rPr lang="zh-CN" altLang="en-US" sz="1400" dirty="0"/>
+              <a:t>：是期望的帧并且</a:t>
+            </a:r>
+            <a:r>
+              <a:rPr lang="en-US" altLang="zh-CN" sz="1400" dirty="0"/>
+              <a:t>CRC</a:t>
+            </a:r>
+            <a:r>
+              <a:rPr lang="zh-CN" altLang="en-US" sz="1400" dirty="0"/>
+              <a:t>检验为正确的帧  </a:t>
+            </a:r>
+          </a:p>
+          <a:p>
+            <a:r>
+              <a:rPr lang="zh-CN" altLang="en-US" sz="1400" dirty="0"/>
+              <a:t>                    </a:t>
+            </a:r>
+            <a:r>
+              <a:rPr lang="en-US" altLang="zh-CN" sz="1400" dirty="0" err="1"/>
+              <a:t>self.timer.cancel</a:t>
+            </a:r>
+            <a:r>
+              <a:rPr lang="en-US" altLang="zh-CN" sz="1400" dirty="0"/>
+              <a:t>()  </a:t>
+            </a:r>
+          </a:p>
+          <a:p>
+            <a:r>
+              <a:rPr lang="en-US" altLang="zh-CN" sz="1400" dirty="0"/>
+              <a:t>                    </a:t>
+            </a:r>
+            <a:r>
+              <a:rPr lang="en-US" altLang="zh-CN" sz="1400" dirty="0" err="1"/>
+              <a:t>self.timer</a:t>
+            </a:r>
+            <a:r>
+              <a:rPr lang="en-US" altLang="zh-CN" sz="1400" dirty="0"/>
+              <a:t> = </a:t>
+            </a:r>
+            <a:r>
+              <a:rPr lang="en-US" altLang="zh-CN" sz="1400" dirty="0" err="1"/>
+              <a:t>threading.Timer</a:t>
+            </a:r>
+            <a:r>
+              <a:rPr lang="en-US" altLang="zh-CN" sz="1400" dirty="0"/>
+              <a:t>(timeout, </a:t>
+            </a:r>
+            <a:r>
+              <a:rPr lang="en-US" altLang="zh-CN" sz="1400" dirty="0" err="1"/>
+              <a:t>self.reportTimeout</a:t>
+            </a:r>
+            <a:r>
+              <a:rPr lang="en-US" altLang="zh-CN" sz="1400" dirty="0"/>
+              <a:t>)  </a:t>
+            </a:r>
+          </a:p>
+          <a:p>
+            <a:r>
+              <a:rPr lang="en-US" altLang="zh-CN" sz="1400" dirty="0"/>
+              <a:t>                    </a:t>
+            </a:r>
+            <a:r>
+              <a:rPr lang="en-US" altLang="zh-CN" sz="1400" dirty="0" err="1"/>
+              <a:t>self.timer.start</a:t>
+            </a:r>
+            <a:r>
+              <a:rPr lang="en-US" altLang="zh-CN" sz="1400" dirty="0"/>
+              <a:t>()#</a:t>
+            </a:r>
+            <a:r>
+              <a:rPr lang="zh-CN" altLang="en-US" sz="1400" dirty="0"/>
+              <a:t>重置计时器  </a:t>
+            </a:r>
+          </a:p>
+          <a:p>
+            <a:r>
+              <a:rPr lang="zh-CN" altLang="en-US" sz="1400" dirty="0"/>
+              <a:t>                    </a:t>
+            </a:r>
+            <a:r>
+              <a:rPr lang="en-US" altLang="zh-CN" sz="1400" b="1" dirty="0"/>
+              <a:t>print</a:t>
+            </a:r>
+            <a:r>
+              <a:rPr lang="en-US" altLang="zh-CN" sz="1400" dirty="0"/>
+              <a:t>('right frame </a:t>
+            </a:r>
+            <a:r>
+              <a:rPr lang="en-US" altLang="zh-CN" sz="1400" dirty="0" err="1"/>
+              <a:t>sn</a:t>
+            </a:r>
+            <a:r>
+              <a:rPr lang="en-US" altLang="zh-CN" sz="1400" dirty="0"/>
+              <a:t> ', </a:t>
+            </a:r>
+            <a:r>
+              <a:rPr lang="en-US" altLang="zh-CN" sz="1400" dirty="0" err="1"/>
+              <a:t>frameExpextedToRecv</a:t>
+            </a:r>
+            <a:r>
+              <a:rPr lang="en-US" altLang="zh-CN" sz="1400" dirty="0"/>
+              <a:t>)  </a:t>
+            </a:r>
+          </a:p>
+          <a:p>
+            <a:r>
+              <a:rPr lang="en-US" altLang="zh-CN" sz="1400" dirty="0"/>
+              <a:t>                    </a:t>
+            </a:r>
+            <a:r>
+              <a:rPr lang="en-US" altLang="zh-CN" sz="1400" b="1" dirty="0"/>
+              <a:t>print</a:t>
+            </a:r>
+            <a:r>
+              <a:rPr lang="en-US" altLang="zh-CN" sz="1400" dirty="0"/>
+              <a:t>(</a:t>
+            </a:r>
+            <a:r>
+              <a:rPr lang="en-US" altLang="zh-CN" sz="1400" dirty="0" err="1"/>
+              <a:t>self.unpack</a:t>
+            </a:r>
+            <a:r>
+              <a:rPr lang="en-US" altLang="zh-CN" sz="1400" dirty="0"/>
+              <a:t>(</a:t>
+            </a:r>
+            <a:r>
+              <a:rPr lang="en-US" altLang="zh-CN" sz="1400" dirty="0" err="1"/>
+              <a:t>self.recvBuf</a:t>
+            </a:r>
+            <a:r>
+              <a:rPr lang="en-US" altLang="zh-CN" sz="1400" dirty="0"/>
+              <a:t>))  </a:t>
+            </a:r>
+          </a:p>
+          <a:p>
+            <a:r>
+              <a:rPr lang="en-US" altLang="zh-CN" sz="1400" dirty="0"/>
+              <a:t>                    </a:t>
+            </a:r>
+            <a:r>
+              <a:rPr lang="en-US" altLang="zh-CN" sz="1400" dirty="0" err="1"/>
+              <a:t>self.sendCount</a:t>
+            </a:r>
+            <a:r>
+              <a:rPr lang="en-US" altLang="zh-CN" sz="1400" dirty="0"/>
+              <a:t> += (</a:t>
+            </a:r>
+            <a:r>
+              <a:rPr lang="en-US" altLang="zh-CN" sz="1400" dirty="0" err="1"/>
+              <a:t>self.recvBuf</a:t>
+            </a:r>
+            <a:r>
+              <a:rPr lang="en-US" altLang="zh-CN" sz="1400" dirty="0"/>
+              <a:t>[-3] -  </a:t>
+            </a:r>
+          </a:p>
+          <a:p>
+            <a:r>
+              <a:rPr lang="en-US" altLang="zh-CN" sz="1400" dirty="0"/>
+              <a:t>                                       ack+MAX_SEQ+1) % (MAX_SEQ+1</a:t>
+            </a:r>
+            <a:r>
+              <a:rPr lang="en-US" altLang="zh-CN" sz="1400" dirty="0" smtClean="0"/>
+              <a:t>)</a:t>
+            </a:r>
+            <a:r>
+              <a:rPr lang="zh-CN" altLang="en-US" sz="1400" dirty="0"/>
+              <a:t>  </a:t>
+            </a:r>
+          </a:p>
+          <a:p>
+            <a:r>
+              <a:rPr lang="zh-CN" altLang="en-US" sz="1400" dirty="0"/>
+              <a:t>                    </a:t>
+            </a:r>
+            <a:r>
+              <a:rPr lang="en-US" altLang="zh-CN" sz="1400" dirty="0" err="1"/>
+              <a:t>ack</a:t>
+            </a:r>
+            <a:r>
+              <a:rPr lang="en-US" altLang="zh-CN" sz="1400" dirty="0"/>
+              <a:t> = </a:t>
+            </a:r>
+            <a:r>
+              <a:rPr lang="en-US" altLang="zh-CN" sz="1400" dirty="0" err="1"/>
+              <a:t>self.recvBuf</a:t>
+            </a:r>
+            <a:r>
+              <a:rPr lang="en-US" altLang="zh-CN" sz="1400" dirty="0"/>
+              <a:t>[-3]  </a:t>
+            </a:r>
+          </a:p>
+          <a:p>
+            <a:r>
+              <a:rPr lang="en-US" altLang="zh-CN" sz="1400" dirty="0"/>
+              <a:t>                    </a:t>
+            </a:r>
+            <a:r>
+              <a:rPr lang="en-US" altLang="zh-CN" sz="1400" dirty="0" err="1"/>
+              <a:t>bufferSize</a:t>
+            </a:r>
+            <a:r>
+              <a:rPr lang="en-US" altLang="zh-CN" sz="1400" dirty="0"/>
+              <a:t> = (sn-ack+MAX_SEQ+1) % (MAX_SEQ+1)  </a:t>
+            </a:r>
+          </a:p>
+          <a:p>
+            <a:r>
+              <a:rPr lang="en-US" altLang="zh-CN" sz="1400" dirty="0"/>
+              <a:t>                    </a:t>
+            </a:r>
+            <a:r>
+              <a:rPr lang="en-US" altLang="zh-CN" sz="1400" b="1" dirty="0"/>
+              <a:t>print</a:t>
+            </a:r>
+            <a:r>
+              <a:rPr lang="en-US" altLang="zh-CN" sz="1400" dirty="0"/>
+              <a:t>('</a:t>
+            </a:r>
+            <a:r>
+              <a:rPr lang="en-US" altLang="zh-CN" sz="1400" dirty="0" err="1"/>
+              <a:t>ack</a:t>
+            </a:r>
+            <a:r>
+              <a:rPr lang="en-US" altLang="zh-CN" sz="1400" dirty="0"/>
+              <a:t> get ', </a:t>
+            </a:r>
+            <a:r>
+              <a:rPr lang="en-US" altLang="zh-CN" sz="1400" dirty="0" err="1"/>
+              <a:t>ack</a:t>
+            </a:r>
+            <a:r>
+              <a:rPr lang="en-US" altLang="zh-CN" sz="1400" dirty="0"/>
+              <a:t>)  </a:t>
+            </a:r>
+          </a:p>
+          <a:p>
+            <a:r>
+              <a:rPr lang="en-US" altLang="zh-CN" sz="1400" dirty="0"/>
+              <a:t>                    </a:t>
+            </a:r>
+            <a:r>
+              <a:rPr lang="en-US" altLang="zh-CN" sz="1400" dirty="0" err="1"/>
+              <a:t>frameExpextedToRecv</a:t>
+            </a:r>
+            <a:r>
+              <a:rPr lang="en-US" altLang="zh-CN" sz="1400" dirty="0"/>
+              <a:t> = (frameExpextedToRecv+1) % (MAX_SEQ+1)#</a:t>
+            </a:r>
+            <a:r>
+              <a:rPr lang="zh-CN" altLang="en-US" sz="1400" dirty="0"/>
+              <a:t>更新期望接收的帧  </a:t>
+            </a:r>
+          </a:p>
+          <a:p>
+            <a:r>
+              <a:rPr lang="zh-CN" altLang="en-US" sz="1400" dirty="0"/>
+              <a:t>                    </a:t>
+            </a:r>
+            <a:r>
+              <a:rPr lang="en-US" altLang="zh-CN" sz="1400" dirty="0" err="1"/>
+              <a:t>self.recvCount</a:t>
+            </a:r>
+            <a:r>
+              <a:rPr lang="en-US" altLang="zh-CN" sz="1400" dirty="0"/>
+              <a:t> += 1  </a:t>
+            </a:r>
+          </a:p>
+          <a:p>
+            <a:r>
+              <a:rPr lang="en-US" altLang="zh-CN" sz="1400" dirty="0"/>
+              <a:t>  </a:t>
+            </a:r>
+          </a:p>
+          <a:p>
+            <a:r>
+              <a:rPr lang="en-US" altLang="zh-CN" sz="1400" dirty="0"/>
+              <a:t>                </a:t>
+            </a:r>
+            <a:r>
+              <a:rPr lang="en-US" altLang="zh-CN" sz="1400" b="1" dirty="0" err="1"/>
+              <a:t>elif</a:t>
+            </a:r>
+            <a:r>
+              <a:rPr lang="en-US" altLang="zh-CN" sz="1400" dirty="0"/>
+              <a:t> </a:t>
+            </a:r>
+            <a:r>
+              <a:rPr lang="en-US" altLang="zh-CN" sz="1400" dirty="0" err="1"/>
+              <a:t>self.checkCRC</a:t>
+            </a:r>
+            <a:r>
+              <a:rPr lang="en-US" altLang="zh-CN" sz="1400" dirty="0"/>
+              <a:t>(</a:t>
+            </a:r>
+            <a:r>
+              <a:rPr lang="en-US" altLang="zh-CN" sz="1400" dirty="0" err="1"/>
+              <a:t>self.recvBuf</a:t>
+            </a:r>
+            <a:r>
+              <a:rPr lang="en-US" altLang="zh-CN" sz="1400" dirty="0"/>
+              <a:t>):#</a:t>
+            </a:r>
+            <a:r>
+              <a:rPr lang="zh-CN" altLang="en-US" sz="1400" dirty="0"/>
+              <a:t>情况</a:t>
+            </a:r>
+            <a:r>
+              <a:rPr lang="en-US" altLang="zh-CN" sz="1400" dirty="0"/>
+              <a:t>2</a:t>
+            </a:r>
+            <a:r>
+              <a:rPr lang="zh-CN" altLang="en-US" sz="1400" dirty="0"/>
+              <a:t>：</a:t>
+            </a:r>
+            <a:r>
+              <a:rPr lang="en-US" altLang="zh-CN" sz="1400" dirty="0"/>
+              <a:t>CRC</a:t>
+            </a:r>
+            <a:r>
+              <a:rPr lang="zh-CN" altLang="en-US" sz="1400" dirty="0"/>
+              <a:t>校验为正确的帧，但不是期望的帧  </a:t>
+            </a:r>
+          </a:p>
+          <a:p>
+            <a:r>
+              <a:rPr lang="zh-CN" altLang="en-US" sz="1400" dirty="0"/>
+              <a:t>                    </a:t>
+            </a:r>
+            <a:r>
+              <a:rPr lang="en-US" altLang="zh-CN" sz="1400" b="1" dirty="0"/>
+              <a:t>print</a:t>
+            </a:r>
+            <a:r>
+              <a:rPr lang="en-US" altLang="zh-CN" sz="1400" dirty="0"/>
+              <a:t>('wrong </a:t>
+            </a:r>
+            <a:r>
+              <a:rPr lang="en-US" altLang="zh-CN" sz="1400" dirty="0" err="1"/>
+              <a:t>sn</a:t>
+            </a:r>
+            <a:r>
+              <a:rPr lang="en-US" altLang="zh-CN" sz="1400" dirty="0"/>
+              <a:t>')  </a:t>
+            </a:r>
+          </a:p>
+          <a:p>
+            <a:r>
+              <a:rPr lang="en-US" altLang="zh-CN" sz="1400" dirty="0"/>
+              <a:t>                    </a:t>
+            </a:r>
+            <a:r>
+              <a:rPr lang="en-US" altLang="zh-CN" sz="1400" dirty="0" err="1"/>
+              <a:t>self.sendCount</a:t>
+            </a:r>
+            <a:r>
+              <a:rPr lang="en-US" altLang="zh-CN" sz="1400" dirty="0"/>
+              <a:t> += (</a:t>
+            </a:r>
+            <a:r>
+              <a:rPr lang="en-US" altLang="zh-CN" sz="1400" dirty="0" err="1"/>
+              <a:t>self.recvBuf</a:t>
+            </a:r>
+            <a:r>
+              <a:rPr lang="en-US" altLang="zh-CN" sz="1400" dirty="0"/>
+              <a:t>[-3] -  </a:t>
+            </a:r>
+          </a:p>
+          <a:p>
+            <a:r>
+              <a:rPr lang="en-US" altLang="zh-CN" sz="1400" dirty="0"/>
+              <a:t>                                       ack+MAX_SEQ+1) % (MAX_SEQ+1)  </a:t>
+            </a:r>
+          </a:p>
+          <a:p>
+            <a:r>
+              <a:rPr lang="en-US" altLang="zh-CN" sz="1400" dirty="0"/>
+              <a:t>                    </a:t>
+            </a:r>
+            <a:r>
+              <a:rPr lang="en-US" altLang="zh-CN" sz="1400" dirty="0" err="1"/>
+              <a:t>ack</a:t>
+            </a:r>
+            <a:r>
+              <a:rPr lang="en-US" altLang="zh-CN" sz="1400" dirty="0"/>
+              <a:t> = </a:t>
+            </a:r>
+            <a:r>
+              <a:rPr lang="en-US" altLang="zh-CN" sz="1400" dirty="0" err="1"/>
+              <a:t>self.recvBuf</a:t>
+            </a:r>
+            <a:r>
+              <a:rPr lang="en-US" altLang="zh-CN" sz="1400" dirty="0"/>
+              <a:t>[-3]  </a:t>
+            </a:r>
+          </a:p>
+          <a:p>
+            <a:r>
+              <a:rPr lang="en-US" altLang="zh-CN" sz="1400" dirty="0"/>
+              <a:t>                    </a:t>
+            </a:r>
+            <a:r>
+              <a:rPr lang="en-US" altLang="zh-CN" sz="1400" dirty="0" err="1"/>
+              <a:t>bufferSize</a:t>
+            </a:r>
+            <a:r>
+              <a:rPr lang="en-US" altLang="zh-CN" sz="1400" dirty="0"/>
+              <a:t> = (sn-ack+MAX_SEQ+1) % (MAX_SEQ+1)  </a:t>
+            </a:r>
+          </a:p>
+          <a:p>
+            <a:r>
+              <a:rPr lang="en-US" altLang="zh-CN" sz="1400" dirty="0"/>
+              <a:t>                    </a:t>
+            </a:r>
+            <a:r>
+              <a:rPr lang="en-US" altLang="zh-CN" sz="1400" b="1" dirty="0"/>
+              <a:t>print</a:t>
+            </a:r>
+            <a:r>
+              <a:rPr lang="en-US" altLang="zh-CN" sz="1400" dirty="0"/>
+              <a:t>('</a:t>
+            </a:r>
+            <a:r>
+              <a:rPr lang="en-US" altLang="zh-CN" sz="1400" dirty="0" err="1"/>
+              <a:t>ack</a:t>
+            </a:r>
+            <a:r>
+              <a:rPr lang="en-US" altLang="zh-CN" sz="1400" dirty="0"/>
+              <a:t> get ', </a:t>
+            </a:r>
+            <a:r>
+              <a:rPr lang="en-US" altLang="zh-CN" sz="1400" dirty="0" err="1"/>
+              <a:t>ack</a:t>
+            </a:r>
+            <a:r>
+              <a:rPr lang="en-US" altLang="zh-CN" sz="1400" dirty="0"/>
+              <a:t>)  </a:t>
+            </a:r>
+          </a:p>
+          <a:p>
+            <a:r>
+              <a:rPr lang="en-US" altLang="zh-CN" sz="1400" dirty="0"/>
+              <a:t>                </a:t>
+            </a:r>
+            <a:r>
+              <a:rPr lang="en-US" altLang="zh-CN" sz="1400" b="1" dirty="0"/>
+              <a:t>else</a:t>
+            </a:r>
+            <a:r>
+              <a:rPr lang="en-US" altLang="zh-CN" sz="1400" dirty="0"/>
+              <a:t>:#</a:t>
+            </a:r>
+            <a:r>
+              <a:rPr lang="zh-CN" altLang="en-US" sz="1400" dirty="0"/>
+              <a:t>情况</a:t>
+            </a:r>
+            <a:r>
+              <a:rPr lang="en-US" altLang="zh-CN" sz="1400" dirty="0"/>
+              <a:t>3</a:t>
+            </a:r>
+            <a:r>
+              <a:rPr lang="zh-CN" altLang="en-US" sz="1400" dirty="0"/>
+              <a:t>：错误的帧  </a:t>
+            </a:r>
+          </a:p>
+          <a:p>
+            <a:r>
+              <a:rPr lang="zh-CN" altLang="en-US" sz="1400" dirty="0"/>
+              <a:t>                    </a:t>
+            </a:r>
+            <a:r>
+              <a:rPr lang="en-US" altLang="zh-CN" sz="1400" b="1" dirty="0"/>
+              <a:t>print</a:t>
+            </a:r>
+            <a:r>
+              <a:rPr lang="en-US" altLang="zh-CN" sz="1400" dirty="0"/>
+              <a:t>('wrong frame')  </a:t>
+            </a:r>
+          </a:p>
+          <a:p>
+            <a:r>
+              <a:rPr lang="en-US" altLang="zh-CN" sz="1400" dirty="0"/>
+              <a:t>                </a:t>
+            </a:r>
+            <a:r>
+              <a:rPr lang="en-US" altLang="zh-CN" sz="1400" dirty="0" err="1"/>
+              <a:t>self.processEvent.set</a:t>
+            </a:r>
+            <a:r>
+              <a:rPr lang="en-US" altLang="zh-CN" sz="1400" dirty="0"/>
+              <a:t>()#</a:t>
+            </a:r>
+            <a:r>
+              <a:rPr lang="zh-CN" altLang="en-US" sz="1400" dirty="0"/>
+              <a:t>触发帧处理完毕事件 </a:t>
+            </a:r>
+          </a:p>
+        </p:txBody>
+      </p:sp>
+    </p:spTree>
+    <p:extLst>
+      <p:ext uri="{BB962C8B-B14F-4D97-AF65-F5344CB8AC3E}">
+        <p14:creationId xmlns:p14="http://schemas.microsoft.com/office/powerpoint/2010/main" val="717629910"/>
+      </p:ext>
+    </p:extLst>
+  </p:cSld>
+  <p:clrMapOvr>
+    <a:masterClrMapping/>
+  </p:clrMapOvr>
+  <p:timing>
+    <p:tnLst>
+      <p:par>
+        <p:cTn id="1" dur="indefinite" restart="never" nodeType="tmRoot"/>
+      </p:par>
+    </p:tnLst>
+  </p:timing>
+</p:sld>
+</file>
+
+<file path=ppt/slides/slide26.xml><?xml version="1.0" encoding="utf-8"?>
+<p:sld xmlns:a="http://schemas.openxmlformats.org/drawingml/2006/main" xmlns:r="http://schemas.openxmlformats.org/officeDocument/2006/relationships" xmlns:p="http://schemas.openxmlformats.org/presentationml/2006/main">
+  <p:cSld>
+    <p:spTree>
+      <p:nvGrpSpPr>
+        <p:cNvPr id="1" name=""/>
+        <p:cNvGrpSpPr/>
+        <p:nvPr/>
+      </p:nvGrpSpPr>
+      <p:grpSpPr>
+        <a:xfrm>
+          <a:off x="0" y="0"/>
+          <a:ext cx="0" cy="0"/>
+          <a:chOff x="0" y="0"/>
+          <a:chExt cx="0" cy="0"/>
+        </a:xfrm>
+      </p:grpSpPr>
+      <p:sp>
+        <p:nvSpPr>
+          <p:cNvPr id="2" name="竖排标题 1"/>
+          <p:cNvSpPr>
+            <a:spLocks noGrp="1"/>
+          </p:cNvSpPr>
+          <p:nvPr>
+            <p:ph type="title" orient="vert"/>
+          </p:nvPr>
+        </p:nvSpPr>
+        <p:spPr>
+          <a:xfrm>
+            <a:off x="8842467" y="838201"/>
+            <a:ext cx="2553326" cy="5181599"/>
+          </a:xfrm>
+        </p:spPr>
+        <p:txBody>
+          <a:bodyPr/>
+          <a:lstStyle/>
+          <a:p>
+            <a:pPr algn="ctr"/>
+            <a:r>
+              <a:rPr lang="zh-CN" altLang="en-US" b="1" dirty="0" smtClean="0"/>
+              <a:t>等待超时</a:t>
+            </a:r>
+            <a:endParaRPr lang="zh-CN" altLang="en-US" b="1" dirty="0"/>
+          </a:p>
+        </p:txBody>
+      </p:sp>
+      <p:sp>
+        <p:nvSpPr>
+          <p:cNvPr id="4" name="文本框 3"/>
+          <p:cNvSpPr txBox="1"/>
+          <p:nvPr/>
+        </p:nvSpPr>
+        <p:spPr>
+          <a:xfrm>
+            <a:off x="1726473" y="612845"/>
+            <a:ext cx="7378338" cy="5632311"/>
+          </a:xfrm>
+          <a:prstGeom prst="rect">
+            <a:avLst/>
+          </a:prstGeom>
+          <a:noFill/>
+        </p:spPr>
+        <p:txBody>
+          <a:bodyPr wrap="square" rtlCol="0">
+            <a:spAutoFit/>
+          </a:bodyPr>
+          <a:lstStyle/>
+          <a:p>
+            <a:r>
+              <a:rPr lang="en-US" altLang="zh-CN" b="1" dirty="0" err="1"/>
+              <a:t>elif</a:t>
+            </a:r>
+            <a:r>
+              <a:rPr lang="en-US" altLang="zh-CN" dirty="0"/>
+              <a:t> </a:t>
+            </a:r>
+            <a:r>
+              <a:rPr lang="en-US" altLang="zh-CN" dirty="0" err="1"/>
+              <a:t>self.timeoutEvent.is_set</a:t>
+            </a:r>
+            <a:r>
+              <a:rPr lang="en-US" altLang="zh-CN" dirty="0"/>
+              <a:t>():#</a:t>
+            </a:r>
+            <a:r>
+              <a:rPr lang="zh-CN" altLang="en-US" dirty="0"/>
+              <a:t>等待超时，重发  </a:t>
+            </a:r>
+          </a:p>
+          <a:p>
+            <a:r>
+              <a:rPr lang="zh-CN" altLang="en-US" dirty="0"/>
+              <a:t>                </a:t>
+            </a:r>
+            <a:r>
+              <a:rPr lang="en-US" altLang="zh-CN" b="1" dirty="0"/>
+              <a:t>print</a:t>
+            </a:r>
+            <a:r>
+              <a:rPr lang="en-US" altLang="zh-CN" dirty="0"/>
+              <a:t>('---------------------------------------')  </a:t>
+            </a:r>
+          </a:p>
+          <a:p>
+            <a:r>
+              <a:rPr lang="en-US" altLang="zh-CN" dirty="0"/>
+              <a:t>                </a:t>
+            </a:r>
+            <a:r>
+              <a:rPr lang="en-US" altLang="zh-CN" dirty="0" err="1"/>
+              <a:t>self.timeoutEvent.clear</a:t>
+            </a:r>
+            <a:r>
+              <a:rPr lang="en-US" altLang="zh-CN" dirty="0"/>
+              <a:t>()  </a:t>
+            </a:r>
+          </a:p>
+          <a:p>
+            <a:r>
+              <a:rPr lang="en-US" altLang="zh-CN" dirty="0"/>
+              <a:t>                </a:t>
+            </a:r>
+            <a:r>
+              <a:rPr lang="en-US" altLang="zh-CN" dirty="0" err="1"/>
+              <a:t>self.timer.cancel</a:t>
+            </a:r>
+            <a:r>
+              <a:rPr lang="en-US" altLang="zh-CN" dirty="0"/>
+              <a:t>()  </a:t>
+            </a:r>
+          </a:p>
+          <a:p>
+            <a:r>
+              <a:rPr lang="en-US" altLang="zh-CN" dirty="0"/>
+              <a:t>                </a:t>
+            </a:r>
+            <a:r>
+              <a:rPr lang="en-US" altLang="zh-CN" dirty="0" err="1"/>
+              <a:t>self.timer</a:t>
+            </a:r>
+            <a:r>
+              <a:rPr lang="en-US" altLang="zh-CN" dirty="0"/>
+              <a:t> = </a:t>
+            </a:r>
+            <a:r>
+              <a:rPr lang="en-US" altLang="zh-CN" dirty="0" err="1"/>
+              <a:t>threading.Timer</a:t>
+            </a:r>
+            <a:r>
+              <a:rPr lang="en-US" altLang="zh-CN" dirty="0"/>
+              <a:t>(timeout, </a:t>
+            </a:r>
+            <a:r>
+              <a:rPr lang="en-US" altLang="zh-CN" dirty="0" err="1"/>
+              <a:t>self.reportTimeout</a:t>
+            </a:r>
+            <a:r>
+              <a:rPr lang="en-US" altLang="zh-CN" dirty="0"/>
+              <a:t>)  </a:t>
+            </a:r>
+          </a:p>
+          <a:p>
+            <a:r>
+              <a:rPr lang="en-US" altLang="zh-CN" dirty="0"/>
+              <a:t>                </a:t>
+            </a:r>
+            <a:r>
+              <a:rPr lang="en-US" altLang="zh-CN" dirty="0" err="1"/>
+              <a:t>self.timer.start</a:t>
+            </a:r>
+            <a:r>
+              <a:rPr lang="en-US" altLang="zh-CN" dirty="0"/>
+              <a:t>()#</a:t>
+            </a:r>
+            <a:r>
+              <a:rPr lang="zh-CN" altLang="en-US" dirty="0"/>
+              <a:t>重置计时器  </a:t>
+            </a:r>
+          </a:p>
+          <a:p>
+            <a:r>
+              <a:rPr lang="zh-CN" altLang="en-US" dirty="0"/>
+              <a:t>                </a:t>
+            </a:r>
+            <a:r>
+              <a:rPr lang="en-US" altLang="zh-CN" b="1" dirty="0"/>
+              <a:t>for</a:t>
+            </a:r>
+            <a:r>
+              <a:rPr lang="en-US" altLang="zh-CN" dirty="0"/>
+              <a:t> </a:t>
+            </a:r>
+            <a:r>
+              <a:rPr lang="en-US" altLang="zh-CN" dirty="0" err="1"/>
+              <a:t>i</a:t>
+            </a:r>
+            <a:r>
+              <a:rPr lang="en-US" altLang="zh-CN" dirty="0"/>
+              <a:t> </a:t>
+            </a:r>
+            <a:r>
+              <a:rPr lang="en-US" altLang="zh-CN" b="1" dirty="0"/>
+              <a:t>in</a:t>
+            </a:r>
+            <a:r>
+              <a:rPr lang="en-US" altLang="zh-CN" dirty="0"/>
+              <a:t> range(</a:t>
+            </a:r>
+            <a:r>
+              <a:rPr lang="en-US" altLang="zh-CN" dirty="0" err="1"/>
+              <a:t>bufferSize</a:t>
+            </a:r>
+            <a:r>
+              <a:rPr lang="en-US" altLang="zh-CN" dirty="0"/>
+              <a:t>):  </a:t>
+            </a:r>
+          </a:p>
+          <a:p>
+            <a:r>
+              <a:rPr lang="en-US" altLang="zh-CN" dirty="0"/>
+              <a:t>                    package = </a:t>
+            </a:r>
+            <a:r>
+              <a:rPr lang="en-US" altLang="zh-CN" dirty="0" err="1"/>
+              <a:t>self.pack</a:t>
+            </a:r>
+            <a:r>
+              <a:rPr lang="en-US" altLang="zh-CN" dirty="0"/>
+              <a:t>(  </a:t>
+            </a:r>
+          </a:p>
+          <a:p>
+            <a:r>
+              <a:rPr lang="en-US" altLang="zh-CN" dirty="0"/>
+              <a:t>                        data[buffer[</a:t>
+            </a:r>
+            <a:r>
+              <a:rPr lang="en-US" altLang="zh-CN" dirty="0" err="1"/>
+              <a:t>ack+i</a:t>
+            </a:r>
+            <a:r>
+              <a:rPr lang="en-US" altLang="zh-CN" dirty="0"/>
+              <a:t>]], </a:t>
+            </a:r>
+            <a:r>
+              <a:rPr lang="en-US" altLang="zh-CN" dirty="0" err="1"/>
+              <a:t>ack+i</a:t>
+            </a:r>
+            <a:r>
+              <a:rPr lang="en-US" altLang="zh-CN" dirty="0"/>
+              <a:t>, </a:t>
+            </a:r>
+            <a:r>
+              <a:rPr lang="en-US" altLang="zh-CN" dirty="0" err="1"/>
+              <a:t>frameExpextedToRecv</a:t>
+            </a:r>
+            <a:r>
+              <a:rPr lang="en-US" altLang="zh-CN" dirty="0"/>
+              <a:t>)  </a:t>
+            </a:r>
+          </a:p>
+          <a:p>
+            <a:r>
+              <a:rPr lang="en-US" altLang="zh-CN" dirty="0"/>
+              <a:t>                    </a:t>
+            </a:r>
+            <a:r>
+              <a:rPr lang="en-US" altLang="zh-CN" b="1" dirty="0"/>
+              <a:t>print</a:t>
+            </a:r>
+            <a:r>
+              <a:rPr lang="en-US" altLang="zh-CN" dirty="0"/>
+              <a:t>('frame to send ', </a:t>
+            </a:r>
+            <a:r>
+              <a:rPr lang="en-US" altLang="zh-CN" dirty="0" err="1"/>
+              <a:t>ack+i</a:t>
+            </a:r>
+            <a:r>
+              <a:rPr lang="en-US" altLang="zh-CN" dirty="0"/>
+              <a:t>, ' data no ', buffer[</a:t>
+            </a:r>
+            <a:r>
+              <a:rPr lang="en-US" altLang="zh-CN" dirty="0" err="1"/>
+              <a:t>ack+i</a:t>
+            </a:r>
+            <a:r>
+              <a:rPr lang="en-US" altLang="zh-CN" dirty="0"/>
+              <a:t>])  </a:t>
+            </a:r>
+          </a:p>
+          <a:p>
+            <a:r>
+              <a:rPr lang="en-US" altLang="zh-CN" dirty="0"/>
+              <a:t>                    rand = </a:t>
+            </a:r>
+            <a:r>
+              <a:rPr lang="en-US" altLang="zh-CN" dirty="0" err="1"/>
+              <a:t>random.random</a:t>
+            </a:r>
+            <a:r>
+              <a:rPr lang="en-US" altLang="zh-CN" dirty="0"/>
+              <a:t>()  </a:t>
+            </a:r>
+          </a:p>
+          <a:p>
+            <a:r>
+              <a:rPr lang="en-US" altLang="zh-CN" dirty="0"/>
+              <a:t>                    </a:t>
+            </a:r>
+            <a:r>
+              <a:rPr lang="en-US" altLang="zh-CN" b="1" dirty="0"/>
+              <a:t>if</a:t>
+            </a:r>
+            <a:r>
+              <a:rPr lang="en-US" altLang="zh-CN" dirty="0"/>
+              <a:t> rand &lt; </a:t>
+            </a:r>
+            <a:r>
+              <a:rPr lang="en-US" altLang="zh-CN" dirty="0" err="1"/>
+              <a:t>lostRate</a:t>
+            </a:r>
+            <a:r>
+              <a:rPr lang="en-US" altLang="zh-CN" dirty="0"/>
+              <a:t>:  </a:t>
+            </a:r>
+          </a:p>
+          <a:p>
+            <a:r>
+              <a:rPr lang="en-US" altLang="zh-CN" dirty="0"/>
+              <a:t>                        </a:t>
+            </a:r>
+            <a:r>
+              <a:rPr lang="en-US" altLang="zh-CN" b="1" dirty="0"/>
+              <a:t>print</a:t>
+            </a:r>
+            <a:r>
+              <a:rPr lang="en-US" altLang="zh-CN" dirty="0"/>
+              <a:t>('frame lose')#</a:t>
+            </a:r>
+            <a:r>
+              <a:rPr lang="zh-CN" altLang="en-US" dirty="0"/>
+              <a:t>失帧模拟  </a:t>
+            </a:r>
+          </a:p>
+          <a:p>
+            <a:r>
+              <a:rPr lang="zh-CN" altLang="en-US" dirty="0"/>
+              <a:t>                    </a:t>
+            </a:r>
+            <a:r>
+              <a:rPr lang="en-US" altLang="zh-CN" b="1" dirty="0" err="1"/>
+              <a:t>elif</a:t>
+            </a:r>
+            <a:r>
+              <a:rPr lang="en-US" altLang="zh-CN" dirty="0"/>
+              <a:t> rand &lt; </a:t>
+            </a:r>
+            <a:r>
+              <a:rPr lang="en-US" altLang="zh-CN" dirty="0" err="1"/>
+              <a:t>lostRate+errorRate</a:t>
+            </a:r>
+            <a:r>
+              <a:rPr lang="en-US" altLang="zh-CN" dirty="0"/>
+              <a:t>:  </a:t>
+            </a:r>
+          </a:p>
+          <a:p>
+            <a:r>
+              <a:rPr lang="en-US" altLang="zh-CN" dirty="0"/>
+              <a:t>                        </a:t>
+            </a:r>
+            <a:r>
+              <a:rPr lang="en-US" altLang="zh-CN" b="1" dirty="0"/>
+              <a:t>print</a:t>
+            </a:r>
+            <a:r>
+              <a:rPr lang="en-US" altLang="zh-CN" dirty="0"/>
+              <a:t>('frame error')#</a:t>
+            </a:r>
+            <a:r>
+              <a:rPr lang="zh-CN" altLang="en-US" dirty="0"/>
+              <a:t>错帧模拟  </a:t>
+            </a:r>
+          </a:p>
+          <a:p>
+            <a:r>
+              <a:rPr lang="zh-CN" altLang="en-US" dirty="0"/>
+              <a:t>                        </a:t>
+            </a:r>
+            <a:r>
+              <a:rPr lang="en-US" altLang="zh-CN" dirty="0"/>
+              <a:t>package = </a:t>
+            </a:r>
+            <a:r>
+              <a:rPr lang="en-US" altLang="zh-CN" dirty="0" err="1"/>
+              <a:t>self.errorSimulation</a:t>
+            </a:r>
+            <a:r>
+              <a:rPr lang="en-US" altLang="zh-CN" dirty="0"/>
+              <a:t>(package)  </a:t>
+            </a:r>
+          </a:p>
+          <a:p>
+            <a:r>
+              <a:rPr lang="en-US" altLang="zh-CN" dirty="0"/>
+              <a:t>                        </a:t>
+            </a:r>
+            <a:r>
+              <a:rPr lang="en-US" altLang="zh-CN" dirty="0" err="1"/>
+              <a:t>self.sForSend.sendto</a:t>
+            </a:r>
+            <a:r>
+              <a:rPr lang="en-US" altLang="zh-CN" dirty="0"/>
+              <a:t>(package, </a:t>
+            </a:r>
+            <a:r>
+              <a:rPr lang="en-US" altLang="zh-CN" dirty="0" err="1"/>
+              <a:t>self.sendAddress</a:t>
+            </a:r>
+            <a:r>
+              <a:rPr lang="en-US" altLang="zh-CN" dirty="0"/>
+              <a:t>)#</a:t>
+            </a:r>
+            <a:r>
+              <a:rPr lang="zh-CN" altLang="en-US" dirty="0"/>
+              <a:t>发送错帧  </a:t>
+            </a:r>
+          </a:p>
+          <a:p>
+            <a:r>
+              <a:rPr lang="zh-CN" altLang="en-US" dirty="0"/>
+              <a:t>                    </a:t>
+            </a:r>
+            <a:r>
+              <a:rPr lang="en-US" altLang="zh-CN" b="1" dirty="0"/>
+              <a:t>else</a:t>
+            </a:r>
+            <a:r>
+              <a:rPr lang="en-US" altLang="zh-CN" dirty="0"/>
+              <a:t>:  </a:t>
+            </a:r>
+          </a:p>
+          <a:p>
+            <a:r>
+              <a:rPr lang="en-US" altLang="zh-CN" dirty="0"/>
+              <a:t>                        </a:t>
+            </a:r>
+            <a:r>
+              <a:rPr lang="en-US" altLang="zh-CN" dirty="0" err="1"/>
+              <a:t>self.sForSend.sendto</a:t>
+            </a:r>
+            <a:r>
+              <a:rPr lang="en-US" altLang="zh-CN" dirty="0"/>
+              <a:t>(package, </a:t>
+            </a:r>
+            <a:r>
+              <a:rPr lang="en-US" altLang="zh-CN" dirty="0" err="1"/>
+              <a:t>self.sendAddress</a:t>
+            </a:r>
+            <a:r>
+              <a:rPr lang="en-US" altLang="zh-CN" dirty="0"/>
+              <a:t>)#</a:t>
+            </a:r>
+            <a:r>
+              <a:rPr lang="zh-CN" altLang="en-US" dirty="0"/>
+              <a:t>发送帧  </a:t>
+            </a:r>
+          </a:p>
+          <a:p>
+            <a:r>
+              <a:rPr lang="zh-CN" altLang="en-US" dirty="0"/>
+              <a:t>                    </a:t>
+            </a:r>
+            <a:r>
+              <a:rPr lang="en-US" altLang="zh-CN" dirty="0" err="1"/>
+              <a:t>time.sleep</a:t>
+            </a:r>
+            <a:r>
+              <a:rPr lang="en-US" altLang="zh-CN" dirty="0"/>
+              <a:t>(</a:t>
+            </a:r>
+            <a:r>
+              <a:rPr lang="en-US" altLang="zh-CN" dirty="0" err="1"/>
+              <a:t>timeForSend</a:t>
+            </a:r>
+            <a:r>
+              <a:rPr lang="en-US" altLang="zh-CN" dirty="0"/>
+              <a:t>) </a:t>
+            </a:r>
+          </a:p>
+        </p:txBody>
+      </p:sp>
+    </p:spTree>
+    <p:extLst>
+      <p:ext uri="{BB962C8B-B14F-4D97-AF65-F5344CB8AC3E}">
+        <p14:creationId xmlns:p14="http://schemas.microsoft.com/office/powerpoint/2010/main" val="3659173682"/>
+      </p:ext>
+    </p:extLst>
+  </p:cSld>
+  <p:clrMapOvr>
+    <a:masterClrMapping/>
+  </p:clrMapOvr>
+  <p:timing>
+    <p:tnLst>
+      <p:par>
+        <p:cTn id="1" dur="indefinite" restart="never" nodeType="tmRoot"/>
+      </p:par>
+    </p:tnLst>
+  </p:timing>
+</p:sld>
+</file>
+
+<file path=ppt/slides/slide27.xml><?xml version="1.0" encoding="utf-8"?>
+<p:sld xmlns:a="http://schemas.openxmlformats.org/drawingml/2006/main" xmlns:r="http://schemas.openxmlformats.org/officeDocument/2006/relationships" xmlns:p="http://schemas.openxmlformats.org/presentationml/2006/main">
+  <p:cSld>
+    <p:spTree>
+      <p:nvGrpSpPr>
+        <p:cNvPr id="1" name=""/>
+        <p:cNvGrpSpPr/>
+        <p:nvPr/>
+      </p:nvGrpSpPr>
+      <p:grpSpPr>
+        <a:xfrm>
+          <a:off x="0" y="0"/>
+          <a:ext cx="0" cy="0"/>
+          <a:chOff x="0" y="0"/>
+          <a:chExt cx="0" cy="0"/>
+        </a:xfrm>
+      </p:grpSpPr>
+      <p:sp>
+        <p:nvSpPr>
+          <p:cNvPr id="2" name="竖排标题 1"/>
+          <p:cNvSpPr>
+            <a:spLocks noGrp="1"/>
+          </p:cNvSpPr>
+          <p:nvPr>
+            <p:ph type="title" orient="vert"/>
+          </p:nvPr>
+        </p:nvSpPr>
+        <p:spPr>
+          <a:xfrm>
+            <a:off x="8842467" y="838201"/>
+            <a:ext cx="2553326" cy="5181599"/>
+          </a:xfrm>
+        </p:spPr>
+        <p:txBody>
+          <a:bodyPr/>
+          <a:lstStyle/>
+          <a:p>
+            <a:pPr algn="ctr"/>
+            <a:r>
+              <a:rPr lang="zh-CN" altLang="en-US" dirty="0"/>
+              <a:t>发送方打开的窗口数未达规定限度，继续发送</a:t>
+            </a:r>
+            <a:endParaRPr lang="zh-CN" altLang="en-US" b="1" dirty="0"/>
+          </a:p>
+        </p:txBody>
+      </p:sp>
+      <p:sp>
+        <p:nvSpPr>
+          <p:cNvPr id="4" name="文本框 3"/>
+          <p:cNvSpPr txBox="1"/>
+          <p:nvPr/>
+        </p:nvSpPr>
+        <p:spPr>
+          <a:xfrm>
+            <a:off x="1726473" y="474345"/>
+            <a:ext cx="7378338" cy="5909310"/>
+          </a:xfrm>
+          <a:prstGeom prst="rect">
+            <a:avLst/>
+          </a:prstGeom>
+          <a:noFill/>
+        </p:spPr>
+        <p:txBody>
+          <a:bodyPr wrap="square" rtlCol="0">
+            <a:spAutoFit/>
+          </a:bodyPr>
+          <a:lstStyle/>
+          <a:p>
+            <a:endParaRPr lang="en-US" altLang="zh-CN" dirty="0"/>
+          </a:p>
+          <a:p>
+            <a:r>
+              <a:rPr lang="en-US" altLang="zh-CN" b="1" dirty="0" err="1"/>
+              <a:t>elif</a:t>
+            </a:r>
+            <a:r>
+              <a:rPr lang="en-US" altLang="zh-CN" dirty="0"/>
+              <a:t> </a:t>
+            </a:r>
+            <a:r>
+              <a:rPr lang="en-US" altLang="zh-CN" dirty="0" err="1"/>
+              <a:t>bufferSize</a:t>
+            </a:r>
+            <a:r>
+              <a:rPr lang="en-US" altLang="zh-CN" dirty="0"/>
+              <a:t> &lt; MAX_BUFSIZE </a:t>
+            </a:r>
+            <a:r>
+              <a:rPr lang="en-US" altLang="zh-CN" b="1" dirty="0"/>
+              <a:t>and</a:t>
+            </a:r>
+            <a:r>
+              <a:rPr lang="en-US" altLang="zh-CN" dirty="0"/>
+              <a:t> </a:t>
+            </a:r>
+            <a:r>
+              <a:rPr lang="en-US" altLang="zh-CN" dirty="0" err="1"/>
+              <a:t>i_data</a:t>
+            </a:r>
+            <a:r>
+              <a:rPr lang="en-US" altLang="zh-CN" dirty="0"/>
+              <a:t> &lt; </a:t>
+            </a:r>
+            <a:r>
+              <a:rPr lang="en-US" altLang="zh-CN" dirty="0" err="1"/>
+              <a:t>len</a:t>
+            </a:r>
+            <a:r>
+              <a:rPr lang="en-US" altLang="zh-CN" dirty="0"/>
+              <a:t>(data):#</a:t>
+            </a:r>
+            <a:r>
+              <a:rPr lang="zh-CN" altLang="en-US" dirty="0"/>
+              <a:t>发送方打开的窗口数未达规定限度，继续发送  </a:t>
+            </a:r>
+          </a:p>
+          <a:p>
+            <a:r>
+              <a:rPr lang="zh-CN" altLang="en-US" dirty="0"/>
+              <a:t>                </a:t>
+            </a:r>
+            <a:r>
+              <a:rPr lang="en-US" altLang="zh-CN" b="1" dirty="0"/>
+              <a:t>print</a:t>
+            </a:r>
+            <a:r>
+              <a:rPr lang="en-US" altLang="zh-CN" dirty="0"/>
+              <a:t>('---------------------------------------')  </a:t>
+            </a:r>
+          </a:p>
+          <a:p>
+            <a:r>
+              <a:rPr lang="en-US" altLang="zh-CN" dirty="0"/>
+              <a:t>                package = </a:t>
+            </a:r>
+            <a:r>
+              <a:rPr lang="en-US" altLang="zh-CN" dirty="0" err="1"/>
+              <a:t>self.pack</a:t>
+            </a:r>
+            <a:r>
+              <a:rPr lang="en-US" altLang="zh-CN" dirty="0"/>
+              <a:t>(data[</a:t>
+            </a:r>
+            <a:r>
+              <a:rPr lang="en-US" altLang="zh-CN" dirty="0" err="1"/>
+              <a:t>i_data</a:t>
+            </a:r>
+            <a:r>
+              <a:rPr lang="en-US" altLang="zh-CN" dirty="0"/>
+              <a:t>], </a:t>
+            </a:r>
+            <a:r>
+              <a:rPr lang="en-US" altLang="zh-CN" dirty="0" err="1"/>
+              <a:t>sn</a:t>
+            </a:r>
+            <a:r>
+              <a:rPr lang="en-US" altLang="zh-CN" dirty="0"/>
+              <a:t>, </a:t>
+            </a:r>
+            <a:r>
+              <a:rPr lang="en-US" altLang="zh-CN" dirty="0" err="1"/>
+              <a:t>frameExpextedToRecv</a:t>
+            </a:r>
+            <a:r>
+              <a:rPr lang="en-US" altLang="zh-CN" dirty="0"/>
+              <a:t>)  </a:t>
+            </a:r>
+          </a:p>
+          <a:p>
+            <a:r>
+              <a:rPr lang="en-US" altLang="zh-CN" dirty="0"/>
+              <a:t>                </a:t>
+            </a:r>
+            <a:r>
+              <a:rPr lang="en-US" altLang="zh-CN" b="1" dirty="0"/>
+              <a:t>print</a:t>
+            </a:r>
+            <a:r>
+              <a:rPr lang="en-US" altLang="zh-CN" dirty="0"/>
+              <a:t>('frame to send ', </a:t>
+            </a:r>
+            <a:r>
+              <a:rPr lang="en-US" altLang="zh-CN" dirty="0" err="1"/>
+              <a:t>sn</a:t>
+            </a:r>
+            <a:r>
+              <a:rPr lang="en-US" altLang="zh-CN" dirty="0"/>
+              <a:t>, ' data no ', </a:t>
+            </a:r>
+            <a:r>
+              <a:rPr lang="en-US" altLang="zh-CN" dirty="0" err="1"/>
+              <a:t>i_data</a:t>
+            </a:r>
+            <a:r>
+              <a:rPr lang="en-US" altLang="zh-CN" dirty="0"/>
+              <a:t>)  </a:t>
+            </a:r>
+          </a:p>
+          <a:p>
+            <a:r>
+              <a:rPr lang="en-US" altLang="zh-CN" dirty="0"/>
+              <a:t>                buffer[</a:t>
+            </a:r>
+            <a:r>
+              <a:rPr lang="en-US" altLang="zh-CN" dirty="0" err="1"/>
+              <a:t>sn</a:t>
+            </a:r>
+            <a:r>
+              <a:rPr lang="en-US" altLang="zh-CN" dirty="0"/>
+              <a:t>] = </a:t>
+            </a:r>
+            <a:r>
+              <a:rPr lang="en-US" altLang="zh-CN" dirty="0" err="1"/>
+              <a:t>i_data</a:t>
+            </a:r>
+            <a:r>
+              <a:rPr lang="en-US" altLang="zh-CN" dirty="0"/>
+              <a:t>  </a:t>
+            </a:r>
+          </a:p>
+          <a:p>
+            <a:r>
+              <a:rPr lang="en-US" altLang="zh-CN" dirty="0"/>
+              <a:t>                </a:t>
+            </a:r>
+            <a:r>
+              <a:rPr lang="en-US" altLang="zh-CN" dirty="0" err="1"/>
+              <a:t>sn</a:t>
+            </a:r>
+            <a:r>
+              <a:rPr lang="en-US" altLang="zh-CN" dirty="0"/>
+              <a:t> = (sn+1) % (MAX_SEQ+1)#</a:t>
+            </a:r>
+            <a:r>
+              <a:rPr lang="zh-CN" altLang="en-US" dirty="0"/>
+              <a:t>更新下一个带发送的帧  </a:t>
+            </a:r>
+          </a:p>
+          <a:p>
+            <a:r>
+              <a:rPr lang="zh-CN" altLang="en-US" dirty="0"/>
+              <a:t>                </a:t>
+            </a:r>
+            <a:r>
+              <a:rPr lang="en-US" altLang="zh-CN" dirty="0" err="1"/>
+              <a:t>bufferSize</a:t>
+            </a:r>
+            <a:r>
+              <a:rPr lang="en-US" altLang="zh-CN" dirty="0"/>
+              <a:t> += 1  </a:t>
+            </a:r>
+          </a:p>
+          <a:p>
+            <a:r>
+              <a:rPr lang="en-US" altLang="zh-CN" dirty="0"/>
+              <a:t>                </a:t>
+            </a:r>
+            <a:r>
+              <a:rPr lang="en-US" altLang="zh-CN" dirty="0" err="1"/>
+              <a:t>i_data</a:t>
+            </a:r>
+            <a:r>
+              <a:rPr lang="en-US" altLang="zh-CN" dirty="0"/>
+              <a:t> += 1  </a:t>
+            </a:r>
+          </a:p>
+          <a:p>
+            <a:r>
+              <a:rPr lang="en-US" altLang="zh-CN" dirty="0"/>
+              <a:t>                rand = </a:t>
+            </a:r>
+            <a:r>
+              <a:rPr lang="en-US" altLang="zh-CN" dirty="0" err="1"/>
+              <a:t>random.random</a:t>
+            </a:r>
+            <a:r>
+              <a:rPr lang="en-US" altLang="zh-CN" dirty="0"/>
+              <a:t>()  </a:t>
+            </a:r>
+          </a:p>
+          <a:p>
+            <a:r>
+              <a:rPr lang="en-US" altLang="zh-CN" dirty="0"/>
+              <a:t>                </a:t>
+            </a:r>
+            <a:r>
+              <a:rPr lang="en-US" altLang="zh-CN" b="1" dirty="0"/>
+              <a:t>if</a:t>
+            </a:r>
+            <a:r>
+              <a:rPr lang="en-US" altLang="zh-CN" dirty="0"/>
+              <a:t> rand &lt; </a:t>
+            </a:r>
+            <a:r>
+              <a:rPr lang="en-US" altLang="zh-CN" dirty="0" err="1"/>
+              <a:t>lostRate</a:t>
+            </a:r>
+            <a:r>
+              <a:rPr lang="en-US" altLang="zh-CN" dirty="0"/>
+              <a:t>:  </a:t>
+            </a:r>
+          </a:p>
+          <a:p>
+            <a:r>
+              <a:rPr lang="en-US" altLang="zh-CN" dirty="0"/>
+              <a:t>                    </a:t>
+            </a:r>
+            <a:r>
+              <a:rPr lang="en-US" altLang="zh-CN" b="1" dirty="0"/>
+              <a:t>print</a:t>
+            </a:r>
+            <a:r>
+              <a:rPr lang="en-US" altLang="zh-CN" dirty="0"/>
+              <a:t>('frame lose')  </a:t>
+            </a:r>
+          </a:p>
+          <a:p>
+            <a:r>
+              <a:rPr lang="en-US" altLang="zh-CN" dirty="0"/>
+              <a:t>                </a:t>
+            </a:r>
+            <a:r>
+              <a:rPr lang="en-US" altLang="zh-CN" b="1" dirty="0" err="1"/>
+              <a:t>elif</a:t>
+            </a:r>
+            <a:r>
+              <a:rPr lang="en-US" altLang="zh-CN" dirty="0"/>
+              <a:t> rand &lt; </a:t>
+            </a:r>
+            <a:r>
+              <a:rPr lang="en-US" altLang="zh-CN" dirty="0" err="1"/>
+              <a:t>lostRate+errorRate</a:t>
+            </a:r>
+            <a:r>
+              <a:rPr lang="en-US" altLang="zh-CN" dirty="0"/>
+              <a:t>:  </a:t>
+            </a:r>
+          </a:p>
+          <a:p>
+            <a:r>
+              <a:rPr lang="en-US" altLang="zh-CN" dirty="0"/>
+              <a:t>                    </a:t>
+            </a:r>
+            <a:r>
+              <a:rPr lang="en-US" altLang="zh-CN" b="1" dirty="0"/>
+              <a:t>print</a:t>
+            </a:r>
+            <a:r>
+              <a:rPr lang="en-US" altLang="zh-CN" dirty="0"/>
+              <a:t>('frame error')  </a:t>
+            </a:r>
+          </a:p>
+          <a:p>
+            <a:r>
+              <a:rPr lang="en-US" altLang="zh-CN" dirty="0"/>
+              <a:t>                    package = </a:t>
+            </a:r>
+            <a:r>
+              <a:rPr lang="en-US" altLang="zh-CN" dirty="0" err="1"/>
+              <a:t>self.errorSimulation</a:t>
+            </a:r>
+            <a:r>
+              <a:rPr lang="en-US" altLang="zh-CN" dirty="0"/>
+              <a:t>(package)  </a:t>
+            </a:r>
+          </a:p>
+          <a:p>
+            <a:r>
+              <a:rPr lang="en-US" altLang="zh-CN" dirty="0"/>
+              <a:t>                    </a:t>
+            </a:r>
+            <a:r>
+              <a:rPr lang="en-US" altLang="zh-CN" dirty="0" err="1"/>
+              <a:t>self.sForSend.sendto</a:t>
+            </a:r>
+            <a:r>
+              <a:rPr lang="en-US" altLang="zh-CN" dirty="0"/>
+              <a:t>(package, </a:t>
+            </a:r>
+            <a:r>
+              <a:rPr lang="en-US" altLang="zh-CN" dirty="0" err="1"/>
+              <a:t>self.sendAddress</a:t>
+            </a:r>
+            <a:r>
+              <a:rPr lang="en-US" altLang="zh-CN" dirty="0"/>
+              <a:t>)  </a:t>
+            </a:r>
+          </a:p>
+          <a:p>
+            <a:r>
+              <a:rPr lang="en-US" altLang="zh-CN" dirty="0"/>
+              <a:t>                </a:t>
+            </a:r>
+            <a:r>
+              <a:rPr lang="en-US" altLang="zh-CN" b="1" dirty="0"/>
+              <a:t>else</a:t>
+            </a:r>
+            <a:r>
+              <a:rPr lang="en-US" altLang="zh-CN" dirty="0"/>
+              <a:t>:  </a:t>
+            </a:r>
+          </a:p>
+          <a:p>
+            <a:r>
+              <a:rPr lang="en-US" altLang="zh-CN" dirty="0"/>
+              <a:t>                    </a:t>
+            </a:r>
+            <a:r>
+              <a:rPr lang="en-US" altLang="zh-CN" dirty="0" err="1"/>
+              <a:t>self.sForSend.sendto</a:t>
+            </a:r>
+            <a:r>
+              <a:rPr lang="en-US" altLang="zh-CN" dirty="0"/>
+              <a:t>(package, </a:t>
+            </a:r>
+            <a:r>
+              <a:rPr lang="en-US" altLang="zh-CN" dirty="0" err="1"/>
+              <a:t>self.sendAddress</a:t>
+            </a:r>
+            <a:r>
+              <a:rPr lang="en-US" altLang="zh-CN" dirty="0"/>
+              <a:t>)  </a:t>
+            </a:r>
+          </a:p>
+          <a:p>
+            <a:r>
+              <a:rPr lang="en-US" altLang="zh-CN" dirty="0"/>
+              <a:t>                </a:t>
+            </a:r>
+            <a:r>
+              <a:rPr lang="en-US" altLang="zh-CN" dirty="0" err="1"/>
+              <a:t>time.sleep</a:t>
+            </a:r>
+            <a:r>
+              <a:rPr lang="en-US" altLang="zh-CN" dirty="0"/>
+              <a:t>(</a:t>
+            </a:r>
+            <a:r>
+              <a:rPr lang="en-US" altLang="zh-CN" dirty="0" err="1"/>
+              <a:t>timeForSend</a:t>
+            </a:r>
+            <a:r>
+              <a:rPr lang="en-US" altLang="zh-CN" dirty="0"/>
+              <a:t>)  </a:t>
+            </a:r>
+          </a:p>
+          <a:p>
+            <a:r>
+              <a:rPr lang="en-US" altLang="zh-CN" dirty="0"/>
+              <a:t> </a:t>
+            </a:r>
+          </a:p>
+        </p:txBody>
+      </p:sp>
+    </p:spTree>
+    <p:extLst>
+      <p:ext uri="{BB962C8B-B14F-4D97-AF65-F5344CB8AC3E}">
+        <p14:creationId xmlns:p14="http://schemas.microsoft.com/office/powerpoint/2010/main" val="3604375850"/>
+      </p:ext>
+    </p:extLst>
+  </p:cSld>
+  <p:clrMapOvr>
+    <a:masterClrMapping/>
+  </p:clrMapOvr>
+  <p:timing>
+    <p:tnLst>
+      <p:par>
+        <p:cTn id="1" dur="indefinite" restart="never" nodeType="tmRoot"/>
+      </p:par>
+    </p:tnLst>
+  </p:timing>
+</p:sld>
+</file>
+
+<file path=ppt/slides/slide28.xml><?xml version="1.0" encoding="utf-8"?>
+<p:sld xmlns:a="http://schemas.openxmlformats.org/drawingml/2006/main" xmlns:r="http://schemas.openxmlformats.org/officeDocument/2006/relationships" xmlns:p="http://schemas.openxmlformats.org/presentationml/2006/main">
+  <p:cSld>
+    <p:spTree>
+      <p:nvGrpSpPr>
+        <p:cNvPr id="1" name=""/>
+        <p:cNvGrpSpPr/>
+        <p:nvPr/>
+      </p:nvGrpSpPr>
+      <p:grpSpPr>
+        <a:xfrm>
+          <a:off x="0" y="0"/>
+          <a:ext cx="0" cy="0"/>
+          <a:chOff x="0" y="0"/>
+          <a:chExt cx="0" cy="0"/>
+        </a:xfrm>
+      </p:grpSpPr>
+      <p:sp>
+        <p:nvSpPr>
+          <p:cNvPr id="2" name="竖排标题 1"/>
+          <p:cNvSpPr>
+            <a:spLocks noGrp="1"/>
+          </p:cNvSpPr>
+          <p:nvPr>
+            <p:ph type="title" orient="vert"/>
+          </p:nvPr>
+        </p:nvSpPr>
+        <p:spPr>
+          <a:xfrm>
+            <a:off x="8842467" y="838201"/>
+            <a:ext cx="2553326" cy="5181599"/>
+          </a:xfrm>
+        </p:spPr>
+        <p:txBody>
+          <a:bodyPr/>
+          <a:lstStyle/>
+          <a:p>
+            <a:pPr algn="ctr"/>
+            <a:r>
+              <a:rPr lang="zh-CN" altLang="en-US" dirty="0"/>
+              <a:t>没有数据到达</a:t>
+            </a:r>
+            <a:endParaRPr lang="zh-CN" altLang="en-US" b="1" dirty="0"/>
+          </a:p>
+        </p:txBody>
+      </p:sp>
+      <p:sp>
+        <p:nvSpPr>
+          <p:cNvPr id="4" name="文本框 3"/>
+          <p:cNvSpPr txBox="1"/>
+          <p:nvPr/>
+        </p:nvSpPr>
+        <p:spPr>
+          <a:xfrm>
+            <a:off x="1726473" y="2644170"/>
+            <a:ext cx="7378338" cy="1569660"/>
+          </a:xfrm>
+          <a:prstGeom prst="rect">
+            <a:avLst/>
+          </a:prstGeom>
+          <a:noFill/>
+        </p:spPr>
+        <p:txBody>
+          <a:bodyPr wrap="square" rtlCol="0">
+            <a:spAutoFit/>
+          </a:bodyPr>
+          <a:lstStyle/>
+          <a:p>
+            <a:endParaRPr lang="en-US" altLang="zh-CN" sz="2400" dirty="0"/>
+          </a:p>
+          <a:p>
+            <a:r>
+              <a:rPr lang="en-US" altLang="zh-CN" sz="2400" b="1" dirty="0"/>
+              <a:t>if</a:t>
+            </a:r>
+            <a:r>
+              <a:rPr lang="en-US" altLang="zh-CN" sz="2400" dirty="0"/>
+              <a:t> </a:t>
+            </a:r>
+            <a:r>
+              <a:rPr lang="en-US" altLang="zh-CN" sz="2400" b="1" dirty="0"/>
+              <a:t>not</a:t>
+            </a:r>
+            <a:r>
+              <a:rPr lang="en-US" altLang="zh-CN" sz="2400" dirty="0"/>
+              <a:t> </a:t>
+            </a:r>
+            <a:r>
+              <a:rPr lang="en-US" altLang="zh-CN" sz="2400" dirty="0" err="1"/>
+              <a:t>self.recvEvent.is_set</a:t>
+            </a:r>
+            <a:r>
+              <a:rPr lang="en-US" altLang="zh-CN" sz="2400" dirty="0"/>
+              <a:t>():#</a:t>
+            </a:r>
+            <a:r>
+              <a:rPr lang="zh-CN" altLang="en-US" sz="2400" dirty="0"/>
+              <a:t>没有数据到达  </a:t>
+            </a:r>
+          </a:p>
+          <a:p>
+            <a:r>
+              <a:rPr lang="zh-CN" altLang="en-US" sz="2400" dirty="0"/>
+              <a:t>                </a:t>
+            </a:r>
+            <a:r>
+              <a:rPr lang="en-US" altLang="zh-CN" sz="2400" dirty="0" err="1"/>
+              <a:t>self.processEvent.set</a:t>
+            </a:r>
+            <a:r>
+              <a:rPr lang="en-US" altLang="zh-CN" sz="2400" dirty="0"/>
+              <a:t>()#</a:t>
+            </a:r>
+            <a:r>
+              <a:rPr lang="zh-CN" altLang="en-US" sz="2400" dirty="0"/>
+              <a:t>触发数据处理完毕事件  </a:t>
+            </a:r>
+          </a:p>
+        </p:txBody>
+      </p:sp>
+    </p:spTree>
+    <p:extLst>
+      <p:ext uri="{BB962C8B-B14F-4D97-AF65-F5344CB8AC3E}">
+        <p14:creationId xmlns:p14="http://schemas.microsoft.com/office/powerpoint/2010/main" val="1861746965"/>
+      </p:ext>
+    </p:extLst>
+  </p:cSld>
+  <p:clrMapOvr>
+    <a:masterClrMapping/>
+  </p:clrMapOvr>
+  <p:timing>
+    <p:tnLst>
+      <p:par>
+        <p:cTn id="1" dur="indefinite" restart="never" nodeType="tmRoot"/>
+      </p:par>
+    </p:tnLst>
+  </p:timing>
+</p:sld>
+</file>
+
+<file path=ppt/slides/slide29.xml><?xml version="1.0" encoding="utf-8"?>
+<p:sld xmlns:a="http://schemas.openxmlformats.org/drawingml/2006/main" xmlns:r="http://schemas.openxmlformats.org/officeDocument/2006/relationships" xmlns:p="http://schemas.openxmlformats.org/presentationml/2006/main">
+  <p:cSld>
+    <p:spTree>
+      <p:nvGrpSpPr>
+        <p:cNvPr id="1" name=""/>
+        <p:cNvGrpSpPr/>
+        <p:nvPr/>
+      </p:nvGrpSpPr>
+      <p:grpSpPr>
+        <a:xfrm>
+          <a:off x="0" y="0"/>
+          <a:ext cx="0" cy="0"/>
+          <a:chOff x="0" y="0"/>
+          <a:chExt cx="0" cy="0"/>
+        </a:xfrm>
+      </p:grpSpPr>
+      <p:pic>
+        <p:nvPicPr>
+          <p:cNvPr id="2" name="图片 1"/>
+          <p:cNvPicPr>
+            <a:picLocks noChangeAspect="1"/>
+          </p:cNvPicPr>
+          <p:nvPr/>
+        </p:nvPicPr>
+        <p:blipFill>
+          <a:blip r:embed="rId2">
+            <a:extLst>
+              <a:ext uri="{28A0092B-C50C-407E-A947-70E740481C1C}">
+                <a14:useLocalDpi xmlns:a14="http://schemas.microsoft.com/office/drawing/2010/main" val="0"/>
+              </a:ext>
+            </a:extLst>
+          </a:blip>
+          <a:stretch>
+            <a:fillRect/>
+          </a:stretch>
+        </p:blipFill>
+        <p:spPr>
+          <a:xfrm>
+            <a:off x="3148149" y="123516"/>
+            <a:ext cx="3357155" cy="6499788"/>
+          </a:xfrm>
+          <a:prstGeom prst="rect">
+            <a:avLst/>
+          </a:prstGeom>
+        </p:spPr>
+      </p:pic>
+      <p:pic>
+        <p:nvPicPr>
+          <p:cNvPr id="3" name="图片 2"/>
+          <p:cNvPicPr>
+            <a:picLocks noChangeAspect="1"/>
+          </p:cNvPicPr>
+          <p:nvPr/>
+        </p:nvPicPr>
+        <p:blipFill>
+          <a:blip r:embed="rId3">
+            <a:extLst>
+              <a:ext uri="{28A0092B-C50C-407E-A947-70E740481C1C}">
+                <a14:useLocalDpi xmlns:a14="http://schemas.microsoft.com/office/drawing/2010/main" val="0"/>
+              </a:ext>
+            </a:extLst>
+          </a:blip>
+          <a:stretch>
+            <a:fillRect/>
+          </a:stretch>
+        </p:blipFill>
+        <p:spPr>
+          <a:xfrm>
+            <a:off x="6750104" y="2598944"/>
+            <a:ext cx="3002540" cy="1660113"/>
+          </a:xfrm>
+          <a:prstGeom prst="rect">
+            <a:avLst/>
+          </a:prstGeom>
+        </p:spPr>
+      </p:pic>
+    </p:spTree>
+    <p:extLst>
+      <p:ext uri="{BB962C8B-B14F-4D97-AF65-F5344CB8AC3E}">
+        <p14:creationId xmlns:p14="http://schemas.microsoft.com/office/powerpoint/2010/main" val="3532026546"/>
+      </p:ext>
+    </p:extLst>
+  </p:cSld>
+  <p:clrMapOvr>
+    <a:masterClrMapping/>
+  </p:clrMapOvr>
+  <p:timing>
+    <p:tnLst>
+      <p:par>
+        <p:cTn id="1" dur="indefinite" restart="never" nodeType="tmRoot"/>
+      </p:par>
+    </p:tnLst>
+  </p:timing>
+</p:sld>
+</file>
+
 <file path=ppt/slides/slide3.xml><?xml version="1.0" encoding="utf-8"?>
 <p:sld xmlns:a="http://schemas.openxmlformats.org/drawingml/2006/main" xmlns:r="http://schemas.openxmlformats.org/officeDocument/2006/relationships" xmlns:p="http://schemas.openxmlformats.org/presentationml/2006/main">
   <p:cSld>
@@ -8821,6 +15240,103 @@
     <p:extLst>
       <p:ext uri="{BB962C8B-B14F-4D97-AF65-F5344CB8AC3E}">
         <p14:creationId xmlns:p14="http://schemas.microsoft.com/office/powerpoint/2010/main" val="1553280030"/>
+      </p:ext>
+    </p:extLst>
+  </p:cSld>
+  <p:clrMapOvr>
+    <a:masterClrMapping/>
+  </p:clrMapOvr>
+  <p:timing>
+    <p:tnLst>
+      <p:par>
+        <p:cTn id="1" dur="indefinite" restart="never" nodeType="tmRoot"/>
+      </p:par>
+    </p:tnLst>
+  </p:timing>
+</p:sld>
+</file>
+
+<file path=ppt/slides/slide30.xml><?xml version="1.0" encoding="utf-8"?>
+<p:sld xmlns:a="http://schemas.openxmlformats.org/drawingml/2006/main" xmlns:r="http://schemas.openxmlformats.org/officeDocument/2006/relationships" xmlns:p="http://schemas.openxmlformats.org/presentationml/2006/main">
+  <p:cSld>
+    <p:spTree>
+      <p:nvGrpSpPr>
+        <p:cNvPr id="1" name=""/>
+        <p:cNvGrpSpPr/>
+        <p:nvPr/>
+      </p:nvGrpSpPr>
+      <p:grpSpPr>
+        <a:xfrm>
+          <a:off x="0" y="0"/>
+          <a:ext cx="0" cy="0"/>
+          <a:chOff x="0" y="0"/>
+          <a:chExt cx="0" cy="0"/>
+        </a:xfrm>
+      </p:grpSpPr>
+      <p:pic>
+        <p:nvPicPr>
+          <p:cNvPr id="2" name="图片 1"/>
+          <p:cNvPicPr>
+            <a:picLocks noChangeAspect="1"/>
+          </p:cNvPicPr>
+          <p:nvPr/>
+        </p:nvPicPr>
+        <p:blipFill>
+          <a:blip r:embed="rId2">
+            <a:extLst>
+              <a:ext uri="{28A0092B-C50C-407E-A947-70E740481C1C}">
+                <a14:useLocalDpi xmlns:a14="http://schemas.microsoft.com/office/drawing/2010/main" val="0"/>
+              </a:ext>
+            </a:extLst>
+          </a:blip>
+          <a:stretch>
+            <a:fillRect/>
+          </a:stretch>
+        </p:blipFill>
+        <p:spPr>
+          <a:xfrm>
+            <a:off x="3128964" y="159440"/>
+            <a:ext cx="3428590" cy="6502617"/>
+          </a:xfrm>
+          <a:prstGeom prst="rect">
+            <a:avLst/>
+          </a:prstGeom>
+        </p:spPr>
+      </p:pic>
+      <p:pic>
+        <p:nvPicPr>
+          <p:cNvPr id="3" name="图片 2"/>
+          <p:cNvPicPr>
+            <a:picLocks noChangeAspect="1"/>
+          </p:cNvPicPr>
+          <p:nvPr/>
+        </p:nvPicPr>
+        <p:blipFill>
+          <a:blip r:embed="rId3">
+            <a:extLst>
+              <a:ext uri="{28A0092B-C50C-407E-A947-70E740481C1C}">
+                <a14:useLocalDpi xmlns:a14="http://schemas.microsoft.com/office/drawing/2010/main" val="0"/>
+              </a:ext>
+            </a:extLst>
+          </a:blip>
+          <a:stretch>
+            <a:fillRect/>
+          </a:stretch>
+        </p:blipFill>
+        <p:spPr>
+          <a:xfrm>
+            <a:off x="6839909" y="2299063"/>
+            <a:ext cx="2979678" cy="1814703"/>
+          </a:xfrm>
+          <a:prstGeom prst="rect">
+            <a:avLst/>
+          </a:prstGeom>
+        </p:spPr>
+      </p:pic>
+    </p:spTree>
+    <p:extLst>
+      <p:ext uri="{BB962C8B-B14F-4D97-AF65-F5344CB8AC3E}">
+        <p14:creationId xmlns:p14="http://schemas.microsoft.com/office/powerpoint/2010/main" val="3063224195"/>
       </p:ext>
     </p:extLst>
   </p:cSld>
@@ -9191,166 +15707,162 @@
           </a:bodyPr>
           <a:lstStyle/>
           <a:p>
-            <a:endParaRPr lang="zh-CN" altLang="en-US" sz="2400" dirty="0"/>
-          </a:p>
-          <a:p>
-            <a:r>
-              <a:rPr lang="en-US" altLang="zh-CN" sz="2400" dirty="0"/>
+            <a:endParaRPr lang="zh-CN" altLang="en-US" sz="2400" dirty="0" smtClean="0"/>
+          </a:p>
+          <a:p>
+            <a:r>
+              <a:rPr lang="en-US" altLang="zh-CN" sz="2400" dirty="0" smtClean="0"/>
               <a:t>#</a:t>
             </a:r>
             <a:r>
-              <a:rPr lang="zh-CN" altLang="en-US" sz="2400" dirty="0"/>
-              <a:t>求</a:t>
-            </a:r>
-            <a:r>
               <a:rPr lang="zh-CN" altLang="en-US" sz="2400" dirty="0" smtClean="0"/>
-              <a:t>余数</a:t>
-            </a:r>
-            <a:endParaRPr lang="en-US" altLang="zh-CN" sz="2400" dirty="0"/>
-          </a:p>
-          <a:p>
-            <a:r>
-              <a:rPr lang="en-US" altLang="zh-CN" sz="2400" b="1" dirty="0" err="1"/>
+              <a:t>求余数</a:t>
+            </a:r>
+            <a:endParaRPr lang="en-US" altLang="zh-CN" sz="2400" dirty="0" smtClean="0"/>
+          </a:p>
+          <a:p>
+            <a:r>
+              <a:rPr lang="en-US" altLang="zh-CN" sz="2400" b="1" dirty="0" err="1" smtClean="0"/>
               <a:t>def</a:t>
             </a:r>
             <a:r>
-              <a:rPr lang="en-US" altLang="zh-CN" sz="2400" dirty="0"/>
+              <a:rPr lang="en-US" altLang="zh-CN" sz="2400" dirty="0" smtClean="0"/>
               <a:t> </a:t>
             </a:r>
             <a:r>
-              <a:rPr lang="en-US" altLang="zh-CN" sz="2400" dirty="0" err="1"/>
+              <a:rPr lang="en-US" altLang="zh-CN" sz="2400" dirty="0" err="1" smtClean="0"/>
               <a:t>getRemainder</a:t>
             </a:r>
             <a:r>
-              <a:rPr lang="en-US" altLang="zh-CN" sz="2400" dirty="0"/>
+              <a:rPr lang="en-US" altLang="zh-CN" sz="2400" dirty="0" smtClean="0"/>
               <a:t>(</a:t>
             </a:r>
             <a:r>
-              <a:rPr lang="en-US" altLang="zh-CN" sz="2400" dirty="0" err="1"/>
+              <a:rPr lang="en-US" altLang="zh-CN" sz="2400" dirty="0" err="1" smtClean="0"/>
               <a:t>value,valueL,gen,genL</a:t>
             </a:r>
             <a:r>
-              <a:rPr lang="en-US" altLang="zh-CN" sz="2400" dirty="0"/>
+              <a:rPr lang="en-US" altLang="zh-CN" sz="2400" dirty="0" smtClean="0"/>
               <a:t>):  </a:t>
             </a:r>
           </a:p>
           <a:p>
             <a:r>
-              <a:rPr lang="en-US" altLang="zh-CN" sz="2400" b="1" dirty="0"/>
+              <a:rPr lang="en-US" altLang="zh-CN" sz="2400" b="1" dirty="0" smtClean="0"/>
               <a:t>pass</a:t>
             </a:r>
             <a:r>
-              <a:rPr lang="en-US" altLang="zh-CN" sz="2400" dirty="0"/>
+              <a:rPr lang="en-US" altLang="zh-CN" sz="2400" dirty="0" smtClean="0"/>
               <a:t>  </a:t>
             </a:r>
           </a:p>
           <a:p>
             <a:r>
-              <a:rPr lang="en-US" altLang="zh-CN" sz="2400" dirty="0"/>
+              <a:rPr lang="en-US" altLang="zh-CN" sz="2400" dirty="0" smtClean="0"/>
               <a:t>res=value&gt;&gt;(</a:t>
             </a:r>
             <a:r>
-              <a:rPr lang="en-US" altLang="zh-CN" sz="2400" dirty="0" err="1"/>
+              <a:rPr lang="en-US" altLang="zh-CN" sz="2400" dirty="0" err="1" smtClean="0"/>
               <a:t>valueL-genL</a:t>
             </a:r>
             <a:r>
-              <a:rPr lang="en-US" altLang="zh-CN" sz="2400" dirty="0"/>
+              <a:rPr lang="en-US" altLang="zh-CN" sz="2400" dirty="0" smtClean="0"/>
               <a:t>)  </a:t>
             </a:r>
           </a:p>
           <a:p>
             <a:r>
-              <a:rPr lang="en-US" altLang="zh-CN" sz="2400" b="1" dirty="0"/>
+              <a:rPr lang="en-US" altLang="zh-CN" sz="2400" b="1" dirty="0" smtClean="0"/>
               <a:t>for</a:t>
             </a:r>
             <a:r>
-              <a:rPr lang="en-US" altLang="zh-CN" sz="2400" dirty="0"/>
+              <a:rPr lang="en-US" altLang="zh-CN" sz="2400" dirty="0" smtClean="0"/>
               <a:t> </a:t>
             </a:r>
             <a:r>
-              <a:rPr lang="en-US" altLang="zh-CN" sz="2400" dirty="0" err="1"/>
+              <a:rPr lang="en-US" altLang="zh-CN" sz="2400" dirty="0" err="1" smtClean="0"/>
               <a:t>i</a:t>
             </a:r>
             <a:r>
-              <a:rPr lang="en-US" altLang="zh-CN" sz="2400" dirty="0"/>
+              <a:rPr lang="en-US" altLang="zh-CN" sz="2400" dirty="0" smtClean="0"/>
               <a:t> </a:t>
             </a:r>
             <a:r>
-              <a:rPr lang="en-US" altLang="zh-CN" sz="2400" b="1" dirty="0"/>
+              <a:rPr lang="en-US" altLang="zh-CN" sz="2400" b="1" dirty="0" smtClean="0"/>
               <a:t>in</a:t>
             </a:r>
             <a:r>
-              <a:rPr lang="en-US" altLang="zh-CN" sz="2400" dirty="0"/>
+              <a:rPr lang="en-US" altLang="zh-CN" sz="2400" dirty="0" smtClean="0"/>
               <a:t> range(valueL-genL+1):  </a:t>
             </a:r>
           </a:p>
           <a:p>
             <a:r>
-              <a:rPr lang="en-US" altLang="zh-CN" sz="2400" b="1" dirty="0"/>
+              <a:rPr lang="en-US" altLang="zh-CN" sz="2400" b="1" dirty="0" smtClean="0"/>
               <a:t>if</a:t>
             </a:r>
             <a:r>
-              <a:rPr lang="en-US" altLang="zh-CN" sz="2400" dirty="0"/>
+              <a:rPr lang="en-US" altLang="zh-CN" sz="2400" dirty="0" smtClean="0"/>
               <a:t>(res&gt;&gt;(genL-1)):  </a:t>
             </a:r>
           </a:p>
           <a:p>
             <a:r>
-              <a:rPr lang="en-US" altLang="zh-CN" sz="2400" dirty="0"/>
+              <a:rPr lang="en-US" altLang="zh-CN" sz="2400" dirty="0" smtClean="0"/>
               <a:t>res^=gen  </a:t>
             </a:r>
           </a:p>
           <a:p>
             <a:r>
-              <a:rPr lang="en-US" altLang="zh-CN" sz="2400" b="1" dirty="0"/>
+              <a:rPr lang="en-US" altLang="zh-CN" sz="2400" b="1" dirty="0" smtClean="0"/>
               <a:t>if</a:t>
             </a:r>
             <a:r>
-              <a:rPr lang="en-US" altLang="zh-CN" sz="2400" dirty="0"/>
+              <a:rPr lang="en-US" altLang="zh-CN" sz="2400" dirty="0" smtClean="0"/>
               <a:t> </a:t>
             </a:r>
             <a:r>
-              <a:rPr lang="en-US" altLang="zh-CN" sz="2400" dirty="0" err="1"/>
+              <a:rPr lang="en-US" altLang="zh-CN" sz="2400" dirty="0" err="1" smtClean="0"/>
               <a:t>i</a:t>
             </a:r>
             <a:r>
-              <a:rPr lang="en-US" altLang="zh-CN" sz="2400" dirty="0"/>
+              <a:rPr lang="en-US" altLang="zh-CN" sz="2400" dirty="0" smtClean="0"/>
               <a:t>!=</a:t>
             </a:r>
             <a:r>
-              <a:rPr lang="en-US" altLang="zh-CN" sz="2400" dirty="0" err="1"/>
+              <a:rPr lang="en-US" altLang="zh-CN" sz="2400" dirty="0" err="1" smtClean="0"/>
               <a:t>valueL-genL</a:t>
             </a:r>
             <a:r>
-              <a:rPr lang="en-US" altLang="zh-CN" sz="2400" dirty="0"/>
+              <a:rPr lang="en-US" altLang="zh-CN" sz="2400" dirty="0" smtClean="0"/>
               <a:t>:  </a:t>
             </a:r>
           </a:p>
           <a:p>
             <a:r>
-              <a:rPr lang="en-US" altLang="zh-CN" sz="2400" dirty="0"/>
+              <a:rPr lang="en-US" altLang="zh-CN" sz="2400" dirty="0" smtClean="0"/>
               <a:t>res&lt;&lt;=1  </a:t>
             </a:r>
           </a:p>
           <a:p>
             <a:r>
-              <a:rPr lang="en-US" altLang="zh-CN" sz="2400" dirty="0"/>
+              <a:rPr lang="en-US" altLang="zh-CN" sz="2400" dirty="0" smtClean="0"/>
               <a:t>res&amp;=(~(1&lt;&lt;17))  </a:t>
             </a:r>
           </a:p>
           <a:p>
             <a:r>
-              <a:rPr lang="en-US" altLang="zh-CN" sz="2400" dirty="0"/>
+              <a:rPr lang="en-US" altLang="zh-CN" sz="2400" dirty="0" smtClean="0"/>
               <a:t>res|=((value&amp;(1&lt;&lt;(valueL-genL-1-i)))&gt;&gt;(valueL-genL-1-i))  </a:t>
             </a:r>
           </a:p>
           <a:p>
             <a:r>
-              <a:rPr lang="en-US" altLang="zh-CN" sz="2400" b="1" dirty="0"/>
+              <a:rPr lang="en-US" altLang="zh-CN" sz="2400" b="1" dirty="0" smtClean="0"/>
               <a:t>return</a:t>
             </a:r>
             <a:r>
-              <a:rPr lang="en-US" altLang="zh-CN" sz="2400" dirty="0"/>
+              <a:rPr lang="en-US" altLang="zh-CN" sz="2400" dirty="0" smtClean="0"/>
               <a:t> res  </a:t>
             </a:r>
           </a:p>

--- a/python/ppt/ppt-chapter3.pptx
+++ b/python/ppt/ppt-chapter3.pptx
@@ -28,13 +28,14 @@
     <p:sldId id="277" r:id="rId22"/>
     <p:sldId id="278" r:id="rId23"/>
     <p:sldId id="279" r:id="rId24"/>
-    <p:sldId id="281" r:id="rId25"/>
-    <p:sldId id="282" r:id="rId26"/>
-    <p:sldId id="283" r:id="rId27"/>
-    <p:sldId id="284" r:id="rId28"/>
-    <p:sldId id="285" r:id="rId29"/>
+    <p:sldId id="282" r:id="rId25"/>
+    <p:sldId id="283" r:id="rId26"/>
+    <p:sldId id="284" r:id="rId27"/>
+    <p:sldId id="285" r:id="rId28"/>
+    <p:sldId id="290" r:id="rId29"/>
     <p:sldId id="286" r:id="rId30"/>
     <p:sldId id="287" r:id="rId31"/>
+    <p:sldId id="291" r:id="rId32"/>
   </p:sldIdLst>
   <p:sldSz cx="12192000" cy="6858000"/>
   <p:notesSz cx="6858000" cy="9144000"/>
@@ -161,13 +162,14 @@
             <p14:sldId id="277"/>
             <p14:sldId id="278"/>
             <p14:sldId id="279"/>
-            <p14:sldId id="281"/>
             <p14:sldId id="282"/>
             <p14:sldId id="283"/>
             <p14:sldId id="284"/>
             <p14:sldId id="285"/>
+            <p14:sldId id="290"/>
             <p14:sldId id="286"/>
             <p14:sldId id="287"/>
+            <p14:sldId id="291"/>
           </p14:sldIdLst>
         </p14:section>
       </p14:sectionLst>
@@ -6188,7 +6190,7 @@
         </p:nvSpPr>
         <p:spPr>
           <a:xfrm>
-            <a:off x="5109754" y="6048103"/>
+            <a:off x="5109754" y="5290457"/>
             <a:ext cx="1972492" cy="369332"/>
           </a:xfrm>
           <a:prstGeom prst="rect">
@@ -7595,88 +7597,9 @@
           </a:p>
         </p:txBody>
       </p:sp>
-      <p:sp>
-        <p:nvSpPr>
-          <p:cNvPr id="7" name="文本框 6"/>
-          <p:cNvSpPr txBox="1"/>
-          <p:nvPr/>
-        </p:nvSpPr>
-        <p:spPr>
-          <a:xfrm>
-            <a:off x="8285018" y="401782"/>
-            <a:ext cx="3449782" cy="461665"/>
-          </a:xfrm>
-          <a:prstGeom prst="rect">
-            <a:avLst/>
-          </a:prstGeom>
-          <a:noFill/>
-        </p:spPr>
-        <p:txBody>
-          <a:bodyPr wrap="square" rtlCol="0">
-            <a:spAutoFit/>
-          </a:bodyPr>
-          <a:lstStyle/>
-          <a:p>
-            <a:r>
-              <a:rPr lang="zh-CN" altLang="en-US" sz="2400" b="1" dirty="0" smtClean="0">
-                <a:latin typeface="仿宋" panose="02010609060101010101" pitchFamily="49" charset="-122"/>
-                <a:ea typeface="仿宋" panose="02010609060101010101" pitchFamily="49" charset="-122"/>
-              </a:rPr>
-              <a:t>结果分析</a:t>
-            </a:r>
-            <a:r>
-              <a:rPr lang="en-US" altLang="zh-CN" sz="2400" b="1" dirty="0" smtClean="0">
-                <a:latin typeface="仿宋" panose="02010609060101010101" pitchFamily="49" charset="-122"/>
-                <a:ea typeface="仿宋" panose="02010609060101010101" pitchFamily="49" charset="-122"/>
-              </a:rPr>
-              <a:t>:</a:t>
-            </a:r>
-            <a:endParaRPr lang="zh-CN" altLang="en-US" sz="2400" b="1" dirty="0">
-              <a:latin typeface="仿宋" panose="02010609060101010101" pitchFamily="49" charset="-122"/>
-              <a:ea typeface="仿宋" panose="02010609060101010101" pitchFamily="49" charset="-122"/>
-            </a:endParaRPr>
-          </a:p>
-        </p:txBody>
-      </p:sp>
-      <p:sp>
-        <p:nvSpPr>
-          <p:cNvPr id="5" name="文本框 4"/>
-          <p:cNvSpPr txBox="1"/>
-          <p:nvPr/>
-        </p:nvSpPr>
-        <p:spPr>
-          <a:xfrm>
-            <a:off x="8213267" y="3726873"/>
-            <a:ext cx="3449782" cy="461665"/>
-          </a:xfrm>
-          <a:prstGeom prst="rect">
-            <a:avLst/>
-          </a:prstGeom>
-          <a:noFill/>
-        </p:spPr>
-        <p:txBody>
-          <a:bodyPr wrap="square" rtlCol="0">
-            <a:spAutoFit/>
-          </a:bodyPr>
-          <a:lstStyle/>
-          <a:p>
-            <a:r>
-              <a:rPr lang="zh-CN" altLang="en-US" sz="2400" b="1" dirty="0" smtClean="0">
-                <a:latin typeface="仿宋" panose="02010609060101010101" pitchFamily="49" charset="-122"/>
-                <a:ea typeface="仿宋" panose="02010609060101010101" pitchFamily="49" charset="-122"/>
-              </a:rPr>
-              <a:t>总结：</a:t>
-            </a:r>
-            <a:endParaRPr lang="zh-CN" altLang="en-US" sz="2400" b="1" dirty="0">
-              <a:latin typeface="仿宋" panose="02010609060101010101" pitchFamily="49" charset="-122"/>
-              <a:ea typeface="仿宋" panose="02010609060101010101" pitchFamily="49" charset="-122"/>
-            </a:endParaRPr>
-          </a:p>
-        </p:txBody>
-      </p:sp>
       <p:pic>
         <p:nvPicPr>
-          <p:cNvPr id="2" name="图片 1"/>
+          <p:cNvPr id="4" name="图片 3"/>
           <p:cNvPicPr>
             <a:picLocks noChangeAspect="1"/>
           </p:cNvPicPr>
@@ -7696,14 +7619,174 @@
         </p:blipFill>
         <p:spPr>
           <a:xfrm>
-            <a:off x="2424467" y="902778"/>
-            <a:ext cx="5788800" cy="5052444"/>
+            <a:off x="2369372" y="555172"/>
+            <a:ext cx="5885714" cy="5747657"/>
           </a:xfrm>
           <a:prstGeom prst="rect">
             <a:avLst/>
           </a:prstGeom>
         </p:spPr>
       </p:pic>
+      <p:sp>
+        <p:nvSpPr>
+          <p:cNvPr id="6" name="矩形 5"/>
+          <p:cNvSpPr/>
+          <p:nvPr/>
+        </p:nvSpPr>
+        <p:spPr>
+          <a:xfrm>
+            <a:off x="9757954" y="1887584"/>
+            <a:ext cx="1188720" cy="568233"/>
+          </a:xfrm>
+          <a:prstGeom prst="rect">
+            <a:avLst/>
+          </a:prstGeom>
+        </p:spPr>
+        <p:style>
+          <a:lnRef idx="2">
+            <a:schemeClr val="dk1"/>
+          </a:lnRef>
+          <a:fillRef idx="1">
+            <a:schemeClr val="lt1"/>
+          </a:fillRef>
+          <a:effectRef idx="0">
+            <a:schemeClr val="dk1"/>
+          </a:effectRef>
+          <a:fontRef idx="minor">
+            <a:schemeClr val="dk1"/>
+          </a:fontRef>
+        </p:style>
+        <p:txBody>
+          <a:bodyPr rtlCol="0" anchor="ctr"/>
+          <a:lstStyle/>
+          <a:p>
+            <a:pPr algn="ctr"/>
+            <a:r>
+              <a:rPr lang="zh-CN" altLang="en-US" b="1" dirty="0" smtClean="0"/>
+              <a:t>比特填充</a:t>
+            </a:r>
+            <a:endParaRPr lang="zh-CN" altLang="en-US" b="1" dirty="0"/>
+          </a:p>
+        </p:txBody>
+      </p:sp>
+      <p:cxnSp>
+        <p:nvCxnSpPr>
+          <p:cNvPr id="9" name="直接箭头连接符 8"/>
+          <p:cNvCxnSpPr/>
+          <p:nvPr/>
+        </p:nvCxnSpPr>
+        <p:spPr>
+          <a:xfrm flipH="1" flipV="1">
+            <a:off x="7589520" y="2168435"/>
+            <a:ext cx="2168434" cy="3265"/>
+          </a:xfrm>
+          <a:prstGeom prst="straightConnector1">
+            <a:avLst/>
+          </a:prstGeom>
+          <a:ln>
+            <a:solidFill>
+              <a:srgbClr val="FF0000"/>
+            </a:solidFill>
+            <a:tailEnd type="triangle"/>
+          </a:ln>
+        </p:spPr>
+        <p:style>
+          <a:lnRef idx="1">
+            <a:schemeClr val="accent1"/>
+          </a:lnRef>
+          <a:fillRef idx="0">
+            <a:schemeClr val="accent1"/>
+          </a:fillRef>
+          <a:effectRef idx="0">
+            <a:schemeClr val="accent1"/>
+          </a:effectRef>
+          <a:fontRef idx="minor">
+            <a:schemeClr val="tx1"/>
+          </a:fontRef>
+        </p:style>
+      </p:cxnSp>
+      <p:sp>
+        <p:nvSpPr>
+          <p:cNvPr id="10" name="矩形 9"/>
+          <p:cNvSpPr/>
+          <p:nvPr/>
+        </p:nvSpPr>
+        <p:spPr>
+          <a:xfrm>
+            <a:off x="9653451" y="5139147"/>
+            <a:ext cx="1188720" cy="568233"/>
+          </a:xfrm>
+          <a:prstGeom prst="rect">
+            <a:avLst/>
+          </a:prstGeom>
+        </p:spPr>
+        <p:style>
+          <a:lnRef idx="2">
+            <a:schemeClr val="dk1"/>
+          </a:lnRef>
+          <a:fillRef idx="1">
+            <a:schemeClr val="lt1"/>
+          </a:fillRef>
+          <a:effectRef idx="0">
+            <a:schemeClr val="dk1"/>
+          </a:effectRef>
+          <a:fontRef idx="minor">
+            <a:schemeClr val="dk1"/>
+          </a:fontRef>
+        </p:style>
+        <p:txBody>
+          <a:bodyPr rtlCol="0" anchor="ctr"/>
+          <a:lstStyle/>
+          <a:p>
+            <a:pPr algn="ctr"/>
+            <a:r>
+              <a:rPr lang="zh-CN" altLang="en-US" b="1" dirty="0"/>
+              <a:t>字节</a:t>
+            </a:r>
+            <a:r>
+              <a:rPr lang="zh-CN" altLang="en-US" b="1" dirty="0" smtClean="0"/>
+              <a:t>填充</a:t>
+            </a:r>
+            <a:endParaRPr lang="zh-CN" altLang="en-US" b="1" dirty="0"/>
+          </a:p>
+        </p:txBody>
+      </p:sp>
+      <p:cxnSp>
+        <p:nvCxnSpPr>
+          <p:cNvPr id="12" name="直接箭头连接符 11"/>
+          <p:cNvCxnSpPr/>
+          <p:nvPr/>
+        </p:nvCxnSpPr>
+        <p:spPr>
+          <a:xfrm flipH="1" flipV="1">
+            <a:off x="4193177" y="5408025"/>
+            <a:ext cx="5460274" cy="15239"/>
+          </a:xfrm>
+          <a:prstGeom prst="straightConnector1">
+            <a:avLst/>
+          </a:prstGeom>
+          <a:ln>
+            <a:solidFill>
+              <a:srgbClr val="FF0000"/>
+            </a:solidFill>
+            <a:tailEnd type="triangle"/>
+          </a:ln>
+        </p:spPr>
+        <p:style>
+          <a:lnRef idx="1">
+            <a:schemeClr val="accent1"/>
+          </a:lnRef>
+          <a:fillRef idx="0">
+            <a:schemeClr val="accent1"/>
+          </a:fillRef>
+          <a:effectRef idx="0">
+            <a:schemeClr val="accent1"/>
+          </a:effectRef>
+          <a:fontRef idx="minor">
+            <a:schemeClr val="tx1"/>
+          </a:fontRef>
+        </p:style>
+      </p:cxnSp>
     </p:spTree>
     <p:extLst>
       <p:ext uri="{BB962C8B-B14F-4D97-AF65-F5344CB8AC3E}">
@@ -7822,10 +7905,10 @@
           <a:lstStyle/>
           <a:p>
             <a:r>
-              <a:rPr lang="zh-CN" altLang="en-US" dirty="0" smtClean="0"/>
+              <a:rPr lang="zh-CN" altLang="en-US" b="1" dirty="0" smtClean="0"/>
               <a:t>发送帧</a:t>
             </a:r>
-            <a:endParaRPr lang="en-US" altLang="zh-CN" dirty="0" smtClean="0"/>
+            <a:endParaRPr lang="en-US" altLang="zh-CN" b="1" dirty="0" smtClean="0"/>
           </a:p>
         </p:txBody>
       </p:sp>
@@ -7862,14 +7945,14 @@
           <a:lstStyle/>
           <a:p>
             <a:r>
-              <a:rPr lang="en-US" altLang="zh-CN" dirty="0" smtClean="0"/>
+              <a:rPr lang="en-US" altLang="zh-CN" b="1" dirty="0" smtClean="0"/>
               <a:t>send</a:t>
             </a:r>
             <a:r>
-              <a:rPr lang="zh-CN" altLang="en-US" dirty="0" smtClean="0"/>
+              <a:rPr lang="zh-CN" altLang="en-US" b="1" dirty="0" smtClean="0"/>
               <a:t>函数</a:t>
             </a:r>
-            <a:endParaRPr lang="en-US" altLang="zh-CN" dirty="0"/>
+            <a:endParaRPr lang="en-US" altLang="zh-CN" b="1" dirty="0"/>
           </a:p>
         </p:txBody>
       </p:sp>
@@ -7906,14 +7989,14 @@
           <a:lstStyle/>
           <a:p>
             <a:r>
-              <a:rPr lang="en-US" altLang="zh-CN" dirty="0"/>
+              <a:rPr lang="en-US" altLang="zh-CN" b="1" dirty="0"/>
               <a:t>pack</a:t>
             </a:r>
             <a:r>
-              <a:rPr lang="zh-CN" altLang="en-US" dirty="0" smtClean="0"/>
+              <a:rPr lang="zh-CN" altLang="en-US" b="1" dirty="0" smtClean="0"/>
               <a:t>函数</a:t>
             </a:r>
-            <a:endParaRPr lang="en-US" altLang="zh-CN" dirty="0"/>
+            <a:endParaRPr lang="en-US" altLang="zh-CN" b="1" dirty="0"/>
           </a:p>
         </p:txBody>
       </p:sp>
@@ -7950,10 +8033,10 @@
           <a:lstStyle/>
           <a:p>
             <a:r>
-              <a:rPr lang="zh-CN" altLang="en-US" dirty="0"/>
+              <a:rPr lang="zh-CN" altLang="en-US" b="1" dirty="0"/>
               <a:t>打包</a:t>
             </a:r>
-            <a:endParaRPr lang="en-US" altLang="zh-CN" dirty="0"/>
+            <a:endParaRPr lang="en-US" altLang="zh-CN" b="1" dirty="0"/>
           </a:p>
         </p:txBody>
       </p:sp>
@@ -7990,14 +8073,14 @@
           <a:lstStyle/>
           <a:p>
             <a:r>
-              <a:rPr lang="zh-CN" altLang="en-US" dirty="0" smtClean="0"/>
+              <a:rPr lang="zh-CN" altLang="en-US" b="1" dirty="0" smtClean="0"/>
               <a:t>模拟出错、</a:t>
             </a:r>
             <a:r>
-              <a:rPr lang="zh-CN" altLang="en-US" dirty="0"/>
+              <a:rPr lang="zh-CN" altLang="en-US" b="1" dirty="0"/>
               <a:t>丢帧</a:t>
             </a:r>
-            <a:endParaRPr lang="en-US" altLang="zh-CN" dirty="0"/>
+            <a:endParaRPr lang="en-US" altLang="zh-CN" b="1" dirty="0"/>
           </a:p>
         </p:txBody>
       </p:sp>
@@ -8010,7 +8093,7 @@
         <p:spPr>
           <a:xfrm>
             <a:off x="6431219" y="3531041"/>
-            <a:ext cx="2072701" cy="369332"/>
+            <a:ext cx="2072701" cy="646331"/>
           </a:xfrm>
           <a:prstGeom prst="rect">
             <a:avLst/>
@@ -8034,14 +8117,14 @@
           <a:lstStyle/>
           <a:p>
             <a:r>
-              <a:rPr lang="en-US" altLang="zh-CN" dirty="0" err="1" smtClean="0"/>
+              <a:rPr lang="en-US" altLang="zh-CN" b="1" dirty="0" err="1" smtClean="0"/>
               <a:t>errorSimulation</a:t>
             </a:r>
             <a:r>
-              <a:rPr lang="zh-CN" altLang="en-US" dirty="0" smtClean="0"/>
+              <a:rPr lang="zh-CN" altLang="en-US" b="1" dirty="0" smtClean="0"/>
               <a:t>函数</a:t>
             </a:r>
-            <a:endParaRPr lang="en-US" altLang="zh-CN" dirty="0"/>
+            <a:endParaRPr lang="en-US" altLang="zh-CN" b="1" dirty="0"/>
           </a:p>
         </p:txBody>
       </p:sp>
@@ -8125,8 +8208,8 @@
         </p:nvCxnSpPr>
         <p:spPr>
           <a:xfrm>
-            <a:off x="4911738" y="3724779"/>
-            <a:ext cx="1519481" cy="0"/>
+            <a:off x="4898863" y="3718054"/>
+            <a:ext cx="1532356" cy="136153"/>
           </a:xfrm>
           <a:prstGeom prst="straightConnector1">
             <a:avLst/>
@@ -8235,10 +8318,10 @@
           <a:lstStyle/>
           <a:p>
             <a:r>
-              <a:rPr lang="zh-CN" altLang="en-US" dirty="0" smtClean="0"/>
+              <a:rPr lang="zh-CN" altLang="en-US" b="1" dirty="0" smtClean="0"/>
               <a:t>接收帧</a:t>
             </a:r>
-            <a:endParaRPr lang="en-US" altLang="zh-CN" dirty="0" smtClean="0"/>
+            <a:endParaRPr lang="en-US" altLang="zh-CN" b="1" dirty="0" smtClean="0"/>
           </a:p>
         </p:txBody>
       </p:sp>
@@ -8275,14 +8358,14 @@
           <a:lstStyle/>
           <a:p>
             <a:r>
-              <a:rPr lang="en-US" altLang="zh-CN" dirty="0" err="1" smtClean="0"/>
+              <a:rPr lang="en-US" altLang="zh-CN" b="1" dirty="0" err="1" smtClean="0"/>
               <a:t>recv</a:t>
             </a:r>
             <a:r>
-              <a:rPr lang="zh-CN" altLang="en-US" dirty="0" smtClean="0"/>
+              <a:rPr lang="zh-CN" altLang="en-US" b="1" dirty="0" smtClean="0"/>
               <a:t>函数</a:t>
             </a:r>
-            <a:endParaRPr lang="en-US" altLang="zh-CN" dirty="0"/>
+            <a:endParaRPr lang="en-US" altLang="zh-CN" b="1" dirty="0"/>
           </a:p>
         </p:txBody>
       </p:sp>
@@ -8356,10 +8439,10 @@
           <a:lstStyle/>
           <a:p>
             <a:r>
-              <a:rPr lang="zh-CN" altLang="en-US" dirty="0"/>
+              <a:rPr lang="zh-CN" altLang="en-US" b="1" dirty="0"/>
               <a:t>解包</a:t>
             </a:r>
-            <a:endParaRPr lang="en-US" altLang="zh-CN" dirty="0" smtClean="0"/>
+            <a:endParaRPr lang="en-US" altLang="zh-CN" b="1" dirty="0" smtClean="0"/>
           </a:p>
         </p:txBody>
       </p:sp>
@@ -8396,14 +8479,14 @@
           <a:lstStyle/>
           <a:p>
             <a:r>
-              <a:rPr lang="en-US" altLang="zh-CN" dirty="0"/>
+              <a:rPr lang="en-US" altLang="zh-CN" b="1" dirty="0"/>
               <a:t>unpack</a:t>
             </a:r>
             <a:r>
-              <a:rPr lang="zh-CN" altLang="en-US" dirty="0" smtClean="0"/>
+              <a:rPr lang="zh-CN" altLang="en-US" b="1" dirty="0" smtClean="0"/>
               <a:t>函数</a:t>
             </a:r>
-            <a:endParaRPr lang="en-US" altLang="zh-CN" dirty="0"/>
+            <a:endParaRPr lang="en-US" altLang="zh-CN" b="1" dirty="0"/>
           </a:p>
         </p:txBody>
       </p:sp>
@@ -11138,7 +11221,23 @@
             </a:r>
             <a:r>
               <a:rPr lang="en-US" altLang="zh-CN" sz="2000" dirty="0"/>
-              <a:t> package[1:-2]  </a:t>
+              <a:t> package[1:-</a:t>
+            </a:r>
+            <a:r>
+              <a:rPr lang="en-US" altLang="zh-CN" sz="2000" dirty="0" smtClean="0"/>
+              <a:t>2]</a:t>
+            </a:r>
+            <a:r>
+              <a:rPr lang="zh-CN" altLang="en-US" sz="2000" dirty="0">
+                <a:solidFill>
+                  <a:schemeClr val="bg1"/>
+                </a:solidFill>
+              </a:rPr>
+              <a:t>帧</a:t>
+            </a:r>
+            <a:r>
+              <a:rPr lang="en-US" altLang="zh-CN" sz="2000" dirty="0"/>
+              <a:t>  </a:t>
             </a:r>
           </a:p>
         </p:txBody>
@@ -11232,13 +11331,31 @@
         </p:blipFill>
         <p:spPr>
           <a:xfrm>
-            <a:off x="2073897" y="548047"/>
+            <a:off x="2060381" y="548048"/>
             <a:ext cx="4752381" cy="5761905"/>
           </a:xfrm>
           <a:prstGeom prst="rect">
             <a:avLst/>
           </a:prstGeom>
-        </p:spPr>
+          <a:noFill/>
+          <a:ln>
+            <a:noFill/>
+          </a:ln>
+        </p:spPr>
+        <p:style>
+          <a:lnRef idx="0">
+            <a:scrgbClr r="0" g="0" b="0"/>
+          </a:lnRef>
+          <a:fillRef idx="0">
+            <a:scrgbClr r="0" g="0" b="0"/>
+          </a:fillRef>
+          <a:effectRef idx="0">
+            <a:scrgbClr r="0" g="0" b="0"/>
+          </a:effectRef>
+          <a:fontRef idx="minor">
+            <a:schemeClr val="dk1"/>
+          </a:fontRef>
+        </p:style>
       </p:pic>
       <p:sp>
         <p:nvSpPr>
@@ -11354,6 +11471,216 @@
               <a:t>运行结果</a:t>
             </a:r>
             <a:endParaRPr lang="zh-CN" altLang="en-US" sz="4800" dirty="0"/>
+          </a:p>
+        </p:txBody>
+      </p:sp>
+      <p:sp>
+        <p:nvSpPr>
+          <p:cNvPr id="2" name="矩形 1"/>
+          <p:cNvSpPr/>
+          <p:nvPr/>
+        </p:nvSpPr>
+        <p:spPr>
+          <a:xfrm>
+            <a:off x="5499944" y="3089365"/>
+            <a:ext cx="1201301" cy="659676"/>
+          </a:xfrm>
+          <a:prstGeom prst="rect">
+            <a:avLst/>
+          </a:prstGeom>
+          <a:noFill/>
+          <a:ln>
+            <a:noFill/>
+          </a:ln>
+        </p:spPr>
+        <p:style>
+          <a:lnRef idx="0">
+            <a:scrgbClr r="0" g="0" b="0"/>
+          </a:lnRef>
+          <a:fillRef idx="0">
+            <a:scrgbClr r="0" g="0" b="0"/>
+          </a:fillRef>
+          <a:effectRef idx="0">
+            <a:scrgbClr r="0" g="0" b="0"/>
+          </a:effectRef>
+          <a:fontRef idx="minor">
+            <a:schemeClr val="dk1"/>
+          </a:fontRef>
+        </p:style>
+        <p:txBody>
+          <a:bodyPr rtlCol="0" anchor="ctr"/>
+          <a:lstStyle/>
+          <a:p>
+            <a:pPr algn="ctr"/>
+            <a:r>
+              <a:rPr lang="zh-CN" altLang="en-US" dirty="0" smtClean="0">
+                <a:solidFill>
+                  <a:schemeClr val="bg1"/>
+                </a:solidFill>
+              </a:rPr>
+              <a:t>帧丢失</a:t>
+            </a:r>
+            <a:endParaRPr lang="en-US" altLang="zh-CN" dirty="0" smtClean="0">
+              <a:solidFill>
+                <a:schemeClr val="bg1"/>
+              </a:solidFill>
+            </a:endParaRPr>
+          </a:p>
+          <a:p>
+            <a:pPr algn="ctr"/>
+            <a:r>
+              <a:rPr lang="zh-CN" altLang="en-US" dirty="0" smtClean="0">
+                <a:solidFill>
+                  <a:schemeClr val="bg1"/>
+                </a:solidFill>
+              </a:rPr>
+              <a:t>超时重传</a:t>
+            </a:r>
+            <a:endParaRPr lang="zh-CN" altLang="en-US" dirty="0">
+              <a:solidFill>
+                <a:schemeClr val="bg1"/>
+              </a:solidFill>
+            </a:endParaRPr>
+          </a:p>
+        </p:txBody>
+      </p:sp>
+      <p:sp>
+        <p:nvSpPr>
+          <p:cNvPr id="9" name="矩形 8"/>
+          <p:cNvSpPr/>
+          <p:nvPr/>
+        </p:nvSpPr>
+        <p:spPr>
+          <a:xfrm>
+            <a:off x="5499944" y="4369821"/>
+            <a:ext cx="1201301" cy="659676"/>
+          </a:xfrm>
+          <a:prstGeom prst="rect">
+            <a:avLst/>
+          </a:prstGeom>
+          <a:noFill/>
+          <a:ln>
+            <a:noFill/>
+          </a:ln>
+        </p:spPr>
+        <p:style>
+          <a:lnRef idx="0">
+            <a:scrgbClr r="0" g="0" b="0"/>
+          </a:lnRef>
+          <a:fillRef idx="0">
+            <a:scrgbClr r="0" g="0" b="0"/>
+          </a:fillRef>
+          <a:effectRef idx="0">
+            <a:scrgbClr r="0" g="0" b="0"/>
+          </a:effectRef>
+          <a:fontRef idx="minor">
+            <a:schemeClr val="dk1"/>
+          </a:fontRef>
+        </p:style>
+        <p:txBody>
+          <a:bodyPr rtlCol="0" anchor="ctr"/>
+          <a:lstStyle/>
+          <a:p>
+            <a:pPr algn="ctr"/>
+            <a:r>
+              <a:rPr lang="zh-CN" altLang="en-US" dirty="0" smtClean="0">
+                <a:solidFill>
+                  <a:schemeClr val="bg1"/>
+                </a:solidFill>
+              </a:rPr>
+              <a:t>帧出错</a:t>
+            </a:r>
+            <a:endParaRPr lang="en-US" altLang="zh-CN" dirty="0" smtClean="0">
+              <a:solidFill>
+                <a:schemeClr val="bg1"/>
+              </a:solidFill>
+            </a:endParaRPr>
+          </a:p>
+          <a:p>
+            <a:pPr algn="ctr"/>
+            <a:r>
+              <a:rPr lang="zh-CN" altLang="en-US" dirty="0" smtClean="0">
+                <a:solidFill>
+                  <a:schemeClr val="bg1"/>
+                </a:solidFill>
+              </a:rPr>
+              <a:t>重传</a:t>
+            </a:r>
+            <a:endParaRPr lang="zh-CN" altLang="en-US" dirty="0">
+              <a:solidFill>
+                <a:schemeClr val="bg1"/>
+              </a:solidFill>
+            </a:endParaRPr>
+          </a:p>
+        </p:txBody>
+      </p:sp>
+      <p:sp>
+        <p:nvSpPr>
+          <p:cNvPr id="10" name="矩形 9"/>
+          <p:cNvSpPr/>
+          <p:nvPr/>
+        </p:nvSpPr>
+        <p:spPr>
+          <a:xfrm>
+            <a:off x="8939507" y="4039983"/>
+            <a:ext cx="1201301" cy="659676"/>
+          </a:xfrm>
+          <a:prstGeom prst="rect">
+            <a:avLst/>
+          </a:prstGeom>
+          <a:noFill/>
+          <a:ln>
+            <a:noFill/>
+          </a:ln>
+        </p:spPr>
+        <p:style>
+          <a:lnRef idx="0">
+            <a:scrgbClr r="0" g="0" b="0"/>
+          </a:lnRef>
+          <a:fillRef idx="0">
+            <a:scrgbClr r="0" g="0" b="0"/>
+          </a:fillRef>
+          <a:effectRef idx="0">
+            <a:scrgbClr r="0" g="0" b="0"/>
+          </a:effectRef>
+          <a:fontRef idx="minor">
+            <a:schemeClr val="dk1"/>
+          </a:fontRef>
+        </p:style>
+        <p:txBody>
+          <a:bodyPr rtlCol="0" anchor="ctr"/>
+          <a:lstStyle/>
+          <a:p>
+            <a:pPr algn="ctr"/>
+            <a:r>
+              <a:rPr lang="zh-CN" altLang="en-US" dirty="0" smtClean="0">
+                <a:solidFill>
+                  <a:schemeClr val="bg1"/>
+                </a:solidFill>
+              </a:rPr>
+              <a:t>帧出错</a:t>
+            </a:r>
+            <a:endParaRPr lang="en-US" altLang="zh-CN" dirty="0" smtClean="0">
+              <a:solidFill>
+                <a:schemeClr val="bg1"/>
+              </a:solidFill>
+            </a:endParaRPr>
+          </a:p>
+          <a:p>
+            <a:pPr algn="ctr"/>
+            <a:r>
+              <a:rPr lang="zh-CN" altLang="en-US" dirty="0" smtClean="0">
+                <a:solidFill>
+                  <a:schemeClr val="bg1"/>
+                </a:solidFill>
+              </a:rPr>
+              <a:t>重传</a:t>
+            </a:r>
+            <a:endParaRPr lang="zh-CN" altLang="en-US" dirty="0">
+              <a:solidFill>
+                <a:schemeClr val="bg1"/>
+              </a:solidFill>
+            </a:endParaRPr>
           </a:p>
         </p:txBody>
       </p:sp>
@@ -11475,10 +11802,10 @@
           <a:lstStyle/>
           <a:p>
             <a:r>
-              <a:rPr lang="zh-CN" altLang="en-US" dirty="0" smtClean="0"/>
+              <a:rPr lang="zh-CN" altLang="en-US" b="1" dirty="0" smtClean="0"/>
               <a:t>主线程</a:t>
             </a:r>
-            <a:endParaRPr lang="en-US" altLang="zh-CN" dirty="0" smtClean="0"/>
+            <a:endParaRPr lang="en-US" altLang="zh-CN" b="1" dirty="0" smtClean="0"/>
           </a:p>
         </p:txBody>
       </p:sp>
@@ -11515,10 +11842,10 @@
           <a:lstStyle/>
           <a:p>
             <a:r>
-              <a:rPr lang="zh-CN" altLang="en-US" dirty="0" smtClean="0"/>
+              <a:rPr lang="zh-CN" altLang="en-US" b="1" dirty="0" smtClean="0"/>
               <a:t>帧的发送及相应处理</a:t>
             </a:r>
-            <a:endParaRPr lang="en-US" altLang="zh-CN" dirty="0"/>
+            <a:endParaRPr lang="en-US" altLang="zh-CN" b="1" dirty="0"/>
           </a:p>
         </p:txBody>
       </p:sp>
@@ -11555,10 +11882,10 @@
           <a:lstStyle/>
           <a:p>
             <a:r>
-              <a:rPr lang="zh-CN" altLang="en-US" dirty="0" smtClean="0"/>
+              <a:rPr lang="zh-CN" altLang="en-US" b="1" dirty="0" smtClean="0"/>
               <a:t>接收帧</a:t>
             </a:r>
-            <a:endParaRPr lang="en-US" altLang="zh-CN" dirty="0"/>
+            <a:endParaRPr lang="en-US" altLang="zh-CN" b="1" dirty="0"/>
           </a:p>
         </p:txBody>
       </p:sp>
@@ -11595,10 +11922,10 @@
           <a:lstStyle/>
           <a:p>
             <a:r>
-              <a:rPr lang="zh-CN" altLang="en-US" dirty="0"/>
+              <a:rPr lang="zh-CN" altLang="en-US" b="1" dirty="0"/>
               <a:t>子线程</a:t>
             </a:r>
-            <a:endParaRPr lang="en-US" altLang="zh-CN" dirty="0"/>
+            <a:endParaRPr lang="en-US" altLang="zh-CN" b="1" dirty="0"/>
           </a:p>
         </p:txBody>
       </p:sp>
@@ -11838,24 +12165,24 @@
           <a:lstStyle/>
           <a:p>
             <a:r>
-              <a:rPr lang="en-US" altLang="zh-CN" dirty="0" err="1" smtClean="0"/>
+              <a:rPr lang="en-US" altLang="zh-CN" b="1" dirty="0" err="1" smtClean="0"/>
               <a:t>recvEvent</a:t>
             </a:r>
-            <a:endParaRPr lang="en-US" altLang="zh-CN" dirty="0"/>
-          </a:p>
-          <a:p>
-            <a:r>
-              <a:rPr lang="en-US" altLang="zh-CN" dirty="0" err="1" smtClean="0"/>
+            <a:endParaRPr lang="en-US" altLang="zh-CN" b="1" dirty="0"/>
+          </a:p>
+          <a:p>
+            <a:r>
+              <a:rPr lang="en-US" altLang="zh-CN" b="1" dirty="0" err="1" smtClean="0"/>
               <a:t>timeoutEvent</a:t>
             </a:r>
-            <a:endParaRPr lang="en-US" altLang="zh-CN" dirty="0" smtClean="0"/>
-          </a:p>
-          <a:p>
-            <a:r>
-              <a:rPr lang="en-US" altLang="zh-CN" dirty="0" err="1" smtClean="0"/>
+            <a:endParaRPr lang="en-US" altLang="zh-CN" b="1" dirty="0" smtClean="0"/>
+          </a:p>
+          <a:p>
+            <a:r>
+              <a:rPr lang="en-US" altLang="zh-CN" b="1" dirty="0" err="1" smtClean="0"/>
               <a:t>processEvent</a:t>
             </a:r>
-            <a:endParaRPr lang="en-US" altLang="zh-CN" dirty="0" smtClean="0"/>
+            <a:endParaRPr lang="en-US" altLang="zh-CN" b="1" dirty="0" smtClean="0"/>
           </a:p>
         </p:txBody>
       </p:sp>
@@ -11931,24 +12258,24 @@
           <a:lstStyle/>
           <a:p>
             <a:r>
-              <a:rPr lang="zh-CN" altLang="en-US" dirty="0" smtClean="0"/>
+              <a:rPr lang="zh-CN" altLang="en-US" b="1" dirty="0" smtClean="0"/>
               <a:t>有帧到达事件</a:t>
             </a:r>
-            <a:endParaRPr lang="en-US" altLang="zh-CN" dirty="0" smtClean="0"/>
-          </a:p>
-          <a:p>
-            <a:r>
-              <a:rPr lang="zh-CN" altLang="en-US" dirty="0" smtClean="0"/>
+            <a:endParaRPr lang="en-US" altLang="zh-CN" b="1" dirty="0" smtClean="0"/>
+          </a:p>
+          <a:p>
+            <a:r>
+              <a:rPr lang="zh-CN" altLang="en-US" b="1" dirty="0" smtClean="0"/>
               <a:t>超时事件</a:t>
             </a:r>
-            <a:endParaRPr lang="en-US" altLang="zh-CN" dirty="0" smtClean="0"/>
-          </a:p>
-          <a:p>
-            <a:r>
-              <a:rPr lang="zh-CN" altLang="en-US" dirty="0" smtClean="0"/>
+            <a:endParaRPr lang="en-US" altLang="zh-CN" b="1" dirty="0" smtClean="0"/>
+          </a:p>
+          <a:p>
+            <a:r>
+              <a:rPr lang="zh-CN" altLang="en-US" b="1" dirty="0" smtClean="0"/>
               <a:t>帧处理完毕事件</a:t>
             </a:r>
-            <a:endParaRPr lang="en-US" altLang="zh-CN" dirty="0" smtClean="0"/>
+            <a:endParaRPr lang="en-US" altLang="zh-CN" b="1" dirty="0" smtClean="0"/>
           </a:p>
         </p:txBody>
       </p:sp>
@@ -12182,7 +12509,7 @@
         <p:spPr>
           <a:xfrm>
             <a:off x="3048000" y="1720840"/>
-            <a:ext cx="6096000" cy="3416320"/>
+            <a:ext cx="6096000" cy="2677656"/>
           </a:xfrm>
           <a:prstGeom prst="rect">
             <a:avLst/>
@@ -12238,7 +12565,7 @@
                 <a:latin typeface="仿宋" panose="02010609060101010101" pitchFamily="49" charset="-122"/>
                 <a:ea typeface="仿宋" panose="02010609060101010101" pitchFamily="49" charset="-122"/>
               </a:rPr>
-              <a:t>线程，处理以下情况：  </a:t>
+              <a:t>线程，处理以下情况：   </a:t>
             </a:r>
           </a:p>
           <a:p>
@@ -12266,7 +12593,20 @@
                 <a:latin typeface="仿宋" panose="02010609060101010101" pitchFamily="49" charset="-122"/>
                 <a:ea typeface="仿宋" panose="02010609060101010101" pitchFamily="49" charset="-122"/>
               </a:rPr>
-              <a:t>1.</a:t>
+              <a:t>1</a:t>
+            </a:r>
+            <a:r>
+              <a:rPr lang="en-US" altLang="zh-CN" sz="2400" b="1" dirty="0" smtClean="0">
+                <a:solidFill>
+                  <a:schemeClr val="tx1">
+                    <a:lumMod val="95000"/>
+                    <a:lumOff val="5000"/>
+                  </a:schemeClr>
+                </a:solidFill>
+                <a:latin typeface="仿宋" panose="02010609060101010101" pitchFamily="49" charset="-122"/>
+                <a:ea typeface="仿宋" panose="02010609060101010101" pitchFamily="49" charset="-122"/>
+              </a:rPr>
+              <a:t>.</a:t>
             </a:r>
             <a:r>
               <a:rPr lang="zh-CN" altLang="en-US" sz="2400" b="1" dirty="0">
@@ -12279,7 +12619,33 @@
                 <a:latin typeface="仿宋" panose="02010609060101010101" pitchFamily="49" charset="-122"/>
                 <a:ea typeface="仿宋" panose="02010609060101010101" pitchFamily="49" charset="-122"/>
               </a:rPr>
-              <a:t>发送方打开的窗口数达规定限度，暂停发送  </a:t>
+              <a:t>有帧（包含</a:t>
+            </a:r>
+            <a:r>
+              <a:rPr lang="en-US" altLang="zh-CN" sz="2400" b="1" dirty="0" err="1">
+                <a:solidFill>
+                  <a:schemeClr val="tx1">
+                    <a:lumMod val="95000"/>
+                    <a:lumOff val="5000"/>
+                  </a:schemeClr>
+                </a:solidFill>
+                <a:latin typeface="仿宋" panose="02010609060101010101" pitchFamily="49" charset="-122"/>
+                <a:ea typeface="仿宋" panose="02010609060101010101" pitchFamily="49" charset="-122"/>
+              </a:rPr>
+              <a:t>ack</a:t>
+            </a:r>
+            <a:r>
+              <a:rPr lang="zh-CN" altLang="en-US" sz="2400" b="1" dirty="0">
+                <a:solidFill>
+                  <a:schemeClr val="tx1">
+                    <a:lumMod val="95000"/>
+                    <a:lumOff val="5000"/>
+                  </a:schemeClr>
+                </a:solidFill>
+                <a:latin typeface="仿宋" panose="02010609060101010101" pitchFamily="49" charset="-122"/>
+                <a:ea typeface="仿宋" panose="02010609060101010101" pitchFamily="49" charset="-122"/>
+              </a:rPr>
+              <a:t>）到达，开始处理帧  </a:t>
             </a:r>
           </a:p>
           <a:p>
@@ -12307,7 +12673,20 @@
                 <a:latin typeface="仿宋" panose="02010609060101010101" pitchFamily="49" charset="-122"/>
                 <a:ea typeface="仿宋" panose="02010609060101010101" pitchFamily="49" charset="-122"/>
               </a:rPr>
-              <a:t>2.</a:t>
+              <a:t>2</a:t>
+            </a:r>
+            <a:r>
+              <a:rPr lang="en-US" altLang="zh-CN" sz="2400" b="1" dirty="0" smtClean="0">
+                <a:solidFill>
+                  <a:schemeClr val="tx1">
+                    <a:lumMod val="95000"/>
+                    <a:lumOff val="5000"/>
+                  </a:schemeClr>
+                </a:solidFill>
+                <a:latin typeface="仿宋" panose="02010609060101010101" pitchFamily="49" charset="-122"/>
+                <a:ea typeface="仿宋" panose="02010609060101010101" pitchFamily="49" charset="-122"/>
+              </a:rPr>
+              <a:t>.</a:t>
             </a:r>
             <a:r>
               <a:rPr lang="zh-CN" altLang="en-US" sz="2400" b="1" dirty="0">
@@ -12320,33 +12699,7 @@
                 <a:latin typeface="仿宋" panose="02010609060101010101" pitchFamily="49" charset="-122"/>
                 <a:ea typeface="仿宋" panose="02010609060101010101" pitchFamily="49" charset="-122"/>
               </a:rPr>
-              <a:t>有帧（包含</a:t>
-            </a:r>
-            <a:r>
-              <a:rPr lang="en-US" altLang="zh-CN" sz="2400" b="1" dirty="0" err="1">
-                <a:solidFill>
-                  <a:schemeClr val="tx1">
-                    <a:lumMod val="95000"/>
-                    <a:lumOff val="5000"/>
-                  </a:schemeClr>
-                </a:solidFill>
-                <a:latin typeface="仿宋" panose="02010609060101010101" pitchFamily="49" charset="-122"/>
-                <a:ea typeface="仿宋" panose="02010609060101010101" pitchFamily="49" charset="-122"/>
-              </a:rPr>
-              <a:t>ack</a:t>
-            </a:r>
-            <a:r>
-              <a:rPr lang="zh-CN" altLang="en-US" sz="2400" b="1" dirty="0">
-                <a:solidFill>
-                  <a:schemeClr val="tx1">
-                    <a:lumMod val="95000"/>
-                    <a:lumOff val="5000"/>
-                  </a:schemeClr>
-                </a:solidFill>
-                <a:latin typeface="仿宋" panose="02010609060101010101" pitchFamily="49" charset="-122"/>
-                <a:ea typeface="仿宋" panose="02010609060101010101" pitchFamily="49" charset="-122"/>
-              </a:rPr>
-              <a:t>）到达，开始处理帧  </a:t>
+              <a:t>发送方打开的窗口数未达规定限度，继续发送  </a:t>
             </a:r>
           </a:p>
           <a:p>
@@ -12374,23 +12727,8 @@
                 <a:latin typeface="仿宋" panose="02010609060101010101" pitchFamily="49" charset="-122"/>
                 <a:ea typeface="仿宋" panose="02010609060101010101" pitchFamily="49" charset="-122"/>
               </a:rPr>
-              <a:t>3.</a:t>
-            </a:r>
-            <a:r>
-              <a:rPr lang="zh-CN" altLang="en-US" sz="2400" b="1" dirty="0">
-                <a:solidFill>
-                  <a:schemeClr val="tx1">
-                    <a:lumMod val="95000"/>
-                    <a:lumOff val="5000"/>
-                  </a:schemeClr>
-                </a:solidFill>
-                <a:latin typeface="仿宋" panose="02010609060101010101" pitchFamily="49" charset="-122"/>
-                <a:ea typeface="仿宋" panose="02010609060101010101" pitchFamily="49" charset="-122"/>
-              </a:rPr>
-              <a:t>发送方打开的窗口数未达规定限度，继续发送  </a:t>
-            </a:r>
-          </a:p>
-          <a:p>
+              <a:t>3</a:t>
+            </a:r>
             <a:r>
               <a:rPr lang="en-US" altLang="zh-CN" sz="2400" b="1" dirty="0" smtClean="0">
                 <a:solidFill>
@@ -12402,20 +12740,7 @@
                 <a:latin typeface="仿宋" panose="02010609060101010101" pitchFamily="49" charset="-122"/>
                 <a:ea typeface="仿宋" panose="02010609060101010101" pitchFamily="49" charset="-122"/>
               </a:rPr>
-              <a:t>#</a:t>
-            </a:r>
-            <a:r>
-              <a:rPr lang="en-US" altLang="zh-CN" sz="2400" b="1" dirty="0">
-                <a:solidFill>
-                  <a:schemeClr val="tx1">
-                    <a:lumMod val="95000"/>
-                    <a:lumOff val="5000"/>
-                  </a:schemeClr>
-                </a:solidFill>
-                <a:latin typeface="仿宋" panose="02010609060101010101" pitchFamily="49" charset="-122"/>
-                <a:ea typeface="仿宋" panose="02010609060101010101" pitchFamily="49" charset="-122"/>
-              </a:rPr>
-              <a:t>4.</a:t>
+              <a:t>.</a:t>
             </a:r>
             <a:r>
               <a:rPr lang="zh-CN" altLang="en-US" sz="2400" b="1" dirty="0">
@@ -12503,17 +12828,8 @@
           <a:p>
             <a:pPr algn="ctr"/>
             <a:r>
-              <a:rPr lang="zh-CN" altLang="en-US" b="1" dirty="0">
-                <a:solidFill>
-                  <a:schemeClr val="tx1">
-                    <a:lumMod val="95000"/>
-                    <a:lumOff val="5000"/>
-                  </a:schemeClr>
-                </a:solidFill>
-                <a:latin typeface="仿宋" panose="02010609060101010101" pitchFamily="49" charset="-122"/>
-                <a:ea typeface="仿宋" panose="02010609060101010101" pitchFamily="49" charset="-122"/>
-              </a:rPr>
-              <a:t>发送方打开的窗口数达规定限度，暂停发送</a:t>
+              <a:rPr lang="zh-CN" altLang="en-US" b="1" dirty="0" smtClean="0"/>
+              <a:t>有帧到达</a:t>
             </a:r>
             <a:endParaRPr lang="zh-CN" altLang="en-US" b="1" dirty="0"/>
           </a:p>
@@ -12527,8 +12843,8 @@
         </p:nvSpPr>
         <p:spPr>
           <a:xfrm>
-            <a:off x="2209799" y="1228398"/>
-            <a:ext cx="7511143" cy="4401205"/>
+            <a:off x="1726473" y="366623"/>
+            <a:ext cx="8710750" cy="6124754"/>
           </a:xfrm>
           <a:prstGeom prst="rect">
             <a:avLst/>
@@ -12541,260 +12857,626 @@
           </a:bodyPr>
           <a:lstStyle/>
           <a:p>
-            <a:endParaRPr lang="en-US" altLang="zh-CN" sz="2000" dirty="0"/>
-          </a:p>
-          <a:p>
-            <a:r>
-              <a:rPr lang="en-US" altLang="zh-CN" sz="2000" b="1" dirty="0"/>
+            <a:endParaRPr lang="en-US" altLang="zh-CN" sz="1400" dirty="0" smtClean="0"/>
+          </a:p>
+          <a:p>
+            <a:r>
+              <a:rPr lang="en-US" altLang="zh-CN" sz="1400" b="1" dirty="0" err="1"/>
+              <a:t>elif</a:t>
+            </a:r>
+            <a:r>
+              <a:rPr lang="en-US" altLang="zh-CN" sz="1400" dirty="0"/>
+              <a:t> </a:t>
+            </a:r>
+            <a:r>
+              <a:rPr lang="en-US" altLang="zh-CN" sz="1400" dirty="0" err="1"/>
+              <a:t>self.recvEvent.is_set</a:t>
+            </a:r>
+            <a:r>
+              <a:rPr lang="en-US" altLang="zh-CN" sz="1400" dirty="0"/>
+              <a:t>():#</a:t>
+            </a:r>
+            <a:r>
+              <a:rPr lang="zh-CN" altLang="en-US" sz="1400" dirty="0"/>
+              <a:t>有帧到达，开始处理帧  </a:t>
+            </a:r>
+          </a:p>
+          <a:p>
+            <a:r>
+              <a:rPr lang="zh-CN" altLang="en-US" sz="1400" dirty="0"/>
+              <a:t>                </a:t>
+            </a:r>
+            <a:r>
+              <a:rPr lang="en-US" altLang="zh-CN" sz="1400" b="1" dirty="0"/>
+              <a:t>print</a:t>
+            </a:r>
+            <a:r>
+              <a:rPr lang="en-US" altLang="zh-CN" sz="1400" dirty="0"/>
+              <a:t>('---------------------------------------')  </a:t>
+            </a:r>
+          </a:p>
+          <a:p>
+            <a:r>
+              <a:rPr lang="en-US" altLang="zh-CN" sz="1400" dirty="0"/>
+              <a:t>                </a:t>
+            </a:r>
+            <a:r>
+              <a:rPr lang="en-US" altLang="zh-CN" sz="1400" dirty="0" err="1"/>
+              <a:t>self.recvEvent.clear</a:t>
+            </a:r>
+            <a:r>
+              <a:rPr lang="en-US" altLang="zh-CN" sz="1400" dirty="0"/>
+              <a:t>()  </a:t>
+            </a:r>
+          </a:p>
+          <a:p>
+            <a:r>
+              <a:rPr lang="en-US" altLang="zh-CN" sz="1400" dirty="0"/>
+              <a:t>                </a:t>
+            </a:r>
+            <a:r>
+              <a:rPr lang="en-US" altLang="zh-CN" sz="1400" b="1" dirty="0"/>
               <a:t>if</a:t>
             </a:r>
             <a:r>
-              <a:rPr lang="en-US" altLang="zh-CN" sz="2000" dirty="0"/>
+              <a:rPr lang="en-US" altLang="zh-CN" sz="1400" dirty="0"/>
               <a:t> </a:t>
             </a:r>
             <a:r>
-              <a:rPr lang="en-US" altLang="zh-CN" sz="2000" dirty="0" err="1"/>
+              <a:rPr lang="en-US" altLang="zh-CN" sz="1400" dirty="0" err="1"/>
+              <a:t>self.check</a:t>
+            </a:r>
+            <a:r>
+              <a:rPr lang="en-US" altLang="zh-CN" sz="1400" dirty="0"/>
+              <a:t>(</a:t>
+            </a:r>
+            <a:r>
+              <a:rPr lang="en-US" altLang="zh-CN" sz="1400" dirty="0" err="1"/>
+              <a:t>self.recvBuf</a:t>
+            </a:r>
+            <a:r>
+              <a:rPr lang="en-US" altLang="zh-CN" sz="1400" dirty="0"/>
+              <a:t>, </a:t>
+            </a:r>
+            <a:r>
+              <a:rPr lang="en-US" altLang="zh-CN" sz="1400" dirty="0" err="1"/>
+              <a:t>frameExpextedToRecv</a:t>
+            </a:r>
+            <a:r>
+              <a:rPr lang="en-US" altLang="zh-CN" sz="1400" dirty="0"/>
+              <a:t>):#</a:t>
+            </a:r>
+            <a:r>
+              <a:rPr lang="zh-CN" altLang="en-US" sz="1400" dirty="0"/>
+              <a:t>情况</a:t>
+            </a:r>
+            <a:r>
+              <a:rPr lang="en-US" altLang="zh-CN" sz="1400" dirty="0"/>
+              <a:t>1</a:t>
+            </a:r>
+            <a:r>
+              <a:rPr lang="zh-CN" altLang="en-US" sz="1400" dirty="0"/>
+              <a:t>：是期望的帧并且</a:t>
+            </a:r>
+            <a:r>
+              <a:rPr lang="en-US" altLang="zh-CN" sz="1400" dirty="0"/>
+              <a:t>CRC</a:t>
+            </a:r>
+            <a:r>
+              <a:rPr lang="zh-CN" altLang="en-US" sz="1400" dirty="0"/>
+              <a:t>检验为正确的帧  </a:t>
+            </a:r>
+          </a:p>
+          <a:p>
+            <a:r>
+              <a:rPr lang="zh-CN" altLang="en-US" sz="1400" dirty="0"/>
+              <a:t>                    </a:t>
+            </a:r>
+            <a:r>
+              <a:rPr lang="en-US" altLang="zh-CN" sz="1400" dirty="0" err="1"/>
+              <a:t>self.timer.cancel</a:t>
+            </a:r>
+            <a:r>
+              <a:rPr lang="en-US" altLang="zh-CN" sz="1400" dirty="0"/>
+              <a:t>()  </a:t>
+            </a:r>
+          </a:p>
+          <a:p>
+            <a:r>
+              <a:rPr lang="en-US" altLang="zh-CN" sz="1400" dirty="0"/>
+              <a:t>                    </a:t>
+            </a:r>
+            <a:r>
+              <a:rPr lang="en-US" altLang="zh-CN" sz="1400" dirty="0" err="1"/>
+              <a:t>self.timer</a:t>
+            </a:r>
+            <a:r>
+              <a:rPr lang="en-US" altLang="zh-CN" sz="1400" dirty="0"/>
+              <a:t> = </a:t>
+            </a:r>
+            <a:r>
+              <a:rPr lang="en-US" altLang="zh-CN" sz="1400" dirty="0" err="1"/>
+              <a:t>threading.Timer</a:t>
+            </a:r>
+            <a:r>
+              <a:rPr lang="en-US" altLang="zh-CN" sz="1400" dirty="0"/>
+              <a:t>(timeout, </a:t>
+            </a:r>
+            <a:r>
+              <a:rPr lang="en-US" altLang="zh-CN" sz="1400" dirty="0" err="1"/>
+              <a:t>self.reportTimeout</a:t>
+            </a:r>
+            <a:r>
+              <a:rPr lang="en-US" altLang="zh-CN" sz="1400" dirty="0"/>
+              <a:t>)  </a:t>
+            </a:r>
+          </a:p>
+          <a:p>
+            <a:r>
+              <a:rPr lang="en-US" altLang="zh-CN" sz="1400" dirty="0"/>
+              <a:t>                    </a:t>
+            </a:r>
+            <a:r>
+              <a:rPr lang="en-US" altLang="zh-CN" sz="1400" dirty="0" err="1"/>
+              <a:t>self.timer.start</a:t>
+            </a:r>
+            <a:r>
+              <a:rPr lang="en-US" altLang="zh-CN" sz="1400" dirty="0"/>
+              <a:t>()#</a:t>
+            </a:r>
+            <a:r>
+              <a:rPr lang="zh-CN" altLang="en-US" sz="1400" dirty="0"/>
+              <a:t>重置计时器  </a:t>
+            </a:r>
+          </a:p>
+          <a:p>
+            <a:r>
+              <a:rPr lang="zh-CN" altLang="en-US" sz="1400" dirty="0"/>
+              <a:t>                    </a:t>
+            </a:r>
+            <a:r>
+              <a:rPr lang="en-US" altLang="zh-CN" sz="1400" b="1" dirty="0"/>
+              <a:t>print</a:t>
+            </a:r>
+            <a:r>
+              <a:rPr lang="en-US" altLang="zh-CN" sz="1400" dirty="0" smtClean="0"/>
+              <a:t>(‘right</a:t>
+            </a:r>
+            <a:r>
+              <a:rPr lang="en-US" altLang="zh-CN" sz="1400" dirty="0"/>
+              <a:t> frame </a:t>
+            </a:r>
+            <a:r>
+              <a:rPr lang="en-US" altLang="zh-CN" sz="1400" dirty="0" err="1"/>
+              <a:t>sn</a:t>
+            </a:r>
+            <a:r>
+              <a:rPr lang="en-US" altLang="zh-CN" sz="1400" dirty="0"/>
+              <a:t> </a:t>
+            </a:r>
+            <a:r>
+              <a:rPr lang="en-US" altLang="zh-CN" sz="1400" dirty="0" smtClean="0"/>
+              <a:t>’,</a:t>
+            </a:r>
+            <a:r>
+              <a:rPr lang="en-US" altLang="zh-CN" sz="1400" dirty="0"/>
+              <a:t> </a:t>
+            </a:r>
+            <a:r>
+              <a:rPr lang="en-US" altLang="zh-CN" sz="1400" dirty="0" err="1"/>
+              <a:t>frameExpextedToRecv</a:t>
+            </a:r>
+            <a:r>
+              <a:rPr lang="en-US" altLang="zh-CN" sz="1400" dirty="0"/>
+              <a:t>)  </a:t>
+            </a:r>
+            <a:r>
+              <a:rPr lang="en-US" altLang="zh-CN" sz="1400" dirty="0" smtClean="0"/>
+              <a:t>#</a:t>
+            </a:r>
+            <a:r>
+              <a:rPr lang="zh-CN" altLang="en-US" sz="1400" dirty="0" smtClean="0"/>
+              <a:t>作为接收方，当前期望的帧的序号</a:t>
+            </a:r>
+            <a:endParaRPr lang="en-US" altLang="zh-CN" sz="1400" dirty="0"/>
+          </a:p>
+          <a:p>
+            <a:r>
+              <a:rPr lang="en-US" altLang="zh-CN" sz="1400" dirty="0"/>
+              <a:t>                    </a:t>
+            </a:r>
+            <a:r>
+              <a:rPr lang="en-US" altLang="zh-CN" sz="1400" b="1" dirty="0"/>
+              <a:t>print</a:t>
+            </a:r>
+            <a:r>
+              <a:rPr lang="en-US" altLang="zh-CN" sz="1400" dirty="0"/>
+              <a:t>(</a:t>
+            </a:r>
+            <a:r>
+              <a:rPr lang="en-US" altLang="zh-CN" sz="1400" dirty="0" err="1"/>
+              <a:t>self.unpack</a:t>
+            </a:r>
+            <a:r>
+              <a:rPr lang="en-US" altLang="zh-CN" sz="1400" dirty="0"/>
+              <a:t>(</a:t>
+            </a:r>
+            <a:r>
+              <a:rPr lang="en-US" altLang="zh-CN" sz="1400" dirty="0" err="1"/>
+              <a:t>self.recvBuf</a:t>
+            </a:r>
+            <a:r>
+              <a:rPr lang="en-US" altLang="zh-CN" sz="1400" dirty="0"/>
+              <a:t>))  </a:t>
+            </a:r>
+          </a:p>
+          <a:p>
+            <a:r>
+              <a:rPr lang="en-US" altLang="zh-CN" sz="1400" dirty="0"/>
+              <a:t>                    </a:t>
+            </a:r>
+            <a:r>
+              <a:rPr lang="en-US" altLang="zh-CN" sz="1400" dirty="0" err="1"/>
+              <a:t>self.sendCount</a:t>
+            </a:r>
+            <a:r>
+              <a:rPr lang="en-US" altLang="zh-CN" sz="1400" dirty="0"/>
+              <a:t> += (</a:t>
+            </a:r>
+            <a:r>
+              <a:rPr lang="en-US" altLang="zh-CN" sz="1400" dirty="0" err="1"/>
+              <a:t>self.recvBuf</a:t>
+            </a:r>
+            <a:r>
+              <a:rPr lang="en-US" altLang="zh-CN" sz="1400" dirty="0"/>
+              <a:t>[-3] -  </a:t>
+            </a:r>
+          </a:p>
+          <a:p>
+            <a:r>
+              <a:rPr lang="en-US" altLang="zh-CN" sz="1400" dirty="0"/>
+              <a:t>                                       ack+MAX_SEQ+1) % (MAX_SEQ+1</a:t>
+            </a:r>
+            <a:r>
+              <a:rPr lang="en-US" altLang="zh-CN" sz="1400" dirty="0" smtClean="0"/>
+              <a:t>)</a:t>
+            </a:r>
+            <a:r>
+              <a:rPr lang="zh-CN" altLang="en-US" sz="1400" dirty="0"/>
+              <a:t>  </a:t>
+            </a:r>
+          </a:p>
+          <a:p>
+            <a:r>
+              <a:rPr lang="zh-CN" altLang="en-US" sz="1400" dirty="0"/>
+              <a:t>                    </a:t>
+            </a:r>
+            <a:r>
+              <a:rPr lang="en-US" altLang="zh-CN" sz="1400" dirty="0" err="1"/>
+              <a:t>ack</a:t>
+            </a:r>
+            <a:r>
+              <a:rPr lang="en-US" altLang="zh-CN" sz="1400" dirty="0"/>
+              <a:t> = </a:t>
+            </a:r>
+            <a:r>
+              <a:rPr lang="en-US" altLang="zh-CN" sz="1400" dirty="0" err="1"/>
+              <a:t>self.recvBuf</a:t>
+            </a:r>
+            <a:r>
+              <a:rPr lang="en-US" altLang="zh-CN" sz="1400" dirty="0"/>
+              <a:t>[-3]  </a:t>
+            </a:r>
+          </a:p>
+          <a:p>
+            <a:r>
+              <a:rPr lang="en-US" altLang="zh-CN" sz="1400" dirty="0"/>
+              <a:t>                    </a:t>
+            </a:r>
+            <a:r>
+              <a:rPr lang="en-US" altLang="zh-CN" sz="1400" dirty="0" err="1"/>
+              <a:t>bufferSize</a:t>
+            </a:r>
+            <a:r>
+              <a:rPr lang="en-US" altLang="zh-CN" sz="1400" dirty="0"/>
+              <a:t> = (sn-ack+MAX_SEQ+1) % (MAX_SEQ+1)  </a:t>
+            </a:r>
+          </a:p>
+          <a:p>
+            <a:r>
+              <a:rPr lang="en-US" altLang="zh-CN" sz="1400" dirty="0"/>
+              <a:t>                    </a:t>
+            </a:r>
+            <a:r>
+              <a:rPr lang="en-US" altLang="zh-CN" sz="1400" b="1" dirty="0"/>
+              <a:t>print</a:t>
+            </a:r>
+            <a:r>
+              <a:rPr lang="en-US" altLang="zh-CN" sz="1400" dirty="0"/>
+              <a:t>('</a:t>
+            </a:r>
+            <a:r>
+              <a:rPr lang="en-US" altLang="zh-CN" sz="1400" dirty="0" err="1"/>
+              <a:t>ack</a:t>
+            </a:r>
+            <a:r>
+              <a:rPr lang="en-US" altLang="zh-CN" sz="1400" dirty="0"/>
+              <a:t> get ', </a:t>
+            </a:r>
+            <a:r>
+              <a:rPr lang="en-US" altLang="zh-CN" sz="1400" dirty="0" err="1"/>
+              <a:t>ack</a:t>
+            </a:r>
+            <a:r>
+              <a:rPr lang="en-US" altLang="zh-CN" sz="1400" dirty="0"/>
+              <a:t>)  </a:t>
+            </a:r>
+          </a:p>
+          <a:p>
+            <a:r>
+              <a:rPr lang="en-US" altLang="zh-CN" sz="1400" dirty="0"/>
+              <a:t>                    </a:t>
+            </a:r>
+            <a:r>
+              <a:rPr lang="en-US" altLang="zh-CN" sz="1400" dirty="0" err="1"/>
+              <a:t>frameExpextedToRecv</a:t>
+            </a:r>
+            <a:r>
+              <a:rPr lang="en-US" altLang="zh-CN" sz="1400" dirty="0"/>
+              <a:t> = (frameExpextedToRecv+1) % (MAX_SEQ+1)#</a:t>
+            </a:r>
+            <a:r>
+              <a:rPr lang="zh-CN" altLang="en-US" sz="1400" dirty="0"/>
+              <a:t>更新期望接收的</a:t>
+            </a:r>
+            <a:r>
+              <a:rPr lang="zh-CN" altLang="en-US" sz="1400" dirty="0" smtClean="0"/>
+              <a:t>帧的序号</a:t>
+            </a:r>
+            <a:endParaRPr lang="zh-CN" altLang="en-US" sz="1400" dirty="0"/>
+          </a:p>
+          <a:p>
+            <a:r>
+              <a:rPr lang="zh-CN" altLang="en-US" sz="1400" dirty="0"/>
+              <a:t>                    </a:t>
+            </a:r>
+            <a:r>
+              <a:rPr lang="en-US" altLang="zh-CN" sz="1400" dirty="0" err="1"/>
               <a:t>self.recvCount</a:t>
             </a:r>
             <a:r>
-              <a:rPr lang="en-US" altLang="zh-CN" sz="2000" dirty="0"/>
-              <a:t> &gt;= </a:t>
-            </a:r>
-            <a:r>
-              <a:rPr lang="en-US" altLang="zh-CN" sz="2000" dirty="0" err="1"/>
-              <a:t>dataLen</a:t>
-            </a:r>
-            <a:r>
-              <a:rPr lang="en-US" altLang="zh-CN" sz="2000" dirty="0"/>
+              <a:rPr lang="en-US" altLang="zh-CN" sz="1400" dirty="0"/>
+              <a:t> += 1  </a:t>
+            </a:r>
+          </a:p>
+          <a:p>
+            <a:r>
+              <a:rPr lang="en-US" altLang="zh-CN" sz="1400" dirty="0"/>
+              <a:t>  </a:t>
+            </a:r>
+          </a:p>
+          <a:p>
+            <a:r>
+              <a:rPr lang="en-US" altLang="zh-CN" sz="1400" dirty="0"/>
+              <a:t>                </a:t>
+            </a:r>
+            <a:r>
+              <a:rPr lang="en-US" altLang="zh-CN" sz="1400" b="1" dirty="0" err="1"/>
+              <a:t>elif</a:t>
+            </a:r>
+            <a:r>
+              <a:rPr lang="en-US" altLang="zh-CN" sz="1400" dirty="0"/>
               <a:t> </a:t>
             </a:r>
             <a:r>
-              <a:rPr lang="en-US" altLang="zh-CN" sz="2000" b="1" dirty="0"/>
-              <a:t>and</a:t>
-            </a:r>
-            <a:r>
-              <a:rPr lang="en-US" altLang="zh-CN" sz="2000" dirty="0"/>
-              <a:t> </a:t>
-            </a:r>
-            <a:r>
-              <a:rPr lang="en-US" altLang="zh-CN" sz="2000" dirty="0" err="1"/>
+              <a:rPr lang="en-US" altLang="zh-CN" sz="1400" dirty="0" err="1"/>
+              <a:t>self.checkCRC</a:t>
+            </a:r>
+            <a:r>
+              <a:rPr lang="en-US" altLang="zh-CN" sz="1400" dirty="0"/>
+              <a:t>(</a:t>
+            </a:r>
+            <a:r>
+              <a:rPr lang="en-US" altLang="zh-CN" sz="1400" dirty="0" err="1"/>
+              <a:t>self.recvBuf</a:t>
+            </a:r>
+            <a:r>
+              <a:rPr lang="en-US" altLang="zh-CN" sz="1400" dirty="0"/>
+              <a:t>):#</a:t>
+            </a:r>
+            <a:r>
+              <a:rPr lang="zh-CN" altLang="en-US" sz="1400" dirty="0"/>
+              <a:t>情况</a:t>
+            </a:r>
+            <a:r>
+              <a:rPr lang="en-US" altLang="zh-CN" sz="1400" dirty="0"/>
+              <a:t>2</a:t>
+            </a:r>
+            <a:r>
+              <a:rPr lang="zh-CN" altLang="en-US" sz="1400" dirty="0"/>
+              <a:t>：</a:t>
+            </a:r>
+            <a:r>
+              <a:rPr lang="en-US" altLang="zh-CN" sz="1400" dirty="0"/>
+              <a:t>CRC</a:t>
+            </a:r>
+            <a:r>
+              <a:rPr lang="zh-CN" altLang="en-US" sz="1400" dirty="0"/>
+              <a:t>校验为正确的帧，但不是期望的帧  </a:t>
+            </a:r>
+          </a:p>
+          <a:p>
+            <a:r>
+              <a:rPr lang="zh-CN" altLang="en-US" sz="1400" dirty="0"/>
+              <a:t>                    </a:t>
+            </a:r>
+            <a:r>
+              <a:rPr lang="en-US" altLang="zh-CN" sz="1400" b="1" dirty="0"/>
+              <a:t>print</a:t>
+            </a:r>
+            <a:r>
+              <a:rPr lang="en-US" altLang="zh-CN" sz="1400" dirty="0"/>
+              <a:t>('wrong </a:t>
+            </a:r>
+            <a:r>
+              <a:rPr lang="en-US" altLang="zh-CN" sz="1400" dirty="0" err="1"/>
+              <a:t>sn</a:t>
+            </a:r>
+            <a:r>
+              <a:rPr lang="en-US" altLang="zh-CN" sz="1400" dirty="0"/>
+              <a:t>')  </a:t>
+            </a:r>
+          </a:p>
+          <a:p>
+            <a:r>
+              <a:rPr lang="en-US" altLang="zh-CN" sz="1400" dirty="0"/>
+              <a:t>                    </a:t>
+            </a:r>
+            <a:r>
+              <a:rPr lang="en-US" altLang="zh-CN" sz="1400" dirty="0" err="1"/>
               <a:t>self.sendCount</a:t>
             </a:r>
             <a:r>
-              <a:rPr lang="en-US" altLang="zh-CN" sz="2000" dirty="0"/>
-              <a:t> &gt;= </a:t>
-            </a:r>
-            <a:r>
-              <a:rPr lang="en-US" altLang="zh-CN" sz="2000" dirty="0" err="1"/>
-              <a:t>dataLen</a:t>
-            </a:r>
-            <a:r>
-              <a:rPr lang="en-US" altLang="zh-CN" sz="2000" dirty="0"/>
+              <a:rPr lang="en-US" altLang="zh-CN" sz="1400" dirty="0"/>
+              <a:t> += (</a:t>
+            </a:r>
+            <a:r>
+              <a:rPr lang="en-US" altLang="zh-CN" sz="1400" dirty="0" err="1"/>
+              <a:t>self.recvBuf</a:t>
+            </a:r>
+            <a:r>
+              <a:rPr lang="en-US" altLang="zh-CN" sz="1400" dirty="0"/>
+              <a:t>[-3] -  </a:t>
+            </a:r>
+          </a:p>
+          <a:p>
+            <a:r>
+              <a:rPr lang="en-US" altLang="zh-CN" sz="1400" dirty="0"/>
+              <a:t>                                       ack+MAX_SEQ+1) % (MAX_SEQ+1)  </a:t>
+            </a:r>
+          </a:p>
+          <a:p>
+            <a:r>
+              <a:rPr lang="en-US" altLang="zh-CN" sz="1400" dirty="0"/>
+              <a:t>                    </a:t>
+            </a:r>
+            <a:r>
+              <a:rPr lang="en-US" altLang="zh-CN" sz="1400" dirty="0" err="1"/>
+              <a:t>ack</a:t>
+            </a:r>
+            <a:r>
+              <a:rPr lang="en-US" altLang="zh-CN" sz="1400" dirty="0"/>
+              <a:t> = </a:t>
+            </a:r>
+            <a:r>
+              <a:rPr lang="en-US" altLang="zh-CN" sz="1400" dirty="0" err="1"/>
+              <a:t>self.recvBuf</a:t>
+            </a:r>
+            <a:r>
+              <a:rPr lang="en-US" altLang="zh-CN" sz="1400" dirty="0"/>
+              <a:t>[-3]  </a:t>
+            </a:r>
+          </a:p>
+          <a:p>
+            <a:r>
+              <a:rPr lang="en-US" altLang="zh-CN" sz="1400" dirty="0"/>
+              <a:t>                    </a:t>
+            </a:r>
+            <a:r>
+              <a:rPr lang="en-US" altLang="zh-CN" sz="1400" dirty="0" err="1"/>
+              <a:t>bufferSize</a:t>
+            </a:r>
+            <a:r>
+              <a:rPr lang="en-US" altLang="zh-CN" sz="1400" dirty="0"/>
+              <a:t> = (sn-ack+MAX_SEQ+1) % (MAX_SEQ+1)  </a:t>
+            </a:r>
+          </a:p>
+          <a:p>
+            <a:r>
+              <a:rPr lang="en-US" altLang="zh-CN" sz="1400" dirty="0"/>
+              <a:t>                    </a:t>
+            </a:r>
+            <a:r>
+              <a:rPr lang="en-US" altLang="zh-CN" sz="1400" b="1" dirty="0"/>
+              <a:t>print</a:t>
+            </a:r>
+            <a:r>
+              <a:rPr lang="en-US" altLang="zh-CN" sz="1400" dirty="0"/>
+              <a:t>('</a:t>
+            </a:r>
+            <a:r>
+              <a:rPr lang="en-US" altLang="zh-CN" sz="1400" dirty="0" err="1"/>
+              <a:t>ack</a:t>
+            </a:r>
+            <a:r>
+              <a:rPr lang="en-US" altLang="zh-CN" sz="1400" dirty="0"/>
+              <a:t> get ', </a:t>
+            </a:r>
+            <a:r>
+              <a:rPr lang="en-US" altLang="zh-CN" sz="1400" dirty="0" err="1"/>
+              <a:t>ack</a:t>
+            </a:r>
+            <a:r>
+              <a:rPr lang="en-US" altLang="zh-CN" sz="1400" dirty="0"/>
+              <a:t>)  </a:t>
+            </a:r>
+          </a:p>
+          <a:p>
+            <a:r>
+              <a:rPr lang="en-US" altLang="zh-CN" sz="1400" dirty="0"/>
+              <a:t>                </a:t>
+            </a:r>
+            <a:r>
+              <a:rPr lang="en-US" altLang="zh-CN" sz="1400" b="1" dirty="0"/>
+              <a:t>else</a:t>
+            </a:r>
+            <a:r>
+              <a:rPr lang="en-US" altLang="zh-CN" sz="1400" dirty="0"/>
               <a:t>:#</a:t>
             </a:r>
             <a:r>
-              <a:rPr lang="zh-CN" altLang="en-US" sz="2000" dirty="0"/>
-              <a:t>发送方打开的窗口数达规定限度，暂停发送  </a:t>
-            </a:r>
-          </a:p>
-          <a:p>
-            <a:r>
-              <a:rPr lang="zh-CN" altLang="en-US" sz="2000" dirty="0"/>
+              <a:rPr lang="zh-CN" altLang="en-US" sz="1400" dirty="0"/>
+              <a:t>情况</a:t>
+            </a:r>
+            <a:r>
+              <a:rPr lang="en-US" altLang="zh-CN" sz="1400" dirty="0"/>
+              <a:t>3</a:t>
+            </a:r>
+            <a:r>
+              <a:rPr lang="zh-CN" altLang="en-US" sz="1400" dirty="0"/>
+              <a:t>：错误的帧  </a:t>
+            </a:r>
+          </a:p>
+          <a:p>
+            <a:r>
+              <a:rPr lang="zh-CN" altLang="en-US" sz="1400" dirty="0"/>
+              <a:t>                    </a:t>
+            </a:r>
+            <a:r>
+              <a:rPr lang="en-US" altLang="zh-CN" sz="1400" b="1" dirty="0"/>
+              <a:t>print</a:t>
+            </a:r>
+            <a:r>
+              <a:rPr lang="en-US" altLang="zh-CN" sz="1400" dirty="0"/>
+              <a:t>('wrong frame')  </a:t>
+            </a:r>
+          </a:p>
+          <a:p>
+            <a:r>
+              <a:rPr lang="en-US" altLang="zh-CN" sz="1400" dirty="0"/>
               <a:t>                </a:t>
             </a:r>
             <a:r>
-              <a:rPr lang="en-US" altLang="zh-CN" sz="2000" dirty="0"/>
-              <a:t>count = 0  </a:t>
-            </a:r>
-          </a:p>
-          <a:p>
-            <a:r>
-              <a:rPr lang="en-US" altLang="zh-CN" sz="2000" dirty="0"/>
-              <a:t>                </a:t>
-            </a:r>
-            <a:r>
-              <a:rPr lang="en-US" altLang="zh-CN" sz="2000" b="1" dirty="0"/>
-              <a:t>while</a:t>
-            </a:r>
-            <a:r>
-              <a:rPr lang="en-US" altLang="zh-CN" sz="2000" dirty="0"/>
-              <a:t> True </a:t>
-            </a:r>
-            <a:r>
-              <a:rPr lang="en-US" altLang="zh-CN" sz="2000" b="1" dirty="0"/>
-              <a:t>and</a:t>
-            </a:r>
-            <a:r>
-              <a:rPr lang="en-US" altLang="zh-CN" sz="2000" dirty="0"/>
-              <a:t> count &lt; 20:  </a:t>
-            </a:r>
-          </a:p>
-          <a:p>
-            <a:r>
-              <a:rPr lang="en-US" altLang="zh-CN" sz="2000" dirty="0"/>
-              <a:t>                    </a:t>
-            </a:r>
-            <a:r>
-              <a:rPr lang="en-US" altLang="zh-CN" sz="2000" dirty="0" err="1"/>
-              <a:t>time.sleep</a:t>
-            </a:r>
-            <a:r>
-              <a:rPr lang="en-US" altLang="zh-CN" sz="2000" dirty="0"/>
-              <a:t>(0.5)                      </a:t>
-            </a:r>
-          </a:p>
-          <a:p>
-            <a:r>
-              <a:rPr lang="en-US" altLang="zh-CN" sz="2000" dirty="0"/>
-              <a:t>                    </a:t>
-            </a:r>
-            <a:r>
-              <a:rPr lang="en-US" altLang="zh-CN" sz="2000" b="1" dirty="0"/>
-              <a:t>if</a:t>
-            </a:r>
-            <a:r>
-              <a:rPr lang="en-US" altLang="zh-CN" sz="2000" dirty="0"/>
-              <a:t> </a:t>
-            </a:r>
-            <a:r>
-              <a:rPr lang="en-US" altLang="zh-CN" sz="2000" dirty="0" err="1"/>
-              <a:t>self.recvEvent.is_set</a:t>
-            </a:r>
-            <a:r>
-              <a:rPr lang="en-US" altLang="zh-CN" sz="2000" dirty="0"/>
-              <a:t>() :#</a:t>
-            </a:r>
-            <a:r>
-              <a:rPr lang="zh-CN" altLang="en-US" sz="2000" dirty="0"/>
-              <a:t>有帧到达  </a:t>
-            </a:r>
-          </a:p>
-          <a:p>
-            <a:r>
-              <a:rPr lang="zh-CN" altLang="en-US" sz="2000" dirty="0"/>
-              <a:t>                        </a:t>
-            </a:r>
-            <a:r>
-              <a:rPr lang="en-US" altLang="zh-CN" sz="2000" dirty="0"/>
-              <a:t>package = </a:t>
-            </a:r>
-            <a:r>
-              <a:rPr lang="en-US" altLang="zh-CN" sz="2000" dirty="0" err="1"/>
-              <a:t>self.pack</a:t>
-            </a:r>
-            <a:r>
-              <a:rPr lang="en-US" altLang="zh-CN" sz="2000" dirty="0"/>
-              <a:t>(b'', </a:t>
-            </a:r>
-            <a:r>
-              <a:rPr lang="en-US" altLang="zh-CN" sz="2000" dirty="0" err="1"/>
-              <a:t>sn</a:t>
-            </a:r>
-            <a:r>
-              <a:rPr lang="en-US" altLang="zh-CN" sz="2000" dirty="0"/>
-              <a:t>, </a:t>
-            </a:r>
-            <a:r>
-              <a:rPr lang="en-US" altLang="zh-CN" sz="2000" dirty="0" err="1"/>
-              <a:t>frameExpextedToRecv</a:t>
-            </a:r>
-            <a:r>
-              <a:rPr lang="en-US" altLang="zh-CN" sz="2000" dirty="0"/>
-              <a:t>)  </a:t>
-            </a:r>
-          </a:p>
-          <a:p>
-            <a:r>
-              <a:rPr lang="en-US" altLang="zh-CN" sz="2000" dirty="0"/>
-              <a:t>                        </a:t>
-            </a:r>
-            <a:r>
-              <a:rPr lang="en-US" altLang="zh-CN" sz="2000" b="1" dirty="0"/>
-              <a:t>print</a:t>
-            </a:r>
-            <a:r>
-              <a:rPr lang="en-US" altLang="zh-CN" sz="2000" dirty="0"/>
-              <a:t>('</a:t>
-            </a:r>
-            <a:r>
-              <a:rPr lang="en-US" altLang="zh-CN" sz="2000" dirty="0" err="1"/>
-              <a:t>ack</a:t>
-            </a:r>
-            <a:r>
-              <a:rPr lang="en-US" altLang="zh-CN" sz="2000" dirty="0"/>
-              <a:t> to send ', </a:t>
-            </a:r>
-            <a:r>
-              <a:rPr lang="en-US" altLang="zh-CN" sz="2000" dirty="0" err="1"/>
-              <a:t>frameExpextedToRecv</a:t>
-            </a:r>
-            <a:r>
-              <a:rPr lang="en-US" altLang="zh-CN" sz="2000" dirty="0"/>
-              <a:t>)#</a:t>
-            </a:r>
-            <a:r>
-              <a:rPr lang="zh-CN" altLang="en-US" sz="2000" dirty="0"/>
-              <a:t>捎带返回</a:t>
-            </a:r>
-            <a:r>
-              <a:rPr lang="en-US" altLang="zh-CN" sz="2000" dirty="0" err="1"/>
-              <a:t>ack</a:t>
-            </a:r>
-            <a:r>
-              <a:rPr lang="en-US" altLang="zh-CN" sz="2000" dirty="0"/>
-              <a:t>  </a:t>
-            </a:r>
-          </a:p>
-          <a:p>
-            <a:r>
-              <a:rPr lang="en-US" altLang="zh-CN" sz="2000" dirty="0"/>
-              <a:t>                        </a:t>
-            </a:r>
-            <a:r>
-              <a:rPr lang="en-US" altLang="zh-CN" sz="2000" dirty="0" err="1"/>
-              <a:t>self.sForSend.sendto</a:t>
-            </a:r>
-            <a:r>
-              <a:rPr lang="en-US" altLang="zh-CN" sz="2000" dirty="0"/>
-              <a:t>(package, </a:t>
-            </a:r>
-            <a:r>
-              <a:rPr lang="en-US" altLang="zh-CN" sz="2000" dirty="0" err="1"/>
-              <a:t>self.sendAddress</a:t>
-            </a:r>
-            <a:r>
-              <a:rPr lang="en-US" altLang="zh-CN" sz="2000" dirty="0"/>
-              <a:t>)  </a:t>
-            </a:r>
-          </a:p>
-          <a:p>
-            <a:r>
-              <a:rPr lang="en-US" altLang="zh-CN" sz="2000" dirty="0"/>
-              <a:t>                        count += 1  </a:t>
-            </a:r>
-          </a:p>
-          <a:p>
-            <a:r>
-              <a:rPr lang="en-US" altLang="zh-CN" sz="2000" dirty="0"/>
-              <a:t>                </a:t>
-            </a:r>
-            <a:r>
-              <a:rPr lang="en-US" altLang="zh-CN" sz="2000" b="1" dirty="0"/>
-              <a:t>break</a:t>
-            </a:r>
-            <a:r>
-              <a:rPr lang="en-US" altLang="zh-CN" sz="2000" dirty="0"/>
-              <a:t>  </a:t>
-            </a:r>
-          </a:p>
-          <a:p>
-            <a:r>
-              <a:rPr lang="en-US" altLang="zh-CN" sz="2000" dirty="0" smtClean="0"/>
-              <a:t>dress</a:t>
-            </a:r>
-            <a:r>
-              <a:rPr lang="en-US" altLang="zh-CN" sz="2000" dirty="0"/>
-              <a:t>)  </a:t>
+              <a:rPr lang="en-US" altLang="zh-CN" sz="1400" dirty="0" err="1"/>
+              <a:t>self.processEvent.set</a:t>
+            </a:r>
+            <a:r>
+              <a:rPr lang="en-US" altLang="zh-CN" sz="1400" dirty="0"/>
+              <a:t>()#</a:t>
+            </a:r>
+            <a:r>
+              <a:rPr lang="zh-CN" altLang="en-US" sz="1400" dirty="0"/>
+              <a:t>触发帧处理完毕事件 </a:t>
             </a:r>
           </a:p>
         </p:txBody>
@@ -12802,7 +13484,7 @@
     </p:spTree>
     <p:extLst>
       <p:ext uri="{BB962C8B-B14F-4D97-AF65-F5344CB8AC3E}">
-        <p14:creationId xmlns:p14="http://schemas.microsoft.com/office/powerpoint/2010/main" val="636624961"/>
+        <p14:creationId xmlns:p14="http://schemas.microsoft.com/office/powerpoint/2010/main" val="717629910"/>
       </p:ext>
     </p:extLst>
   </p:cSld>
@@ -12859,7 +13541,7 @@
             <a:pPr algn="ctr"/>
             <a:r>
               <a:rPr lang="zh-CN" altLang="en-US" b="1" dirty="0" smtClean="0"/>
-              <a:t>有帧到达</a:t>
+              <a:t>等待超时</a:t>
             </a:r>
             <a:endParaRPr lang="zh-CN" altLang="en-US" b="1" dirty="0"/>
           </a:p>
@@ -12873,8 +13555,8 @@
         </p:nvSpPr>
         <p:spPr>
           <a:xfrm>
-            <a:off x="1726473" y="366623"/>
-            <a:ext cx="8710750" cy="6124754"/>
+            <a:off x="1726473" y="612845"/>
+            <a:ext cx="7378338" cy="5632311"/>
           </a:xfrm>
           <a:prstGeom prst="rect">
             <a:avLst/>
@@ -12887,600 +13569,427 @@
           </a:bodyPr>
           <a:lstStyle/>
           <a:p>
-            <a:endParaRPr lang="en-US" altLang="zh-CN" sz="1400" dirty="0" smtClean="0"/>
-          </a:p>
-          <a:p>
-            <a:r>
-              <a:rPr lang="en-US" altLang="zh-CN" sz="1400" b="1" dirty="0" err="1"/>
+            <a:r>
+              <a:rPr lang="en-US" altLang="zh-CN" b="1" dirty="0" err="1"/>
               <a:t>elif</a:t>
             </a:r>
             <a:r>
-              <a:rPr lang="en-US" altLang="zh-CN" sz="1400" dirty="0"/>
+              <a:rPr lang="en-US" altLang="zh-CN" dirty="0"/>
               <a:t> </a:t>
             </a:r>
             <a:r>
-              <a:rPr lang="en-US" altLang="zh-CN" sz="1400" dirty="0" err="1"/>
-              <a:t>self.recvEvent.is_set</a:t>
-            </a:r>
-            <a:r>
-              <a:rPr lang="en-US" altLang="zh-CN" sz="1400" dirty="0"/>
+              <a:rPr lang="en-US" altLang="zh-CN" dirty="0" err="1"/>
+              <a:t>self.timeoutEvent.is_set</a:t>
+            </a:r>
+            <a:r>
+              <a:rPr lang="en-US" altLang="zh-CN" dirty="0"/>
               <a:t>():#</a:t>
             </a:r>
             <a:r>
-              <a:rPr lang="zh-CN" altLang="en-US" sz="1400" dirty="0"/>
-              <a:t>有帧到达，开始处理帧  </a:t>
-            </a:r>
-          </a:p>
-          <a:p>
-            <a:r>
-              <a:rPr lang="zh-CN" altLang="en-US" sz="1400" dirty="0"/>
+              <a:rPr lang="zh-CN" altLang="en-US" dirty="0"/>
+              <a:t>等待超时，重发  </a:t>
+            </a:r>
+          </a:p>
+          <a:p>
+            <a:r>
+              <a:rPr lang="zh-CN" altLang="en-US" dirty="0"/>
               <a:t>                </a:t>
             </a:r>
             <a:r>
-              <a:rPr lang="en-US" altLang="zh-CN" sz="1400" b="1" dirty="0"/>
+              <a:rPr lang="en-US" altLang="zh-CN" b="1" dirty="0"/>
               <a:t>print</a:t>
             </a:r>
             <a:r>
-              <a:rPr lang="en-US" altLang="zh-CN" sz="1400" dirty="0"/>
+              <a:rPr lang="en-US" altLang="zh-CN" dirty="0"/>
               <a:t>('---------------------------------------')  </a:t>
             </a:r>
           </a:p>
           <a:p>
             <a:r>
-              <a:rPr lang="en-US" altLang="zh-CN" sz="1400" dirty="0"/>
+              <a:rPr lang="en-US" altLang="zh-CN" dirty="0"/>
               <a:t>                </a:t>
             </a:r>
             <a:r>
-              <a:rPr lang="en-US" altLang="zh-CN" sz="1400" dirty="0" err="1"/>
-              <a:t>self.recvEvent.clear</a:t>
-            </a:r>
-            <a:r>
-              <a:rPr lang="en-US" altLang="zh-CN" sz="1400" dirty="0"/>
+              <a:rPr lang="en-US" altLang="zh-CN" dirty="0" err="1"/>
+              <a:t>self.timeoutEvent.clear</a:t>
+            </a:r>
+            <a:r>
+              <a:rPr lang="en-US" altLang="zh-CN" dirty="0"/>
               <a:t>()  </a:t>
             </a:r>
           </a:p>
           <a:p>
             <a:r>
-              <a:rPr lang="en-US" altLang="zh-CN" sz="1400" dirty="0"/>
+              <a:rPr lang="en-US" altLang="zh-CN" dirty="0"/>
               <a:t>                </a:t>
             </a:r>
             <a:r>
-              <a:rPr lang="en-US" altLang="zh-CN" sz="1400" b="1" dirty="0"/>
+              <a:rPr lang="en-US" altLang="zh-CN" dirty="0" err="1"/>
+              <a:t>self.timer.cancel</a:t>
+            </a:r>
+            <a:r>
+              <a:rPr lang="en-US" altLang="zh-CN" dirty="0"/>
+              <a:t>()  </a:t>
+            </a:r>
+          </a:p>
+          <a:p>
+            <a:r>
+              <a:rPr lang="en-US" altLang="zh-CN" dirty="0"/>
+              <a:t>                </a:t>
+            </a:r>
+            <a:r>
+              <a:rPr lang="en-US" altLang="zh-CN" dirty="0" err="1"/>
+              <a:t>self.timer</a:t>
+            </a:r>
+            <a:r>
+              <a:rPr lang="en-US" altLang="zh-CN" dirty="0"/>
+              <a:t> = </a:t>
+            </a:r>
+            <a:r>
+              <a:rPr lang="en-US" altLang="zh-CN" dirty="0" err="1"/>
+              <a:t>threading.Timer</a:t>
+            </a:r>
+            <a:r>
+              <a:rPr lang="en-US" altLang="zh-CN" dirty="0"/>
+              <a:t>(timeout, </a:t>
+            </a:r>
+            <a:r>
+              <a:rPr lang="en-US" altLang="zh-CN" dirty="0" err="1"/>
+              <a:t>self.reportTimeout</a:t>
+            </a:r>
+            <a:r>
+              <a:rPr lang="en-US" altLang="zh-CN" dirty="0"/>
+              <a:t>)  </a:t>
+            </a:r>
+          </a:p>
+          <a:p>
+            <a:r>
+              <a:rPr lang="en-US" altLang="zh-CN" dirty="0"/>
+              <a:t>                </a:t>
+            </a:r>
+            <a:r>
+              <a:rPr lang="en-US" altLang="zh-CN" dirty="0" err="1"/>
+              <a:t>self.timer.start</a:t>
+            </a:r>
+            <a:r>
+              <a:rPr lang="en-US" altLang="zh-CN" dirty="0"/>
+              <a:t>()#</a:t>
+            </a:r>
+            <a:r>
+              <a:rPr lang="zh-CN" altLang="en-US" dirty="0"/>
+              <a:t>重置计时器  </a:t>
+            </a:r>
+          </a:p>
+          <a:p>
+            <a:r>
+              <a:rPr lang="zh-CN" altLang="en-US" dirty="0"/>
+              <a:t>                </a:t>
+            </a:r>
+            <a:r>
+              <a:rPr lang="en-US" altLang="zh-CN" b="1" dirty="0"/>
+              <a:t>for</a:t>
+            </a:r>
+            <a:r>
+              <a:rPr lang="en-US" altLang="zh-CN" dirty="0"/>
+              <a:t> </a:t>
+            </a:r>
+            <a:r>
+              <a:rPr lang="en-US" altLang="zh-CN" dirty="0" err="1"/>
+              <a:t>i</a:t>
+            </a:r>
+            <a:r>
+              <a:rPr lang="en-US" altLang="zh-CN" dirty="0"/>
+              <a:t> </a:t>
+            </a:r>
+            <a:r>
+              <a:rPr lang="en-US" altLang="zh-CN" b="1" dirty="0"/>
+              <a:t>in</a:t>
+            </a:r>
+            <a:r>
+              <a:rPr lang="en-US" altLang="zh-CN" dirty="0"/>
+              <a:t> range(</a:t>
+            </a:r>
+            <a:r>
+              <a:rPr lang="en-US" altLang="zh-CN" dirty="0" err="1"/>
+              <a:t>bufferSize</a:t>
+            </a:r>
+            <a:r>
+              <a:rPr lang="en-US" altLang="zh-CN" dirty="0"/>
+              <a:t>):  </a:t>
+            </a:r>
+          </a:p>
+          <a:p>
+            <a:r>
+              <a:rPr lang="en-US" altLang="zh-CN" dirty="0"/>
+              <a:t>                    package = </a:t>
+            </a:r>
+            <a:r>
+              <a:rPr lang="en-US" altLang="zh-CN" dirty="0" err="1"/>
+              <a:t>self.pack</a:t>
+            </a:r>
+            <a:r>
+              <a:rPr lang="en-US" altLang="zh-CN" dirty="0"/>
+              <a:t>(  </a:t>
+            </a:r>
+          </a:p>
+          <a:p>
+            <a:r>
+              <a:rPr lang="en-US" altLang="zh-CN" dirty="0"/>
+              <a:t>                        data[buffer[</a:t>
+            </a:r>
+            <a:r>
+              <a:rPr lang="en-US" altLang="zh-CN" dirty="0" err="1"/>
+              <a:t>ack+i</a:t>
+            </a:r>
+            <a:r>
+              <a:rPr lang="en-US" altLang="zh-CN" dirty="0"/>
+              <a:t>]], </a:t>
+            </a:r>
+            <a:r>
+              <a:rPr lang="en-US" altLang="zh-CN" dirty="0" err="1"/>
+              <a:t>ack+i</a:t>
+            </a:r>
+            <a:r>
+              <a:rPr lang="en-US" altLang="zh-CN" dirty="0"/>
+              <a:t>, </a:t>
+            </a:r>
+            <a:r>
+              <a:rPr lang="en-US" altLang="zh-CN" dirty="0" err="1"/>
+              <a:t>frameExpextedToRecv</a:t>
+            </a:r>
+            <a:r>
+              <a:rPr lang="en-US" altLang="zh-CN" dirty="0"/>
+              <a:t>)  </a:t>
+            </a:r>
+          </a:p>
+          <a:p>
+            <a:r>
+              <a:rPr lang="en-US" altLang="zh-CN" dirty="0"/>
+              <a:t>                    </a:t>
+            </a:r>
+            <a:r>
+              <a:rPr lang="en-US" altLang="zh-CN" b="1" dirty="0"/>
+              <a:t>print</a:t>
+            </a:r>
+            <a:r>
+              <a:rPr lang="en-US" altLang="zh-CN" dirty="0"/>
+              <a:t>('frame to send ', </a:t>
+            </a:r>
+            <a:r>
+              <a:rPr lang="en-US" altLang="zh-CN" dirty="0" err="1"/>
+              <a:t>ack+i</a:t>
+            </a:r>
+            <a:r>
+              <a:rPr lang="en-US" altLang="zh-CN" dirty="0"/>
+              <a:t>, ' data no ', buffer[</a:t>
+            </a:r>
+            <a:r>
+              <a:rPr lang="en-US" altLang="zh-CN" dirty="0" err="1"/>
+              <a:t>ack+i</a:t>
+            </a:r>
+            <a:r>
+              <a:rPr lang="en-US" altLang="zh-CN" dirty="0"/>
+              <a:t>])  </a:t>
+            </a:r>
+          </a:p>
+          <a:p>
+            <a:r>
+              <a:rPr lang="en-US" altLang="zh-CN" dirty="0"/>
+              <a:t>                    rand = </a:t>
+            </a:r>
+            <a:r>
+              <a:rPr lang="en-US" altLang="zh-CN" dirty="0" err="1"/>
+              <a:t>random.random</a:t>
+            </a:r>
+            <a:r>
+              <a:rPr lang="en-US" altLang="zh-CN" dirty="0"/>
+              <a:t>()  </a:t>
+            </a:r>
+          </a:p>
+          <a:p>
+            <a:r>
+              <a:rPr lang="en-US" altLang="zh-CN" dirty="0"/>
+              <a:t>                    </a:t>
+            </a:r>
+            <a:r>
+              <a:rPr lang="en-US" altLang="zh-CN" b="1" dirty="0"/>
               <a:t>if</a:t>
             </a:r>
             <a:r>
-              <a:rPr lang="en-US" altLang="zh-CN" sz="1400" dirty="0"/>
-              <a:t> </a:t>
-            </a:r>
-            <a:r>
-              <a:rPr lang="en-US" altLang="zh-CN" sz="1400" dirty="0" err="1"/>
-              <a:t>self.check</a:t>
-            </a:r>
-            <a:r>
-              <a:rPr lang="en-US" altLang="zh-CN" sz="1400" dirty="0"/>
+              <a:rPr lang="en-US" altLang="zh-CN" dirty="0"/>
+              <a:t> rand &lt; </a:t>
+            </a:r>
+            <a:r>
+              <a:rPr lang="en-US" altLang="zh-CN" dirty="0" err="1"/>
+              <a:t>lostRate</a:t>
+            </a:r>
+            <a:r>
+              <a:rPr lang="en-US" altLang="zh-CN" dirty="0"/>
+              <a:t>:  </a:t>
+            </a:r>
+          </a:p>
+          <a:p>
+            <a:r>
+              <a:rPr lang="en-US" altLang="zh-CN" dirty="0"/>
+              <a:t>                        </a:t>
+            </a:r>
+            <a:r>
+              <a:rPr lang="en-US" altLang="zh-CN" b="1" dirty="0"/>
+              <a:t>print</a:t>
+            </a:r>
+            <a:r>
+              <a:rPr lang="en-US" altLang="zh-CN" dirty="0"/>
+              <a:t>('frame lose')#</a:t>
+            </a:r>
+            <a:r>
+              <a:rPr lang="zh-CN" altLang="en-US" dirty="0"/>
+              <a:t>失帧模拟  </a:t>
+            </a:r>
+          </a:p>
+          <a:p>
+            <a:r>
+              <a:rPr lang="zh-CN" altLang="en-US" dirty="0"/>
+              <a:t>                    </a:t>
+            </a:r>
+            <a:r>
+              <a:rPr lang="en-US" altLang="zh-CN" b="1" dirty="0" err="1"/>
+              <a:t>elif</a:t>
+            </a:r>
+            <a:r>
+              <a:rPr lang="en-US" altLang="zh-CN" dirty="0"/>
+              <a:t> rand &lt; </a:t>
+            </a:r>
+            <a:r>
+              <a:rPr lang="en-US" altLang="zh-CN" dirty="0" err="1"/>
+              <a:t>lostRate+errorRate</a:t>
+            </a:r>
+            <a:r>
+              <a:rPr lang="en-US" altLang="zh-CN" dirty="0"/>
+              <a:t>:  </a:t>
+            </a:r>
+          </a:p>
+          <a:p>
+            <a:r>
+              <a:rPr lang="en-US" altLang="zh-CN" dirty="0"/>
+              <a:t>                        </a:t>
+            </a:r>
+            <a:r>
+              <a:rPr lang="en-US" altLang="zh-CN" b="1" dirty="0"/>
+              <a:t>print</a:t>
+            </a:r>
+            <a:r>
+              <a:rPr lang="en-US" altLang="zh-CN" dirty="0"/>
+              <a:t>('frame error')#</a:t>
+            </a:r>
+            <a:r>
+              <a:rPr lang="zh-CN" altLang="en-US" dirty="0"/>
+              <a:t>错帧模拟  </a:t>
+            </a:r>
+          </a:p>
+          <a:p>
+            <a:r>
+              <a:rPr lang="zh-CN" altLang="en-US" dirty="0"/>
+              <a:t>                        </a:t>
+            </a:r>
+            <a:r>
+              <a:rPr lang="en-US" altLang="zh-CN" dirty="0"/>
+              <a:t>package = </a:t>
+            </a:r>
+            <a:r>
+              <a:rPr lang="en-US" altLang="zh-CN" dirty="0" err="1"/>
+              <a:t>self.errorSimulation</a:t>
+            </a:r>
+            <a:r>
+              <a:rPr lang="en-US" altLang="zh-CN" dirty="0"/>
+              <a:t>(package)  </a:t>
+            </a:r>
+          </a:p>
+          <a:p>
+            <a:r>
+              <a:rPr lang="en-US" altLang="zh-CN" dirty="0"/>
+              <a:t>                        </a:t>
+            </a:r>
+            <a:r>
+              <a:rPr lang="en-US" altLang="zh-CN" dirty="0" err="1"/>
+              <a:t>self.sForSend.sendto</a:t>
+            </a:r>
+            <a:r>
+              <a:rPr lang="en-US" altLang="zh-CN" dirty="0"/>
+              <a:t>(package, </a:t>
+            </a:r>
+            <a:r>
+              <a:rPr lang="en-US" altLang="zh-CN" dirty="0" err="1"/>
+              <a:t>self.sendAddress</a:t>
+            </a:r>
+            <a:r>
+              <a:rPr lang="en-US" altLang="zh-CN" dirty="0"/>
+              <a:t>)#</a:t>
+            </a:r>
+            <a:r>
+              <a:rPr lang="zh-CN" altLang="en-US" dirty="0"/>
+              <a:t>发送错帧  </a:t>
+            </a:r>
+          </a:p>
+          <a:p>
+            <a:r>
+              <a:rPr lang="zh-CN" altLang="en-US" dirty="0"/>
+              <a:t>                    </a:t>
+            </a:r>
+            <a:r>
+              <a:rPr lang="en-US" altLang="zh-CN" b="1" dirty="0"/>
+              <a:t>else</a:t>
+            </a:r>
+            <a:r>
+              <a:rPr lang="en-US" altLang="zh-CN" dirty="0"/>
+              <a:t>:  </a:t>
+            </a:r>
+          </a:p>
+          <a:p>
+            <a:r>
+              <a:rPr lang="en-US" altLang="zh-CN" dirty="0"/>
+              <a:t>                        </a:t>
+            </a:r>
+            <a:r>
+              <a:rPr lang="en-US" altLang="zh-CN" dirty="0" err="1"/>
+              <a:t>self.sForSend.sendto</a:t>
+            </a:r>
+            <a:r>
+              <a:rPr lang="en-US" altLang="zh-CN" dirty="0"/>
+              <a:t>(package, </a:t>
+            </a:r>
+            <a:r>
+              <a:rPr lang="en-US" altLang="zh-CN" dirty="0" err="1"/>
+              <a:t>self.sendAddress</a:t>
+            </a:r>
+            <a:r>
+              <a:rPr lang="en-US" altLang="zh-CN" dirty="0"/>
+              <a:t>)#</a:t>
+            </a:r>
+            <a:r>
+              <a:rPr lang="zh-CN" altLang="en-US" dirty="0"/>
+              <a:t>发送帧  </a:t>
+            </a:r>
+          </a:p>
+          <a:p>
+            <a:r>
+              <a:rPr lang="zh-CN" altLang="en-US" dirty="0"/>
+              <a:t>                    </a:t>
+            </a:r>
+            <a:r>
+              <a:rPr lang="en-US" altLang="zh-CN" dirty="0" err="1"/>
+              <a:t>time.sleep</a:t>
+            </a:r>
+            <a:r>
+              <a:rPr lang="en-US" altLang="zh-CN" dirty="0"/>
               <a:t>(</a:t>
             </a:r>
             <a:r>
-              <a:rPr lang="en-US" altLang="zh-CN" sz="1400" dirty="0" err="1"/>
-              <a:t>self.recvBuf</a:t>
-            </a:r>
-            <a:r>
-              <a:rPr lang="en-US" altLang="zh-CN" sz="1400" dirty="0"/>
-              <a:t>, </a:t>
-            </a:r>
-            <a:r>
-              <a:rPr lang="en-US" altLang="zh-CN" sz="1400" dirty="0" err="1"/>
-              <a:t>frameExpextedToRecv</a:t>
-            </a:r>
-            <a:r>
-              <a:rPr lang="en-US" altLang="zh-CN" sz="1400" dirty="0"/>
-              <a:t>):#</a:t>
-            </a:r>
-            <a:r>
-              <a:rPr lang="zh-CN" altLang="en-US" sz="1400" dirty="0"/>
-              <a:t>情况</a:t>
-            </a:r>
-            <a:r>
-              <a:rPr lang="en-US" altLang="zh-CN" sz="1400" dirty="0"/>
-              <a:t>1</a:t>
-            </a:r>
-            <a:r>
-              <a:rPr lang="zh-CN" altLang="en-US" sz="1400" dirty="0"/>
-              <a:t>：是期望的帧并且</a:t>
-            </a:r>
-            <a:r>
-              <a:rPr lang="en-US" altLang="zh-CN" sz="1400" dirty="0"/>
-              <a:t>CRC</a:t>
-            </a:r>
-            <a:r>
-              <a:rPr lang="zh-CN" altLang="en-US" sz="1400" dirty="0"/>
-              <a:t>检验为正确的帧  </a:t>
-            </a:r>
-          </a:p>
-          <a:p>
-            <a:r>
-              <a:rPr lang="zh-CN" altLang="en-US" sz="1400" dirty="0"/>
-              <a:t>                    </a:t>
-            </a:r>
-            <a:r>
-              <a:rPr lang="en-US" altLang="zh-CN" sz="1400" dirty="0" err="1"/>
-              <a:t>self.timer.cancel</a:t>
-            </a:r>
-            <a:r>
-              <a:rPr lang="en-US" altLang="zh-CN" sz="1400" dirty="0"/>
-              <a:t>()  </a:t>
-            </a:r>
-          </a:p>
-          <a:p>
-            <a:r>
-              <a:rPr lang="en-US" altLang="zh-CN" sz="1400" dirty="0"/>
-              <a:t>                    </a:t>
-            </a:r>
-            <a:r>
-              <a:rPr lang="en-US" altLang="zh-CN" sz="1400" dirty="0" err="1"/>
-              <a:t>self.timer</a:t>
-            </a:r>
-            <a:r>
-              <a:rPr lang="en-US" altLang="zh-CN" sz="1400" dirty="0"/>
-              <a:t> = </a:t>
-            </a:r>
-            <a:r>
-              <a:rPr lang="en-US" altLang="zh-CN" sz="1400" dirty="0" err="1"/>
-              <a:t>threading.Timer</a:t>
-            </a:r>
-            <a:r>
-              <a:rPr lang="en-US" altLang="zh-CN" sz="1400" dirty="0"/>
-              <a:t>(timeout, </a:t>
-            </a:r>
-            <a:r>
-              <a:rPr lang="en-US" altLang="zh-CN" sz="1400" dirty="0" err="1"/>
-              <a:t>self.reportTimeout</a:t>
-            </a:r>
-            <a:r>
-              <a:rPr lang="en-US" altLang="zh-CN" sz="1400" dirty="0"/>
-              <a:t>)  </a:t>
-            </a:r>
-          </a:p>
-          <a:p>
-            <a:r>
-              <a:rPr lang="en-US" altLang="zh-CN" sz="1400" dirty="0"/>
-              <a:t>                    </a:t>
-            </a:r>
-            <a:r>
-              <a:rPr lang="en-US" altLang="zh-CN" sz="1400" dirty="0" err="1"/>
-              <a:t>self.timer.start</a:t>
-            </a:r>
-            <a:r>
-              <a:rPr lang="en-US" altLang="zh-CN" sz="1400" dirty="0"/>
-              <a:t>()#</a:t>
-            </a:r>
-            <a:r>
-              <a:rPr lang="zh-CN" altLang="en-US" sz="1400" dirty="0"/>
-              <a:t>重置计时器  </a:t>
-            </a:r>
-          </a:p>
-          <a:p>
-            <a:r>
-              <a:rPr lang="zh-CN" altLang="en-US" sz="1400" dirty="0"/>
-              <a:t>                    </a:t>
-            </a:r>
-            <a:r>
-              <a:rPr lang="en-US" altLang="zh-CN" sz="1400" b="1" dirty="0"/>
-              <a:t>print</a:t>
-            </a:r>
-            <a:r>
-              <a:rPr lang="en-US" altLang="zh-CN" sz="1400" dirty="0"/>
-              <a:t>('right frame </a:t>
-            </a:r>
-            <a:r>
-              <a:rPr lang="en-US" altLang="zh-CN" sz="1400" dirty="0" err="1"/>
-              <a:t>sn</a:t>
-            </a:r>
-            <a:r>
-              <a:rPr lang="en-US" altLang="zh-CN" sz="1400" dirty="0"/>
-              <a:t> ', </a:t>
-            </a:r>
-            <a:r>
-              <a:rPr lang="en-US" altLang="zh-CN" sz="1400" dirty="0" err="1"/>
-              <a:t>frameExpextedToRecv</a:t>
-            </a:r>
-            <a:r>
-              <a:rPr lang="en-US" altLang="zh-CN" sz="1400" dirty="0"/>
-              <a:t>)  </a:t>
-            </a:r>
-          </a:p>
-          <a:p>
-            <a:r>
-              <a:rPr lang="en-US" altLang="zh-CN" sz="1400" dirty="0"/>
-              <a:t>                    </a:t>
-            </a:r>
-            <a:r>
-              <a:rPr lang="en-US" altLang="zh-CN" sz="1400" b="1" dirty="0"/>
-              <a:t>print</a:t>
-            </a:r>
-            <a:r>
-              <a:rPr lang="en-US" altLang="zh-CN" sz="1400" dirty="0"/>
-              <a:t>(</a:t>
-            </a:r>
-            <a:r>
-              <a:rPr lang="en-US" altLang="zh-CN" sz="1400" dirty="0" err="1"/>
-              <a:t>self.unpack</a:t>
-            </a:r>
-            <a:r>
-              <a:rPr lang="en-US" altLang="zh-CN" sz="1400" dirty="0"/>
-              <a:t>(</a:t>
-            </a:r>
-            <a:r>
-              <a:rPr lang="en-US" altLang="zh-CN" sz="1400" dirty="0" err="1"/>
-              <a:t>self.recvBuf</a:t>
-            </a:r>
-            <a:r>
-              <a:rPr lang="en-US" altLang="zh-CN" sz="1400" dirty="0"/>
-              <a:t>))  </a:t>
-            </a:r>
-          </a:p>
-          <a:p>
-            <a:r>
-              <a:rPr lang="en-US" altLang="zh-CN" sz="1400" dirty="0"/>
-              <a:t>                    </a:t>
-            </a:r>
-            <a:r>
-              <a:rPr lang="en-US" altLang="zh-CN" sz="1400" dirty="0" err="1"/>
-              <a:t>self.sendCount</a:t>
-            </a:r>
-            <a:r>
-              <a:rPr lang="en-US" altLang="zh-CN" sz="1400" dirty="0"/>
-              <a:t> += (</a:t>
-            </a:r>
-            <a:r>
-              <a:rPr lang="en-US" altLang="zh-CN" sz="1400" dirty="0" err="1"/>
-              <a:t>self.recvBuf</a:t>
-            </a:r>
-            <a:r>
-              <a:rPr lang="en-US" altLang="zh-CN" sz="1400" dirty="0"/>
-              <a:t>[-3] -  </a:t>
-            </a:r>
-          </a:p>
-          <a:p>
-            <a:r>
-              <a:rPr lang="en-US" altLang="zh-CN" sz="1400" dirty="0"/>
-              <a:t>                                       ack+MAX_SEQ+1) % (MAX_SEQ+1</a:t>
-            </a:r>
-            <a:r>
-              <a:rPr lang="en-US" altLang="zh-CN" sz="1400" dirty="0" smtClean="0"/>
-              <a:t>)</a:t>
-            </a:r>
-            <a:r>
-              <a:rPr lang="zh-CN" altLang="en-US" sz="1400" dirty="0"/>
-              <a:t>  </a:t>
-            </a:r>
-          </a:p>
-          <a:p>
-            <a:r>
-              <a:rPr lang="zh-CN" altLang="en-US" sz="1400" dirty="0"/>
-              <a:t>                    </a:t>
-            </a:r>
-            <a:r>
-              <a:rPr lang="en-US" altLang="zh-CN" sz="1400" dirty="0" err="1"/>
-              <a:t>ack</a:t>
-            </a:r>
-            <a:r>
-              <a:rPr lang="en-US" altLang="zh-CN" sz="1400" dirty="0"/>
-              <a:t> = </a:t>
-            </a:r>
-            <a:r>
-              <a:rPr lang="en-US" altLang="zh-CN" sz="1400" dirty="0" err="1"/>
-              <a:t>self.recvBuf</a:t>
-            </a:r>
-            <a:r>
-              <a:rPr lang="en-US" altLang="zh-CN" sz="1400" dirty="0"/>
-              <a:t>[-3]  </a:t>
-            </a:r>
-          </a:p>
-          <a:p>
-            <a:r>
-              <a:rPr lang="en-US" altLang="zh-CN" sz="1400" dirty="0"/>
-              <a:t>                    </a:t>
-            </a:r>
-            <a:r>
-              <a:rPr lang="en-US" altLang="zh-CN" sz="1400" dirty="0" err="1"/>
-              <a:t>bufferSize</a:t>
-            </a:r>
-            <a:r>
-              <a:rPr lang="en-US" altLang="zh-CN" sz="1400" dirty="0"/>
-              <a:t> = (sn-ack+MAX_SEQ+1) % (MAX_SEQ+1)  </a:t>
-            </a:r>
-          </a:p>
-          <a:p>
-            <a:r>
-              <a:rPr lang="en-US" altLang="zh-CN" sz="1400" dirty="0"/>
-              <a:t>                    </a:t>
-            </a:r>
-            <a:r>
-              <a:rPr lang="en-US" altLang="zh-CN" sz="1400" b="1" dirty="0"/>
-              <a:t>print</a:t>
-            </a:r>
-            <a:r>
-              <a:rPr lang="en-US" altLang="zh-CN" sz="1400" dirty="0"/>
-              <a:t>('</a:t>
-            </a:r>
-            <a:r>
-              <a:rPr lang="en-US" altLang="zh-CN" sz="1400" dirty="0" err="1"/>
-              <a:t>ack</a:t>
-            </a:r>
-            <a:r>
-              <a:rPr lang="en-US" altLang="zh-CN" sz="1400" dirty="0"/>
-              <a:t> get ', </a:t>
-            </a:r>
-            <a:r>
-              <a:rPr lang="en-US" altLang="zh-CN" sz="1400" dirty="0" err="1"/>
-              <a:t>ack</a:t>
-            </a:r>
-            <a:r>
-              <a:rPr lang="en-US" altLang="zh-CN" sz="1400" dirty="0"/>
-              <a:t>)  </a:t>
-            </a:r>
-          </a:p>
-          <a:p>
-            <a:r>
-              <a:rPr lang="en-US" altLang="zh-CN" sz="1400" dirty="0"/>
-              <a:t>                    </a:t>
-            </a:r>
-            <a:r>
-              <a:rPr lang="en-US" altLang="zh-CN" sz="1400" dirty="0" err="1"/>
-              <a:t>frameExpextedToRecv</a:t>
-            </a:r>
-            <a:r>
-              <a:rPr lang="en-US" altLang="zh-CN" sz="1400" dirty="0"/>
-              <a:t> = (frameExpextedToRecv+1) % (MAX_SEQ+1)#</a:t>
-            </a:r>
-            <a:r>
-              <a:rPr lang="zh-CN" altLang="en-US" sz="1400" dirty="0"/>
-              <a:t>更新期望接收的帧  </a:t>
-            </a:r>
-          </a:p>
-          <a:p>
-            <a:r>
-              <a:rPr lang="zh-CN" altLang="en-US" sz="1400" dirty="0"/>
-              <a:t>                    </a:t>
-            </a:r>
-            <a:r>
-              <a:rPr lang="en-US" altLang="zh-CN" sz="1400" dirty="0" err="1"/>
-              <a:t>self.recvCount</a:t>
-            </a:r>
-            <a:r>
-              <a:rPr lang="en-US" altLang="zh-CN" sz="1400" dirty="0"/>
-              <a:t> += 1  </a:t>
-            </a:r>
-          </a:p>
-          <a:p>
-            <a:r>
-              <a:rPr lang="en-US" altLang="zh-CN" sz="1400" dirty="0"/>
-              <a:t>  </a:t>
-            </a:r>
-          </a:p>
-          <a:p>
-            <a:r>
-              <a:rPr lang="en-US" altLang="zh-CN" sz="1400" dirty="0"/>
-              <a:t>                </a:t>
-            </a:r>
-            <a:r>
-              <a:rPr lang="en-US" altLang="zh-CN" sz="1400" b="1" dirty="0" err="1"/>
-              <a:t>elif</a:t>
-            </a:r>
-            <a:r>
-              <a:rPr lang="en-US" altLang="zh-CN" sz="1400" dirty="0"/>
-              <a:t> </a:t>
-            </a:r>
-            <a:r>
-              <a:rPr lang="en-US" altLang="zh-CN" sz="1400" dirty="0" err="1"/>
-              <a:t>self.checkCRC</a:t>
-            </a:r>
-            <a:r>
-              <a:rPr lang="en-US" altLang="zh-CN" sz="1400" dirty="0"/>
-              <a:t>(</a:t>
-            </a:r>
-            <a:r>
-              <a:rPr lang="en-US" altLang="zh-CN" sz="1400" dirty="0" err="1"/>
-              <a:t>self.recvBuf</a:t>
-            </a:r>
-            <a:r>
-              <a:rPr lang="en-US" altLang="zh-CN" sz="1400" dirty="0"/>
-              <a:t>):#</a:t>
-            </a:r>
-            <a:r>
-              <a:rPr lang="zh-CN" altLang="en-US" sz="1400" dirty="0"/>
-              <a:t>情况</a:t>
-            </a:r>
-            <a:r>
-              <a:rPr lang="en-US" altLang="zh-CN" sz="1400" dirty="0"/>
-              <a:t>2</a:t>
-            </a:r>
-            <a:r>
-              <a:rPr lang="zh-CN" altLang="en-US" sz="1400" dirty="0"/>
-              <a:t>：</a:t>
-            </a:r>
-            <a:r>
-              <a:rPr lang="en-US" altLang="zh-CN" sz="1400" dirty="0"/>
-              <a:t>CRC</a:t>
-            </a:r>
-            <a:r>
-              <a:rPr lang="zh-CN" altLang="en-US" sz="1400" dirty="0"/>
-              <a:t>校验为正确的帧，但不是期望的帧  </a:t>
-            </a:r>
-          </a:p>
-          <a:p>
-            <a:r>
-              <a:rPr lang="zh-CN" altLang="en-US" sz="1400" dirty="0"/>
-              <a:t>                    </a:t>
-            </a:r>
-            <a:r>
-              <a:rPr lang="en-US" altLang="zh-CN" sz="1400" b="1" dirty="0"/>
-              <a:t>print</a:t>
-            </a:r>
-            <a:r>
-              <a:rPr lang="en-US" altLang="zh-CN" sz="1400" dirty="0"/>
-              <a:t>('wrong </a:t>
-            </a:r>
-            <a:r>
-              <a:rPr lang="en-US" altLang="zh-CN" sz="1400" dirty="0" err="1"/>
-              <a:t>sn</a:t>
-            </a:r>
-            <a:r>
-              <a:rPr lang="en-US" altLang="zh-CN" sz="1400" dirty="0"/>
-              <a:t>')  </a:t>
-            </a:r>
-          </a:p>
-          <a:p>
-            <a:r>
-              <a:rPr lang="en-US" altLang="zh-CN" sz="1400" dirty="0"/>
-              <a:t>                    </a:t>
-            </a:r>
-            <a:r>
-              <a:rPr lang="en-US" altLang="zh-CN" sz="1400" dirty="0" err="1"/>
-              <a:t>self.sendCount</a:t>
-            </a:r>
-            <a:r>
-              <a:rPr lang="en-US" altLang="zh-CN" sz="1400" dirty="0"/>
-              <a:t> += (</a:t>
-            </a:r>
-            <a:r>
-              <a:rPr lang="en-US" altLang="zh-CN" sz="1400" dirty="0" err="1"/>
-              <a:t>self.recvBuf</a:t>
-            </a:r>
-            <a:r>
-              <a:rPr lang="en-US" altLang="zh-CN" sz="1400" dirty="0"/>
-              <a:t>[-3] -  </a:t>
-            </a:r>
-          </a:p>
-          <a:p>
-            <a:r>
-              <a:rPr lang="en-US" altLang="zh-CN" sz="1400" dirty="0"/>
-              <a:t>                                       ack+MAX_SEQ+1) % (MAX_SEQ+1)  </a:t>
-            </a:r>
-          </a:p>
-          <a:p>
-            <a:r>
-              <a:rPr lang="en-US" altLang="zh-CN" sz="1400" dirty="0"/>
-              <a:t>                    </a:t>
-            </a:r>
-            <a:r>
-              <a:rPr lang="en-US" altLang="zh-CN" sz="1400" dirty="0" err="1"/>
-              <a:t>ack</a:t>
-            </a:r>
-            <a:r>
-              <a:rPr lang="en-US" altLang="zh-CN" sz="1400" dirty="0"/>
-              <a:t> = </a:t>
-            </a:r>
-            <a:r>
-              <a:rPr lang="en-US" altLang="zh-CN" sz="1400" dirty="0" err="1"/>
-              <a:t>self.recvBuf</a:t>
-            </a:r>
-            <a:r>
-              <a:rPr lang="en-US" altLang="zh-CN" sz="1400" dirty="0"/>
-              <a:t>[-3]  </a:t>
-            </a:r>
-          </a:p>
-          <a:p>
-            <a:r>
-              <a:rPr lang="en-US" altLang="zh-CN" sz="1400" dirty="0"/>
-              <a:t>                    </a:t>
-            </a:r>
-            <a:r>
-              <a:rPr lang="en-US" altLang="zh-CN" sz="1400" dirty="0" err="1"/>
-              <a:t>bufferSize</a:t>
-            </a:r>
-            <a:r>
-              <a:rPr lang="en-US" altLang="zh-CN" sz="1400" dirty="0"/>
-              <a:t> = (sn-ack+MAX_SEQ+1) % (MAX_SEQ+1)  </a:t>
-            </a:r>
-          </a:p>
-          <a:p>
-            <a:r>
-              <a:rPr lang="en-US" altLang="zh-CN" sz="1400" dirty="0"/>
-              <a:t>                    </a:t>
-            </a:r>
-            <a:r>
-              <a:rPr lang="en-US" altLang="zh-CN" sz="1400" b="1" dirty="0"/>
-              <a:t>print</a:t>
-            </a:r>
-            <a:r>
-              <a:rPr lang="en-US" altLang="zh-CN" sz="1400" dirty="0"/>
-              <a:t>('</a:t>
-            </a:r>
-            <a:r>
-              <a:rPr lang="en-US" altLang="zh-CN" sz="1400" dirty="0" err="1"/>
-              <a:t>ack</a:t>
-            </a:r>
-            <a:r>
-              <a:rPr lang="en-US" altLang="zh-CN" sz="1400" dirty="0"/>
-              <a:t> get ', </a:t>
-            </a:r>
-            <a:r>
-              <a:rPr lang="en-US" altLang="zh-CN" sz="1400" dirty="0" err="1"/>
-              <a:t>ack</a:t>
-            </a:r>
-            <a:r>
-              <a:rPr lang="en-US" altLang="zh-CN" sz="1400" dirty="0"/>
-              <a:t>)  </a:t>
-            </a:r>
-          </a:p>
-          <a:p>
-            <a:r>
-              <a:rPr lang="en-US" altLang="zh-CN" sz="1400" dirty="0"/>
-              <a:t>                </a:t>
-            </a:r>
-            <a:r>
-              <a:rPr lang="en-US" altLang="zh-CN" sz="1400" b="1" dirty="0"/>
-              <a:t>else</a:t>
-            </a:r>
-            <a:r>
-              <a:rPr lang="en-US" altLang="zh-CN" sz="1400" dirty="0"/>
-              <a:t>:#</a:t>
-            </a:r>
-            <a:r>
-              <a:rPr lang="zh-CN" altLang="en-US" sz="1400" dirty="0"/>
-              <a:t>情况</a:t>
-            </a:r>
-            <a:r>
-              <a:rPr lang="en-US" altLang="zh-CN" sz="1400" dirty="0"/>
-              <a:t>3</a:t>
-            </a:r>
-            <a:r>
-              <a:rPr lang="zh-CN" altLang="en-US" sz="1400" dirty="0"/>
-              <a:t>：错误的帧  </a:t>
-            </a:r>
-          </a:p>
-          <a:p>
-            <a:r>
-              <a:rPr lang="zh-CN" altLang="en-US" sz="1400" dirty="0"/>
-              <a:t>                    </a:t>
-            </a:r>
-            <a:r>
-              <a:rPr lang="en-US" altLang="zh-CN" sz="1400" b="1" dirty="0"/>
-              <a:t>print</a:t>
-            </a:r>
-            <a:r>
-              <a:rPr lang="en-US" altLang="zh-CN" sz="1400" dirty="0"/>
-              <a:t>('wrong frame')  </a:t>
-            </a:r>
-          </a:p>
-          <a:p>
-            <a:r>
-              <a:rPr lang="en-US" altLang="zh-CN" sz="1400" dirty="0"/>
-              <a:t>                </a:t>
-            </a:r>
-            <a:r>
-              <a:rPr lang="en-US" altLang="zh-CN" sz="1400" dirty="0" err="1"/>
-              <a:t>self.processEvent.set</a:t>
-            </a:r>
-            <a:r>
-              <a:rPr lang="en-US" altLang="zh-CN" sz="1400" dirty="0"/>
-              <a:t>()#</a:t>
-            </a:r>
-            <a:r>
-              <a:rPr lang="zh-CN" altLang="en-US" sz="1400" dirty="0"/>
-              <a:t>触发帧处理完毕事件 </a:t>
+              <a:rPr lang="en-US" altLang="zh-CN" dirty="0" err="1"/>
+              <a:t>timeForSend</a:t>
+            </a:r>
+            <a:r>
+              <a:rPr lang="en-US" altLang="zh-CN" dirty="0"/>
+              <a:t>) </a:t>
             </a:r>
           </a:p>
         </p:txBody>
@@ -13488,7 +13997,7 @@
     </p:spTree>
     <p:extLst>
       <p:ext uri="{BB962C8B-B14F-4D97-AF65-F5344CB8AC3E}">
-        <p14:creationId xmlns:p14="http://schemas.microsoft.com/office/powerpoint/2010/main" val="717629910"/>
+        <p14:creationId xmlns:p14="http://schemas.microsoft.com/office/powerpoint/2010/main" val="3659173682"/>
       </p:ext>
     </p:extLst>
   </p:cSld>
@@ -13544,8 +14053,8 @@
           <a:p>
             <a:pPr algn="ctr"/>
             <a:r>
-              <a:rPr lang="zh-CN" altLang="en-US" b="1" dirty="0" smtClean="0"/>
-              <a:t>等待超时</a:t>
+              <a:rPr lang="zh-CN" altLang="en-US" dirty="0"/>
+              <a:t>发送方打开的窗口数未达规定限度，继续发送</a:t>
             </a:r>
             <a:endParaRPr lang="zh-CN" altLang="en-US" b="1" dirty="0"/>
           </a:p>
@@ -13559,8 +14068,8 @@
         </p:nvSpPr>
         <p:spPr>
           <a:xfrm>
-            <a:off x="1726473" y="612845"/>
-            <a:ext cx="7378338" cy="5632311"/>
+            <a:off x="1726473" y="474345"/>
+            <a:ext cx="7378338" cy="5909310"/>
           </a:xfrm>
           <a:prstGeom prst="rect">
             <a:avLst/>
@@ -13573,6 +14082,9 @@
           </a:bodyPr>
           <a:lstStyle/>
           <a:p>
+            <a:endParaRPr lang="en-US" altLang="zh-CN" dirty="0"/>
+          </a:p>
+          <a:p>
             <a:r>
               <a:rPr lang="en-US" altLang="zh-CN" b="1" dirty="0" err="1"/>
               <a:t>elif</a:t>
@@ -13583,15 +14095,39 @@
             </a:r>
             <a:r>
               <a:rPr lang="en-US" altLang="zh-CN" dirty="0" err="1"/>
-              <a:t>self.timeoutEvent.is_set</a:t>
+              <a:t>bufferSize</a:t>
             </a:r>
             <a:r>
               <a:rPr lang="en-US" altLang="zh-CN" dirty="0"/>
-              <a:t>():#</a:t>
+              <a:t> &lt; MAX_BUFSIZE </a:t>
+            </a:r>
+            <a:r>
+              <a:rPr lang="en-US" altLang="zh-CN" b="1" dirty="0"/>
+              <a:t>and</a:t>
+            </a:r>
+            <a:r>
+              <a:rPr lang="en-US" altLang="zh-CN" dirty="0"/>
+              <a:t> </a:t>
+            </a:r>
+            <a:r>
+              <a:rPr lang="en-US" altLang="zh-CN" dirty="0" err="1"/>
+              <a:t>i_data</a:t>
+            </a:r>
+            <a:r>
+              <a:rPr lang="en-US" altLang="zh-CN" dirty="0"/>
+              <a:t> &lt; </a:t>
+            </a:r>
+            <a:r>
+              <a:rPr lang="en-US" altLang="zh-CN" dirty="0" err="1"/>
+              <a:t>len</a:t>
+            </a:r>
+            <a:r>
+              <a:rPr lang="en-US" altLang="zh-CN" dirty="0"/>
+              <a:t>(data):#</a:t>
             </a:r>
             <a:r>
               <a:rPr lang="zh-CN" altLang="en-US" dirty="0"/>
-              <a:t>等待超时，重发  </a:t>
+              <a:t>发送方打开的窗口数未达规定限度，继续发送  </a:t>
             </a:r>
           </a:p>
           <a:p>
@@ -13611,11 +14147,155 @@
           <a:p>
             <a:r>
               <a:rPr lang="en-US" altLang="zh-CN" dirty="0"/>
+              <a:t>                package = </a:t>
+            </a:r>
+            <a:r>
+              <a:rPr lang="en-US" altLang="zh-CN" dirty="0" err="1"/>
+              <a:t>self.pack</a:t>
+            </a:r>
+            <a:r>
+              <a:rPr lang="en-US" altLang="zh-CN" dirty="0"/>
+              <a:t>(data[</a:t>
+            </a:r>
+            <a:r>
+              <a:rPr lang="en-US" altLang="zh-CN" dirty="0" err="1"/>
+              <a:t>i_data</a:t>
+            </a:r>
+            <a:r>
+              <a:rPr lang="en-US" altLang="zh-CN" dirty="0"/>
+              <a:t>], </a:t>
+            </a:r>
+            <a:r>
+              <a:rPr lang="en-US" altLang="zh-CN" dirty="0" err="1"/>
+              <a:t>sn</a:t>
+            </a:r>
+            <a:r>
+              <a:rPr lang="en-US" altLang="zh-CN" dirty="0"/>
+              <a:t>, </a:t>
+            </a:r>
+            <a:r>
+              <a:rPr lang="en-US" altLang="zh-CN" dirty="0" err="1"/>
+              <a:t>frameExpextedToRecv</a:t>
+            </a:r>
+            <a:r>
+              <a:rPr lang="en-US" altLang="zh-CN" dirty="0"/>
+              <a:t>)  </a:t>
+            </a:r>
+          </a:p>
+          <a:p>
+            <a:r>
+              <a:rPr lang="en-US" altLang="zh-CN" dirty="0"/>
               <a:t>                </a:t>
             </a:r>
             <a:r>
+              <a:rPr lang="en-US" altLang="zh-CN" b="1" dirty="0"/>
+              <a:t>print</a:t>
+            </a:r>
+            <a:r>
+              <a:rPr lang="en-US" altLang="zh-CN" dirty="0"/>
+              <a:t>('frame to send ', </a:t>
+            </a:r>
+            <a:r>
               <a:rPr lang="en-US" altLang="zh-CN" dirty="0" err="1"/>
-              <a:t>self.timeoutEvent.clear</a:t>
+              <a:t>sn</a:t>
+            </a:r>
+            <a:r>
+              <a:rPr lang="en-US" altLang="zh-CN" dirty="0"/>
+              <a:t>, ' data no ', </a:t>
+            </a:r>
+            <a:r>
+              <a:rPr lang="en-US" altLang="zh-CN" dirty="0" err="1"/>
+              <a:t>i_data</a:t>
+            </a:r>
+            <a:r>
+              <a:rPr lang="en-US" altLang="zh-CN" dirty="0"/>
+              <a:t>)  </a:t>
+            </a:r>
+          </a:p>
+          <a:p>
+            <a:r>
+              <a:rPr lang="en-US" altLang="zh-CN" dirty="0"/>
+              <a:t>                buffer[</a:t>
+            </a:r>
+            <a:r>
+              <a:rPr lang="en-US" altLang="zh-CN" dirty="0" err="1"/>
+              <a:t>sn</a:t>
+            </a:r>
+            <a:r>
+              <a:rPr lang="en-US" altLang="zh-CN" dirty="0"/>
+              <a:t>] = </a:t>
+            </a:r>
+            <a:r>
+              <a:rPr lang="en-US" altLang="zh-CN" dirty="0" err="1"/>
+              <a:t>i_data</a:t>
+            </a:r>
+            <a:r>
+              <a:rPr lang="en-US" altLang="zh-CN" dirty="0"/>
+              <a:t>  </a:t>
+            </a:r>
+          </a:p>
+          <a:p>
+            <a:r>
+              <a:rPr lang="en-US" altLang="zh-CN" dirty="0"/>
+              <a:t>                </a:t>
+            </a:r>
+            <a:r>
+              <a:rPr lang="en-US" altLang="zh-CN" dirty="0" err="1"/>
+              <a:t>sn</a:t>
+            </a:r>
+            <a:r>
+              <a:rPr lang="en-US" altLang="zh-CN" dirty="0"/>
+              <a:t> = (sn+1) % (MAX_SEQ+1)#</a:t>
+            </a:r>
+            <a:r>
+              <a:rPr lang="zh-CN" altLang="en-US" dirty="0"/>
+              <a:t>更新下一</a:t>
+            </a:r>
+            <a:r>
+              <a:rPr lang="zh-CN" altLang="en-US" dirty="0" smtClean="0"/>
+              <a:t>个待发送</a:t>
+            </a:r>
+            <a:r>
+              <a:rPr lang="zh-CN" altLang="en-US" dirty="0"/>
+              <a:t>的帧  </a:t>
+            </a:r>
+          </a:p>
+          <a:p>
+            <a:r>
+              <a:rPr lang="zh-CN" altLang="en-US" dirty="0"/>
+              <a:t>                </a:t>
+            </a:r>
+            <a:r>
+              <a:rPr lang="en-US" altLang="zh-CN" dirty="0" err="1"/>
+              <a:t>bufferSize</a:t>
+            </a:r>
+            <a:r>
+              <a:rPr lang="en-US" altLang="zh-CN" dirty="0"/>
+              <a:t> += 1  </a:t>
+            </a:r>
+          </a:p>
+          <a:p>
+            <a:r>
+              <a:rPr lang="en-US" altLang="zh-CN" dirty="0"/>
+              <a:t>                </a:t>
+            </a:r>
+            <a:r>
+              <a:rPr lang="en-US" altLang="zh-CN" dirty="0" err="1"/>
+              <a:t>i_data</a:t>
+            </a:r>
+            <a:r>
+              <a:rPr lang="en-US" altLang="zh-CN" dirty="0"/>
+              <a:t> += 1  </a:t>
+            </a:r>
+          </a:p>
+          <a:p>
+            <a:r>
+              <a:rPr lang="en-US" altLang="zh-CN" dirty="0"/>
+              <a:t>                rand = </a:t>
+            </a:r>
+            <a:r>
+              <a:rPr lang="en-US" altLang="zh-CN" dirty="0" err="1"/>
+              <a:t>random.random</a:t>
             </a:r>
             <a:r>
               <a:rPr lang="en-US" altLang="zh-CN" dirty="0"/>
@@ -13628,13 +14308,56 @@
               <a:t>                </a:t>
             </a:r>
             <a:r>
+              <a:rPr lang="en-US" altLang="zh-CN" b="1" dirty="0"/>
+              <a:t>if</a:t>
+            </a:r>
+            <a:r>
+              <a:rPr lang="en-US" altLang="zh-CN" dirty="0"/>
+              <a:t> rand &lt; </a:t>
+            </a:r>
+            <a:r>
               <a:rPr lang="en-US" altLang="zh-CN" dirty="0" err="1"/>
-              <a:t>self.timer.cancel</a:t>
+              <a:t>lostRate</a:t>
             </a:r>
             <a:r>
               <a:rPr lang="en-US" altLang="zh-CN" dirty="0"/>
-              <a:t>()  </a:t>
-            </a:r>
+              <a:t>:  </a:t>
+            </a:r>
+          </a:p>
+          <a:p>
+            <a:r>
+              <a:rPr lang="en-US" altLang="zh-CN" dirty="0"/>
+              <a:t>                    </a:t>
+            </a:r>
+            <a:r>
+              <a:rPr lang="en-US" altLang="zh-CN" b="1" dirty="0"/>
+              <a:t>print</a:t>
+            </a:r>
+            <a:r>
+              <a:rPr lang="en-US" altLang="zh-CN" dirty="0" smtClean="0"/>
+              <a:t>(‘frame</a:t>
+            </a:r>
+            <a:r>
+              <a:rPr lang="en-US" altLang="zh-CN" dirty="0"/>
+              <a:t> </a:t>
+            </a:r>
+            <a:r>
+              <a:rPr lang="en-US" altLang="zh-CN" dirty="0" smtClean="0"/>
+              <a:t>lose’)</a:t>
+            </a:r>
+            <a:r>
+              <a:rPr lang="en-US" altLang="zh-CN" dirty="0"/>
+              <a:t>  </a:t>
+            </a:r>
+            <a:r>
+              <a:rPr lang="en-US" altLang="zh-CN" dirty="0" smtClean="0"/>
+              <a:t>#</a:t>
+            </a:r>
+            <a:r>
+              <a:rPr lang="zh-CN" altLang="en-US" dirty="0" smtClean="0"/>
+              <a:t>失帧模拟</a:t>
+            </a:r>
+            <a:endParaRPr lang="en-US" altLang="zh-CN" dirty="0"/>
           </a:p>
           <a:p>
             <a:r>
@@ -13642,24 +14365,87 @@
               <a:t>                </a:t>
             </a:r>
             <a:r>
+              <a:rPr lang="en-US" altLang="zh-CN" b="1" dirty="0" err="1"/>
+              <a:t>elif</a:t>
+            </a:r>
+            <a:r>
+              <a:rPr lang="en-US" altLang="zh-CN" dirty="0"/>
+              <a:t> rand &lt; </a:t>
+            </a:r>
+            <a:r>
               <a:rPr lang="en-US" altLang="zh-CN" dirty="0" err="1"/>
-              <a:t>self.timer</a:t>
+              <a:t>lostRate+errorRate</a:t>
             </a:r>
             <a:r>
               <a:rPr lang="en-US" altLang="zh-CN" dirty="0"/>
-              <a:t> = </a:t>
+              <a:t>:  </a:t>
+            </a:r>
+          </a:p>
+          <a:p>
+            <a:r>
+              <a:rPr lang="en-US" altLang="zh-CN" dirty="0"/>
+              <a:t>                    </a:t>
+            </a:r>
+            <a:r>
+              <a:rPr lang="en-US" altLang="zh-CN" b="1" dirty="0"/>
+              <a:t>print</a:t>
+            </a:r>
+            <a:r>
+              <a:rPr lang="en-US" altLang="zh-CN" dirty="0" smtClean="0"/>
+              <a:t>(‘frame</a:t>
+            </a:r>
+            <a:r>
+              <a:rPr lang="en-US" altLang="zh-CN" dirty="0"/>
+              <a:t> </a:t>
+            </a:r>
+            <a:r>
+              <a:rPr lang="en-US" altLang="zh-CN" dirty="0" smtClean="0"/>
+              <a:t>error’)</a:t>
+            </a:r>
+            <a:r>
+              <a:rPr lang="en-US" altLang="zh-CN" dirty="0"/>
+              <a:t>  </a:t>
+            </a:r>
+            <a:r>
+              <a:rPr lang="en-US" altLang="zh-CN" dirty="0" smtClean="0"/>
+              <a:t>#</a:t>
+            </a:r>
+            <a:r>
+              <a:rPr lang="zh-CN" altLang="en-US" dirty="0" smtClean="0"/>
+              <a:t>错帧模拟</a:t>
+            </a:r>
+            <a:endParaRPr lang="en-US" altLang="zh-CN" dirty="0"/>
+          </a:p>
+          <a:p>
+            <a:r>
+              <a:rPr lang="en-US" altLang="zh-CN" dirty="0"/>
+              <a:t>                    package = </a:t>
             </a:r>
             <a:r>
               <a:rPr lang="en-US" altLang="zh-CN" dirty="0" err="1"/>
-              <a:t>threading.Timer</a:t>
+              <a:t>self.errorSimulation</a:t>
             </a:r>
             <a:r>
               <a:rPr lang="en-US" altLang="zh-CN" dirty="0"/>
-              <a:t>(timeout, </a:t>
+              <a:t>(package)  </a:t>
+            </a:r>
+          </a:p>
+          <a:p>
+            <a:r>
+              <a:rPr lang="en-US" altLang="zh-CN" dirty="0"/>
+              <a:t>                    </a:t>
             </a:r>
             <a:r>
               <a:rPr lang="en-US" altLang="zh-CN" dirty="0" err="1"/>
-              <a:t>self.reportTimeout</a:t>
+              <a:t>self.sForSend.sendto</a:t>
+            </a:r>
+            <a:r>
+              <a:rPr lang="en-US" altLang="zh-CN" dirty="0"/>
+              <a:t>(package, </a:t>
+            </a:r>
+            <a:r>
+              <a:rPr lang="en-US" altLang="zh-CN" dirty="0" err="1"/>
+              <a:t>self.sendAddress</a:t>
             </a:r>
             <a:r>
               <a:rPr lang="en-US" altLang="zh-CN" dirty="0"/>
@@ -13672,328 +14458,62 @@
               <a:t>                </a:t>
             </a:r>
             <a:r>
+              <a:rPr lang="en-US" altLang="zh-CN" b="1" dirty="0"/>
+              <a:t>else</a:t>
+            </a:r>
+            <a:r>
+              <a:rPr lang="en-US" altLang="zh-CN" dirty="0"/>
+              <a:t>:  </a:t>
+            </a:r>
+          </a:p>
+          <a:p>
+            <a:r>
+              <a:rPr lang="en-US" altLang="zh-CN" dirty="0"/>
+              <a:t>                    </a:t>
+            </a:r>
+            <a:r>
               <a:rPr lang="en-US" altLang="zh-CN" dirty="0" err="1"/>
-              <a:t>self.timer.start</a:t>
+              <a:t>self.sForSend.sendto</a:t>
             </a:r>
             <a:r>
               <a:rPr lang="en-US" altLang="zh-CN" dirty="0"/>
-              <a:t>()#</a:t>
-            </a:r>
-            <a:r>
-              <a:rPr lang="zh-CN" altLang="en-US" dirty="0"/>
-              <a:t>重置计时器  </a:t>
-            </a:r>
-          </a:p>
-          <a:p>
-            <a:r>
-              <a:rPr lang="zh-CN" altLang="en-US" dirty="0"/>
+              <a:t>(package, </a:t>
+            </a:r>
+            <a:r>
+              <a:rPr lang="en-US" altLang="zh-CN" dirty="0" err="1"/>
+              <a:t>self.sendAddress</a:t>
+            </a:r>
+            <a:r>
+              <a:rPr lang="en-US" altLang="zh-CN" dirty="0"/>
+              <a:t>)  </a:t>
+            </a:r>
+          </a:p>
+          <a:p>
+            <a:r>
+              <a:rPr lang="en-US" altLang="zh-CN" dirty="0"/>
               <a:t>                </a:t>
             </a:r>
             <a:r>
-              <a:rPr lang="en-US" altLang="zh-CN" b="1" dirty="0"/>
-              <a:t>for</a:t>
-            </a:r>
+              <a:rPr lang="en-US" altLang="zh-CN" dirty="0" err="1"/>
+              <a:t>time.sleep</a:t>
+            </a:r>
+            <a:r>
+              <a:rPr lang="en-US" altLang="zh-CN" dirty="0"/>
+              <a:t>(</a:t>
+            </a:r>
+            <a:r>
+              <a:rPr lang="en-US" altLang="zh-CN" dirty="0" err="1"/>
+              <a:t>timeForSend</a:t>
+            </a:r>
+            <a:r>
+              <a:rPr lang="en-US" altLang="zh-CN" dirty="0"/>
+              <a:t>)  </a:t>
+            </a:r>
+          </a:p>
+          <a:p>
             <a:r>
               <a:rPr lang="en-US" altLang="zh-CN" dirty="0"/>
               <a:t> </a:t>
-            </a:r>
-            <a:r>
-              <a:rPr lang="en-US" altLang="zh-CN" dirty="0" err="1"/>
-              <a:t>i</a:t>
-            </a:r>
-            <a:r>
-              <a:rPr lang="en-US" altLang="zh-CN" dirty="0"/>
-              <a:t> </a:t>
-            </a:r>
-            <a:r>
-              <a:rPr lang="en-US" altLang="zh-CN" b="1" dirty="0"/>
-              <a:t>in</a:t>
-            </a:r>
-            <a:r>
-              <a:rPr lang="en-US" altLang="zh-CN" dirty="0"/>
-              <a:t> range(</a:t>
-            </a:r>
-            <a:r>
-              <a:rPr lang="en-US" altLang="zh-CN" dirty="0" err="1"/>
-              <a:t>bufferSize</a:t>
-            </a:r>
-            <a:r>
-              <a:rPr lang="en-US" altLang="zh-CN" dirty="0"/>
-              <a:t>):  </a:t>
-            </a:r>
-          </a:p>
-          <a:p>
-            <a:r>
-              <a:rPr lang="en-US" altLang="zh-CN" dirty="0"/>
-              <a:t>                    package = </a:t>
-            </a:r>
-            <a:r>
-              <a:rPr lang="en-US" altLang="zh-CN" dirty="0" err="1"/>
-              <a:t>self.pack</a:t>
-            </a:r>
-            <a:r>
-              <a:rPr lang="en-US" altLang="zh-CN" dirty="0"/>
-              <a:t>(  </a:t>
-            </a:r>
-          </a:p>
-          <a:p>
-            <a:r>
-              <a:rPr lang="en-US" altLang="zh-CN" dirty="0"/>
-              <a:t>                        data[buffer[</a:t>
-            </a:r>
-            <a:r>
-              <a:rPr lang="en-US" altLang="zh-CN" dirty="0" err="1"/>
-              <a:t>ack+i</a:t>
-            </a:r>
-            <a:r>
-              <a:rPr lang="en-US" altLang="zh-CN" dirty="0"/>
-              <a:t>]], </a:t>
-            </a:r>
-            <a:r>
-              <a:rPr lang="en-US" altLang="zh-CN" dirty="0" err="1"/>
-              <a:t>ack+i</a:t>
-            </a:r>
-            <a:r>
-              <a:rPr lang="en-US" altLang="zh-CN" dirty="0"/>
-              <a:t>, </a:t>
-            </a:r>
-            <a:r>
-              <a:rPr lang="en-US" altLang="zh-CN" dirty="0" err="1"/>
-              <a:t>frameExpextedToRecv</a:t>
-            </a:r>
-            <a:r>
-              <a:rPr lang="en-US" altLang="zh-CN" dirty="0"/>
-              <a:t>)  </a:t>
-            </a:r>
-          </a:p>
-          <a:p>
-            <a:r>
-              <a:rPr lang="en-US" altLang="zh-CN" dirty="0"/>
-              <a:t>                    </a:t>
-            </a:r>
-            <a:r>
-              <a:rPr lang="en-US" altLang="zh-CN" b="1" dirty="0"/>
-              <a:t>print</a:t>
-            </a:r>
-            <a:r>
-              <a:rPr lang="en-US" altLang="zh-CN" dirty="0"/>
-              <a:t>('frame to send ', </a:t>
-            </a:r>
-            <a:r>
-              <a:rPr lang="en-US" altLang="zh-CN" dirty="0" err="1"/>
-              <a:t>ack+i</a:t>
-            </a:r>
-            <a:r>
-              <a:rPr lang="en-US" altLang="zh-CN" dirty="0"/>
-              <a:t>, ' data no ', buffer[</a:t>
-            </a:r>
-            <a:r>
-              <a:rPr lang="en-US" altLang="zh-CN" dirty="0" err="1"/>
-              <a:t>ack+i</a:t>
-            </a:r>
-            <a:r>
-              <a:rPr lang="en-US" altLang="zh-CN" dirty="0"/>
-              <a:t>])  </a:t>
-            </a:r>
-          </a:p>
-          <a:p>
-            <a:r>
-              <a:rPr lang="en-US" altLang="zh-CN" dirty="0"/>
-              <a:t>                    rand = </a:t>
-            </a:r>
-            <a:r>
-              <a:rPr lang="en-US" altLang="zh-CN" dirty="0" err="1"/>
-              <a:t>random.random</a:t>
-            </a:r>
-            <a:r>
-              <a:rPr lang="en-US" altLang="zh-CN" dirty="0"/>
-              <a:t>()  </a:t>
-            </a:r>
-          </a:p>
-          <a:p>
-            <a:r>
-              <a:rPr lang="en-US" altLang="zh-CN" dirty="0"/>
-              <a:t>                    </a:t>
-            </a:r>
-            <a:r>
-              <a:rPr lang="en-US" altLang="zh-CN" b="1" dirty="0"/>
-              <a:t>if</a:t>
-            </a:r>
-            <a:r>
-              <a:rPr lang="en-US" altLang="zh-CN" dirty="0"/>
-              <a:t> rand &lt; </a:t>
-            </a:r>
-            <a:r>
-              <a:rPr lang="en-US" altLang="zh-CN" dirty="0" err="1"/>
-              <a:t>lostRate</a:t>
-            </a:r>
-            <a:r>
-              <a:rPr lang="en-US" altLang="zh-CN" dirty="0"/>
-              <a:t>:  </a:t>
-            </a:r>
-          </a:p>
-          <a:p>
-            <a:r>
-              <a:rPr lang="en-US" altLang="zh-CN" dirty="0"/>
-              <a:t>                        </a:t>
-            </a:r>
-            <a:r>
-              <a:rPr lang="en-US" altLang="zh-CN" b="1" dirty="0"/>
-              <a:t>print</a:t>
-            </a:r>
-            <a:r>
-              <a:rPr lang="en-US" altLang="zh-CN" dirty="0"/>
-              <a:t>('frame lose')#</a:t>
-            </a:r>
-            <a:r>
-              <a:rPr lang="zh-CN" altLang="en-US" dirty="0"/>
-              <a:t>失帧模拟  </a:t>
-            </a:r>
-          </a:p>
-          <a:p>
-            <a:r>
-              <a:rPr lang="zh-CN" altLang="en-US" dirty="0"/>
-              <a:t>                    </a:t>
-            </a:r>
-            <a:r>
-              <a:rPr lang="en-US" altLang="zh-CN" b="1" dirty="0" err="1"/>
-              <a:t>elif</a:t>
-            </a:r>
-            <a:r>
-              <a:rPr lang="en-US" altLang="zh-CN" dirty="0"/>
-              <a:t> rand &lt; </a:t>
-            </a:r>
-            <a:r>
-              <a:rPr lang="en-US" altLang="zh-CN" dirty="0" err="1"/>
-              <a:t>lostRate+errorRate</a:t>
-            </a:r>
-            <a:r>
-              <a:rPr lang="en-US" altLang="zh-CN" dirty="0"/>
-              <a:t>:  </a:t>
-            </a:r>
-          </a:p>
-          <a:p>
-            <a:r>
-              <a:rPr lang="en-US" altLang="zh-CN" dirty="0"/>
-              <a:t>                        </a:t>
-            </a:r>
-            <a:r>
-              <a:rPr lang="en-US" altLang="zh-CN" b="1" dirty="0"/>
-              <a:t>print</a:t>
-            </a:r>
-            <a:r>
-              <a:rPr lang="en-US" altLang="zh-CN" dirty="0"/>
-              <a:t>('frame error')#</a:t>
-            </a:r>
-            <a:r>
-              <a:rPr lang="zh-CN" altLang="en-US" dirty="0"/>
-              <a:t>错帧模拟  </a:t>
-            </a:r>
-          </a:p>
-          <a:p>
-            <a:r>
-              <a:rPr lang="zh-CN" altLang="en-US" dirty="0"/>
-              <a:t>                        </a:t>
-            </a:r>
-            <a:r>
-              <a:rPr lang="en-US" altLang="zh-CN" dirty="0"/>
-              <a:t>package = </a:t>
-            </a:r>
-            <a:r>
-              <a:rPr lang="en-US" altLang="zh-CN" dirty="0" err="1"/>
-              <a:t>self.errorSimulation</a:t>
-            </a:r>
-            <a:r>
-              <a:rPr lang="en-US" altLang="zh-CN" dirty="0"/>
-              <a:t>(package)  </a:t>
-            </a:r>
-          </a:p>
-          <a:p>
-            <a:r>
-              <a:rPr lang="en-US" altLang="zh-CN" dirty="0"/>
-              <a:t>                        </a:t>
-            </a:r>
-            <a:r>
-              <a:rPr lang="en-US" altLang="zh-CN" dirty="0" err="1"/>
-              <a:t>self.sForSend.sendto</a:t>
-            </a:r>
-            <a:r>
-              <a:rPr lang="en-US" altLang="zh-CN" dirty="0"/>
-              <a:t>(package, </a:t>
-            </a:r>
-            <a:r>
-              <a:rPr lang="en-US" altLang="zh-CN" dirty="0" err="1"/>
-              <a:t>self.sendAddress</a:t>
-            </a:r>
-            <a:r>
-              <a:rPr lang="en-US" altLang="zh-CN" dirty="0"/>
-              <a:t>)#</a:t>
-            </a:r>
-            <a:r>
-              <a:rPr lang="zh-CN" altLang="en-US" dirty="0"/>
-              <a:t>发送错帧  </a:t>
-            </a:r>
-          </a:p>
-          <a:p>
-            <a:r>
-              <a:rPr lang="zh-CN" altLang="en-US" dirty="0"/>
-              <a:t>                    </a:t>
-            </a:r>
-            <a:r>
-              <a:rPr lang="en-US" altLang="zh-CN" b="1" dirty="0"/>
-              <a:t>else</a:t>
-            </a:r>
-            <a:r>
-              <a:rPr lang="en-US" altLang="zh-CN" dirty="0"/>
-              <a:t>:  </a:t>
-            </a:r>
-          </a:p>
-          <a:p>
-            <a:r>
-              <a:rPr lang="en-US" altLang="zh-CN" dirty="0"/>
-              <a:t>                        </a:t>
-            </a:r>
-            <a:r>
-              <a:rPr lang="en-US" altLang="zh-CN" dirty="0" err="1"/>
-              <a:t>self.sForSend.sendto</a:t>
-            </a:r>
-            <a:r>
-              <a:rPr lang="en-US" altLang="zh-CN" dirty="0"/>
-              <a:t>(package, </a:t>
-            </a:r>
-            <a:r>
-              <a:rPr lang="en-US" altLang="zh-CN" dirty="0" err="1"/>
-              <a:t>self.sendAddress</a:t>
-            </a:r>
-            <a:r>
-              <a:rPr lang="en-US" altLang="zh-CN" dirty="0"/>
-              <a:t>)#</a:t>
-            </a:r>
-            <a:r>
-              <a:rPr lang="zh-CN" altLang="en-US" dirty="0"/>
-              <a:t>发送帧  </a:t>
-            </a:r>
-          </a:p>
-          <a:p>
-            <a:r>
-              <a:rPr lang="zh-CN" altLang="en-US" dirty="0"/>
-              <a:t>                    </a:t>
-            </a:r>
-            <a:r>
-              <a:rPr lang="en-US" altLang="zh-CN" dirty="0" err="1"/>
-              <a:t>time.sleep</a:t>
-            </a:r>
-            <a:r>
-              <a:rPr lang="en-US" altLang="zh-CN" dirty="0"/>
-              <a:t>(</a:t>
-            </a:r>
-            <a:r>
-              <a:rPr lang="en-US" altLang="zh-CN" dirty="0" err="1"/>
-              <a:t>timeForSend</a:t>
-            </a:r>
-            <a:r>
-              <a:rPr lang="en-US" altLang="zh-CN" dirty="0"/>
-              <a:t>) </a:t>
             </a:r>
           </a:p>
         </p:txBody>
@@ -14001,7 +14521,7 @@
     </p:spTree>
     <p:extLst>
       <p:ext uri="{BB962C8B-B14F-4D97-AF65-F5344CB8AC3E}">
-        <p14:creationId xmlns:p14="http://schemas.microsoft.com/office/powerpoint/2010/main" val="3659173682"/>
+        <p14:creationId xmlns:p14="http://schemas.microsoft.com/office/powerpoint/2010/main" val="3604375850"/>
       </p:ext>
     </p:extLst>
   </p:cSld>
@@ -14058,7 +14578,7 @@
             <a:pPr algn="ctr"/>
             <a:r>
               <a:rPr lang="zh-CN" altLang="en-US" dirty="0"/>
-              <a:t>发送方打开的窗口数未达规定限度，继续发送</a:t>
+              <a:t>没有数据到达</a:t>
             </a:r>
             <a:endParaRPr lang="zh-CN" altLang="en-US" b="1" dirty="0"/>
           </a:p>
@@ -14072,8 +14592,8 @@
         </p:nvSpPr>
         <p:spPr>
           <a:xfrm>
-            <a:off x="1726473" y="474345"/>
-            <a:ext cx="7378338" cy="5909310"/>
+            <a:off x="1726473" y="2644170"/>
+            <a:ext cx="7378338" cy="1569660"/>
           </a:xfrm>
           <a:prstGeom prst="rect">
             <a:avLst/>
@@ -14086,388 +14606,54 @@
           </a:bodyPr>
           <a:lstStyle/>
           <a:p>
-            <a:endParaRPr lang="en-US" altLang="zh-CN" dirty="0"/>
-          </a:p>
-          <a:p>
-            <a:r>
-              <a:rPr lang="en-US" altLang="zh-CN" b="1" dirty="0" err="1"/>
-              <a:t>elif</a:t>
-            </a:r>
-            <a:r>
-              <a:rPr lang="en-US" altLang="zh-CN" dirty="0"/>
+            <a:endParaRPr lang="en-US" altLang="zh-CN" sz="2400" dirty="0"/>
+          </a:p>
+          <a:p>
+            <a:r>
+              <a:rPr lang="en-US" altLang="zh-CN" sz="2400" b="1" dirty="0"/>
+              <a:t>if</a:t>
+            </a:r>
+            <a:r>
+              <a:rPr lang="en-US" altLang="zh-CN" sz="2400" dirty="0"/>
               <a:t> </a:t>
             </a:r>
             <a:r>
-              <a:rPr lang="en-US" altLang="zh-CN" dirty="0" err="1"/>
-              <a:t>bufferSize</a:t>
-            </a:r>
-            <a:r>
-              <a:rPr lang="en-US" altLang="zh-CN" dirty="0"/>
-              <a:t> &lt; MAX_BUFSIZE </a:t>
-            </a:r>
-            <a:r>
-              <a:rPr lang="en-US" altLang="zh-CN" b="1" dirty="0"/>
-              <a:t>and</a:t>
-            </a:r>
-            <a:r>
-              <a:rPr lang="en-US" altLang="zh-CN" dirty="0"/>
+              <a:rPr lang="en-US" altLang="zh-CN" sz="2400" b="1" dirty="0"/>
+              <a:t>not</a:t>
+            </a:r>
+            <a:r>
+              <a:rPr lang="en-US" altLang="zh-CN" sz="2400" dirty="0"/>
               <a:t> </a:t>
             </a:r>
             <a:r>
-              <a:rPr lang="en-US" altLang="zh-CN" dirty="0" err="1"/>
-              <a:t>i_data</a:t>
-            </a:r>
-            <a:r>
-              <a:rPr lang="en-US" altLang="zh-CN" dirty="0"/>
-              <a:t> &lt; </a:t>
-            </a:r>
-            <a:r>
-              <a:rPr lang="en-US" altLang="zh-CN" dirty="0" err="1"/>
-              <a:t>len</a:t>
-            </a:r>
-            <a:r>
-              <a:rPr lang="en-US" altLang="zh-CN" dirty="0"/>
-              <a:t>(data):#</a:t>
-            </a:r>
-            <a:r>
-              <a:rPr lang="zh-CN" altLang="en-US" dirty="0"/>
-              <a:t>发送方打开的窗口数未达规定限度，继续发送  </a:t>
-            </a:r>
-          </a:p>
-          <a:p>
-            <a:r>
-              <a:rPr lang="zh-CN" altLang="en-US" dirty="0"/>
+              <a:rPr lang="en-US" altLang="zh-CN" sz="2400" dirty="0" err="1"/>
+              <a:t>self.recvEvent.is_set</a:t>
+            </a:r>
+            <a:r>
+              <a:rPr lang="en-US" altLang="zh-CN" sz="2400" dirty="0"/>
+              <a:t>():#</a:t>
+            </a:r>
+            <a:r>
+              <a:rPr lang="zh-CN" altLang="en-US" sz="2400" dirty="0"/>
+              <a:t>没有数据到达  </a:t>
+            </a:r>
+          </a:p>
+          <a:p>
+            <a:r>
+              <a:rPr lang="zh-CN" altLang="en-US" sz="2400" dirty="0"/>
               <a:t>                </a:t>
             </a:r>
             <a:r>
-              <a:rPr lang="en-US" altLang="zh-CN" b="1" dirty="0"/>
-              <a:t>print</a:t>
-            </a:r>
-            <a:r>
-              <a:rPr lang="en-US" altLang="zh-CN" dirty="0"/>
-              <a:t>('---------------------------------------')  </a:t>
-            </a:r>
-          </a:p>
-          <a:p>
-            <a:r>
-              <a:rPr lang="en-US" altLang="zh-CN" dirty="0"/>
-              <a:t>                package = </a:t>
-            </a:r>
-            <a:r>
-              <a:rPr lang="en-US" altLang="zh-CN" dirty="0" err="1"/>
-              <a:t>self.pack</a:t>
-            </a:r>
-            <a:r>
-              <a:rPr lang="en-US" altLang="zh-CN" dirty="0"/>
-              <a:t>(data[</a:t>
-            </a:r>
-            <a:r>
-              <a:rPr lang="en-US" altLang="zh-CN" dirty="0" err="1"/>
-              <a:t>i_data</a:t>
-            </a:r>
-            <a:r>
-              <a:rPr lang="en-US" altLang="zh-CN" dirty="0"/>
-              <a:t>], </a:t>
-            </a:r>
-            <a:r>
-              <a:rPr lang="en-US" altLang="zh-CN" dirty="0" err="1"/>
-              <a:t>sn</a:t>
-            </a:r>
-            <a:r>
-              <a:rPr lang="en-US" altLang="zh-CN" dirty="0"/>
-              <a:t>, </a:t>
-            </a:r>
-            <a:r>
-              <a:rPr lang="en-US" altLang="zh-CN" dirty="0" err="1"/>
-              <a:t>frameExpextedToRecv</a:t>
-            </a:r>
-            <a:r>
-              <a:rPr lang="en-US" altLang="zh-CN" dirty="0"/>
-              <a:t>)  </a:t>
-            </a:r>
-          </a:p>
-          <a:p>
-            <a:r>
-              <a:rPr lang="en-US" altLang="zh-CN" dirty="0"/>
-              <a:t>                </a:t>
-            </a:r>
-            <a:r>
-              <a:rPr lang="en-US" altLang="zh-CN" b="1" dirty="0"/>
-              <a:t>print</a:t>
-            </a:r>
-            <a:r>
-              <a:rPr lang="en-US" altLang="zh-CN" dirty="0"/>
-              <a:t>('frame to send ', </a:t>
-            </a:r>
-            <a:r>
-              <a:rPr lang="en-US" altLang="zh-CN" dirty="0" err="1"/>
-              <a:t>sn</a:t>
-            </a:r>
-            <a:r>
-              <a:rPr lang="en-US" altLang="zh-CN" dirty="0"/>
-              <a:t>, ' data no ', </a:t>
-            </a:r>
-            <a:r>
-              <a:rPr lang="en-US" altLang="zh-CN" dirty="0" err="1"/>
-              <a:t>i_data</a:t>
-            </a:r>
-            <a:r>
-              <a:rPr lang="en-US" altLang="zh-CN" dirty="0"/>
-              <a:t>)  </a:t>
-            </a:r>
-          </a:p>
-          <a:p>
-            <a:r>
-              <a:rPr lang="en-US" altLang="zh-CN" dirty="0"/>
-              <a:t>                buffer[</a:t>
-            </a:r>
-            <a:r>
-              <a:rPr lang="en-US" altLang="zh-CN" dirty="0" err="1"/>
-              <a:t>sn</a:t>
-            </a:r>
-            <a:r>
-              <a:rPr lang="en-US" altLang="zh-CN" dirty="0"/>
-              <a:t>] = </a:t>
-            </a:r>
-            <a:r>
-              <a:rPr lang="en-US" altLang="zh-CN" dirty="0" err="1"/>
-              <a:t>i_data</a:t>
-            </a:r>
-            <a:r>
-              <a:rPr lang="en-US" altLang="zh-CN" dirty="0"/>
-              <a:t>  </a:t>
-            </a:r>
-          </a:p>
-          <a:p>
-            <a:r>
-              <a:rPr lang="en-US" altLang="zh-CN" dirty="0"/>
-              <a:t>                </a:t>
-            </a:r>
-            <a:r>
-              <a:rPr lang="en-US" altLang="zh-CN" dirty="0" err="1"/>
-              <a:t>sn</a:t>
-            </a:r>
-            <a:r>
-              <a:rPr lang="en-US" altLang="zh-CN" dirty="0"/>
-              <a:t> = (sn+1) % (MAX_SEQ+1)#</a:t>
-            </a:r>
-            <a:r>
-              <a:rPr lang="zh-CN" altLang="en-US" dirty="0"/>
-              <a:t>更新下一个带发送的帧  </a:t>
-            </a:r>
-          </a:p>
-          <a:p>
-            <a:r>
-              <a:rPr lang="zh-CN" altLang="en-US" dirty="0"/>
-              <a:t>                </a:t>
-            </a:r>
-            <a:r>
-              <a:rPr lang="en-US" altLang="zh-CN" dirty="0" err="1"/>
-              <a:t>bufferSize</a:t>
-            </a:r>
-            <a:r>
-              <a:rPr lang="en-US" altLang="zh-CN" dirty="0"/>
-              <a:t> += 1  </a:t>
-            </a:r>
-          </a:p>
-          <a:p>
-            <a:r>
-              <a:rPr lang="en-US" altLang="zh-CN" dirty="0"/>
-              <a:t>                </a:t>
-            </a:r>
-            <a:r>
-              <a:rPr lang="en-US" altLang="zh-CN" dirty="0" err="1"/>
-              <a:t>i_data</a:t>
-            </a:r>
-            <a:r>
-              <a:rPr lang="en-US" altLang="zh-CN" dirty="0"/>
-              <a:t> += 1  </a:t>
-            </a:r>
-          </a:p>
-          <a:p>
-            <a:r>
-              <a:rPr lang="en-US" altLang="zh-CN" dirty="0"/>
-              <a:t>                rand = </a:t>
-            </a:r>
-            <a:r>
-              <a:rPr lang="en-US" altLang="zh-CN" dirty="0" err="1"/>
-              <a:t>random.random</a:t>
-            </a:r>
-            <a:r>
-              <a:rPr lang="en-US" altLang="zh-CN" dirty="0"/>
-              <a:t>()  </a:t>
-            </a:r>
-          </a:p>
-          <a:p>
-            <a:r>
-              <a:rPr lang="en-US" altLang="zh-CN" dirty="0"/>
-              <a:t>                </a:t>
-            </a:r>
-            <a:r>
-              <a:rPr lang="en-US" altLang="zh-CN" b="1" dirty="0"/>
-              <a:t>if</a:t>
-            </a:r>
-            <a:r>
-              <a:rPr lang="en-US" altLang="zh-CN" dirty="0"/>
-              <a:t> rand &lt; </a:t>
-            </a:r>
-            <a:r>
-              <a:rPr lang="en-US" altLang="zh-CN" dirty="0" err="1"/>
-              <a:t>lostRate</a:t>
-            </a:r>
-            <a:r>
-              <a:rPr lang="en-US" altLang="zh-CN" dirty="0"/>
-              <a:t>:  </a:t>
-            </a:r>
-          </a:p>
-          <a:p>
-            <a:r>
-              <a:rPr lang="en-US" altLang="zh-CN" dirty="0"/>
-              <a:t>                    </a:t>
-            </a:r>
-            <a:r>
-              <a:rPr lang="en-US" altLang="zh-CN" b="1" dirty="0"/>
-              <a:t>print</a:t>
-            </a:r>
-            <a:r>
-              <a:rPr lang="en-US" altLang="zh-CN" dirty="0"/>
-              <a:t>('frame lose')  </a:t>
-            </a:r>
-          </a:p>
-          <a:p>
-            <a:r>
-              <a:rPr lang="en-US" altLang="zh-CN" dirty="0"/>
-              <a:t>                </a:t>
-            </a:r>
-            <a:r>
-              <a:rPr lang="en-US" altLang="zh-CN" b="1" dirty="0" err="1"/>
-              <a:t>elif</a:t>
-            </a:r>
-            <a:r>
-              <a:rPr lang="en-US" altLang="zh-CN" dirty="0"/>
-              <a:t> rand &lt; </a:t>
-            </a:r>
-            <a:r>
-              <a:rPr lang="en-US" altLang="zh-CN" dirty="0" err="1"/>
-              <a:t>lostRate+errorRate</a:t>
-            </a:r>
-            <a:r>
-              <a:rPr lang="en-US" altLang="zh-CN" dirty="0"/>
-              <a:t>:  </a:t>
-            </a:r>
-          </a:p>
-          <a:p>
-            <a:r>
-              <a:rPr lang="en-US" altLang="zh-CN" dirty="0"/>
-              <a:t>                    </a:t>
-            </a:r>
-            <a:r>
-              <a:rPr lang="en-US" altLang="zh-CN" b="1" dirty="0"/>
-              <a:t>print</a:t>
-            </a:r>
-            <a:r>
-              <a:rPr lang="en-US" altLang="zh-CN" dirty="0"/>
-              <a:t>('frame error')  </a:t>
-            </a:r>
-          </a:p>
-          <a:p>
-            <a:r>
-              <a:rPr lang="en-US" altLang="zh-CN" dirty="0"/>
-              <a:t>                    package = </a:t>
-            </a:r>
-            <a:r>
-              <a:rPr lang="en-US" altLang="zh-CN" dirty="0" err="1"/>
-              <a:t>self.errorSimulation</a:t>
-            </a:r>
-            <a:r>
-              <a:rPr lang="en-US" altLang="zh-CN" dirty="0"/>
-              <a:t>(package)  </a:t>
-            </a:r>
-          </a:p>
-          <a:p>
-            <a:r>
-              <a:rPr lang="en-US" altLang="zh-CN" dirty="0"/>
-              <a:t>                    </a:t>
-            </a:r>
-            <a:r>
-              <a:rPr lang="en-US" altLang="zh-CN" dirty="0" err="1"/>
-              <a:t>self.sForSend.sendto</a:t>
-            </a:r>
-            <a:r>
-              <a:rPr lang="en-US" altLang="zh-CN" dirty="0"/>
-              <a:t>(package, </a:t>
-            </a:r>
-            <a:r>
-              <a:rPr lang="en-US" altLang="zh-CN" dirty="0" err="1"/>
-              <a:t>self.sendAddress</a:t>
-            </a:r>
-            <a:r>
-              <a:rPr lang="en-US" altLang="zh-CN" dirty="0"/>
-              <a:t>)  </a:t>
-            </a:r>
-          </a:p>
-          <a:p>
-            <a:r>
-              <a:rPr lang="en-US" altLang="zh-CN" dirty="0"/>
-              <a:t>                </a:t>
-            </a:r>
-            <a:r>
-              <a:rPr lang="en-US" altLang="zh-CN" b="1" dirty="0"/>
-              <a:t>else</a:t>
-            </a:r>
-            <a:r>
-              <a:rPr lang="en-US" altLang="zh-CN" dirty="0"/>
-              <a:t>:  </a:t>
-            </a:r>
-          </a:p>
-          <a:p>
-            <a:r>
-              <a:rPr lang="en-US" altLang="zh-CN" dirty="0"/>
-              <a:t>                    </a:t>
-            </a:r>
-            <a:r>
-              <a:rPr lang="en-US" altLang="zh-CN" dirty="0" err="1"/>
-              <a:t>self.sForSend.sendto</a:t>
-            </a:r>
-            <a:r>
-              <a:rPr lang="en-US" altLang="zh-CN" dirty="0"/>
-              <a:t>(package, </a:t>
-            </a:r>
-            <a:r>
-              <a:rPr lang="en-US" altLang="zh-CN" dirty="0" err="1"/>
-              <a:t>self.sendAddress</a:t>
-            </a:r>
-            <a:r>
-              <a:rPr lang="en-US" altLang="zh-CN" dirty="0"/>
-              <a:t>)  </a:t>
-            </a:r>
-          </a:p>
-          <a:p>
-            <a:r>
-              <a:rPr lang="en-US" altLang="zh-CN" dirty="0"/>
-              <a:t>                </a:t>
-            </a:r>
-            <a:r>
-              <a:rPr lang="en-US" altLang="zh-CN" dirty="0" err="1"/>
-              <a:t>time.sleep</a:t>
-            </a:r>
-            <a:r>
-              <a:rPr lang="en-US" altLang="zh-CN" dirty="0"/>
-              <a:t>(</a:t>
-            </a:r>
-            <a:r>
-              <a:rPr lang="en-US" altLang="zh-CN" dirty="0" err="1"/>
-              <a:t>timeForSend</a:t>
-            </a:r>
-            <a:r>
-              <a:rPr lang="en-US" altLang="zh-CN" dirty="0"/>
-              <a:t>)  </a:t>
-            </a:r>
-          </a:p>
-          <a:p>
-            <a:r>
-              <a:rPr lang="en-US" altLang="zh-CN" dirty="0"/>
-              <a:t> </a:t>
+              <a:rPr lang="en-US" altLang="zh-CN" sz="2400" dirty="0" err="1"/>
+              <a:t>self.processEvent.set</a:t>
+            </a:r>
+            <a:r>
+              <a:rPr lang="en-US" altLang="zh-CN" sz="2400" dirty="0"/>
+              <a:t>()#</a:t>
+            </a:r>
+            <a:r>
+              <a:rPr lang="zh-CN" altLang="en-US" sz="2400" dirty="0"/>
+              <a:t>触发数据处理完毕事件  </a:t>
             </a:r>
           </a:p>
         </p:txBody>
@@ -14475,7 +14661,7 @@
     </p:spTree>
     <p:extLst>
       <p:ext uri="{BB962C8B-B14F-4D97-AF65-F5344CB8AC3E}">
-        <p14:creationId xmlns:p14="http://schemas.microsoft.com/office/powerpoint/2010/main" val="3604375850"/>
+        <p14:creationId xmlns:p14="http://schemas.microsoft.com/office/powerpoint/2010/main" val="1861746965"/>
       </p:ext>
     </p:extLst>
   </p:cSld>
@@ -14531,8 +14717,8 @@
           <a:p>
             <a:pPr algn="ctr"/>
             <a:r>
-              <a:rPr lang="zh-CN" altLang="en-US" dirty="0"/>
-              <a:t>没有数据到达</a:t>
+              <a:rPr lang="zh-CN" altLang="en-US" b="1" dirty="0" smtClean="0"/>
+              <a:t>子线程接收帧</a:t>
             </a:r>
             <a:endParaRPr lang="zh-CN" altLang="en-US" b="1" dirty="0"/>
           </a:p>
@@ -14546,8 +14732,8 @@
         </p:nvSpPr>
         <p:spPr>
           <a:xfrm>
-            <a:off x="1726473" y="2644170"/>
-            <a:ext cx="7378338" cy="1569660"/>
+            <a:off x="1726473" y="1690063"/>
+            <a:ext cx="7678784" cy="3477875"/>
           </a:xfrm>
           <a:prstGeom prst="rect">
             <a:avLst/>
@@ -14560,54 +14746,202 @@
           </a:bodyPr>
           <a:lstStyle/>
           <a:p>
-            <a:endParaRPr lang="en-US" altLang="zh-CN" sz="2400" dirty="0"/>
-          </a:p>
-          <a:p>
-            <a:r>
-              <a:rPr lang="en-US" altLang="zh-CN" sz="2400" b="1" dirty="0"/>
+            <a:endParaRPr lang="en-US" altLang="zh-CN" sz="2000" dirty="0"/>
+          </a:p>
+          <a:p>
+            <a:r>
+              <a:rPr lang="en-US" altLang="zh-CN" sz="2000" b="1" dirty="0" err="1"/>
+              <a:t>def</a:t>
+            </a:r>
+            <a:r>
+              <a:rPr lang="en-US" altLang="zh-CN" sz="2000" dirty="0"/>
+              <a:t> </a:t>
+            </a:r>
+            <a:r>
+              <a:rPr lang="en-US" altLang="zh-CN" sz="2000" dirty="0" err="1"/>
+              <a:t>recv</a:t>
+            </a:r>
+            <a:r>
+              <a:rPr lang="en-US" altLang="zh-CN" sz="2000" dirty="0"/>
+              <a:t>(self):   </a:t>
+            </a:r>
+          </a:p>
+          <a:p>
+            <a:r>
+              <a:rPr lang="en-US" altLang="zh-CN" sz="2000" dirty="0"/>
+              <a:t>        </a:t>
+            </a:r>
+            <a:r>
+              <a:rPr lang="en-US" altLang="zh-CN" sz="2000" b="1" dirty="0"/>
+              <a:t>while</a:t>
+            </a:r>
+            <a:r>
+              <a:rPr lang="en-US" altLang="zh-CN" sz="2000" dirty="0"/>
+              <a:t> True:  </a:t>
+            </a:r>
+          </a:p>
+          <a:p>
+            <a:r>
+              <a:rPr lang="en-US" altLang="zh-CN" sz="2000" dirty="0"/>
+              <a:t>            # print('</a:t>
+            </a:r>
+            <a:r>
+              <a:rPr lang="en-US" altLang="zh-CN" sz="2000" dirty="0" err="1"/>
+              <a:t>recv</a:t>
+            </a:r>
+            <a:r>
+              <a:rPr lang="en-US" altLang="zh-CN" sz="2000" dirty="0"/>
+              <a:t>')  </a:t>
+            </a:r>
+          </a:p>
+          <a:p>
+            <a:r>
+              <a:rPr lang="en-US" altLang="zh-CN" sz="2000" dirty="0"/>
+              <a:t>            </a:t>
+            </a:r>
+            <a:r>
+              <a:rPr lang="en-US" altLang="zh-CN" sz="2000" b="1" dirty="0"/>
               <a:t>if</a:t>
             </a:r>
             <a:r>
-              <a:rPr lang="en-US" altLang="zh-CN" sz="2400" dirty="0"/>
+              <a:rPr lang="en-US" altLang="zh-CN" sz="2000" dirty="0"/>
               <a:t> </a:t>
             </a:r>
             <a:r>
-              <a:rPr lang="en-US" altLang="zh-CN" sz="2400" b="1" dirty="0"/>
-              <a:t>not</a:t>
-            </a:r>
-            <a:r>
-              <a:rPr lang="en-US" altLang="zh-CN" sz="2400" dirty="0"/>
+              <a:rPr lang="en-US" altLang="zh-CN" sz="2000" dirty="0" err="1"/>
+              <a:t>self.recvCount</a:t>
+            </a:r>
+            <a:r>
+              <a:rPr lang="en-US" altLang="zh-CN" sz="2000" dirty="0"/>
+              <a:t> == </a:t>
+            </a:r>
+            <a:r>
+              <a:rPr lang="en-US" altLang="zh-CN" sz="2000" dirty="0" err="1"/>
+              <a:t>dataLen</a:t>
+            </a:r>
+            <a:r>
+              <a:rPr lang="en-US" altLang="zh-CN" sz="2000" dirty="0"/>
               <a:t> </a:t>
             </a:r>
             <a:r>
-              <a:rPr lang="en-US" altLang="zh-CN" sz="2400" dirty="0" err="1"/>
-              <a:t>self.recvEvent.is_set</a:t>
-            </a:r>
-            <a:r>
-              <a:rPr lang="en-US" altLang="zh-CN" sz="2400" dirty="0"/>
-              <a:t>():#</a:t>
-            </a:r>
-            <a:r>
-              <a:rPr lang="zh-CN" altLang="en-US" sz="2400" dirty="0"/>
-              <a:t>没有数据到达  </a:t>
-            </a:r>
-          </a:p>
-          <a:p>
-            <a:r>
-              <a:rPr lang="zh-CN" altLang="en-US" sz="2400" dirty="0"/>
+              <a:rPr lang="en-US" altLang="zh-CN" sz="2000" b="1" dirty="0"/>
+              <a:t>and</a:t>
+            </a:r>
+            <a:r>
+              <a:rPr lang="en-US" altLang="zh-CN" sz="2000" dirty="0"/>
+              <a:t> </a:t>
+            </a:r>
+            <a:r>
+              <a:rPr lang="en-US" altLang="zh-CN" sz="2000" dirty="0" err="1"/>
+              <a:t>self.sendCount</a:t>
+            </a:r>
+            <a:r>
+              <a:rPr lang="en-US" altLang="zh-CN" sz="2000" dirty="0"/>
+              <a:t> == </a:t>
+            </a:r>
+            <a:r>
+              <a:rPr lang="en-US" altLang="zh-CN" sz="2000" dirty="0" err="1"/>
+              <a:t>dataLen</a:t>
+            </a:r>
+            <a:r>
+              <a:rPr lang="en-US" altLang="zh-CN" sz="2000" dirty="0"/>
+              <a:t>:  </a:t>
+            </a:r>
+          </a:p>
+          <a:p>
+            <a:r>
+              <a:rPr lang="en-US" altLang="zh-CN" sz="2000" dirty="0"/>
               <a:t>                </a:t>
             </a:r>
             <a:r>
-              <a:rPr lang="en-US" altLang="zh-CN" sz="2400" dirty="0" err="1"/>
-              <a:t>self.processEvent.set</a:t>
-            </a:r>
-            <a:r>
-              <a:rPr lang="en-US" altLang="zh-CN" sz="2400" dirty="0"/>
+              <a:rPr lang="en-US" altLang="zh-CN" sz="2000" b="1" dirty="0"/>
+              <a:t>break</a:t>
+            </a:r>
+            <a:r>
+              <a:rPr lang="en-US" altLang="zh-CN" sz="2000" dirty="0"/>
+              <a:t>  </a:t>
+            </a:r>
+          </a:p>
+          <a:p>
+            <a:r>
+              <a:rPr lang="en-US" altLang="zh-CN" sz="2000" dirty="0"/>
+              <a:t>            </a:t>
+            </a:r>
+            <a:r>
+              <a:rPr lang="en-US" altLang="zh-CN" sz="2000" dirty="0" err="1"/>
+              <a:t>self.recvBuf</a:t>
+            </a:r>
+            <a:r>
+              <a:rPr lang="en-US" altLang="zh-CN" sz="2000" dirty="0"/>
+              <a:t>, _ = </a:t>
+            </a:r>
+            <a:r>
+              <a:rPr lang="en-US" altLang="zh-CN" sz="2000" dirty="0" err="1"/>
+              <a:t>self.sForRecv.recvfrom</a:t>
+            </a:r>
+            <a:r>
+              <a:rPr lang="en-US" altLang="zh-CN" sz="2000" dirty="0"/>
+              <a:t>(1024)#</a:t>
+            </a:r>
+            <a:r>
+              <a:rPr lang="zh-CN" altLang="en-US" sz="2000" dirty="0"/>
+              <a:t>缓存接收到的帧  </a:t>
+            </a:r>
+          </a:p>
+          <a:p>
+            <a:r>
+              <a:rPr lang="zh-CN" altLang="en-US" sz="2000" dirty="0"/>
+              <a:t>            </a:t>
+            </a:r>
+            <a:r>
+              <a:rPr lang="en-US" altLang="zh-CN" sz="2000" dirty="0" err="1"/>
+              <a:t>self.recvEvent.set</a:t>
+            </a:r>
+            <a:r>
+              <a:rPr lang="en-US" altLang="zh-CN" sz="2000" dirty="0"/>
               <a:t>()#</a:t>
             </a:r>
             <a:r>
-              <a:rPr lang="zh-CN" altLang="en-US" sz="2400" dirty="0"/>
-              <a:t>触发数据处理完毕事件  </a:t>
+              <a:rPr lang="zh-CN" altLang="en-US" sz="2000" dirty="0"/>
+              <a:t>触发帧到达事件  </a:t>
+            </a:r>
+          </a:p>
+          <a:p>
+            <a:r>
+              <a:rPr lang="zh-CN" altLang="en-US" sz="2000" dirty="0"/>
+              <a:t>  </a:t>
+            </a:r>
+          </a:p>
+          <a:p>
+            <a:r>
+              <a:rPr lang="zh-CN" altLang="en-US" sz="2000" dirty="0"/>
+              <a:t>            </a:t>
+            </a:r>
+            <a:r>
+              <a:rPr lang="en-US" altLang="zh-CN" sz="2000" dirty="0" err="1"/>
+              <a:t>self.processEvent.wait</a:t>
+            </a:r>
+            <a:r>
+              <a:rPr lang="en-US" altLang="zh-CN" sz="2000" dirty="0"/>
+              <a:t>()#</a:t>
+            </a:r>
+            <a:r>
+              <a:rPr lang="zh-CN" altLang="en-US" sz="2000" dirty="0"/>
+              <a:t>等待数据处理完毕（检错，解包）  </a:t>
+            </a:r>
+          </a:p>
+          <a:p>
+            <a:r>
+              <a:rPr lang="zh-CN" altLang="en-US" sz="2000" dirty="0"/>
+              <a:t>            </a:t>
+            </a:r>
+            <a:r>
+              <a:rPr lang="en-US" altLang="zh-CN" sz="2000" dirty="0" err="1"/>
+              <a:t>self.processEvent.clear</a:t>
+            </a:r>
+            <a:r>
+              <a:rPr lang="en-US" altLang="zh-CN" sz="2000" dirty="0"/>
+              <a:t>()  </a:t>
             </a:r>
           </a:p>
         </p:txBody>
@@ -14615,7 +14949,7 @@
     </p:spTree>
     <p:extLst>
       <p:ext uri="{BB962C8B-B14F-4D97-AF65-F5344CB8AC3E}">
-        <p14:creationId xmlns:p14="http://schemas.microsoft.com/office/powerpoint/2010/main" val="1861746965"/>
+        <p14:creationId xmlns:p14="http://schemas.microsoft.com/office/powerpoint/2010/main" val="1812423582"/>
       </p:ext>
     </p:extLst>
   </p:cSld>
@@ -14651,7 +14985,7 @@
       </p:grpSpPr>
       <p:pic>
         <p:nvPicPr>
-          <p:cNvPr id="2" name="图片 1"/>
+          <p:cNvPr id="3" name="图片 2"/>
           <p:cNvPicPr>
             <a:picLocks noChangeAspect="1"/>
           </p:cNvPicPr>
@@ -14671,17 +15005,65 @@
         </p:blipFill>
         <p:spPr>
           <a:xfrm>
-            <a:off x="3148149" y="123516"/>
-            <a:ext cx="3357155" cy="6499788"/>
+            <a:off x="6305967" y="4009733"/>
+            <a:ext cx="3002540" cy="1660113"/>
           </a:xfrm>
           <a:prstGeom prst="rect">
             <a:avLst/>
           </a:prstGeom>
         </p:spPr>
       </p:pic>
+      <p:sp>
+        <p:nvSpPr>
+          <p:cNvPr id="4" name="文本框 3"/>
+          <p:cNvSpPr txBox="1"/>
+          <p:nvPr/>
+        </p:nvSpPr>
+        <p:spPr>
+          <a:xfrm>
+            <a:off x="865120" y="1809210"/>
+            <a:ext cx="923330" cy="3239578"/>
+          </a:xfrm>
+          <a:prstGeom prst="rect">
+            <a:avLst/>
+          </a:prstGeom>
+        </p:spPr>
+        <p:style>
+          <a:lnRef idx="0">
+            <a:schemeClr val="dk1"/>
+          </a:lnRef>
+          <a:fillRef idx="3">
+            <a:schemeClr val="dk1"/>
+          </a:fillRef>
+          <a:effectRef idx="3">
+            <a:schemeClr val="dk1"/>
+          </a:effectRef>
+          <a:fontRef idx="minor">
+            <a:schemeClr val="lt1"/>
+          </a:fontRef>
+        </p:style>
+        <p:txBody>
+          <a:bodyPr vert="eaVert" wrap="square" rtlCol="0">
+            <a:spAutoFit/>
+          </a:bodyPr>
+          <a:lstStyle/>
+          <a:p>
+            <a:pPr algn="ctr"/>
+            <a:r>
+              <a:rPr lang="zh-CN" altLang="en-US" sz="4800" dirty="0" smtClean="0"/>
+              <a:t>运行</a:t>
+            </a:r>
+            <a:r>
+              <a:rPr lang="zh-CN" altLang="en-US" sz="4800" dirty="0" smtClean="0"/>
+              <a:t>结果</a:t>
+            </a:r>
+            <a:endParaRPr lang="zh-CN" altLang="en-US" sz="4800" dirty="0"/>
+          </a:p>
+        </p:txBody>
+      </p:sp>
       <p:pic>
         <p:nvPicPr>
-          <p:cNvPr id="3" name="图片 2"/>
+          <p:cNvPr id="5" name="图片 4"/>
           <p:cNvPicPr>
             <a:picLocks noChangeAspect="1"/>
           </p:cNvPicPr>
@@ -14701,14 +15083,208 @@
         </p:blipFill>
         <p:spPr>
           <a:xfrm>
-            <a:off x="6750104" y="2598944"/>
-            <a:ext cx="3002540" cy="1660113"/>
+            <a:off x="2743200" y="156754"/>
+            <a:ext cx="3189825" cy="6557555"/>
           </a:xfrm>
           <a:prstGeom prst="rect">
             <a:avLst/>
           </a:prstGeom>
         </p:spPr>
       </p:pic>
+      <p:sp>
+        <p:nvSpPr>
+          <p:cNvPr id="6" name="矩形 5"/>
+          <p:cNvSpPr/>
+          <p:nvPr/>
+        </p:nvSpPr>
+        <p:spPr>
+          <a:xfrm>
+            <a:off x="7014754" y="796834"/>
+            <a:ext cx="2090057" cy="535577"/>
+          </a:xfrm>
+          <a:prstGeom prst="rect">
+            <a:avLst/>
+          </a:prstGeom>
+        </p:spPr>
+        <p:style>
+          <a:lnRef idx="2">
+            <a:schemeClr val="dk1"/>
+          </a:lnRef>
+          <a:fillRef idx="1">
+            <a:schemeClr val="lt1"/>
+          </a:fillRef>
+          <a:effectRef idx="0">
+            <a:schemeClr val="dk1"/>
+          </a:effectRef>
+          <a:fontRef idx="minor">
+            <a:schemeClr val="dk1"/>
+          </a:fontRef>
+        </p:style>
+        <p:txBody>
+          <a:bodyPr rtlCol="0" anchor="ctr"/>
+          <a:lstStyle/>
+          <a:p>
+            <a:pPr algn="ctr"/>
+            <a:r>
+              <a:rPr lang="en-US" altLang="zh-CN" b="1" dirty="0" smtClean="0"/>
+              <a:t>frame1</a:t>
+            </a:r>
+            <a:r>
+              <a:rPr lang="zh-CN" altLang="en-US" b="1" dirty="0" smtClean="0"/>
+              <a:t>丢失</a:t>
+            </a:r>
+            <a:endParaRPr lang="zh-CN" altLang="en-US" b="1" dirty="0"/>
+          </a:p>
+        </p:txBody>
+      </p:sp>
+      <p:sp>
+        <p:nvSpPr>
+          <p:cNvPr id="7" name="矩形 6"/>
+          <p:cNvSpPr/>
+          <p:nvPr/>
+        </p:nvSpPr>
+        <p:spPr>
+          <a:xfrm>
+            <a:off x="7014753" y="1998334"/>
+            <a:ext cx="2090057" cy="535577"/>
+          </a:xfrm>
+          <a:prstGeom prst="rect">
+            <a:avLst/>
+          </a:prstGeom>
+        </p:spPr>
+        <p:style>
+          <a:lnRef idx="2">
+            <a:schemeClr val="dk1"/>
+          </a:lnRef>
+          <a:fillRef idx="1">
+            <a:schemeClr val="lt1"/>
+          </a:fillRef>
+          <a:effectRef idx="0">
+            <a:schemeClr val="dk1"/>
+          </a:effectRef>
+          <a:fontRef idx="minor">
+            <a:schemeClr val="dk1"/>
+          </a:fontRef>
+        </p:style>
+        <p:txBody>
+          <a:bodyPr rtlCol="0" anchor="ctr"/>
+          <a:lstStyle/>
+          <a:p>
+            <a:pPr algn="ctr"/>
+            <a:r>
+              <a:rPr lang="zh-CN" altLang="en-US" b="1" dirty="0" smtClean="0"/>
+              <a:t>回退到</a:t>
+            </a:r>
+            <a:r>
+              <a:rPr lang="en-US" altLang="zh-CN" b="1" dirty="0" smtClean="0"/>
+              <a:t>frame1</a:t>
+            </a:r>
+            <a:r>
+              <a:rPr lang="zh-CN" altLang="en-US" b="1" dirty="0" smtClean="0"/>
+              <a:t>并开始重传</a:t>
+            </a:r>
+            <a:endParaRPr lang="zh-CN" altLang="en-US" b="1" dirty="0"/>
+          </a:p>
+        </p:txBody>
+      </p:sp>
+      <p:cxnSp>
+        <p:nvCxnSpPr>
+          <p:cNvPr id="9" name="直接箭头连接符 8"/>
+          <p:cNvCxnSpPr>
+            <a:stCxn id="6" idx="1"/>
+          </p:cNvCxnSpPr>
+          <p:nvPr/>
+        </p:nvCxnSpPr>
+        <p:spPr>
+          <a:xfrm flipH="1" flipV="1">
+            <a:off x="5933026" y="992635"/>
+            <a:ext cx="1081728" cy="71988"/>
+          </a:xfrm>
+          <a:prstGeom prst="straightConnector1">
+            <a:avLst/>
+          </a:prstGeom>
+          <a:ln>
+            <a:tailEnd type="triangle"/>
+          </a:ln>
+        </p:spPr>
+        <p:style>
+          <a:lnRef idx="1">
+            <a:schemeClr val="accent1"/>
+          </a:lnRef>
+          <a:fillRef idx="0">
+            <a:schemeClr val="accent1"/>
+          </a:fillRef>
+          <a:effectRef idx="0">
+            <a:schemeClr val="accent1"/>
+          </a:effectRef>
+          <a:fontRef idx="minor">
+            <a:schemeClr val="tx1"/>
+          </a:fontRef>
+        </p:style>
+      </p:cxnSp>
+      <p:cxnSp>
+        <p:nvCxnSpPr>
+          <p:cNvPr id="11" name="直接箭头连接符 10"/>
+          <p:cNvCxnSpPr/>
+          <p:nvPr/>
+        </p:nvCxnSpPr>
+        <p:spPr>
+          <a:xfrm flipH="1">
+            <a:off x="5933025" y="2233396"/>
+            <a:ext cx="1081729" cy="0"/>
+          </a:xfrm>
+          <a:prstGeom prst="straightConnector1">
+            <a:avLst/>
+          </a:prstGeom>
+          <a:ln>
+            <a:tailEnd type="triangle"/>
+          </a:ln>
+        </p:spPr>
+        <p:style>
+          <a:lnRef idx="1">
+            <a:schemeClr val="accent1"/>
+          </a:lnRef>
+          <a:fillRef idx="0">
+            <a:schemeClr val="accent1"/>
+          </a:fillRef>
+          <a:effectRef idx="0">
+            <a:schemeClr val="accent1"/>
+          </a:effectRef>
+          <a:fontRef idx="minor">
+            <a:schemeClr val="tx1"/>
+          </a:fontRef>
+        </p:style>
+      </p:cxnSp>
+      <p:sp>
+        <p:nvSpPr>
+          <p:cNvPr id="13" name="文本框 12"/>
+          <p:cNvSpPr txBox="1"/>
+          <p:nvPr/>
+        </p:nvSpPr>
+        <p:spPr>
+          <a:xfrm>
+            <a:off x="9993086" y="3105835"/>
+            <a:ext cx="1371600" cy="646331"/>
+          </a:xfrm>
+          <a:prstGeom prst="rect">
+            <a:avLst/>
+          </a:prstGeom>
+          <a:noFill/>
+        </p:spPr>
+        <p:txBody>
+          <a:bodyPr wrap="square" rtlCol="0">
+            <a:spAutoFit/>
+          </a:bodyPr>
+          <a:lstStyle/>
+          <a:p>
+            <a:r>
+              <a:rPr lang="en-US" altLang="zh-CN" sz="3600" b="1" dirty="0" smtClean="0"/>
+              <a:t>host1</a:t>
+            </a:r>
+            <a:endParaRPr lang="zh-CN" altLang="en-US" sz="3600" b="1" dirty="0"/>
+          </a:p>
+        </p:txBody>
+      </p:sp>
     </p:spTree>
     <p:extLst>
       <p:ext uri="{BB962C8B-B14F-4D97-AF65-F5344CB8AC3E}">
@@ -14827,25 +15403,25 @@
           <a:lstStyle/>
           <a:p>
             <a:r>
-              <a:rPr lang="zh-CN" altLang="en-US" dirty="0" smtClean="0"/>
+              <a:rPr lang="zh-CN" altLang="en-US" b="1" dirty="0" smtClean="0"/>
               <a:t>计算并添加</a:t>
             </a:r>
             <a:r>
-              <a:rPr lang="en-US" altLang="zh-CN" dirty="0" smtClean="0"/>
+              <a:rPr lang="en-US" altLang="zh-CN" b="1" dirty="0" smtClean="0"/>
               <a:t>CRC</a:t>
             </a:r>
             <a:r>
-              <a:rPr lang="zh-CN" altLang="en-US" dirty="0" smtClean="0"/>
+              <a:rPr lang="zh-CN" altLang="en-US" b="1" dirty="0" smtClean="0"/>
               <a:t>校验</a:t>
             </a:r>
-            <a:endParaRPr lang="en-US" altLang="zh-CN" dirty="0" smtClean="0"/>
-          </a:p>
-          <a:p>
-            <a:r>
-              <a:rPr lang="zh-CN" altLang="en-US" dirty="0" smtClean="0"/>
+            <a:endParaRPr lang="en-US" altLang="zh-CN" b="1" dirty="0" smtClean="0"/>
+          </a:p>
+          <a:p>
+            <a:r>
+              <a:rPr lang="zh-CN" altLang="en-US" b="1" dirty="0" smtClean="0"/>
               <a:t>和</a:t>
             </a:r>
-            <a:endParaRPr lang="en-US" altLang="zh-CN" dirty="0" smtClean="0"/>
+            <a:endParaRPr lang="en-US" altLang="zh-CN" b="1" dirty="0" smtClean="0"/>
           </a:p>
         </p:txBody>
       </p:sp>
@@ -14858,7 +15434,7 @@
         <p:spPr>
           <a:xfrm>
             <a:off x="6441944" y="2138245"/>
-            <a:ext cx="2233748" cy="369332"/>
+            <a:ext cx="2233748" cy="646331"/>
           </a:xfrm>
           <a:prstGeom prst="rect">
             <a:avLst/>
@@ -14882,14 +15458,14 @@
           <a:lstStyle/>
           <a:p>
             <a:r>
-              <a:rPr lang="en-US" altLang="zh-CN" dirty="0" err="1" smtClean="0"/>
+              <a:rPr lang="en-US" altLang="zh-CN" b="1" dirty="0" err="1" smtClean="0"/>
               <a:t>getSendMassage</a:t>
             </a:r>
             <a:r>
-              <a:rPr lang="zh-CN" altLang="en-US" dirty="0" smtClean="0"/>
+              <a:rPr lang="zh-CN" altLang="en-US" b="1" dirty="0" smtClean="0"/>
               <a:t>函数</a:t>
             </a:r>
-            <a:endParaRPr lang="en-US" altLang="zh-CN" dirty="0"/>
+            <a:endParaRPr lang="en-US" altLang="zh-CN" b="1" dirty="0"/>
           </a:p>
         </p:txBody>
       </p:sp>
@@ -14926,18 +15502,18 @@
           <a:lstStyle/>
           <a:p>
             <a:r>
-              <a:rPr lang="en-US" altLang="zh-CN" dirty="0" err="1" smtClean="0"/>
+              <a:rPr lang="en-US" altLang="zh-CN" b="1" dirty="0" err="1" smtClean="0"/>
               <a:t>getRemainde</a:t>
             </a:r>
             <a:r>
-              <a:rPr lang="en-US" altLang="zh-CN" dirty="0" err="1"/>
+              <a:rPr lang="en-US" altLang="zh-CN" b="1" dirty="0" err="1"/>
               <a:t>r</a:t>
             </a:r>
             <a:r>
-              <a:rPr lang="zh-CN" altLang="en-US" dirty="0" smtClean="0"/>
+              <a:rPr lang="zh-CN" altLang="en-US" b="1" dirty="0" smtClean="0"/>
               <a:t>函数</a:t>
             </a:r>
-            <a:endParaRPr lang="en-US" altLang="zh-CN" dirty="0"/>
+            <a:endParaRPr lang="en-US" altLang="zh-CN" b="1" dirty="0"/>
           </a:p>
         </p:txBody>
       </p:sp>
@@ -14974,10 +15550,10 @@
           <a:lstStyle/>
           <a:p>
             <a:r>
-              <a:rPr lang="zh-CN" altLang="en-US" dirty="0" smtClean="0"/>
+              <a:rPr lang="zh-CN" altLang="en-US" b="1" dirty="0" smtClean="0"/>
               <a:t>计算余数</a:t>
             </a:r>
-            <a:endParaRPr lang="en-US" altLang="zh-CN" dirty="0"/>
+            <a:endParaRPr lang="en-US" altLang="zh-CN" b="1" dirty="0"/>
           </a:p>
         </p:txBody>
       </p:sp>
@@ -15014,10 +15590,10 @@
           <a:lstStyle/>
           <a:p>
             <a:r>
-              <a:rPr lang="zh-CN" altLang="en-US" dirty="0" smtClean="0"/>
+              <a:rPr lang="zh-CN" altLang="en-US" b="1" dirty="0" smtClean="0"/>
               <a:t>检查接收到的帧是否正确</a:t>
             </a:r>
-            <a:endParaRPr lang="en-US" altLang="zh-CN" dirty="0"/>
+            <a:endParaRPr lang="en-US" altLang="zh-CN" b="1" dirty="0"/>
           </a:p>
         </p:txBody>
       </p:sp>
@@ -15054,14 +15630,14 @@
           <a:lstStyle/>
           <a:p>
             <a:r>
-              <a:rPr lang="en-US" altLang="zh-CN" dirty="0" err="1" smtClean="0"/>
+              <a:rPr lang="en-US" altLang="zh-CN" b="1" dirty="0" err="1" smtClean="0"/>
               <a:t>checkReceiveMassage</a:t>
             </a:r>
             <a:r>
-              <a:rPr lang="zh-CN" altLang="en-US" dirty="0" smtClean="0"/>
+              <a:rPr lang="zh-CN" altLang="en-US" b="1" dirty="0" smtClean="0"/>
               <a:t>函数</a:t>
             </a:r>
-            <a:endParaRPr lang="en-US" altLang="zh-CN" dirty="0"/>
+            <a:endParaRPr lang="en-US" altLang="zh-CN" b="1" dirty="0"/>
           </a:p>
         </p:txBody>
       </p:sp>
@@ -15077,7 +15653,7 @@
         <p:spPr>
           <a:xfrm>
             <a:off x="4920314" y="2315243"/>
-            <a:ext cx="1521630" cy="7668"/>
+            <a:ext cx="1521630" cy="146168"/>
           </a:xfrm>
           <a:prstGeom prst="straightConnector1">
             <a:avLst/>
@@ -15275,7 +15851,7 @@
       </p:grpSpPr>
       <p:pic>
         <p:nvPicPr>
-          <p:cNvPr id="2" name="图片 1"/>
+          <p:cNvPr id="3" name="图片 2"/>
           <p:cNvPicPr>
             <a:picLocks noChangeAspect="1"/>
           </p:cNvPicPr>
@@ -15295,17 +15871,200 @@
         </p:blipFill>
         <p:spPr>
           <a:xfrm>
-            <a:off x="3128964" y="159440"/>
-            <a:ext cx="3428590" cy="6502617"/>
+            <a:off x="6565586" y="4049487"/>
+            <a:ext cx="2979678" cy="1814703"/>
           </a:xfrm>
           <a:prstGeom prst="rect">
             <a:avLst/>
           </a:prstGeom>
         </p:spPr>
       </p:pic>
+      <p:sp>
+        <p:nvSpPr>
+          <p:cNvPr id="4" name="文本框 3"/>
+          <p:cNvSpPr txBox="1"/>
+          <p:nvPr/>
+        </p:nvSpPr>
+        <p:spPr>
+          <a:xfrm>
+            <a:off x="865120" y="1809210"/>
+            <a:ext cx="923330" cy="3239578"/>
+          </a:xfrm>
+          <a:prstGeom prst="rect">
+            <a:avLst/>
+          </a:prstGeom>
+        </p:spPr>
+        <p:style>
+          <a:lnRef idx="0">
+            <a:schemeClr val="dk1"/>
+          </a:lnRef>
+          <a:fillRef idx="3">
+            <a:schemeClr val="dk1"/>
+          </a:fillRef>
+          <a:effectRef idx="3">
+            <a:schemeClr val="dk1"/>
+          </a:effectRef>
+          <a:fontRef idx="minor">
+            <a:schemeClr val="lt1"/>
+          </a:fontRef>
+        </p:style>
+        <p:txBody>
+          <a:bodyPr vert="eaVert" wrap="square" rtlCol="0">
+            <a:spAutoFit/>
+          </a:bodyPr>
+          <a:lstStyle/>
+          <a:p>
+            <a:pPr algn="ctr"/>
+            <a:r>
+              <a:rPr lang="zh-CN" altLang="en-US" sz="4800" dirty="0" smtClean="0"/>
+              <a:t>运行结果</a:t>
+            </a:r>
+            <a:endParaRPr lang="zh-CN" altLang="en-US" sz="4800" dirty="0"/>
+          </a:p>
+        </p:txBody>
+      </p:sp>
+      <p:sp>
+        <p:nvSpPr>
+          <p:cNvPr id="5" name="文本框 4"/>
+          <p:cNvSpPr txBox="1"/>
+          <p:nvPr/>
+        </p:nvSpPr>
+        <p:spPr>
+          <a:xfrm>
+            <a:off x="10101942" y="3105835"/>
+            <a:ext cx="1371600" cy="646331"/>
+          </a:xfrm>
+          <a:prstGeom prst="rect">
+            <a:avLst/>
+          </a:prstGeom>
+          <a:noFill/>
+        </p:spPr>
+        <p:txBody>
+          <a:bodyPr wrap="square" rtlCol="0">
+            <a:spAutoFit/>
+          </a:bodyPr>
+          <a:lstStyle/>
+          <a:p>
+            <a:r>
+              <a:rPr lang="en-US" altLang="zh-CN" sz="3600" b="1" dirty="0" smtClean="0"/>
+              <a:t>host2</a:t>
+            </a:r>
+            <a:endParaRPr lang="zh-CN" altLang="en-US" sz="3600" b="1" dirty="0"/>
+          </a:p>
+        </p:txBody>
+      </p:sp>
+      <p:sp>
+        <p:nvSpPr>
+          <p:cNvPr id="6" name="矩形 5"/>
+          <p:cNvSpPr/>
+          <p:nvPr/>
+        </p:nvSpPr>
+        <p:spPr>
+          <a:xfrm>
+            <a:off x="7323296" y="2338251"/>
+            <a:ext cx="2778646" cy="535577"/>
+          </a:xfrm>
+          <a:prstGeom prst="rect">
+            <a:avLst/>
+          </a:prstGeom>
+        </p:spPr>
+        <p:style>
+          <a:lnRef idx="2">
+            <a:schemeClr val="dk1"/>
+          </a:lnRef>
+          <a:fillRef idx="1">
+            <a:schemeClr val="lt1"/>
+          </a:fillRef>
+          <a:effectRef idx="0">
+            <a:schemeClr val="dk1"/>
+          </a:effectRef>
+          <a:fontRef idx="minor">
+            <a:schemeClr val="dk1"/>
+          </a:fontRef>
+        </p:style>
+        <p:txBody>
+          <a:bodyPr rtlCol="0" anchor="ctr"/>
+          <a:lstStyle/>
+          <a:p>
+            <a:pPr algn="ctr"/>
+            <a:r>
+              <a:rPr lang="zh-CN" altLang="en-US" b="1" dirty="0" smtClean="0"/>
+              <a:t>期望</a:t>
+            </a:r>
+            <a:r>
+              <a:rPr lang="en-US" altLang="zh-CN" b="1" dirty="0" smtClean="0"/>
+              <a:t>1</a:t>
+            </a:r>
+            <a:r>
+              <a:rPr lang="zh-CN" altLang="en-US" b="1" dirty="0" smtClean="0"/>
+              <a:t>，但</a:t>
+            </a:r>
+            <a:r>
+              <a:rPr lang="en-US" altLang="zh-CN" b="1" dirty="0" smtClean="0"/>
+              <a:t>1</a:t>
+            </a:r>
+            <a:r>
+              <a:rPr lang="zh-CN" altLang="en-US" b="1" dirty="0" smtClean="0"/>
+              <a:t>已经丢失后续到达的为</a:t>
+            </a:r>
+            <a:r>
+              <a:rPr lang="en-US" altLang="zh-CN" b="1" dirty="0" smtClean="0"/>
+              <a:t>2</a:t>
+            </a:r>
+            <a:r>
+              <a:rPr lang="zh-CN" altLang="en-US" b="1" dirty="0" smtClean="0"/>
+              <a:t>，</a:t>
+            </a:r>
+            <a:r>
+              <a:rPr lang="en-US" altLang="zh-CN" b="1" dirty="0" smtClean="0"/>
+              <a:t>3</a:t>
+            </a:r>
+            <a:r>
+              <a:rPr lang="zh-CN" altLang="en-US" b="1" dirty="0" smtClean="0"/>
+              <a:t>被丢弃</a:t>
+            </a:r>
+            <a:endParaRPr lang="zh-CN" altLang="en-US" b="1" dirty="0"/>
+          </a:p>
+        </p:txBody>
+      </p:sp>
+      <p:cxnSp>
+        <p:nvCxnSpPr>
+          <p:cNvPr id="7" name="直接箭头连接符 6"/>
+          <p:cNvCxnSpPr>
+            <a:stCxn id="6" idx="1"/>
+          </p:cNvCxnSpPr>
+          <p:nvPr/>
+        </p:nvCxnSpPr>
+        <p:spPr>
+          <a:xfrm flipH="1" flipV="1">
+            <a:off x="6241568" y="2534052"/>
+            <a:ext cx="1081728" cy="71988"/>
+          </a:xfrm>
+          <a:prstGeom prst="straightConnector1">
+            <a:avLst/>
+          </a:prstGeom>
+          <a:ln>
+            <a:tailEnd type="triangle"/>
+          </a:ln>
+        </p:spPr>
+        <p:style>
+          <a:lnRef idx="1">
+            <a:schemeClr val="accent1"/>
+          </a:lnRef>
+          <a:fillRef idx="0">
+            <a:schemeClr val="accent1"/>
+          </a:fillRef>
+          <a:effectRef idx="0">
+            <a:schemeClr val="accent1"/>
+          </a:effectRef>
+          <a:fontRef idx="minor">
+            <a:schemeClr val="tx1"/>
+          </a:fontRef>
+        </p:style>
+      </p:cxnSp>
       <p:pic>
         <p:nvPicPr>
-          <p:cNvPr id="3" name="图片 2"/>
+          <p:cNvPr id="8" name="图片 7"/>
           <p:cNvPicPr>
             <a:picLocks noChangeAspect="1"/>
           </p:cNvPicPr>
@@ -15325,8 +16084,8 @@
         </p:blipFill>
         <p:spPr>
           <a:xfrm>
-            <a:off x="6839909" y="2299063"/>
-            <a:ext cx="2979678" cy="1814703"/>
+            <a:off x="2690949" y="209005"/>
+            <a:ext cx="3550619" cy="6439990"/>
           </a:xfrm>
           <a:prstGeom prst="rect">
             <a:avLst/>
@@ -15337,6 +16096,373 @@
     <p:extLst>
       <p:ext uri="{BB962C8B-B14F-4D97-AF65-F5344CB8AC3E}">
         <p14:creationId xmlns:p14="http://schemas.microsoft.com/office/powerpoint/2010/main" val="3063224195"/>
+      </p:ext>
+    </p:extLst>
+  </p:cSld>
+  <p:clrMapOvr>
+    <a:masterClrMapping/>
+  </p:clrMapOvr>
+  <p:timing>
+    <p:tnLst>
+      <p:par>
+        <p:cTn id="1" dur="indefinite" restart="never" nodeType="tmRoot"/>
+      </p:par>
+    </p:tnLst>
+  </p:timing>
+</p:sld>
+</file>
+
+<file path=ppt/slides/slide31.xml><?xml version="1.0" encoding="utf-8"?>
+<p:sld xmlns:a="http://schemas.openxmlformats.org/drawingml/2006/main" xmlns:r="http://schemas.openxmlformats.org/officeDocument/2006/relationships" xmlns:p="http://schemas.openxmlformats.org/presentationml/2006/main">
+  <p:cSld>
+    <p:spTree>
+      <p:nvGrpSpPr>
+        <p:cNvPr id="1" name=""/>
+        <p:cNvGrpSpPr/>
+        <p:nvPr/>
+      </p:nvGrpSpPr>
+      <p:grpSpPr>
+        <a:xfrm>
+          <a:off x="0" y="0"/>
+          <a:ext cx="0" cy="0"/>
+          <a:chOff x="0" y="0"/>
+          <a:chExt cx="0" cy="0"/>
+        </a:xfrm>
+      </p:grpSpPr>
+      <p:sp>
+        <p:nvSpPr>
+          <p:cNvPr id="2" name="文本框 1"/>
+          <p:cNvSpPr txBox="1"/>
+          <p:nvPr/>
+        </p:nvSpPr>
+        <p:spPr>
+          <a:xfrm>
+            <a:off x="2882537" y="744581"/>
+            <a:ext cx="6426926" cy="646331"/>
+          </a:xfrm>
+          <a:prstGeom prst="rect">
+            <a:avLst/>
+          </a:prstGeom>
+          <a:noFill/>
+        </p:spPr>
+        <p:txBody>
+          <a:bodyPr wrap="square" rtlCol="0">
+            <a:spAutoFit/>
+          </a:bodyPr>
+          <a:lstStyle/>
+          <a:p>
+            <a:pPr algn="ctr"/>
+            <a:r>
+              <a:rPr lang="zh-CN" altLang="en-US" sz="3600" b="1" dirty="0" smtClean="0">
+                <a:latin typeface="仿宋" panose="02010609060101010101" pitchFamily="49" charset="-122"/>
+                <a:ea typeface="仿宋" panose="02010609060101010101" pitchFamily="49" charset="-122"/>
+              </a:rPr>
+              <a:t>总结</a:t>
+            </a:r>
+            <a:endParaRPr lang="zh-CN" altLang="en-US" sz="3600" b="1" dirty="0">
+              <a:latin typeface="仿宋" panose="02010609060101010101" pitchFamily="49" charset="-122"/>
+              <a:ea typeface="仿宋" panose="02010609060101010101" pitchFamily="49" charset="-122"/>
+            </a:endParaRPr>
+          </a:p>
+        </p:txBody>
+      </p:sp>
+      <p:sp>
+        <p:nvSpPr>
+          <p:cNvPr id="4" name="文本框 3"/>
+          <p:cNvSpPr txBox="1"/>
+          <p:nvPr/>
+        </p:nvSpPr>
+        <p:spPr>
+          <a:xfrm>
+            <a:off x="1870166" y="2181497"/>
+            <a:ext cx="8451668" cy="3046988"/>
+          </a:xfrm>
+          <a:prstGeom prst="rect">
+            <a:avLst/>
+          </a:prstGeom>
+          <a:noFill/>
+        </p:spPr>
+        <p:txBody>
+          <a:bodyPr wrap="square" rtlCol="0">
+            <a:spAutoFit/>
+          </a:bodyPr>
+          <a:lstStyle/>
+          <a:p>
+            <a:pPr indent="457200"/>
+            <a:r>
+              <a:rPr lang="zh-CN" altLang="en-US" sz="2400" b="1" dirty="0" smtClean="0">
+                <a:latin typeface="仿宋" panose="02010609060101010101" pitchFamily="49" charset="-122"/>
+                <a:ea typeface="仿宋" panose="02010609060101010101" pitchFamily="49" charset="-122"/>
+              </a:rPr>
+              <a:t>在数据链路层，我们把关注点放在一个完整的信息块</a:t>
+            </a:r>
+            <a:r>
+              <a:rPr lang="en-US" altLang="zh-CN" sz="2400" b="1" dirty="0" smtClean="0">
+                <a:latin typeface="仿宋" panose="02010609060101010101" pitchFamily="49" charset="-122"/>
+                <a:ea typeface="仿宋" panose="02010609060101010101" pitchFamily="49" charset="-122"/>
+              </a:rPr>
+              <a:t>-</a:t>
+            </a:r>
+            <a:r>
+              <a:rPr lang="zh-CN" altLang="en-US" sz="2400" b="1" dirty="0" smtClean="0">
+                <a:latin typeface="仿宋" panose="02010609060101010101" pitchFamily="49" charset="-122"/>
+                <a:ea typeface="仿宋" panose="02010609060101010101" pitchFamily="49" charset="-122"/>
+              </a:rPr>
+              <a:t>帧上，随之而来的一系列问题及解决方案：</a:t>
+            </a:r>
+            <a:endParaRPr lang="en-US" altLang="zh-CN" sz="2400" b="1" dirty="0" smtClean="0">
+              <a:latin typeface="仿宋" panose="02010609060101010101" pitchFamily="49" charset="-122"/>
+              <a:ea typeface="仿宋" panose="02010609060101010101" pitchFamily="49" charset="-122"/>
+            </a:endParaRPr>
+          </a:p>
+          <a:p>
+            <a:r>
+              <a:rPr lang="en-US" altLang="zh-CN" sz="2400" b="1" dirty="0" smtClean="0">
+                <a:latin typeface="仿宋" panose="02010609060101010101" pitchFamily="49" charset="-122"/>
+                <a:ea typeface="仿宋" panose="02010609060101010101" pitchFamily="49" charset="-122"/>
+              </a:rPr>
+              <a:t>1.</a:t>
+            </a:r>
+            <a:r>
+              <a:rPr lang="zh-CN" altLang="en-US" sz="2400" b="1" dirty="0" smtClean="0">
+                <a:latin typeface="仿宋" panose="02010609060101010101" pitchFamily="49" charset="-122"/>
+                <a:ea typeface="仿宋" panose="02010609060101010101" pitchFamily="49" charset="-122"/>
+              </a:rPr>
+              <a:t>成帧：字节填充、比特填充</a:t>
+            </a:r>
+            <a:endParaRPr lang="en-US" altLang="zh-CN" sz="2400" b="1" dirty="0" smtClean="0">
+              <a:latin typeface="仿宋" panose="02010609060101010101" pitchFamily="49" charset="-122"/>
+              <a:ea typeface="仿宋" panose="02010609060101010101" pitchFamily="49" charset="-122"/>
+            </a:endParaRPr>
+          </a:p>
+          <a:p>
+            <a:r>
+              <a:rPr lang="en-US" altLang="zh-CN" sz="2400" b="1" dirty="0" smtClean="0">
+                <a:latin typeface="仿宋" panose="02010609060101010101" pitchFamily="49" charset="-122"/>
+                <a:ea typeface="仿宋" panose="02010609060101010101" pitchFamily="49" charset="-122"/>
+              </a:rPr>
+              <a:t>2.</a:t>
+            </a:r>
+            <a:r>
+              <a:rPr lang="zh-CN" altLang="en-US" sz="2400" b="1" dirty="0" smtClean="0">
+                <a:latin typeface="仿宋" panose="02010609060101010101" pitchFamily="49" charset="-122"/>
+                <a:ea typeface="仿宋" panose="02010609060101010101" pitchFamily="49" charset="-122"/>
+              </a:rPr>
+              <a:t>处理传输错误：循环冗余校验（</a:t>
+            </a:r>
+            <a:r>
+              <a:rPr lang="en-US" altLang="zh-CN" sz="2400" b="1" dirty="0" smtClean="0">
+                <a:latin typeface="仿宋" panose="02010609060101010101" pitchFamily="49" charset="-122"/>
+                <a:ea typeface="仿宋" panose="02010609060101010101" pitchFamily="49" charset="-122"/>
+              </a:rPr>
+              <a:t>CRC</a:t>
+            </a:r>
+            <a:r>
+              <a:rPr lang="zh-CN" altLang="en-US" sz="2400" b="1" dirty="0" smtClean="0">
+                <a:latin typeface="仿宋" panose="02010609060101010101" pitchFamily="49" charset="-122"/>
+                <a:ea typeface="仿宋" panose="02010609060101010101" pitchFamily="49" charset="-122"/>
+              </a:rPr>
+              <a:t>）</a:t>
+            </a:r>
+            <a:endParaRPr lang="en-US" altLang="zh-CN" sz="2400" b="1" dirty="0" smtClean="0">
+              <a:latin typeface="仿宋" panose="02010609060101010101" pitchFamily="49" charset="-122"/>
+              <a:ea typeface="仿宋" panose="02010609060101010101" pitchFamily="49" charset="-122"/>
+            </a:endParaRPr>
+          </a:p>
+          <a:p>
+            <a:r>
+              <a:rPr lang="en-US" altLang="zh-CN" sz="2400" b="1" dirty="0" smtClean="0">
+                <a:latin typeface="仿宋" panose="02010609060101010101" pitchFamily="49" charset="-122"/>
+                <a:ea typeface="仿宋" panose="02010609060101010101" pitchFamily="49" charset="-122"/>
+              </a:rPr>
+              <a:t>3.</a:t>
+            </a:r>
+            <a:r>
+              <a:rPr lang="zh-CN" altLang="en-US" sz="2400" b="1" dirty="0" smtClean="0">
+                <a:latin typeface="仿宋" panose="02010609060101010101" pitchFamily="49" charset="-122"/>
+                <a:ea typeface="仿宋" panose="02010609060101010101" pitchFamily="49" charset="-122"/>
+              </a:rPr>
+              <a:t>基本的数据链路层协议：</a:t>
+            </a:r>
+            <a:r>
+              <a:rPr lang="zh-CN" altLang="zh-CN" sz="2400" b="1" dirty="0">
+                <a:latin typeface="仿宋" panose="02010609060101010101" pitchFamily="49" charset="-122"/>
+                <a:ea typeface="仿宋" panose="02010609060101010101" pitchFamily="49" charset="-122"/>
+              </a:rPr>
+              <a:t>停止等待</a:t>
+            </a:r>
+            <a:r>
+              <a:rPr lang="zh-CN" altLang="zh-CN" sz="2400" b="1" dirty="0" smtClean="0">
+                <a:latin typeface="仿宋" panose="02010609060101010101" pitchFamily="49" charset="-122"/>
+                <a:ea typeface="仿宋" panose="02010609060101010101" pitchFamily="49" charset="-122"/>
+              </a:rPr>
+              <a:t>协议</a:t>
+            </a:r>
+            <a:r>
+              <a:rPr lang="zh-CN" altLang="en-US" sz="2400" b="1" dirty="0" smtClean="0">
+                <a:latin typeface="仿宋" panose="02010609060101010101" pitchFamily="49" charset="-122"/>
+                <a:ea typeface="仿宋" panose="02010609060101010101" pitchFamily="49" charset="-122"/>
+              </a:rPr>
+              <a:t>、</a:t>
+            </a:r>
+            <a:r>
+              <a:rPr lang="zh-CN" altLang="zh-CN" sz="2400" b="1" dirty="0">
+                <a:latin typeface="仿宋" panose="02010609060101010101" pitchFamily="49" charset="-122"/>
+                <a:ea typeface="仿宋" panose="02010609060101010101" pitchFamily="49" charset="-122"/>
+              </a:rPr>
+              <a:t>连续</a:t>
+            </a:r>
+            <a:r>
+              <a:rPr lang="en-US" altLang="zh-CN" sz="2400" b="1" dirty="0">
+                <a:latin typeface="仿宋" panose="02010609060101010101" pitchFamily="49" charset="-122"/>
+                <a:ea typeface="仿宋" panose="02010609060101010101" pitchFamily="49" charset="-122"/>
+              </a:rPr>
+              <a:t>ARQ</a:t>
+            </a:r>
+            <a:r>
+              <a:rPr lang="zh-CN" altLang="zh-CN" sz="2400" b="1" dirty="0" smtClean="0">
+                <a:latin typeface="仿宋" panose="02010609060101010101" pitchFamily="49" charset="-122"/>
+                <a:ea typeface="仿宋" panose="02010609060101010101" pitchFamily="49" charset="-122"/>
+              </a:rPr>
+              <a:t>协议</a:t>
+            </a:r>
+            <a:endParaRPr lang="en-US" altLang="zh-CN" sz="2400" b="1" dirty="0" smtClean="0">
+              <a:latin typeface="仿宋" panose="02010609060101010101" pitchFamily="49" charset="-122"/>
+              <a:ea typeface="仿宋" panose="02010609060101010101" pitchFamily="49" charset="-122"/>
+            </a:endParaRPr>
+          </a:p>
+          <a:p>
+            <a:pPr indent="457200"/>
+            <a:r>
+              <a:rPr lang="zh-CN" altLang="en-US" sz="2400" b="1" dirty="0" smtClean="0">
+                <a:latin typeface="仿宋" panose="02010609060101010101" pitchFamily="49" charset="-122"/>
+                <a:ea typeface="仿宋" panose="02010609060101010101" pitchFamily="49" charset="-122"/>
+              </a:rPr>
+              <a:t>通过小组合作，完成了</a:t>
+            </a:r>
+            <a:r>
+              <a:rPr lang="zh-CN" altLang="zh-CN" sz="2400" b="1" dirty="0">
+                <a:latin typeface="仿宋" panose="02010609060101010101" pitchFamily="49" charset="-122"/>
+                <a:ea typeface="仿宋" panose="02010609060101010101" pitchFamily="49" charset="-122"/>
+              </a:rPr>
+              <a:t>循环冗余校验</a:t>
+            </a:r>
+            <a:r>
+              <a:rPr lang="en-US" altLang="zh-CN" sz="2400" b="1" dirty="0">
+                <a:latin typeface="仿宋" panose="02010609060101010101" pitchFamily="49" charset="-122"/>
+                <a:ea typeface="仿宋" panose="02010609060101010101" pitchFamily="49" charset="-122"/>
+              </a:rPr>
+              <a:t>CRC</a:t>
+            </a:r>
+            <a:r>
+              <a:rPr lang="zh-CN" altLang="zh-CN" sz="2400" b="1" dirty="0">
+                <a:latin typeface="仿宋" panose="02010609060101010101" pitchFamily="49" charset="-122"/>
+                <a:ea typeface="仿宋" panose="02010609060101010101" pitchFamily="49" charset="-122"/>
+              </a:rPr>
+              <a:t>生成</a:t>
+            </a:r>
+            <a:r>
+              <a:rPr lang="zh-CN" altLang="zh-CN" sz="2400" b="1" dirty="0" smtClean="0">
+                <a:latin typeface="仿宋" panose="02010609060101010101" pitchFamily="49" charset="-122"/>
+                <a:ea typeface="仿宋" panose="02010609060101010101" pitchFamily="49" charset="-122"/>
+              </a:rPr>
+              <a:t>和校验</a:t>
+            </a:r>
+            <a:r>
+              <a:rPr lang="zh-CN" altLang="en-US" sz="2400" b="1" dirty="0" smtClean="0">
+                <a:latin typeface="仿宋" panose="02010609060101010101" pitchFamily="49" charset="-122"/>
+                <a:ea typeface="仿宋" panose="02010609060101010101" pitchFamily="49" charset="-122"/>
+              </a:rPr>
+              <a:t>、</a:t>
+            </a:r>
+            <a:r>
+              <a:rPr lang="zh-CN" altLang="zh-CN" sz="2400" b="1" dirty="0">
+                <a:latin typeface="仿宋" panose="02010609060101010101" pitchFamily="49" charset="-122"/>
+                <a:ea typeface="仿宋" panose="02010609060101010101" pitchFamily="49" charset="-122"/>
+              </a:rPr>
+              <a:t>透明</a:t>
+            </a:r>
+            <a:r>
+              <a:rPr lang="zh-CN" altLang="zh-CN" sz="2400" b="1" dirty="0" smtClean="0">
+                <a:latin typeface="仿宋" panose="02010609060101010101" pitchFamily="49" charset="-122"/>
+                <a:ea typeface="仿宋" panose="02010609060101010101" pitchFamily="49" charset="-122"/>
+              </a:rPr>
+              <a:t>传输</a:t>
+            </a:r>
+            <a:r>
+              <a:rPr lang="zh-CN" altLang="en-US" sz="2400" b="1" dirty="0" smtClean="0">
+                <a:latin typeface="仿宋" panose="02010609060101010101" pitchFamily="49" charset="-122"/>
+                <a:ea typeface="仿宋" panose="02010609060101010101" pitchFamily="49" charset="-122"/>
+              </a:rPr>
+              <a:t>、</a:t>
+            </a:r>
+            <a:r>
+              <a:rPr lang="zh-CN" altLang="zh-CN" sz="2400" b="1" dirty="0">
+                <a:latin typeface="仿宋" panose="02010609060101010101" pitchFamily="49" charset="-122"/>
+                <a:ea typeface="仿宋" panose="02010609060101010101" pitchFamily="49" charset="-122"/>
+              </a:rPr>
+              <a:t>基于停止等待协议的可靠</a:t>
+            </a:r>
+            <a:r>
+              <a:rPr lang="zh-CN" altLang="zh-CN" sz="2400" b="1" dirty="0" smtClean="0">
+                <a:latin typeface="仿宋" panose="02010609060101010101" pitchFamily="49" charset="-122"/>
+                <a:ea typeface="仿宋" panose="02010609060101010101" pitchFamily="49" charset="-122"/>
+              </a:rPr>
+              <a:t>通信</a:t>
+            </a:r>
+            <a:r>
+              <a:rPr lang="zh-CN" altLang="en-US" sz="2400" b="1" dirty="0" smtClean="0">
+                <a:latin typeface="仿宋" panose="02010609060101010101" pitchFamily="49" charset="-122"/>
+                <a:ea typeface="仿宋" panose="02010609060101010101" pitchFamily="49" charset="-122"/>
+              </a:rPr>
+              <a:t>、</a:t>
+            </a:r>
+            <a:r>
+              <a:rPr lang="zh-CN" altLang="zh-CN" sz="2400" b="1" dirty="0">
+                <a:latin typeface="仿宋" panose="02010609060101010101" pitchFamily="49" charset="-122"/>
+                <a:ea typeface="仿宋" panose="02010609060101010101" pitchFamily="49" charset="-122"/>
+              </a:rPr>
+              <a:t>基于连续</a:t>
+            </a:r>
+            <a:r>
+              <a:rPr lang="en-US" altLang="zh-CN" sz="2400" b="1" dirty="0">
+                <a:latin typeface="仿宋" panose="02010609060101010101" pitchFamily="49" charset="-122"/>
+                <a:ea typeface="仿宋" panose="02010609060101010101" pitchFamily="49" charset="-122"/>
+              </a:rPr>
+              <a:t>ARQ</a:t>
+            </a:r>
+            <a:r>
+              <a:rPr lang="zh-CN" altLang="zh-CN" sz="2400" b="1" dirty="0">
+                <a:latin typeface="仿宋" panose="02010609060101010101" pitchFamily="49" charset="-122"/>
+                <a:ea typeface="仿宋" panose="02010609060101010101" pitchFamily="49" charset="-122"/>
+              </a:rPr>
+              <a:t>协议的可靠</a:t>
+            </a:r>
+            <a:r>
+              <a:rPr lang="zh-CN" altLang="zh-CN" sz="2400" b="1" dirty="0" smtClean="0">
+                <a:latin typeface="仿宋" panose="02010609060101010101" pitchFamily="49" charset="-122"/>
+                <a:ea typeface="仿宋" panose="02010609060101010101" pitchFamily="49" charset="-122"/>
+              </a:rPr>
+              <a:t>通信</a:t>
+            </a:r>
+            <a:r>
+              <a:rPr lang="zh-CN" altLang="en-US" sz="2400" b="1" dirty="0" smtClean="0">
+                <a:latin typeface="仿宋" panose="02010609060101010101" pitchFamily="49" charset="-122"/>
+                <a:ea typeface="仿宋" panose="02010609060101010101" pitchFamily="49" charset="-122"/>
+              </a:rPr>
+              <a:t>，对于数据链路层有了更深一步的理解。</a:t>
+            </a:r>
+            <a:endParaRPr lang="zh-CN" altLang="zh-CN" sz="2400" b="1" dirty="0">
+              <a:latin typeface="仿宋" panose="02010609060101010101" pitchFamily="49" charset="-122"/>
+              <a:ea typeface="仿宋" panose="02010609060101010101" pitchFamily="49" charset="-122"/>
+            </a:endParaRPr>
+          </a:p>
+        </p:txBody>
+      </p:sp>
+    </p:spTree>
+    <p:extLst>
+      <p:ext uri="{BB962C8B-B14F-4D97-AF65-F5344CB8AC3E}">
+        <p14:creationId xmlns:p14="http://schemas.microsoft.com/office/powerpoint/2010/main" val="2751403789"/>
       </p:ext>
     </p:extLst>
   </p:cSld>
@@ -16235,85 +17361,329 @@
           </a:prstGeom>
         </p:spPr>
       </p:pic>
-      <p:sp>
-        <p:nvSpPr>
-          <p:cNvPr id="7" name="文本框 6"/>
-          <p:cNvSpPr txBox="1"/>
+      <p:cxnSp>
+        <p:nvCxnSpPr>
+          <p:cNvPr id="8" name="直接箭头连接符 7"/>
+          <p:cNvCxnSpPr/>
           <p:nvPr/>
-        </p:nvSpPr>
-        <p:spPr>
-          <a:xfrm>
-            <a:off x="8285018" y="401782"/>
-            <a:ext cx="3449782" cy="461665"/>
+        </p:nvCxnSpPr>
+        <p:spPr>
+          <a:xfrm flipH="1">
+            <a:off x="4180114" y="1201783"/>
+            <a:ext cx="4728755" cy="1136468"/>
+          </a:xfrm>
+          <a:prstGeom prst="straightConnector1">
+            <a:avLst/>
+          </a:prstGeom>
+          <a:ln>
+            <a:solidFill>
+              <a:srgbClr val="FF0000"/>
+            </a:solidFill>
+            <a:tailEnd type="triangle"/>
+          </a:ln>
+        </p:spPr>
+        <p:style>
+          <a:lnRef idx="1">
+            <a:schemeClr val="accent1"/>
+          </a:lnRef>
+          <a:fillRef idx="0">
+            <a:schemeClr val="accent1"/>
+          </a:fillRef>
+          <a:effectRef idx="0">
+            <a:schemeClr val="accent1"/>
+          </a:effectRef>
+          <a:fontRef idx="minor">
+            <a:schemeClr val="tx1"/>
+          </a:fontRef>
+        </p:style>
+      </p:cxnSp>
+      <p:sp>
+        <p:nvSpPr>
+          <p:cNvPr id="11" name="矩形 10"/>
+          <p:cNvSpPr/>
+          <p:nvPr/>
+        </p:nvSpPr>
+        <p:spPr>
+          <a:xfrm>
+            <a:off x="8908869" y="849086"/>
+            <a:ext cx="1227908" cy="548640"/>
           </a:xfrm>
           <a:prstGeom prst="rect">
             <a:avLst/>
           </a:prstGeom>
-          <a:noFill/>
-        </p:spPr>
-        <p:txBody>
-          <a:bodyPr wrap="square" rtlCol="0">
-            <a:spAutoFit/>
-          </a:bodyPr>
+        </p:spPr>
+        <p:style>
+          <a:lnRef idx="2">
+            <a:schemeClr val="dk1"/>
+          </a:lnRef>
+          <a:fillRef idx="1">
+            <a:schemeClr val="lt1"/>
+          </a:fillRef>
+          <a:effectRef idx="0">
+            <a:schemeClr val="dk1"/>
+          </a:effectRef>
+          <a:fontRef idx="minor">
+            <a:schemeClr val="dk1"/>
+          </a:fontRef>
+        </p:style>
+        <p:txBody>
+          <a:bodyPr rtlCol="0" anchor="ctr"/>
           <a:lstStyle/>
           <a:p>
-            <a:r>
-              <a:rPr lang="zh-CN" altLang="en-US" sz="2400" b="1" dirty="0" smtClean="0">
-                <a:latin typeface="仿宋" panose="02010609060101010101" pitchFamily="49" charset="-122"/>
-                <a:ea typeface="仿宋" panose="02010609060101010101" pitchFamily="49" charset="-122"/>
-              </a:rPr>
-              <a:t>结果分析</a:t>
-            </a:r>
-            <a:r>
-              <a:rPr lang="en-US" altLang="zh-CN" sz="2400" b="1" dirty="0" smtClean="0">
-                <a:latin typeface="仿宋" panose="02010609060101010101" pitchFamily="49" charset="-122"/>
-                <a:ea typeface="仿宋" panose="02010609060101010101" pitchFamily="49" charset="-122"/>
-              </a:rPr>
-              <a:t>:</a:t>
-            </a:r>
-            <a:endParaRPr lang="zh-CN" altLang="en-US" sz="2400" b="1" dirty="0">
-              <a:latin typeface="仿宋" panose="02010609060101010101" pitchFamily="49" charset="-122"/>
-              <a:ea typeface="仿宋" panose="02010609060101010101" pitchFamily="49" charset="-122"/>
-            </a:endParaRPr>
-          </a:p>
-        </p:txBody>
-      </p:sp>
-      <p:sp>
-        <p:nvSpPr>
-          <p:cNvPr id="5" name="文本框 4"/>
-          <p:cNvSpPr txBox="1"/>
+            <a:pPr algn="ctr"/>
+            <a:r>
+              <a:rPr lang="zh-CN" altLang="en-US" b="1" dirty="0" smtClean="0"/>
+              <a:t>计算得到的余数</a:t>
+            </a:r>
+            <a:endParaRPr lang="zh-CN" altLang="en-US" b="1" dirty="0"/>
+          </a:p>
+        </p:txBody>
+      </p:sp>
+      <p:sp>
+        <p:nvSpPr>
+          <p:cNvPr id="12" name="矩形 11"/>
+          <p:cNvSpPr/>
           <p:nvPr/>
         </p:nvSpPr>
         <p:spPr>
           <a:xfrm>
-            <a:off x="8213267" y="3726873"/>
-            <a:ext cx="3449782" cy="461665"/>
+            <a:off x="9231086" y="2756263"/>
+            <a:ext cx="1227908" cy="548640"/>
           </a:xfrm>
           <a:prstGeom prst="rect">
             <a:avLst/>
           </a:prstGeom>
-          <a:noFill/>
-        </p:spPr>
-        <p:txBody>
-          <a:bodyPr wrap="square" rtlCol="0">
-            <a:spAutoFit/>
-          </a:bodyPr>
+        </p:spPr>
+        <p:style>
+          <a:lnRef idx="2">
+            <a:schemeClr val="dk1"/>
+          </a:lnRef>
+          <a:fillRef idx="1">
+            <a:schemeClr val="lt1"/>
+          </a:fillRef>
+          <a:effectRef idx="0">
+            <a:schemeClr val="dk1"/>
+          </a:effectRef>
+          <a:fontRef idx="minor">
+            <a:schemeClr val="dk1"/>
+          </a:fontRef>
+        </p:style>
+        <p:txBody>
+          <a:bodyPr rtlCol="0" anchor="ctr"/>
           <a:lstStyle/>
           <a:p>
-            <a:r>
-              <a:rPr lang="zh-CN" altLang="en-US" sz="2400" b="1" dirty="0" smtClean="0">
-                <a:latin typeface="仿宋" panose="02010609060101010101" pitchFamily="49" charset="-122"/>
-                <a:ea typeface="仿宋" panose="02010609060101010101" pitchFamily="49" charset="-122"/>
-              </a:rPr>
-              <a:t>总结：</a:t>
-            </a:r>
-            <a:endParaRPr lang="zh-CN" altLang="en-US" sz="2400" b="1" dirty="0">
-              <a:latin typeface="仿宋" panose="02010609060101010101" pitchFamily="49" charset="-122"/>
-              <a:ea typeface="仿宋" panose="02010609060101010101" pitchFamily="49" charset="-122"/>
-            </a:endParaRPr>
-          </a:p>
-        </p:txBody>
-      </p:sp>
+            <a:pPr algn="ctr"/>
+            <a:r>
+              <a:rPr lang="zh-CN" altLang="en-US" b="1" dirty="0" smtClean="0"/>
+              <a:t>发送帧</a:t>
+            </a:r>
+            <a:endParaRPr lang="zh-CN" altLang="en-US" b="1" dirty="0"/>
+          </a:p>
+        </p:txBody>
+      </p:sp>
+      <p:cxnSp>
+        <p:nvCxnSpPr>
+          <p:cNvPr id="14" name="直接箭头连接符 13"/>
+          <p:cNvCxnSpPr>
+            <a:stCxn id="12" idx="1"/>
+          </p:cNvCxnSpPr>
+          <p:nvPr/>
+        </p:nvCxnSpPr>
+        <p:spPr>
+          <a:xfrm flipH="1">
+            <a:off x="7367451" y="3030583"/>
+            <a:ext cx="1863635" cy="13063"/>
+          </a:xfrm>
+          <a:prstGeom prst="straightConnector1">
+            <a:avLst/>
+          </a:prstGeom>
+          <a:ln>
+            <a:solidFill>
+              <a:srgbClr val="FF0000"/>
+            </a:solidFill>
+            <a:tailEnd type="triangle"/>
+          </a:ln>
+        </p:spPr>
+        <p:style>
+          <a:lnRef idx="1">
+            <a:schemeClr val="accent1"/>
+          </a:lnRef>
+          <a:fillRef idx="0">
+            <a:schemeClr val="accent1"/>
+          </a:fillRef>
+          <a:effectRef idx="0">
+            <a:schemeClr val="accent1"/>
+          </a:effectRef>
+          <a:fontRef idx="minor">
+            <a:schemeClr val="tx1"/>
+          </a:fontRef>
+        </p:style>
+      </p:cxnSp>
+      <p:sp>
+        <p:nvSpPr>
+          <p:cNvPr id="15" name="矩形 14"/>
+          <p:cNvSpPr/>
+          <p:nvPr/>
+        </p:nvSpPr>
+        <p:spPr>
+          <a:xfrm>
+            <a:off x="9231086" y="3831276"/>
+            <a:ext cx="1227908" cy="548640"/>
+          </a:xfrm>
+          <a:prstGeom prst="rect">
+            <a:avLst/>
+          </a:prstGeom>
+        </p:spPr>
+        <p:style>
+          <a:lnRef idx="2">
+            <a:schemeClr val="dk1"/>
+          </a:lnRef>
+          <a:fillRef idx="1">
+            <a:schemeClr val="lt1"/>
+          </a:fillRef>
+          <a:effectRef idx="0">
+            <a:schemeClr val="dk1"/>
+          </a:effectRef>
+          <a:fontRef idx="minor">
+            <a:schemeClr val="dk1"/>
+          </a:fontRef>
+        </p:style>
+        <p:txBody>
+          <a:bodyPr rtlCol="0" anchor="ctr"/>
+          <a:lstStyle/>
+          <a:p>
+            <a:pPr algn="ctr"/>
+            <a:r>
+              <a:rPr lang="zh-CN" altLang="en-US" b="1" dirty="0" smtClean="0"/>
+              <a:t>接收的数串</a:t>
+            </a:r>
+            <a:endParaRPr lang="zh-CN" altLang="en-US" b="1" dirty="0"/>
+          </a:p>
+        </p:txBody>
+      </p:sp>
+      <p:cxnSp>
+        <p:nvCxnSpPr>
+          <p:cNvPr id="16" name="直接箭头连接符 15"/>
+          <p:cNvCxnSpPr>
+            <a:stCxn id="15" idx="1"/>
+          </p:cNvCxnSpPr>
+          <p:nvPr/>
+        </p:nvCxnSpPr>
+        <p:spPr>
+          <a:xfrm flipH="1">
+            <a:off x="5760720" y="4105596"/>
+            <a:ext cx="3470366" cy="0"/>
+          </a:xfrm>
+          <a:prstGeom prst="straightConnector1">
+            <a:avLst/>
+          </a:prstGeom>
+          <a:ln>
+            <a:solidFill>
+              <a:srgbClr val="FF0000"/>
+            </a:solidFill>
+            <a:tailEnd type="triangle"/>
+          </a:ln>
+        </p:spPr>
+        <p:style>
+          <a:lnRef idx="1">
+            <a:schemeClr val="accent1"/>
+          </a:lnRef>
+          <a:fillRef idx="0">
+            <a:schemeClr val="accent1"/>
+          </a:fillRef>
+          <a:effectRef idx="0">
+            <a:schemeClr val="accent1"/>
+          </a:effectRef>
+          <a:fontRef idx="minor">
+            <a:schemeClr val="tx1"/>
+          </a:fontRef>
+        </p:style>
+      </p:cxnSp>
+      <p:sp>
+        <p:nvSpPr>
+          <p:cNvPr id="18" name="矩形 17"/>
+          <p:cNvSpPr/>
+          <p:nvPr/>
+        </p:nvSpPr>
+        <p:spPr>
+          <a:xfrm>
+            <a:off x="9231086" y="5277394"/>
+            <a:ext cx="1227908" cy="535577"/>
+          </a:xfrm>
+          <a:prstGeom prst="rect">
+            <a:avLst/>
+          </a:prstGeom>
+          <a:ln/>
+        </p:spPr>
+        <p:style>
+          <a:lnRef idx="2">
+            <a:schemeClr val="dk1"/>
+          </a:lnRef>
+          <a:fillRef idx="1">
+            <a:schemeClr val="lt1"/>
+          </a:fillRef>
+          <a:effectRef idx="0">
+            <a:schemeClr val="dk1"/>
+          </a:effectRef>
+          <a:fontRef idx="minor">
+            <a:schemeClr val="dk1"/>
+          </a:fontRef>
+        </p:style>
+        <p:txBody>
+          <a:bodyPr rtlCol="0" anchor="ctr"/>
+          <a:lstStyle/>
+          <a:p>
+            <a:pPr algn="ctr"/>
+            <a:r>
+              <a:rPr lang="zh-CN" altLang="en-US" b="1" dirty="0" smtClean="0"/>
+              <a:t>余数不为</a:t>
+            </a:r>
+            <a:r>
+              <a:rPr lang="en-US" altLang="zh-CN" b="1" dirty="0" smtClean="0"/>
+              <a:t>0</a:t>
+            </a:r>
+            <a:endParaRPr lang="zh-CN" altLang="en-US" b="1" dirty="0"/>
+          </a:p>
+        </p:txBody>
+      </p:sp>
+      <p:cxnSp>
+        <p:nvCxnSpPr>
+          <p:cNvPr id="20" name="直接箭头连接符 19"/>
+          <p:cNvCxnSpPr>
+            <a:stCxn id="18" idx="1"/>
+          </p:cNvCxnSpPr>
+          <p:nvPr/>
+        </p:nvCxnSpPr>
+        <p:spPr>
+          <a:xfrm flipH="1" flipV="1">
+            <a:off x="3905794" y="5441866"/>
+            <a:ext cx="5325292" cy="103317"/>
+          </a:xfrm>
+          <a:prstGeom prst="straightConnector1">
+            <a:avLst/>
+          </a:prstGeom>
+          <a:ln>
+            <a:solidFill>
+              <a:srgbClr val="FF0000"/>
+            </a:solidFill>
+            <a:tailEnd type="triangle"/>
+          </a:ln>
+        </p:spPr>
+        <p:style>
+          <a:lnRef idx="1">
+            <a:schemeClr val="accent1"/>
+          </a:lnRef>
+          <a:fillRef idx="0">
+            <a:schemeClr val="accent1"/>
+          </a:fillRef>
+          <a:effectRef idx="0">
+            <a:schemeClr val="accent1"/>
+          </a:effectRef>
+          <a:fontRef idx="minor">
+            <a:schemeClr val="tx1"/>
+          </a:fontRef>
+        </p:style>
+      </p:cxnSp>
     </p:spTree>
     <p:extLst>
       <p:ext uri="{BB962C8B-B14F-4D97-AF65-F5344CB8AC3E}">
@@ -16432,10 +17802,10 @@
           <a:lstStyle/>
           <a:p>
             <a:r>
-              <a:rPr lang="zh-CN" altLang="en-US" dirty="0" smtClean="0"/>
+              <a:rPr lang="zh-CN" altLang="en-US" b="1" dirty="0" smtClean="0"/>
               <a:t>比特填充</a:t>
             </a:r>
-            <a:endParaRPr lang="en-US" altLang="zh-CN" dirty="0" smtClean="0"/>
+            <a:endParaRPr lang="en-US" altLang="zh-CN" b="1" dirty="0" smtClean="0"/>
           </a:p>
         </p:txBody>
       </p:sp>
@@ -16472,30 +17842,30 @@
           <a:lstStyle/>
           <a:p>
             <a:r>
-              <a:rPr lang="zh-CN" altLang="en-US" dirty="0" smtClean="0"/>
+              <a:rPr lang="zh-CN" altLang="en-US" b="1" dirty="0" smtClean="0"/>
               <a:t>数据遇到连续</a:t>
             </a:r>
             <a:r>
-              <a:rPr lang="en-US" altLang="zh-CN" dirty="0" smtClean="0"/>
+              <a:rPr lang="en-US" altLang="zh-CN" b="1" dirty="0" smtClean="0"/>
               <a:t>5</a:t>
             </a:r>
             <a:r>
-              <a:rPr lang="zh-CN" altLang="en-US" dirty="0" smtClean="0"/>
+              <a:rPr lang="zh-CN" altLang="en-US" b="1" dirty="0" smtClean="0"/>
               <a:t>个</a:t>
             </a:r>
             <a:r>
-              <a:rPr lang="en-US" altLang="zh-CN" dirty="0" smtClean="0"/>
+              <a:rPr lang="en-US" altLang="zh-CN" b="1" dirty="0" smtClean="0"/>
               <a:t>1</a:t>
             </a:r>
             <a:r>
-              <a:rPr lang="zh-CN" altLang="en-US" dirty="0" smtClean="0"/>
+              <a:rPr lang="zh-CN" altLang="en-US" b="1" dirty="0" smtClean="0"/>
               <a:t>，添</a:t>
             </a:r>
             <a:r>
-              <a:rPr lang="en-US" altLang="zh-CN" dirty="0" smtClean="0"/>
+              <a:rPr lang="en-US" altLang="zh-CN" b="1" dirty="0" smtClean="0"/>
               <a:t>0</a:t>
             </a:r>
-            <a:endParaRPr lang="en-US" altLang="zh-CN" dirty="0"/>
+            <a:endParaRPr lang="en-US" altLang="zh-CN" b="1" dirty="0"/>
           </a:p>
         </p:txBody>
       </p:sp>
@@ -16532,30 +17902,30 @@
           <a:lstStyle/>
           <a:p>
             <a:r>
-              <a:rPr lang="zh-CN" altLang="en-US" dirty="0"/>
+              <a:rPr lang="zh-CN" altLang="en-US" b="1" dirty="0"/>
               <a:t>数据遇到连续</a:t>
             </a:r>
             <a:r>
-              <a:rPr lang="en-US" altLang="zh-CN" dirty="0"/>
+              <a:rPr lang="en-US" altLang="zh-CN" b="1" dirty="0"/>
               <a:t>5</a:t>
             </a:r>
             <a:r>
-              <a:rPr lang="zh-CN" altLang="en-US" dirty="0"/>
+              <a:rPr lang="zh-CN" altLang="en-US" b="1" dirty="0"/>
               <a:t>个</a:t>
             </a:r>
             <a:r>
-              <a:rPr lang="en-US" altLang="zh-CN" dirty="0"/>
+              <a:rPr lang="en-US" altLang="zh-CN" b="1" dirty="0"/>
               <a:t>1</a:t>
             </a:r>
             <a:r>
-              <a:rPr lang="zh-CN" altLang="en-US" dirty="0" smtClean="0"/>
+              <a:rPr lang="zh-CN" altLang="en-US" b="1" dirty="0" smtClean="0"/>
               <a:t>，剔除</a:t>
             </a:r>
             <a:r>
-              <a:rPr lang="en-US" altLang="zh-CN" dirty="0" smtClean="0"/>
+              <a:rPr lang="en-US" altLang="zh-CN" b="1" dirty="0" smtClean="0"/>
               <a:t>0</a:t>
             </a:r>
-            <a:endParaRPr lang="en-US" altLang="zh-CN" dirty="0"/>
+            <a:endParaRPr lang="en-US" altLang="zh-CN" b="1" dirty="0"/>
           </a:p>
         </p:txBody>
       </p:sp>
@@ -16592,14 +17962,14 @@
           <a:lstStyle/>
           <a:p>
             <a:r>
-              <a:rPr lang="zh-CN" altLang="en-US" dirty="0"/>
+              <a:rPr lang="zh-CN" altLang="en-US" b="1" dirty="0"/>
               <a:t>比特</a:t>
             </a:r>
             <a:r>
-              <a:rPr lang="zh-CN" altLang="en-US" dirty="0" smtClean="0"/>
+              <a:rPr lang="zh-CN" altLang="en-US" b="1" dirty="0" smtClean="0"/>
               <a:t>填充复原</a:t>
             </a:r>
-            <a:endParaRPr lang="en-US" altLang="zh-CN" dirty="0"/>
+            <a:endParaRPr lang="en-US" altLang="zh-CN" b="1" dirty="0"/>
           </a:p>
         </p:txBody>
       </p:sp>
@@ -16636,10 +18006,10 @@
           <a:lstStyle/>
           <a:p>
             <a:r>
-              <a:rPr lang="zh-CN" altLang="en-US" dirty="0" smtClean="0"/>
+              <a:rPr lang="zh-CN" altLang="en-US" b="1" dirty="0" smtClean="0"/>
               <a:t>字节填充</a:t>
             </a:r>
-            <a:endParaRPr lang="en-US" altLang="zh-CN" dirty="0"/>
+            <a:endParaRPr lang="en-US" altLang="zh-CN" b="1" dirty="0"/>
           </a:p>
         </p:txBody>
       </p:sp>
@@ -16675,7 +18045,11 @@
           </a:bodyPr>
           <a:lstStyle/>
           <a:p>
-            <a:endParaRPr lang="en-US" altLang="zh-CN" dirty="0"/>
+            <a:r>
+              <a:rPr lang="zh-CN" altLang="en-US" b="1" dirty="0" smtClean="0"/>
+              <a:t>添加转义字和标志字</a:t>
+            </a:r>
+            <a:endParaRPr lang="en-US" altLang="zh-CN" b="1" dirty="0"/>
           </a:p>
         </p:txBody>
       </p:sp>
@@ -16862,10 +18236,10 @@
           <a:lstStyle/>
           <a:p>
             <a:r>
-              <a:rPr lang="zh-CN" altLang="en-US" dirty="0" smtClean="0"/>
+              <a:rPr lang="zh-CN" altLang="en-US" b="1" dirty="0" smtClean="0"/>
               <a:t>字节填充复原</a:t>
             </a:r>
-            <a:endParaRPr lang="en-US" altLang="zh-CN" dirty="0"/>
+            <a:endParaRPr lang="en-US" altLang="zh-CN" b="1" dirty="0"/>
           </a:p>
         </p:txBody>
       </p:sp>
@@ -16877,7 +18251,7 @@
         </p:nvSpPr>
         <p:spPr>
           <a:xfrm>
-            <a:off x="6441944" y="5049957"/>
+            <a:off x="6455007" y="5049957"/>
             <a:ext cx="2564704" cy="369332"/>
           </a:xfrm>
           <a:prstGeom prst="rect">
@@ -16901,7 +18275,19 @@
           </a:bodyPr>
           <a:lstStyle/>
           <a:p>
-            <a:endParaRPr lang="en-US" altLang="zh-CN" dirty="0"/>
+            <a:r>
+              <a:rPr lang="zh-CN" altLang="en-US" b="1" dirty="0"/>
+              <a:t>剔除</a:t>
+            </a:r>
+            <a:r>
+              <a:rPr lang="zh-CN" altLang="en-US" b="1" dirty="0" smtClean="0"/>
+              <a:t>转义</a:t>
+            </a:r>
+            <a:r>
+              <a:rPr lang="zh-CN" altLang="en-US" b="1" dirty="0"/>
+              <a:t>字和标志字</a:t>
+            </a:r>
+            <a:endParaRPr lang="en-US" altLang="zh-CN" b="1" dirty="0"/>
           </a:p>
         </p:txBody>
       </p:sp>
